--- a/Intuit_Rate_Limiter_Craft_Demo.pptx
+++ b/Intuit_Rate_Limiter_Craft_Demo.pptx
@@ -14,53 +14,55 @@
     <p:sldId id="262" r:id="rId8"/>
     <p:sldId id="264" r:id="rId9"/>
     <p:sldId id="265" r:id="rId10"/>
-    <p:sldId id="266" r:id="rId11"/>
-    <p:sldId id="267" r:id="rId12"/>
-    <p:sldId id="268" r:id="rId13"/>
-    <p:sldId id="269" r:id="rId14"/>
-    <p:sldId id="270" r:id="rId15"/>
-    <p:sldId id="271" r:id="rId16"/>
-    <p:sldId id="272" r:id="rId17"/>
-    <p:sldId id="273" r:id="rId18"/>
-    <p:sldId id="274" r:id="rId19"/>
+    <p:sldId id="276" r:id="rId11"/>
+    <p:sldId id="275" r:id="rId12"/>
+    <p:sldId id="266" r:id="rId13"/>
+    <p:sldId id="267" r:id="rId14"/>
+    <p:sldId id="268" r:id="rId15"/>
+    <p:sldId id="269" r:id="rId16"/>
+    <p:sldId id="270" r:id="rId17"/>
+    <p:sldId id="271" r:id="rId18"/>
+    <p:sldId id="272" r:id="rId19"/>
+    <p:sldId id="273" r:id="rId20"/>
+    <p:sldId id="274" r:id="rId21"/>
   </p:sldIdLst>
   <p:sldSz cx="18288000" cy="10287000"/>
   <p:notesSz cx="6858000" cy="9144000"/>
   <p:embeddedFontLst>
     <p:embeddedFont>
       <p:font typeface="Calibri" panose="020F0502020204030204" pitchFamily="34" charset="0"/>
-      <p:regular r:id="rId20"/>
-      <p:bold r:id="rId21"/>
-      <p:italic r:id="rId22"/>
-      <p:boldItalic r:id="rId23"/>
+      <p:regular r:id="rId22"/>
+      <p:bold r:id="rId23"/>
+      <p:italic r:id="rId24"/>
+      <p:boldItalic r:id="rId25"/>
     </p:embeddedFont>
     <p:embeddedFont>
       <p:font typeface="Canva Sans" panose="020B0604020202020204" charset="0"/>
-      <p:regular r:id="rId24"/>
+      <p:regular r:id="rId26"/>
     </p:embeddedFont>
     <p:embeddedFont>
       <p:font typeface="Canva Sans Bold" panose="020B0604020202020204" charset="0"/>
-      <p:regular r:id="rId25"/>
+      <p:regular r:id="rId27"/>
     </p:embeddedFont>
     <p:embeddedFont>
       <p:font typeface="DM Serif Display" pitchFamily="2" charset="0"/>
-      <p:regular r:id="rId26"/>
-      <p:italic r:id="rId27"/>
+      <p:regular r:id="rId28"/>
+      <p:italic r:id="rId29"/>
     </p:embeddedFont>
     <p:embeddedFont>
       <p:font typeface="Playfair Display" panose="00000500000000000000" pitchFamily="2" charset="0"/>
-      <p:regular r:id="rId28"/>
-      <p:bold r:id="rId29"/>
-      <p:italic r:id="rId30"/>
-      <p:boldItalic r:id="rId31"/>
+      <p:regular r:id="rId30"/>
+      <p:bold r:id="rId31"/>
+      <p:italic r:id="rId32"/>
+      <p:boldItalic r:id="rId33"/>
     </p:embeddedFont>
     <p:embeddedFont>
       <p:font typeface="Public Sans" panose="020B0604020202020204" charset="0"/>
-      <p:regular r:id="rId32"/>
+      <p:regular r:id="rId34"/>
     </p:embeddedFont>
     <p:embeddedFont>
       <p:font typeface="Public Sans Bold" panose="020B0604020202020204" charset="0"/>
-      <p:regular r:id="rId33"/>
+      <p:regular r:id="rId35"/>
     </p:embeddedFont>
   </p:embeddedFontLst>
   <p:defaultTextStyle>
@@ -357,7 +359,7 @@
             <a:fld id="{1D8BD707-D9CF-40AE-B4C6-C98DA3205C09}" type="datetimeFigureOut">
               <a:rPr lang="en-US" smtClean="0"/>
               <a:pPr/>
-              <a:t>1/4/2024</a:t>
+              <a:t>1/5/2024</a:t>
             </a:fld>
             <a:endParaRPr lang="en-US"/>
           </a:p>
@@ -522,7 +524,7 @@
             <a:fld id="{1D8BD707-D9CF-40AE-B4C6-C98DA3205C09}" type="datetimeFigureOut">
               <a:rPr lang="en-US" smtClean="0"/>
               <a:pPr/>
-              <a:t>1/4/2024</a:t>
+              <a:t>1/5/2024</a:t>
             </a:fld>
             <a:endParaRPr lang="en-US"/>
           </a:p>
@@ -697,7 +699,7 @@
             <a:fld id="{1D8BD707-D9CF-40AE-B4C6-C98DA3205C09}" type="datetimeFigureOut">
               <a:rPr lang="en-US" smtClean="0"/>
               <a:pPr/>
-              <a:t>1/4/2024</a:t>
+              <a:t>1/5/2024</a:t>
             </a:fld>
             <a:endParaRPr lang="en-US"/>
           </a:p>
@@ -862,7 +864,7 @@
             <a:fld id="{1D8BD707-D9CF-40AE-B4C6-C98DA3205C09}" type="datetimeFigureOut">
               <a:rPr lang="en-US" smtClean="0"/>
               <a:pPr/>
-              <a:t>1/4/2024</a:t>
+              <a:t>1/5/2024</a:t>
             </a:fld>
             <a:endParaRPr lang="en-US"/>
           </a:p>
@@ -1104,7 +1106,7 @@
             <a:fld id="{1D8BD707-D9CF-40AE-B4C6-C98DA3205C09}" type="datetimeFigureOut">
               <a:rPr lang="en-US" smtClean="0"/>
               <a:pPr/>
-              <a:t>1/4/2024</a:t>
+              <a:t>1/5/2024</a:t>
             </a:fld>
             <a:endParaRPr lang="en-US"/>
           </a:p>
@@ -1386,7 +1388,7 @@
             <a:fld id="{1D8BD707-D9CF-40AE-B4C6-C98DA3205C09}" type="datetimeFigureOut">
               <a:rPr lang="en-US" smtClean="0"/>
               <a:pPr/>
-              <a:t>1/4/2024</a:t>
+              <a:t>1/5/2024</a:t>
             </a:fld>
             <a:endParaRPr lang="en-US"/>
           </a:p>
@@ -1802,7 +1804,7 @@
             <a:fld id="{1D8BD707-D9CF-40AE-B4C6-C98DA3205C09}" type="datetimeFigureOut">
               <a:rPr lang="en-US" smtClean="0"/>
               <a:pPr/>
-              <a:t>1/4/2024</a:t>
+              <a:t>1/5/2024</a:t>
             </a:fld>
             <a:endParaRPr lang="en-US"/>
           </a:p>
@@ -1916,7 +1918,7 @@
             <a:fld id="{1D8BD707-D9CF-40AE-B4C6-C98DA3205C09}" type="datetimeFigureOut">
               <a:rPr lang="en-US" smtClean="0"/>
               <a:pPr/>
-              <a:t>1/4/2024</a:t>
+              <a:t>1/5/2024</a:t>
             </a:fld>
             <a:endParaRPr lang="en-US"/>
           </a:p>
@@ -2008,7 +2010,7 @@
             <a:fld id="{1D8BD707-D9CF-40AE-B4C6-C98DA3205C09}" type="datetimeFigureOut">
               <a:rPr lang="en-US" smtClean="0"/>
               <a:pPr/>
-              <a:t>1/4/2024</a:t>
+              <a:t>1/5/2024</a:t>
             </a:fld>
             <a:endParaRPr lang="en-US"/>
           </a:p>
@@ -2280,7 +2282,7 @@
             <a:fld id="{1D8BD707-D9CF-40AE-B4C6-C98DA3205C09}" type="datetimeFigureOut">
               <a:rPr lang="en-US" smtClean="0"/>
               <a:pPr/>
-              <a:t>1/4/2024</a:t>
+              <a:t>1/5/2024</a:t>
             </a:fld>
             <a:endParaRPr lang="en-US"/>
           </a:p>
@@ -2529,7 +2531,7 @@
             <a:fld id="{1D8BD707-D9CF-40AE-B4C6-C98DA3205C09}" type="datetimeFigureOut">
               <a:rPr lang="en-US" smtClean="0"/>
               <a:pPr/>
-              <a:t>1/4/2024</a:t>
+              <a:t>1/5/2024</a:t>
             </a:fld>
             <a:endParaRPr lang="en-US"/>
           </a:p>
@@ -2737,7 +2739,7 @@
             <a:fld id="{1D8BD707-D9CF-40AE-B4C6-C98DA3205C09}" type="datetimeFigureOut">
               <a:rPr lang="en-US" smtClean="0"/>
               <a:pPr/>
-              <a:t>1/4/2024</a:t>
+              <a:t>1/5/2024</a:t>
             </a:fld>
             <a:endParaRPr lang="en-US"/>
           </a:p>
@@ -3251,112 +3253,88 @@
       </p:grpSpPr>
       <p:sp>
         <p:nvSpPr>
-          <p:cNvPr id="4" name="TextBox 4"/>
+          <p:cNvPr id="6" name="TextBox 5">
+            <a:extLst>
+              <a:ext uri="{FF2B5EF4-FFF2-40B4-BE49-F238E27FC236}">
+                <a16:creationId xmlns:a16="http://schemas.microsoft.com/office/drawing/2014/main" id="{C6BFE099-8405-5C45-C652-2885AB49F37D}"/>
+              </a:ext>
+            </a:extLst>
+          </p:cNvPr>
           <p:cNvSpPr txBox="1"/>
           <p:nvPr/>
         </p:nvSpPr>
         <p:spPr>
           <a:xfrm>
-            <a:off x="1006882" y="531453"/>
-            <a:ext cx="16230600" cy="721626"/>
+            <a:off x="1371600" y="911851"/>
+            <a:ext cx="14630400" cy="5573257"/>
           </a:xfrm>
           <a:prstGeom prst="rect">
             <a:avLst/>
           </a:prstGeom>
+          <a:noFill/>
         </p:spPr>
         <p:txBody>
-          <a:bodyPr lIns="0" tIns="0" rIns="0" bIns="0" rtlCol="0" anchor="t">
+          <a:bodyPr wrap="square">
             <a:spAutoFit/>
           </a:bodyPr>
           <a:lstStyle/>
           <a:p>
             <a:pPr>
               <a:lnSpc>
-                <a:spcPts val="5900"/>
-              </a:lnSpc>
-              <a:spcBef>
-                <a:spcPct val="0"/>
-              </a:spcBef>
-            </a:pPr>
-            <a:r>
-              <a:rPr lang="en-US" sz="4214" spc="956">
-                <a:solidFill>
-                  <a:srgbClr val="2B2C30"/>
-                </a:solidFill>
-                <a:latin typeface="Public Sans Bold"/>
-              </a:rPr>
-              <a:t>RATE LIMITING ALGORITHM</a:t>
-            </a:r>
-          </a:p>
-        </p:txBody>
-      </p:sp>
-      <p:sp>
-        <p:nvSpPr>
-          <p:cNvPr id="5" name="AutoShape 5"/>
-          <p:cNvSpPr/>
-          <p:nvPr/>
-        </p:nvSpPr>
-        <p:spPr>
-          <a:xfrm flipV="1">
-            <a:off x="1006877" y="1257841"/>
-            <a:ext cx="16230594" cy="38509"/>
-          </a:xfrm>
-          <a:prstGeom prst="line">
-            <a:avLst/>
-          </a:prstGeom>
-          <a:ln w="9525" cap="flat">
-            <a:solidFill>
-              <a:srgbClr val="2B2C30"/>
-            </a:solidFill>
-            <a:prstDash val="solid"/>
-            <a:headEnd type="none" w="sm" len="sm"/>
-            <a:tailEnd type="none" w="sm" len="sm"/>
-          </a:ln>
-        </p:spPr>
-      </p:sp>
-      <p:sp>
-        <p:nvSpPr>
-          <p:cNvPr id="6" name="TextBox 6"/>
-          <p:cNvSpPr txBox="1"/>
-          <p:nvPr/>
-        </p:nvSpPr>
-        <p:spPr>
-          <a:xfrm>
-            <a:off x="1006877" y="1792785"/>
-            <a:ext cx="16230594" cy="4180840"/>
-          </a:xfrm>
-          <a:prstGeom prst="rect">
-            <a:avLst/>
-          </a:prstGeom>
-        </p:spPr>
-        <p:txBody>
-          <a:bodyPr lIns="0" tIns="0" rIns="0" bIns="0" rtlCol="0" anchor="t">
-            <a:spAutoFit/>
-          </a:bodyPr>
-          <a:lstStyle/>
+                <a:spcPct val="150000"/>
+              </a:lnSpc>
+            </a:pPr>
+            <a:r>
+              <a:rPr lang="en-US" sz="2400" dirty="0">
+                <a:solidFill>
+                  <a:srgbClr val="2B2C30"/>
+                </a:solidFill>
+                <a:latin typeface="Canva Sans"/>
+              </a:rPr>
+              <a:t>We are getting service rate limit and refresh interval from a Map.</a:t>
+            </a:r>
+          </a:p>
           <a:p>
             <a:pPr>
               <a:lnSpc>
-                <a:spcPts val="4759"/>
-              </a:lnSpc>
-            </a:pPr>
-            <a:r>
-              <a:rPr lang="en-US" sz="3399" dirty="0">
-                <a:solidFill>
-                  <a:srgbClr val="2B2C30"/>
-                </a:solidFill>
-                <a:latin typeface="Canva Sans"/>
-              </a:rPr>
-              <a:t>TOKEN BUCKET ALGORITHM</a:t>
+                <a:spcPct val="150000"/>
+              </a:lnSpc>
+            </a:pPr>
+            <a:r>
+              <a:rPr lang="en-US" sz="2400" dirty="0">
+                <a:solidFill>
+                  <a:srgbClr val="2B2C30"/>
+                </a:solidFill>
+                <a:latin typeface="Canva Sans"/>
+              </a:rPr>
+              <a:t>private Map&lt;String, </a:t>
+            </a:r>
+            <a:r>
+              <a:rPr lang="en-US" sz="2400" b="1" dirty="0">
+                <a:solidFill>
+                  <a:srgbClr val="2B2C30"/>
+                </a:solidFill>
+                <a:latin typeface="Canva Sans"/>
+              </a:rPr>
+              <a:t>Policy</a:t>
+            </a:r>
+            <a:r>
+              <a:rPr lang="en-US" sz="2400" dirty="0">
+                <a:solidFill>
+                  <a:srgbClr val="2B2C30"/>
+                </a:solidFill>
+                <a:latin typeface="Canva Sans"/>
+              </a:rPr>
+              <a:t>&gt; service = new HashMap&lt;&gt;();</a:t>
             </a:r>
           </a:p>
           <a:p>
             <a:pPr>
               <a:lnSpc>
-                <a:spcPts val="4759"/>
-              </a:lnSpc>
-            </a:pPr>
-            <a:endParaRPr lang="en-US" sz="3399" dirty="0">
+                <a:spcPct val="150000"/>
+              </a:lnSpc>
+            </a:pPr>
+            <a:endParaRPr lang="en-US" sz="2400" dirty="0">
               <a:solidFill>
                 <a:srgbClr val="2B2C30"/>
               </a:solidFill>
@@ -3366,26 +3344,60 @@
           <a:p>
             <a:pPr>
               <a:lnSpc>
-                <a:spcPts val="4759"/>
-              </a:lnSpc>
-            </a:pPr>
-            <a:r>
-              <a:rPr lang="en-US" sz="3399" dirty="0">
-                <a:solidFill>
-                  <a:srgbClr val="2B2C30"/>
-                </a:solidFill>
-                <a:latin typeface="Canva Sans"/>
-              </a:rPr>
-              <a:t>SLIDING LOG ALGORITHM </a:t>
+                <a:spcPct val="150000"/>
+              </a:lnSpc>
+            </a:pPr>
+            <a:r>
+              <a:rPr lang="en-US" sz="2400" dirty="0">
+                <a:solidFill>
+                  <a:srgbClr val="2B2C30"/>
+                </a:solidFill>
+                <a:latin typeface="Canva Sans"/>
+              </a:rPr>
+              <a:t>And in case client rate specific limit and refresh interval has been put for client, we can fetch it from another Map.</a:t>
             </a:r>
           </a:p>
           <a:p>
             <a:pPr>
               <a:lnSpc>
-                <a:spcPts val="4759"/>
-              </a:lnSpc>
-            </a:pPr>
-            <a:endParaRPr lang="en-US" sz="3399" dirty="0">
+                <a:spcPct val="150000"/>
+              </a:lnSpc>
+            </a:pPr>
+            <a:r>
+              <a:rPr lang="en-US" sz="2400" dirty="0">
+                <a:solidFill>
+                  <a:srgbClr val="2B2C30"/>
+                </a:solidFill>
+                <a:latin typeface="Canva Sans"/>
+              </a:rPr>
+              <a:t> private Map&lt;String, </a:t>
+            </a:r>
+            <a:r>
+              <a:rPr lang="en-US" sz="2400" b="1" dirty="0" err="1">
+                <a:solidFill>
+                  <a:srgbClr val="2B2C30"/>
+                </a:solidFill>
+                <a:latin typeface="Canva Sans"/>
+              </a:rPr>
+              <a:t>ClientPolicy</a:t>
+            </a:r>
+            <a:r>
+              <a:rPr lang="en-US" sz="2400" dirty="0">
+                <a:solidFill>
+                  <a:srgbClr val="2B2C30"/>
+                </a:solidFill>
+                <a:latin typeface="Canva Sans"/>
+              </a:rPr>
+              <a:t>&gt; client = new HashMap&lt;&gt;();</a:t>
+            </a:r>
+          </a:p>
+          <a:p>
+            <a:pPr>
+              <a:lnSpc>
+                <a:spcPct val="150000"/>
+              </a:lnSpc>
+            </a:pPr>
+            <a:endParaRPr lang="en-US" sz="2400" dirty="0">
               <a:solidFill>
                 <a:srgbClr val="2B2C30"/>
               </a:solidFill>
@@ -3395,42 +3407,44 @@
           <a:p>
             <a:pPr>
               <a:lnSpc>
-                <a:spcPts val="4759"/>
-              </a:lnSpc>
-            </a:pPr>
-            <a:r>
-              <a:rPr lang="en-US" sz="3399" dirty="0">
-                <a:solidFill>
-                  <a:srgbClr val="2B2C30"/>
-                </a:solidFill>
-                <a:latin typeface="Canva Sans"/>
-              </a:rPr>
-              <a:t>FIXED WINDOW ALGORITHM (implemented)</a:t>
+                <a:spcPct val="150000"/>
+              </a:lnSpc>
+            </a:pPr>
+            <a:r>
+              <a:rPr lang="en-US" sz="2400" dirty="0">
+                <a:solidFill>
+                  <a:srgbClr val="2B2C30"/>
+                </a:solidFill>
+                <a:latin typeface="Canva Sans"/>
+              </a:rPr>
+              <a:t>So overall time complexity comes out to be O(1) to fetch the limit and </a:t>
+            </a:r>
+            <a:r>
+              <a:rPr lang="en-US" sz="2400" dirty="0" err="1">
+                <a:solidFill>
+                  <a:srgbClr val="2B2C30"/>
+                </a:solidFill>
+                <a:latin typeface="Canva Sans"/>
+              </a:rPr>
+              <a:t>refreshInterval</a:t>
+            </a:r>
+            <a:r>
+              <a:rPr lang="en-US" sz="2400" dirty="0">
+                <a:solidFill>
+                  <a:srgbClr val="2B2C30"/>
+                </a:solidFill>
+                <a:latin typeface="Canva Sans"/>
+              </a:rPr>
+              <a:t> for client/service.</a:t>
             </a:r>
           </a:p>
           <a:p>
             <a:pPr>
               <a:lnSpc>
-                <a:spcPts val="4759"/>
-              </a:lnSpc>
-            </a:pPr>
-            <a:r>
-              <a:rPr lang="en-US" sz="3399" dirty="0">
-                <a:solidFill>
-                  <a:srgbClr val="2B2C30"/>
-                </a:solidFill>
-                <a:latin typeface="Canva Sans"/>
-              </a:rPr>
-              <a:t>SLIDING WINDOW ALGORITHM (implemented)</a:t>
-            </a:r>
-          </a:p>
-          <a:p>
-            <a:pPr>
-              <a:lnSpc>
-                <a:spcPts val="4759"/>
-              </a:lnSpc>
-            </a:pPr>
-            <a:endParaRPr lang="en-US" sz="3399" dirty="0">
+                <a:spcPct val="150000"/>
+              </a:lnSpc>
+            </a:pPr>
+            <a:endParaRPr lang="en-US" sz="2400" dirty="0">
               <a:solidFill>
                 <a:srgbClr val="2B2C30"/>
               </a:solidFill>
@@ -3440,6 +3454,11 @@
         </p:txBody>
       </p:sp>
     </p:spTree>
+    <p:extLst>
+      <p:ext uri="{BB962C8B-B14F-4D97-AF65-F5344CB8AC3E}">
+        <p14:creationId xmlns:p14="http://schemas.microsoft.com/office/powerpoint/2010/main" val="3345876381"/>
+      </p:ext>
+    </p:extLst>
   </p:cSld>
   <p:clrMapOvr>
     <a:masterClrMapping/>
@@ -3450,14 +3469,6 @@
 <file path=ppt/slides/slide11.xml><?xml version="1.0" encoding="utf-8"?>
 <p:sld xmlns:a="http://schemas.openxmlformats.org/drawingml/2006/main" xmlns:r="http://schemas.openxmlformats.org/officeDocument/2006/relationships" xmlns:p="http://schemas.openxmlformats.org/presentationml/2006/main">
   <p:cSld>
-    <p:bg>
-      <p:bgPr>
-        <a:solidFill>
-          <a:srgbClr val="EFEEE7"/>
-        </a:solidFill>
-        <a:effectLst/>
-      </p:bgPr>
-    </p:bg>
     <p:spTree>
       <p:nvGrpSpPr>
         <p:cNvPr id="1" name=""/>
@@ -3472,1002 +3483,48 @@
           <a:chExt cx="0" cy="0"/>
         </a:xfrm>
       </p:grpSpPr>
-      <p:sp>
-        <p:nvSpPr>
-          <p:cNvPr id="2" name="TextBox 2"/>
-          <p:cNvSpPr txBox="1"/>
+      <p:pic>
+        <p:nvPicPr>
+          <p:cNvPr id="5" name="Picture 4">
+            <a:extLst>
+              <a:ext uri="{FF2B5EF4-FFF2-40B4-BE49-F238E27FC236}">
+                <a16:creationId xmlns:a16="http://schemas.microsoft.com/office/drawing/2014/main" id="{C144A45D-1F91-D8FF-B00A-C906C2CDEBCD}"/>
+              </a:ext>
+            </a:extLst>
+          </p:cNvPr>
+          <p:cNvPicPr>
+            <a:picLocks noChangeAspect="1"/>
+          </p:cNvPicPr>
           <p:nvPr/>
-        </p:nvSpPr>
+        </p:nvPicPr>
+        <p:blipFill>
+          <a:blip r:embed="rId2">
+            <a:extLst>
+              <a:ext uri="{28A0092B-C50C-407E-A947-70E740481C1C}">
+                <a14:useLocalDpi xmlns:a14="http://schemas.microsoft.com/office/drawing/2010/main" val="0"/>
+              </a:ext>
+            </a:extLst>
+          </a:blip>
+          <a:stretch>
+            <a:fillRect/>
+          </a:stretch>
+        </p:blipFill>
         <p:spPr>
           <a:xfrm>
-            <a:off x="762000" y="342900"/>
-            <a:ext cx="15811500" cy="575094"/>
+            <a:off x="33337" y="0"/>
+            <a:ext cx="18288000" cy="10401300"/>
           </a:xfrm>
           <a:prstGeom prst="rect">
             <a:avLst/>
           </a:prstGeom>
         </p:spPr>
-        <p:txBody>
-          <a:bodyPr wrap="square" lIns="0" tIns="0" rIns="0" bIns="0" rtlCol="0" anchor="t">
-            <a:spAutoFit/>
-          </a:bodyPr>
-          <a:lstStyle/>
-          <a:p>
-            <a:pPr>
-              <a:lnSpc>
-                <a:spcPts val="4798"/>
-              </a:lnSpc>
-            </a:pPr>
-            <a:r>
-              <a:rPr lang="en-US" sz="3427" dirty="0">
-                <a:solidFill>
-                  <a:srgbClr val="000000"/>
-                </a:solidFill>
-                <a:latin typeface="Canva Sans"/>
-              </a:rPr>
-              <a:t>FIXED WINDOW ALGORITHM: </a:t>
-            </a:r>
-          </a:p>
-        </p:txBody>
-      </p:sp>
-      <p:sp>
-        <p:nvSpPr>
-          <p:cNvPr id="11" name="Rectangle 3">
-            <a:extLst>
-              <a:ext uri="{FF2B5EF4-FFF2-40B4-BE49-F238E27FC236}">
-                <a16:creationId xmlns:a16="http://schemas.microsoft.com/office/drawing/2014/main" id="{C8CABC43-9595-FF97-3C3D-778741B8165E}"/>
-              </a:ext>
-            </a:extLst>
-          </p:cNvPr>
-          <p:cNvSpPr>
-            <a:spLocks noChangeArrowheads="1"/>
-          </p:cNvSpPr>
-          <p:nvPr/>
-        </p:nvSpPr>
-        <p:spPr bwMode="auto">
-          <a:xfrm>
-            <a:off x="762000" y="1104900"/>
-            <a:ext cx="14782800" cy="8985468"/>
-          </a:xfrm>
-          <a:prstGeom prst="rect">
-            <a:avLst/>
-          </a:prstGeom>
-          <a:noFill/>
-          <a:ln>
-            <a:noFill/>
-          </a:ln>
-          <a:effectLst/>
-        </p:spPr>
-        <p:txBody>
-          <a:bodyPr vert="horz" wrap="square" lIns="91440" tIns="45720" rIns="91440" bIns="45720" numCol="1" anchor="ctr" anchorCtr="0" compatLnSpc="1">
-            <a:prstTxWarp prst="textNoShape">
-              <a:avLst/>
-            </a:prstTxWarp>
-            <a:spAutoFit/>
-          </a:bodyPr>
-          <a:lstStyle/>
-          <a:p>
-            <a:pPr marL="0" marR="0" lvl="0" indent="0" algn="l" defTabSz="914400" rtl="0" eaLnBrk="0" fontAlgn="base" latinLnBrk="0" hangingPunct="0">
-              <a:lnSpc>
-                <a:spcPct val="100000"/>
-              </a:lnSpc>
-              <a:spcBef>
-                <a:spcPct val="0"/>
-              </a:spcBef>
-              <a:spcAft>
-                <a:spcPct val="0"/>
-              </a:spcAft>
-              <a:buClrTx/>
-              <a:buSzTx/>
-              <a:buFontTx/>
-              <a:buNone/>
-              <a:tabLst/>
-            </a:pPr>
-            <a:r>
-              <a:rPr kumimoji="0" lang="en-US" altLang="en-US" sz="2000" b="1" i="0" u="sng" strike="noStrike" cap="none" normalizeH="0" baseline="0" dirty="0">
-                <a:ln>
-                  <a:noFill/>
-                </a:ln>
-                <a:effectLst/>
-                <a:latin typeface="Canva Sans" panose="020B0604020202020204" charset="0"/>
-              </a:rPr>
-              <a:t>LUA SCRIPT :</a:t>
-            </a:r>
-          </a:p>
-          <a:p>
-            <a:pPr marL="0" marR="0" lvl="0" indent="0" algn="l" defTabSz="914400" rtl="0" eaLnBrk="0" fontAlgn="base" latinLnBrk="0" hangingPunct="0">
-              <a:lnSpc>
-                <a:spcPct val="100000"/>
-              </a:lnSpc>
-              <a:spcBef>
-                <a:spcPct val="0"/>
-              </a:spcBef>
-              <a:spcAft>
-                <a:spcPct val="0"/>
-              </a:spcAft>
-              <a:buClrTx/>
-              <a:buSzTx/>
-              <a:buFontTx/>
-              <a:buNone/>
-              <a:tabLst/>
-            </a:pPr>
-            <a:r>
-              <a:rPr kumimoji="0" lang="en-US" altLang="en-US" sz="2000" b="0" i="0" u="none" strike="noStrike" cap="none" normalizeH="0" baseline="0" dirty="0">
-                <a:ln>
-                  <a:noFill/>
-                </a:ln>
-                <a:effectLst/>
-                <a:latin typeface="Canva Sans" panose="020B0604020202020204" charset="0"/>
-              </a:rPr>
-              <a:t>local id = KEYS[</a:t>
-            </a:r>
-            <a:r>
-              <a:rPr kumimoji="0" lang="en-US" altLang="en-US" sz="2000" b="0" i="1" u="none" strike="noStrike" cap="none" normalizeH="0" baseline="0" dirty="0">
-                <a:ln>
-                  <a:noFill/>
-                </a:ln>
-                <a:effectLst/>
-                <a:latin typeface="Canva Sans" panose="020B0604020202020204" charset="0"/>
-              </a:rPr>
-              <a:t>1</a:t>
-            </a:r>
-            <a:r>
-              <a:rPr kumimoji="0" lang="en-US" altLang="en-US" sz="2000" b="0" i="0" u="none" strike="noStrike" cap="none" normalizeH="0" baseline="0" dirty="0">
-                <a:ln>
-                  <a:noFill/>
-                </a:ln>
-                <a:effectLst/>
-                <a:latin typeface="Canva Sans" panose="020B0604020202020204" charset="0"/>
-              </a:rPr>
-              <a:t>]</a:t>
-            </a:r>
-            <a:br>
-              <a:rPr kumimoji="0" lang="en-US" altLang="en-US" sz="2000" b="0" i="0" u="none" strike="noStrike" cap="none" normalizeH="0" baseline="0" dirty="0">
-                <a:ln>
-                  <a:noFill/>
-                </a:ln>
-                <a:effectLst/>
-                <a:latin typeface="Canva Sans" panose="020B0604020202020204" charset="0"/>
-              </a:rPr>
-            </a:br>
-            <a:r>
-              <a:rPr kumimoji="0" lang="en-US" altLang="en-US" sz="2000" b="0" i="0" u="none" strike="noStrike" cap="none" normalizeH="0" baseline="0" dirty="0">
-                <a:ln>
-                  <a:noFill/>
-                </a:ln>
-                <a:effectLst/>
-                <a:latin typeface="Canva Sans" panose="020B0604020202020204" charset="0"/>
-              </a:rPr>
-              <a:t>local limit = </a:t>
-            </a:r>
-            <a:r>
-              <a:rPr kumimoji="0" lang="en-US" altLang="en-US" sz="2000" b="0" i="0" u="none" strike="noStrike" cap="none" normalizeH="0" baseline="0" dirty="0" err="1">
-                <a:ln>
-                  <a:noFill/>
-                </a:ln>
-                <a:effectLst/>
-                <a:latin typeface="Canva Sans" panose="020B0604020202020204" charset="0"/>
-              </a:rPr>
-              <a:t>tonumber</a:t>
-            </a:r>
-            <a:r>
-              <a:rPr kumimoji="0" lang="en-US" altLang="en-US" sz="2000" b="0" i="0" u="none" strike="noStrike" cap="none" normalizeH="0" baseline="0" dirty="0">
-                <a:ln>
-                  <a:noFill/>
-                </a:ln>
-                <a:effectLst/>
-                <a:latin typeface="Canva Sans" panose="020B0604020202020204" charset="0"/>
-              </a:rPr>
-              <a:t>(ARGV[</a:t>
-            </a:r>
-            <a:r>
-              <a:rPr kumimoji="0" lang="en-US" altLang="en-US" sz="2000" b="0" i="1" u="none" strike="noStrike" cap="none" normalizeH="0" baseline="0" dirty="0">
-                <a:ln>
-                  <a:noFill/>
-                </a:ln>
-                <a:effectLst/>
-                <a:latin typeface="Canva Sans" panose="020B0604020202020204" charset="0"/>
-              </a:rPr>
-              <a:t>1</a:t>
-            </a:r>
-            <a:r>
-              <a:rPr kumimoji="0" lang="en-US" altLang="en-US" sz="2000" b="0" i="0" u="none" strike="noStrike" cap="none" normalizeH="0" baseline="0" dirty="0">
-                <a:ln>
-                  <a:noFill/>
-                </a:ln>
-                <a:effectLst/>
-                <a:latin typeface="Canva Sans" panose="020B0604020202020204" charset="0"/>
-              </a:rPr>
-              <a:t>])</a:t>
-            </a:r>
-            <a:br>
-              <a:rPr kumimoji="0" lang="en-US" altLang="en-US" sz="2000" b="0" i="0" u="none" strike="noStrike" cap="none" normalizeH="0" baseline="0" dirty="0">
-                <a:ln>
-                  <a:noFill/>
-                </a:ln>
-                <a:effectLst/>
-                <a:latin typeface="Canva Sans" panose="020B0604020202020204" charset="0"/>
-              </a:rPr>
-            </a:br>
-            <a:r>
-              <a:rPr kumimoji="0" lang="en-US" altLang="en-US" sz="2000" b="0" i="0" u="none" strike="noStrike" cap="none" normalizeH="0" baseline="0" dirty="0">
-                <a:ln>
-                  <a:noFill/>
-                </a:ln>
-                <a:effectLst/>
-                <a:latin typeface="Canva Sans" panose="020B0604020202020204" charset="0"/>
-              </a:rPr>
-              <a:t>local window = </a:t>
-            </a:r>
-            <a:r>
-              <a:rPr kumimoji="0" lang="en-US" altLang="en-US" sz="2000" b="0" i="0" u="none" strike="noStrike" cap="none" normalizeH="0" baseline="0" dirty="0" err="1">
-                <a:ln>
-                  <a:noFill/>
-                </a:ln>
-                <a:effectLst/>
-                <a:latin typeface="Canva Sans" panose="020B0604020202020204" charset="0"/>
-              </a:rPr>
-              <a:t>tonumber</a:t>
-            </a:r>
-            <a:r>
-              <a:rPr kumimoji="0" lang="en-US" altLang="en-US" sz="2000" b="0" i="0" u="none" strike="noStrike" cap="none" normalizeH="0" baseline="0" dirty="0">
-                <a:ln>
-                  <a:noFill/>
-                </a:ln>
-                <a:effectLst/>
-                <a:latin typeface="Canva Sans" panose="020B0604020202020204" charset="0"/>
-              </a:rPr>
-              <a:t>(ARGV[</a:t>
-            </a:r>
-            <a:r>
-              <a:rPr kumimoji="0" lang="en-US" altLang="en-US" sz="2000" b="0" i="1" u="none" strike="noStrike" cap="none" normalizeH="0" baseline="0" dirty="0">
-                <a:ln>
-                  <a:noFill/>
-                </a:ln>
-                <a:effectLst/>
-                <a:latin typeface="Canva Sans" panose="020B0604020202020204" charset="0"/>
-              </a:rPr>
-              <a:t>2</a:t>
-            </a:r>
-            <a:r>
-              <a:rPr kumimoji="0" lang="en-US" altLang="en-US" sz="2000" b="0" i="0" u="none" strike="noStrike" cap="none" normalizeH="0" baseline="0" dirty="0">
-                <a:ln>
-                  <a:noFill/>
-                </a:ln>
-                <a:effectLst/>
-                <a:latin typeface="Canva Sans" panose="020B0604020202020204" charset="0"/>
-              </a:rPr>
-              <a:t>])</a:t>
-            </a:r>
-            <a:br>
-              <a:rPr kumimoji="0" lang="en-US" altLang="en-US" sz="2000" b="0" i="0" u="none" strike="noStrike" cap="none" normalizeH="0" baseline="0" dirty="0">
-                <a:ln>
-                  <a:noFill/>
-                </a:ln>
-                <a:effectLst/>
-                <a:latin typeface="Canva Sans" panose="020B0604020202020204" charset="0"/>
-              </a:rPr>
-            </a:br>
-            <a:br>
-              <a:rPr kumimoji="0" lang="en-US" altLang="en-US" sz="2000" b="0" i="0" u="none" strike="noStrike" cap="none" normalizeH="0" baseline="0" dirty="0">
-                <a:ln>
-                  <a:noFill/>
-                </a:ln>
-                <a:effectLst/>
-                <a:latin typeface="Canva Sans" panose="020B0604020202020204" charset="0"/>
-              </a:rPr>
-            </a:br>
-            <a:r>
-              <a:rPr kumimoji="0" lang="en-US" altLang="en-US" sz="2000" b="0" i="0" u="none" strike="noStrike" cap="none" normalizeH="0" baseline="0" dirty="0">
-                <a:ln>
-                  <a:noFill/>
-                </a:ln>
-                <a:effectLst/>
-                <a:latin typeface="Canva Sans" panose="020B0604020202020204" charset="0"/>
-              </a:rPr>
-              <a:t>local function headers(limit, window, remaining)</a:t>
-            </a:r>
-            <a:br>
-              <a:rPr kumimoji="0" lang="en-US" altLang="en-US" sz="2000" b="0" i="0" u="none" strike="noStrike" cap="none" normalizeH="0" baseline="0" dirty="0">
-                <a:ln>
-                  <a:noFill/>
-                </a:ln>
-                <a:effectLst/>
-                <a:latin typeface="Canva Sans" panose="020B0604020202020204" charset="0"/>
-              </a:rPr>
-            </a:br>
-            <a:r>
-              <a:rPr kumimoji="0" lang="en-US" altLang="en-US" sz="2000" b="0" i="0" u="none" strike="noStrike" cap="none" normalizeH="0" baseline="0" dirty="0">
-                <a:ln>
-                  <a:noFill/>
-                </a:ln>
-                <a:effectLst/>
-                <a:latin typeface="Canva Sans" panose="020B0604020202020204" charset="0"/>
-              </a:rPr>
-              <a:t>  return {</a:t>
-            </a:r>
-            <a:br>
-              <a:rPr kumimoji="0" lang="en-US" altLang="en-US" sz="2000" b="0" i="0" u="none" strike="noStrike" cap="none" normalizeH="0" baseline="0" dirty="0">
-                <a:ln>
-                  <a:noFill/>
-                </a:ln>
-                <a:effectLst/>
-                <a:latin typeface="Canva Sans" panose="020B0604020202020204" charset="0"/>
-              </a:rPr>
-            </a:br>
-            <a:r>
-              <a:rPr kumimoji="0" lang="en-US" altLang="en-US" sz="2000" b="0" i="0" u="none" strike="noStrike" cap="none" normalizeH="0" baseline="0" dirty="0">
-                <a:ln>
-                  <a:noFill/>
-                </a:ln>
-                <a:effectLst/>
-                <a:latin typeface="Canva Sans" panose="020B0604020202020204" charset="0"/>
-              </a:rPr>
-              <a:t>    </a:t>
-            </a:r>
-            <a:r>
-              <a:rPr kumimoji="0" lang="en-US" altLang="en-US" sz="2000" b="0" i="0" u="none" strike="noStrike" cap="none" normalizeH="0" baseline="0" dirty="0" err="1">
-                <a:ln>
-                  <a:noFill/>
-                </a:ln>
-                <a:effectLst/>
-                <a:latin typeface="Canva Sans" panose="020B0604020202020204" charset="0"/>
-              </a:rPr>
-              <a:t>tostring</a:t>
-            </a:r>
-            <a:r>
-              <a:rPr kumimoji="0" lang="en-US" altLang="en-US" sz="2000" b="0" i="0" u="none" strike="noStrike" cap="none" normalizeH="0" baseline="0" dirty="0">
-                <a:ln>
-                  <a:noFill/>
-                </a:ln>
-                <a:effectLst/>
-                <a:latin typeface="Canva Sans" panose="020B0604020202020204" charset="0"/>
-              </a:rPr>
-              <a:t>(limit),</a:t>
-            </a:r>
-            <a:br>
-              <a:rPr kumimoji="0" lang="en-US" altLang="en-US" sz="2000" b="0" i="0" u="none" strike="noStrike" cap="none" normalizeH="0" baseline="0" dirty="0">
-                <a:ln>
-                  <a:noFill/>
-                </a:ln>
-                <a:effectLst/>
-                <a:latin typeface="Canva Sans" panose="020B0604020202020204" charset="0"/>
-              </a:rPr>
-            </a:br>
-            <a:r>
-              <a:rPr kumimoji="0" lang="en-US" altLang="en-US" sz="2000" b="0" i="0" u="none" strike="noStrike" cap="none" normalizeH="0" baseline="0" dirty="0">
-                <a:ln>
-                  <a:noFill/>
-                </a:ln>
-                <a:effectLst/>
-                <a:latin typeface="Canva Sans" panose="020B0604020202020204" charset="0"/>
-              </a:rPr>
-              <a:t>    </a:t>
-            </a:r>
-            <a:r>
-              <a:rPr kumimoji="0" lang="en-US" altLang="en-US" sz="2000" b="0" i="0" u="none" strike="noStrike" cap="none" normalizeH="0" baseline="0" dirty="0" err="1">
-                <a:ln>
-                  <a:noFill/>
-                </a:ln>
-                <a:effectLst/>
-                <a:latin typeface="Canva Sans" panose="020B0604020202020204" charset="0"/>
-              </a:rPr>
-              <a:t>tostring</a:t>
-            </a:r>
-            <a:r>
-              <a:rPr kumimoji="0" lang="en-US" altLang="en-US" sz="2000" b="0" i="0" u="none" strike="noStrike" cap="none" normalizeH="0" baseline="0" dirty="0">
-                <a:ln>
-                  <a:noFill/>
-                </a:ln>
-                <a:effectLst/>
-                <a:latin typeface="Canva Sans" panose="020B0604020202020204" charset="0"/>
-              </a:rPr>
-              <a:t>(window),</a:t>
-            </a:r>
-            <a:br>
-              <a:rPr kumimoji="0" lang="en-US" altLang="en-US" sz="2000" b="0" i="0" u="none" strike="noStrike" cap="none" normalizeH="0" baseline="0" dirty="0">
-                <a:ln>
-                  <a:noFill/>
-                </a:ln>
-                <a:effectLst/>
-                <a:latin typeface="Canva Sans" panose="020B0604020202020204" charset="0"/>
-              </a:rPr>
-            </a:br>
-            <a:r>
-              <a:rPr kumimoji="0" lang="en-US" altLang="en-US" sz="2000" b="0" i="0" u="none" strike="noStrike" cap="none" normalizeH="0" baseline="0" dirty="0">
-                <a:ln>
-                  <a:noFill/>
-                </a:ln>
-                <a:effectLst/>
-                <a:latin typeface="Canva Sans" panose="020B0604020202020204" charset="0"/>
-              </a:rPr>
-              <a:t>    </a:t>
-            </a:r>
-            <a:r>
-              <a:rPr kumimoji="0" lang="en-US" altLang="en-US" sz="2000" b="0" i="0" u="none" strike="noStrike" cap="none" normalizeH="0" baseline="0" dirty="0" err="1">
-                <a:ln>
-                  <a:noFill/>
-                </a:ln>
-                <a:effectLst/>
-                <a:latin typeface="Canva Sans" panose="020B0604020202020204" charset="0"/>
-              </a:rPr>
-              <a:t>tostring</a:t>
-            </a:r>
-            <a:r>
-              <a:rPr kumimoji="0" lang="en-US" altLang="en-US" sz="2000" b="0" i="0" u="none" strike="noStrike" cap="none" normalizeH="0" baseline="0" dirty="0">
-                <a:ln>
-                  <a:noFill/>
-                </a:ln>
-                <a:effectLst/>
-                <a:latin typeface="Canva Sans" panose="020B0604020202020204" charset="0"/>
-              </a:rPr>
-              <a:t>(remaining)</a:t>
-            </a:r>
-            <a:br>
-              <a:rPr kumimoji="0" lang="en-US" altLang="en-US" sz="2000" b="0" i="0" u="none" strike="noStrike" cap="none" normalizeH="0" baseline="0" dirty="0">
-                <a:ln>
-                  <a:noFill/>
-                </a:ln>
-                <a:effectLst/>
-                <a:latin typeface="Canva Sans" panose="020B0604020202020204" charset="0"/>
-              </a:rPr>
-            </a:br>
-            <a:r>
-              <a:rPr kumimoji="0" lang="en-US" altLang="en-US" sz="2000" b="0" i="0" u="none" strike="noStrike" cap="none" normalizeH="0" baseline="0" dirty="0">
-                <a:ln>
-                  <a:noFill/>
-                </a:ln>
-                <a:effectLst/>
-                <a:latin typeface="Canva Sans" panose="020B0604020202020204" charset="0"/>
-              </a:rPr>
-              <a:t>  }</a:t>
-            </a:r>
-            <a:br>
-              <a:rPr kumimoji="0" lang="en-US" altLang="en-US" sz="2000" b="0" i="0" u="none" strike="noStrike" cap="none" normalizeH="0" baseline="0" dirty="0">
-                <a:ln>
-                  <a:noFill/>
-                </a:ln>
-                <a:effectLst/>
-                <a:latin typeface="Canva Sans" panose="020B0604020202020204" charset="0"/>
-              </a:rPr>
-            </a:br>
-            <a:r>
-              <a:rPr kumimoji="0" lang="en-US" altLang="en-US" sz="2000" b="0" i="0" u="none" strike="noStrike" cap="none" normalizeH="0" baseline="0" dirty="0">
-                <a:ln>
-                  <a:noFill/>
-                </a:ln>
-                <a:effectLst/>
-                <a:latin typeface="Canva Sans" panose="020B0604020202020204" charset="0"/>
-              </a:rPr>
-              <a:t>end</a:t>
-            </a:r>
-            <a:br>
-              <a:rPr kumimoji="0" lang="en-US" altLang="en-US" sz="2000" b="0" i="0" u="none" strike="noStrike" cap="none" normalizeH="0" baseline="0" dirty="0">
-                <a:ln>
-                  <a:noFill/>
-                </a:ln>
-                <a:effectLst/>
-                <a:latin typeface="Canva Sans" panose="020B0604020202020204" charset="0"/>
-              </a:rPr>
-            </a:br>
-            <a:br>
-              <a:rPr kumimoji="0" lang="en-US" altLang="en-US" sz="2000" b="0" i="0" u="none" strike="noStrike" cap="none" normalizeH="0" baseline="0" dirty="0">
-                <a:ln>
-                  <a:noFill/>
-                </a:ln>
-                <a:effectLst/>
-                <a:latin typeface="Canva Sans" panose="020B0604020202020204" charset="0"/>
-              </a:rPr>
-            </a:br>
-            <a:r>
-              <a:rPr kumimoji="0" lang="en-US" altLang="en-US" sz="2000" b="0" i="0" u="none" strike="noStrike" cap="none" normalizeH="0" baseline="0" dirty="0">
-                <a:ln>
-                  <a:noFill/>
-                </a:ln>
-                <a:effectLst/>
-                <a:latin typeface="Canva Sans" panose="020B0604020202020204" charset="0"/>
-              </a:rPr>
-              <a:t>if </a:t>
-            </a:r>
-            <a:r>
-              <a:rPr kumimoji="0" lang="en-US" altLang="en-US" sz="2000" b="0" i="0" u="none" strike="noStrike" cap="none" normalizeH="0" baseline="0" dirty="0" err="1">
-                <a:ln>
-                  <a:noFill/>
-                </a:ln>
-                <a:effectLst/>
-                <a:latin typeface="Canva Sans" panose="020B0604020202020204" charset="0"/>
-              </a:rPr>
-              <a:t>redis.pcall</a:t>
-            </a:r>
-            <a:r>
-              <a:rPr kumimoji="0" lang="en-US" altLang="en-US" sz="2000" b="0" i="0" u="none" strike="noStrike" cap="none" normalizeH="0" baseline="0" dirty="0">
-                <a:ln>
-                  <a:noFill/>
-                </a:ln>
-                <a:effectLst/>
-                <a:latin typeface="Canva Sans" panose="020B0604020202020204" charset="0"/>
-              </a:rPr>
-              <a:t>('EXISTS', id) == </a:t>
-            </a:r>
-            <a:r>
-              <a:rPr kumimoji="0" lang="en-US" altLang="en-US" sz="2000" b="0" i="1" u="none" strike="noStrike" cap="none" normalizeH="0" baseline="0" dirty="0">
-                <a:ln>
-                  <a:noFill/>
-                </a:ln>
-                <a:effectLst/>
-                <a:latin typeface="Canva Sans" panose="020B0604020202020204" charset="0"/>
-              </a:rPr>
-              <a:t>1 </a:t>
-            </a:r>
-            <a:r>
-              <a:rPr kumimoji="0" lang="en-US" altLang="en-US" sz="2000" b="0" i="0" u="none" strike="noStrike" cap="none" normalizeH="0" baseline="0" dirty="0">
-                <a:ln>
-                  <a:noFill/>
-                </a:ln>
-                <a:effectLst/>
-                <a:latin typeface="Canva Sans" panose="020B0604020202020204" charset="0"/>
-              </a:rPr>
-              <a:t>then</a:t>
-            </a:r>
-            <a:br>
-              <a:rPr kumimoji="0" lang="en-US" altLang="en-US" sz="2000" b="0" i="0" u="none" strike="noStrike" cap="none" normalizeH="0" baseline="0" dirty="0">
-                <a:ln>
-                  <a:noFill/>
-                </a:ln>
-                <a:effectLst/>
-                <a:latin typeface="Canva Sans" panose="020B0604020202020204" charset="0"/>
-              </a:rPr>
-            </a:br>
-            <a:r>
-              <a:rPr kumimoji="0" lang="en-US" altLang="en-US" sz="2000" b="0" i="0" u="none" strike="noStrike" cap="none" normalizeH="0" baseline="0" dirty="0">
-                <a:ln>
-                  <a:noFill/>
-                </a:ln>
-                <a:effectLst/>
-                <a:latin typeface="Canva Sans" panose="020B0604020202020204" charset="0"/>
-              </a:rPr>
-              <a:t>  local count = </a:t>
-            </a:r>
-            <a:r>
-              <a:rPr kumimoji="0" lang="en-US" altLang="en-US" sz="2000" b="0" i="0" u="none" strike="noStrike" cap="none" normalizeH="0" baseline="0" dirty="0" err="1">
-                <a:ln>
-                  <a:noFill/>
-                </a:ln>
-                <a:effectLst/>
-                <a:latin typeface="Canva Sans" panose="020B0604020202020204" charset="0"/>
-              </a:rPr>
-              <a:t>redis.pcall</a:t>
-            </a:r>
-            <a:r>
-              <a:rPr kumimoji="0" lang="en-US" altLang="en-US" sz="2000" b="0" i="0" u="none" strike="noStrike" cap="none" normalizeH="0" baseline="0" dirty="0">
-                <a:ln>
-                  <a:noFill/>
-                </a:ln>
-                <a:effectLst/>
-                <a:latin typeface="Canva Sans" panose="020B0604020202020204" charset="0"/>
-              </a:rPr>
-              <a:t>('DECR', id)</a:t>
-            </a:r>
-            <a:br>
-              <a:rPr kumimoji="0" lang="en-US" altLang="en-US" sz="2000" b="0" i="0" u="none" strike="noStrike" cap="none" normalizeH="0" baseline="0" dirty="0">
-                <a:ln>
-                  <a:noFill/>
-                </a:ln>
-                <a:effectLst/>
-                <a:latin typeface="Canva Sans" panose="020B0604020202020204" charset="0"/>
-              </a:rPr>
-            </a:br>
-            <a:r>
-              <a:rPr kumimoji="0" lang="en-US" altLang="en-US" sz="2000" b="0" i="0" u="none" strike="noStrike" cap="none" normalizeH="0" baseline="0" dirty="0">
-                <a:ln>
-                  <a:noFill/>
-                </a:ln>
-                <a:effectLst/>
-                <a:latin typeface="Canva Sans" panose="020B0604020202020204" charset="0"/>
-              </a:rPr>
-              <a:t>  local </a:t>
-            </a:r>
-            <a:r>
-              <a:rPr kumimoji="0" lang="en-US" altLang="en-US" sz="2000" b="0" i="0" u="none" strike="noStrike" cap="none" normalizeH="0" baseline="0" dirty="0" err="1">
-                <a:ln>
-                  <a:noFill/>
-                </a:ln>
-                <a:effectLst/>
-                <a:latin typeface="Canva Sans" panose="020B0604020202020204" charset="0"/>
-              </a:rPr>
-              <a:t>ttl</a:t>
-            </a:r>
-            <a:r>
-              <a:rPr kumimoji="0" lang="en-US" altLang="en-US" sz="2000" b="0" i="0" u="none" strike="noStrike" cap="none" normalizeH="0" baseline="0" dirty="0">
-                <a:ln>
-                  <a:noFill/>
-                </a:ln>
-                <a:effectLst/>
-                <a:latin typeface="Canva Sans" panose="020B0604020202020204" charset="0"/>
-              </a:rPr>
-              <a:t> = </a:t>
-            </a:r>
-            <a:r>
-              <a:rPr kumimoji="0" lang="en-US" altLang="en-US" sz="2000" b="0" i="0" u="none" strike="noStrike" cap="none" normalizeH="0" baseline="0" dirty="0" err="1">
-                <a:ln>
-                  <a:noFill/>
-                </a:ln>
-                <a:effectLst/>
-                <a:latin typeface="Canva Sans" panose="020B0604020202020204" charset="0"/>
-              </a:rPr>
-              <a:t>redis.pcall</a:t>
-            </a:r>
-            <a:r>
-              <a:rPr kumimoji="0" lang="en-US" altLang="en-US" sz="2000" b="0" i="0" u="none" strike="noStrike" cap="none" normalizeH="0" baseline="0" dirty="0">
-                <a:ln>
-                  <a:noFill/>
-                </a:ln>
-                <a:effectLst/>
-                <a:latin typeface="Canva Sans" panose="020B0604020202020204" charset="0"/>
-              </a:rPr>
-              <a:t>('TTL', id)</a:t>
-            </a:r>
-            <a:br>
-              <a:rPr kumimoji="0" lang="en-US" altLang="en-US" sz="2000" b="0" i="0" u="none" strike="noStrike" cap="none" normalizeH="0" baseline="0" dirty="0">
-                <a:ln>
-                  <a:noFill/>
-                </a:ln>
-                <a:effectLst/>
-                <a:latin typeface="Canva Sans" panose="020B0604020202020204" charset="0"/>
-              </a:rPr>
-            </a:br>
-            <a:r>
-              <a:rPr kumimoji="0" lang="en-US" altLang="en-US" sz="2000" b="0" i="0" u="none" strike="noStrike" cap="none" normalizeH="0" baseline="0" dirty="0">
-                <a:ln>
-                  <a:noFill/>
-                </a:ln>
-                <a:effectLst/>
-                <a:latin typeface="Canva Sans" panose="020B0604020202020204" charset="0"/>
-              </a:rPr>
-              <a:t>  if count &gt;= </a:t>
-            </a:r>
-            <a:r>
-              <a:rPr kumimoji="0" lang="en-US" altLang="en-US" sz="2000" b="0" i="1" u="none" strike="noStrike" cap="none" normalizeH="0" baseline="0" dirty="0">
-                <a:ln>
-                  <a:noFill/>
-                </a:ln>
-                <a:effectLst/>
-                <a:latin typeface="Canva Sans" panose="020B0604020202020204" charset="0"/>
-              </a:rPr>
-              <a:t>0 </a:t>
-            </a:r>
-            <a:r>
-              <a:rPr kumimoji="0" lang="en-US" altLang="en-US" sz="2000" b="0" i="0" u="none" strike="noStrike" cap="none" normalizeH="0" baseline="0" dirty="0">
-                <a:ln>
-                  <a:noFill/>
-                </a:ln>
-                <a:effectLst/>
-                <a:latin typeface="Canva Sans" panose="020B0604020202020204" charset="0"/>
-              </a:rPr>
-              <a:t>then</a:t>
-            </a:r>
-            <a:br>
-              <a:rPr kumimoji="0" lang="en-US" altLang="en-US" sz="2000" b="0" i="0" u="none" strike="noStrike" cap="none" normalizeH="0" baseline="0" dirty="0">
-                <a:ln>
-                  <a:noFill/>
-                </a:ln>
-                <a:effectLst/>
-                <a:latin typeface="Canva Sans" panose="020B0604020202020204" charset="0"/>
-              </a:rPr>
-            </a:br>
-            <a:r>
-              <a:rPr kumimoji="0" lang="en-US" altLang="en-US" sz="2000" b="0" i="0" u="none" strike="noStrike" cap="none" normalizeH="0" baseline="0" dirty="0">
-                <a:ln>
-                  <a:noFill/>
-                </a:ln>
-                <a:effectLst/>
-                <a:latin typeface="Canva Sans" panose="020B0604020202020204" charset="0"/>
-              </a:rPr>
-              <a:t>    local h = headers(limit, </a:t>
-            </a:r>
-            <a:r>
-              <a:rPr kumimoji="0" lang="en-US" altLang="en-US" sz="2000" b="0" i="0" u="none" strike="noStrike" cap="none" normalizeH="0" baseline="0" dirty="0" err="1">
-                <a:ln>
-                  <a:noFill/>
-                </a:ln>
-                <a:effectLst/>
-                <a:latin typeface="Canva Sans" panose="020B0604020202020204" charset="0"/>
-              </a:rPr>
-              <a:t>ttl</a:t>
-            </a:r>
-            <a:r>
-              <a:rPr kumimoji="0" lang="en-US" altLang="en-US" sz="2000" b="0" i="0" u="none" strike="noStrike" cap="none" normalizeH="0" baseline="0" dirty="0">
-                <a:ln>
-                  <a:noFill/>
-                </a:ln>
-                <a:effectLst/>
-                <a:latin typeface="Canva Sans" panose="020B0604020202020204" charset="0"/>
-              </a:rPr>
-              <a:t>, count)</a:t>
-            </a:r>
-            <a:br>
-              <a:rPr kumimoji="0" lang="en-US" altLang="en-US" sz="2000" b="0" i="0" u="none" strike="noStrike" cap="none" normalizeH="0" baseline="0" dirty="0">
-                <a:ln>
-                  <a:noFill/>
-                </a:ln>
-                <a:effectLst/>
-                <a:latin typeface="Canva Sans" panose="020B0604020202020204" charset="0"/>
-              </a:rPr>
-            </a:br>
-            <a:r>
-              <a:rPr kumimoji="0" lang="en-US" altLang="en-US" sz="2000" b="0" i="0" u="none" strike="noStrike" cap="none" normalizeH="0" baseline="0" dirty="0">
-                <a:ln>
-                  <a:noFill/>
-                </a:ln>
-                <a:effectLst/>
-                <a:latin typeface="Canva Sans" panose="020B0604020202020204" charset="0"/>
-              </a:rPr>
-              <a:t>    return {'allow', h}</a:t>
-            </a:r>
-            <a:br>
-              <a:rPr kumimoji="0" lang="en-US" altLang="en-US" sz="2000" b="0" i="0" u="none" strike="noStrike" cap="none" normalizeH="0" baseline="0" dirty="0">
-                <a:ln>
-                  <a:noFill/>
-                </a:ln>
-                <a:effectLst/>
-                <a:latin typeface="Canva Sans" panose="020B0604020202020204" charset="0"/>
-              </a:rPr>
-            </a:br>
-            <a:r>
-              <a:rPr kumimoji="0" lang="en-US" altLang="en-US" sz="2000" b="0" i="0" u="none" strike="noStrike" cap="none" normalizeH="0" baseline="0" dirty="0">
-                <a:ln>
-                  <a:noFill/>
-                </a:ln>
-                <a:effectLst/>
-                <a:latin typeface="Canva Sans" panose="020B0604020202020204" charset="0"/>
-              </a:rPr>
-              <a:t>  else</a:t>
-            </a:r>
-            <a:br>
-              <a:rPr kumimoji="0" lang="en-US" altLang="en-US" sz="2000" b="0" i="0" u="none" strike="noStrike" cap="none" normalizeH="0" baseline="0" dirty="0">
-                <a:ln>
-                  <a:noFill/>
-                </a:ln>
-                <a:effectLst/>
-                <a:latin typeface="Canva Sans" panose="020B0604020202020204" charset="0"/>
-              </a:rPr>
-            </a:br>
-            <a:r>
-              <a:rPr kumimoji="0" lang="en-US" altLang="en-US" sz="2000" b="0" i="0" u="none" strike="noStrike" cap="none" normalizeH="0" baseline="0" dirty="0">
-                <a:ln>
-                  <a:noFill/>
-                </a:ln>
-                <a:effectLst/>
-                <a:latin typeface="Canva Sans" panose="020B0604020202020204" charset="0"/>
-              </a:rPr>
-              <a:t>    local h = headers(limit, </a:t>
-            </a:r>
-            <a:r>
-              <a:rPr kumimoji="0" lang="en-US" altLang="en-US" sz="2000" b="0" i="0" u="none" strike="noStrike" cap="none" normalizeH="0" baseline="0" dirty="0" err="1">
-                <a:ln>
-                  <a:noFill/>
-                </a:ln>
-                <a:effectLst/>
-                <a:latin typeface="Canva Sans" panose="020B0604020202020204" charset="0"/>
-              </a:rPr>
-              <a:t>ttl</a:t>
-            </a:r>
-            <a:r>
-              <a:rPr kumimoji="0" lang="en-US" altLang="en-US" sz="2000" b="0" i="0" u="none" strike="noStrike" cap="none" normalizeH="0" baseline="0" dirty="0">
-                <a:ln>
-                  <a:noFill/>
-                </a:ln>
-                <a:effectLst/>
-                <a:latin typeface="Canva Sans" panose="020B0604020202020204" charset="0"/>
-              </a:rPr>
-              <a:t>, </a:t>
-            </a:r>
-            <a:r>
-              <a:rPr kumimoji="0" lang="en-US" altLang="en-US" sz="2000" b="0" i="1" u="none" strike="noStrike" cap="none" normalizeH="0" baseline="0" dirty="0">
-                <a:ln>
-                  <a:noFill/>
-                </a:ln>
-                <a:effectLst/>
-                <a:latin typeface="Canva Sans" panose="020B0604020202020204" charset="0"/>
-              </a:rPr>
-              <a:t>0</a:t>
-            </a:r>
-            <a:r>
-              <a:rPr kumimoji="0" lang="en-US" altLang="en-US" sz="2000" b="0" i="0" u="none" strike="noStrike" cap="none" normalizeH="0" baseline="0" dirty="0">
-                <a:ln>
-                  <a:noFill/>
-                </a:ln>
-                <a:effectLst/>
-                <a:latin typeface="Canva Sans" panose="020B0604020202020204" charset="0"/>
-              </a:rPr>
-              <a:t>)</a:t>
-            </a:r>
-            <a:br>
-              <a:rPr kumimoji="0" lang="en-US" altLang="en-US" sz="2000" b="0" i="0" u="none" strike="noStrike" cap="none" normalizeH="0" baseline="0" dirty="0">
-                <a:ln>
-                  <a:noFill/>
-                </a:ln>
-                <a:effectLst/>
-                <a:latin typeface="Canva Sans" panose="020B0604020202020204" charset="0"/>
-              </a:rPr>
-            </a:br>
-            <a:r>
-              <a:rPr kumimoji="0" lang="en-US" altLang="en-US" sz="2000" b="0" i="0" u="none" strike="noStrike" cap="none" normalizeH="0" baseline="0" dirty="0">
-                <a:ln>
-                  <a:noFill/>
-                </a:ln>
-                <a:effectLst/>
-                <a:latin typeface="Canva Sans" panose="020B0604020202020204" charset="0"/>
-              </a:rPr>
-              <a:t>    return {'deny', h}</a:t>
-            </a:r>
-            <a:br>
-              <a:rPr kumimoji="0" lang="en-US" altLang="en-US" sz="2000" b="0" i="0" u="none" strike="noStrike" cap="none" normalizeH="0" baseline="0" dirty="0">
-                <a:ln>
-                  <a:noFill/>
-                </a:ln>
-                <a:effectLst/>
-                <a:latin typeface="Canva Sans" panose="020B0604020202020204" charset="0"/>
-              </a:rPr>
-            </a:br>
-            <a:r>
-              <a:rPr kumimoji="0" lang="en-US" altLang="en-US" sz="2000" b="0" i="0" u="none" strike="noStrike" cap="none" normalizeH="0" baseline="0" dirty="0">
-                <a:ln>
-                  <a:noFill/>
-                </a:ln>
-                <a:effectLst/>
-                <a:latin typeface="Canva Sans" panose="020B0604020202020204" charset="0"/>
-              </a:rPr>
-              <a:t>  end</a:t>
-            </a:r>
-            <a:br>
-              <a:rPr kumimoji="0" lang="en-US" altLang="en-US" sz="2000" b="0" i="0" u="none" strike="noStrike" cap="none" normalizeH="0" baseline="0" dirty="0">
-                <a:ln>
-                  <a:noFill/>
-                </a:ln>
-                <a:effectLst/>
-                <a:latin typeface="Canva Sans" panose="020B0604020202020204" charset="0"/>
-              </a:rPr>
-            </a:br>
-            <a:r>
-              <a:rPr kumimoji="0" lang="en-US" altLang="en-US" sz="2000" b="0" i="0" u="none" strike="noStrike" cap="none" normalizeH="0" baseline="0" dirty="0">
-                <a:ln>
-                  <a:noFill/>
-                </a:ln>
-                <a:effectLst/>
-                <a:latin typeface="Canva Sans" panose="020B0604020202020204" charset="0"/>
-              </a:rPr>
-              <a:t>else</a:t>
-            </a:r>
-            <a:br>
-              <a:rPr kumimoji="0" lang="en-US" altLang="en-US" sz="2000" b="0" i="0" u="none" strike="noStrike" cap="none" normalizeH="0" baseline="0" dirty="0">
-                <a:ln>
-                  <a:noFill/>
-                </a:ln>
-                <a:effectLst/>
-                <a:latin typeface="Canva Sans" panose="020B0604020202020204" charset="0"/>
-              </a:rPr>
-            </a:br>
-            <a:r>
-              <a:rPr kumimoji="0" lang="en-US" altLang="en-US" sz="2000" b="0" i="0" u="none" strike="noStrike" cap="none" normalizeH="0" baseline="0" dirty="0">
-                <a:ln>
-                  <a:noFill/>
-                </a:ln>
-                <a:effectLst/>
-                <a:latin typeface="Canva Sans" panose="020B0604020202020204" charset="0"/>
-              </a:rPr>
-              <a:t>  local count = limit - </a:t>
-            </a:r>
-            <a:r>
-              <a:rPr kumimoji="0" lang="en-US" altLang="en-US" sz="2000" b="0" i="1" u="none" strike="noStrike" cap="none" normalizeH="0" baseline="0" dirty="0">
-                <a:ln>
-                  <a:noFill/>
-                </a:ln>
-                <a:effectLst/>
-                <a:latin typeface="Canva Sans" panose="020B0604020202020204" charset="0"/>
-              </a:rPr>
-              <a:t>1</a:t>
-            </a:r>
-            <a:br>
-              <a:rPr kumimoji="0" lang="en-US" altLang="en-US" sz="2000" b="0" i="1" u="none" strike="noStrike" cap="none" normalizeH="0" baseline="0" dirty="0">
-                <a:ln>
-                  <a:noFill/>
-                </a:ln>
-                <a:effectLst/>
-                <a:latin typeface="Canva Sans" panose="020B0604020202020204" charset="0"/>
-              </a:rPr>
-            </a:br>
-            <a:r>
-              <a:rPr kumimoji="0" lang="en-US" altLang="en-US" sz="2000" b="0" i="0" u="none" strike="noStrike" cap="none" normalizeH="0" baseline="0" dirty="0">
-                <a:ln>
-                  <a:noFill/>
-                </a:ln>
-                <a:effectLst/>
-                <a:latin typeface="Canva Sans" panose="020B0604020202020204" charset="0"/>
-              </a:rPr>
-              <a:t>  </a:t>
-            </a:r>
-            <a:r>
-              <a:rPr kumimoji="0" lang="en-US" altLang="en-US" sz="2000" b="0" i="0" u="none" strike="noStrike" cap="none" normalizeH="0" baseline="0" dirty="0" err="1">
-                <a:ln>
-                  <a:noFill/>
-                </a:ln>
-                <a:effectLst/>
-                <a:latin typeface="Canva Sans" panose="020B0604020202020204" charset="0"/>
-              </a:rPr>
-              <a:t>redis.pcall</a:t>
-            </a:r>
-            <a:r>
-              <a:rPr kumimoji="0" lang="en-US" altLang="en-US" sz="2000" b="0" i="0" u="none" strike="noStrike" cap="none" normalizeH="0" baseline="0" dirty="0">
-                <a:ln>
-                  <a:noFill/>
-                </a:ln>
-                <a:effectLst/>
-                <a:latin typeface="Canva Sans" panose="020B0604020202020204" charset="0"/>
-              </a:rPr>
-              <a:t>('SETEX', id, window, count)</a:t>
-            </a:r>
-            <a:br>
-              <a:rPr kumimoji="0" lang="en-US" altLang="en-US" sz="2000" b="0" i="0" u="none" strike="noStrike" cap="none" normalizeH="0" baseline="0" dirty="0">
-                <a:ln>
-                  <a:noFill/>
-                </a:ln>
-                <a:effectLst/>
-                <a:latin typeface="Canva Sans" panose="020B0604020202020204" charset="0"/>
-              </a:rPr>
-            </a:br>
-            <a:r>
-              <a:rPr kumimoji="0" lang="en-US" altLang="en-US" sz="2000" b="0" i="0" u="none" strike="noStrike" cap="none" normalizeH="0" baseline="0" dirty="0">
-                <a:ln>
-                  <a:noFill/>
-                </a:ln>
-                <a:effectLst/>
-                <a:latin typeface="Canva Sans" panose="020B0604020202020204" charset="0"/>
-              </a:rPr>
-              <a:t>  local h = headers(limit, window, count)</a:t>
-            </a:r>
-            <a:br>
-              <a:rPr kumimoji="0" lang="en-US" altLang="en-US" sz="2000" b="0" i="0" u="none" strike="noStrike" cap="none" normalizeH="0" baseline="0" dirty="0">
-                <a:ln>
-                  <a:noFill/>
-                </a:ln>
-                <a:effectLst/>
-                <a:latin typeface="Canva Sans" panose="020B0604020202020204" charset="0"/>
-              </a:rPr>
-            </a:br>
-            <a:r>
-              <a:rPr kumimoji="0" lang="en-US" altLang="en-US" sz="2000" b="0" i="0" u="none" strike="noStrike" cap="none" normalizeH="0" baseline="0" dirty="0">
-                <a:ln>
-                  <a:noFill/>
-                </a:ln>
-                <a:effectLst/>
-                <a:latin typeface="Canva Sans" panose="020B0604020202020204" charset="0"/>
-              </a:rPr>
-              <a:t>  return {'allow', h}</a:t>
-            </a:r>
-            <a:br>
-              <a:rPr kumimoji="0" lang="en-US" altLang="en-US" sz="2000" b="0" i="0" u="none" strike="noStrike" cap="none" normalizeH="0" baseline="0" dirty="0">
-                <a:ln>
-                  <a:noFill/>
-                </a:ln>
-                <a:effectLst/>
-                <a:latin typeface="Canva Sans" panose="020B0604020202020204" charset="0"/>
-              </a:rPr>
-            </a:br>
-            <a:r>
-              <a:rPr kumimoji="0" lang="en-US" altLang="en-US" sz="2000" b="0" i="0" u="none" strike="noStrike" cap="none" normalizeH="0" baseline="0" dirty="0">
-                <a:ln>
-                  <a:noFill/>
-                </a:ln>
-                <a:effectLst/>
-                <a:latin typeface="Canva Sans" panose="020B0604020202020204" charset="0"/>
-              </a:rPr>
-              <a:t>end</a:t>
-            </a:r>
-          </a:p>
-        </p:txBody>
-      </p:sp>
+      </p:pic>
     </p:spTree>
+    <p:extLst>
+      <p:ext uri="{BB962C8B-B14F-4D97-AF65-F5344CB8AC3E}">
+        <p14:creationId xmlns:p14="http://schemas.microsoft.com/office/powerpoint/2010/main" val="1576835446"/>
+      </p:ext>
+    </p:extLst>
   </p:cSld>
   <p:clrMapOvr>
     <a:masterClrMapping/>
@@ -4502,1486 +3559,191 @@
       </p:grpSpPr>
       <p:sp>
         <p:nvSpPr>
-          <p:cNvPr id="2" name="TextBox 2"/>
+          <p:cNvPr id="4" name="TextBox 4"/>
           <p:cNvSpPr txBox="1"/>
           <p:nvPr/>
         </p:nvSpPr>
         <p:spPr>
           <a:xfrm>
-            <a:off x="990600" y="266700"/>
-            <a:ext cx="14973300" cy="575094"/>
+            <a:off x="1006882" y="531453"/>
+            <a:ext cx="16230600" cy="721626"/>
           </a:xfrm>
           <a:prstGeom prst="rect">
             <a:avLst/>
           </a:prstGeom>
         </p:spPr>
         <p:txBody>
-          <a:bodyPr wrap="square" lIns="0" tIns="0" rIns="0" bIns="0" rtlCol="0" anchor="t">
+          <a:bodyPr lIns="0" tIns="0" rIns="0" bIns="0" rtlCol="0" anchor="t">
             <a:spAutoFit/>
           </a:bodyPr>
           <a:lstStyle/>
           <a:p>
             <a:pPr>
               <a:lnSpc>
-                <a:spcPts val="4798"/>
-              </a:lnSpc>
-            </a:pPr>
-            <a:r>
-              <a:rPr lang="en-US" sz="3427" dirty="0">
-                <a:solidFill>
-                  <a:srgbClr val="000000"/>
-                </a:solidFill>
-                <a:latin typeface="Canva Sans"/>
-              </a:rPr>
-              <a:t>SLIDING WINDOW ALGORITHM: </a:t>
+                <a:spcPts val="5900"/>
+              </a:lnSpc>
+              <a:spcBef>
+                <a:spcPct val="0"/>
+              </a:spcBef>
+            </a:pPr>
+            <a:r>
+              <a:rPr lang="en-US" sz="4214" spc="956">
+                <a:solidFill>
+                  <a:srgbClr val="2B2C30"/>
+                </a:solidFill>
+                <a:latin typeface="Public Sans Bold"/>
+              </a:rPr>
+              <a:t>RATE LIMITING ALGORITHM</a:t>
             </a:r>
           </a:p>
         </p:txBody>
       </p:sp>
       <p:sp>
         <p:nvSpPr>
-          <p:cNvPr id="5" name="Rectangle 2">
-            <a:extLst>
-              <a:ext uri="{FF2B5EF4-FFF2-40B4-BE49-F238E27FC236}">
-                <a16:creationId xmlns:a16="http://schemas.microsoft.com/office/drawing/2014/main" id="{DF006201-53F2-D8FE-545F-5DFBED4AECC4}"/>
-              </a:ext>
-            </a:extLst>
-          </p:cNvPr>
-          <p:cNvSpPr>
-            <a:spLocks noChangeArrowheads="1"/>
-          </p:cNvSpPr>
+          <p:cNvPr id="5" name="AutoShape 5"/>
+          <p:cNvSpPr/>
           <p:nvPr/>
         </p:nvSpPr>
-        <p:spPr bwMode="auto">
+        <p:spPr>
+          <a:xfrm flipV="1">
+            <a:off x="1006877" y="1257841"/>
+            <a:ext cx="16230594" cy="38509"/>
+          </a:xfrm>
+          <a:prstGeom prst="line">
+            <a:avLst/>
+          </a:prstGeom>
+          <a:ln w="9525" cap="flat">
+            <a:solidFill>
+              <a:srgbClr val="2B2C30"/>
+            </a:solidFill>
+            <a:prstDash val="solid"/>
+            <a:headEnd type="none" w="sm" len="sm"/>
+            <a:tailEnd type="none" w="sm" len="sm"/>
+          </a:ln>
+        </p:spPr>
+      </p:sp>
+      <p:sp>
+        <p:nvSpPr>
+          <p:cNvPr id="6" name="TextBox 6"/>
+          <p:cNvSpPr txBox="1"/>
+          <p:nvPr/>
+        </p:nvSpPr>
+        <p:spPr>
           <a:xfrm>
-            <a:off x="1005840" y="1286304"/>
-            <a:ext cx="15605760" cy="8556188"/>
+            <a:off x="1006877" y="1792785"/>
+            <a:ext cx="16230594" cy="4180840"/>
           </a:xfrm>
           <a:prstGeom prst="rect">
             <a:avLst/>
           </a:prstGeom>
-          <a:noFill/>
-          <a:ln>
-            <a:noFill/>
-          </a:ln>
-          <a:effectLst/>
         </p:spPr>
         <p:txBody>
-          <a:bodyPr vert="horz" wrap="square" lIns="91440" tIns="45720" rIns="91440" bIns="45720" numCol="1" anchor="ctr" anchorCtr="0" compatLnSpc="1">
-            <a:prstTxWarp prst="textNoShape">
-              <a:avLst/>
-            </a:prstTxWarp>
+          <a:bodyPr lIns="0" tIns="0" rIns="0" bIns="0" rtlCol="0" anchor="t">
             <a:spAutoFit/>
           </a:bodyPr>
           <a:lstStyle/>
           <a:p>
-            <a:pPr marL="0" marR="0" lvl="0" indent="0" algn="l" defTabSz="914400" rtl="0" eaLnBrk="0" fontAlgn="base" latinLnBrk="0" hangingPunct="0">
-              <a:lnSpc>
-                <a:spcPct val="100000"/>
-              </a:lnSpc>
-              <a:spcBef>
-                <a:spcPct val="0"/>
-              </a:spcBef>
-              <a:spcAft>
-                <a:spcPct val="0"/>
-              </a:spcAft>
-              <a:buClrTx/>
-              <a:buSzTx/>
-              <a:buFontTx/>
-              <a:buNone/>
-              <a:tabLst/>
-            </a:pPr>
-            <a:r>
-              <a:rPr kumimoji="0" lang="en-US" altLang="en-US" sz="2200" b="1" i="0" u="sng" strike="noStrike" cap="none" normalizeH="0" baseline="0" dirty="0">
-                <a:ln>
-                  <a:noFill/>
-                </a:ln>
-                <a:effectLst/>
-                <a:latin typeface="Canva Sans" panose="020B0604020202020204" charset="0"/>
-              </a:rPr>
-              <a:t>LUA SCRIPT:</a:t>
-            </a:r>
-          </a:p>
-          <a:p>
-            <a:pPr marL="0" marR="0" lvl="0" indent="0" algn="l" defTabSz="914400" rtl="0" eaLnBrk="0" fontAlgn="base" latinLnBrk="0" hangingPunct="0">
-              <a:lnSpc>
-                <a:spcPct val="100000"/>
-              </a:lnSpc>
-              <a:spcBef>
-                <a:spcPct val="0"/>
-              </a:spcBef>
-              <a:spcAft>
-                <a:spcPct val="0"/>
-              </a:spcAft>
-              <a:buClrTx/>
-              <a:buSzTx/>
-              <a:buFontTx/>
-              <a:buNone/>
-              <a:tabLst/>
-            </a:pPr>
-            <a:endParaRPr kumimoji="0" lang="en-US" altLang="en-US" sz="2200" b="1" i="0" u="sng" strike="noStrike" cap="none" normalizeH="0" baseline="0" dirty="0">
-              <a:ln>
-                <a:noFill/>
-              </a:ln>
-              <a:effectLst/>
-              <a:latin typeface="Canva Sans" panose="020B0604020202020204" charset="0"/>
+            <a:pPr>
+              <a:lnSpc>
+                <a:spcPts val="4759"/>
+              </a:lnSpc>
+            </a:pPr>
+            <a:r>
+              <a:rPr lang="en-US" sz="3399" dirty="0">
+                <a:solidFill>
+                  <a:srgbClr val="2B2C30"/>
+                </a:solidFill>
+                <a:latin typeface="Canva Sans"/>
+              </a:rPr>
+              <a:t>TOKEN BUCKET ALGORITHM</a:t>
+            </a:r>
+          </a:p>
+          <a:p>
+            <a:pPr>
+              <a:lnSpc>
+                <a:spcPts val="4759"/>
+              </a:lnSpc>
+            </a:pPr>
+            <a:endParaRPr lang="en-US" sz="3399" dirty="0">
+              <a:solidFill>
+                <a:srgbClr val="2B2C30"/>
+              </a:solidFill>
+              <a:latin typeface="Canva Sans"/>
             </a:endParaRPr>
           </a:p>
           <a:p>
-            <a:pPr marL="0" marR="0" lvl="0" indent="0" algn="l" defTabSz="914400" rtl="0" eaLnBrk="0" fontAlgn="base" latinLnBrk="0" hangingPunct="0">
-              <a:lnSpc>
-                <a:spcPct val="100000"/>
-              </a:lnSpc>
-              <a:spcBef>
-                <a:spcPct val="0"/>
-              </a:spcBef>
-              <a:spcAft>
-                <a:spcPct val="0"/>
-              </a:spcAft>
-              <a:buClrTx/>
-              <a:buSzTx/>
-              <a:buFontTx/>
-              <a:buNone/>
-              <a:tabLst/>
-            </a:pPr>
-            <a:r>
-              <a:rPr kumimoji="0" lang="en-US" altLang="en-US" sz="2200" b="0" i="0" u="none" strike="noStrike" cap="none" normalizeH="0" baseline="0" dirty="0">
-                <a:ln>
-                  <a:noFill/>
-                </a:ln>
-                <a:effectLst/>
-                <a:latin typeface="Canva Sans" panose="020B0604020202020204" charset="0"/>
-              </a:rPr>
-              <a:t>local </a:t>
-            </a:r>
-            <a:r>
-              <a:rPr kumimoji="0" lang="en-US" altLang="en-US" sz="2200" b="0" i="0" u="none" strike="noStrike" cap="none" normalizeH="0" baseline="0" dirty="0" err="1">
-                <a:ln>
-                  <a:noFill/>
-                </a:ln>
-                <a:effectLst/>
-                <a:latin typeface="Canva Sans" panose="020B0604020202020204" charset="0"/>
-              </a:rPr>
-              <a:t>current_time</a:t>
-            </a:r>
-            <a:r>
-              <a:rPr kumimoji="0" lang="en-US" altLang="en-US" sz="2200" b="0" i="0" u="none" strike="noStrike" cap="none" normalizeH="0" baseline="0" dirty="0">
-                <a:ln>
-                  <a:noFill/>
-                </a:ln>
-                <a:effectLst/>
-                <a:latin typeface="Canva Sans" panose="020B0604020202020204" charset="0"/>
-              </a:rPr>
-              <a:t> = </a:t>
-            </a:r>
-            <a:r>
-              <a:rPr kumimoji="0" lang="en-US" altLang="en-US" sz="2200" b="0" i="0" u="none" strike="noStrike" cap="none" normalizeH="0" baseline="0" dirty="0" err="1">
-                <a:ln>
-                  <a:noFill/>
-                </a:ln>
-                <a:effectLst/>
-                <a:latin typeface="Canva Sans" panose="020B0604020202020204" charset="0"/>
-              </a:rPr>
-              <a:t>redis.call</a:t>
-            </a:r>
-            <a:r>
-              <a:rPr kumimoji="0" lang="en-US" altLang="en-US" sz="2200" b="0" i="0" u="none" strike="noStrike" cap="none" normalizeH="0" baseline="0" dirty="0">
-                <a:ln>
-                  <a:noFill/>
-                </a:ln>
-                <a:effectLst/>
-                <a:latin typeface="Canva Sans" panose="020B0604020202020204" charset="0"/>
-              </a:rPr>
-              <a:t>('TIME')</a:t>
-            </a:r>
-            <a:br>
-              <a:rPr kumimoji="0" lang="en-US" altLang="en-US" sz="2200" b="0" i="0" u="none" strike="noStrike" cap="none" normalizeH="0" baseline="0" dirty="0">
-                <a:ln>
-                  <a:noFill/>
-                </a:ln>
-                <a:effectLst/>
-                <a:latin typeface="Canva Sans" panose="020B0604020202020204" charset="0"/>
-              </a:rPr>
-            </a:br>
-            <a:r>
-              <a:rPr kumimoji="0" lang="en-US" altLang="en-US" sz="2200" b="0" i="0" u="none" strike="noStrike" cap="none" normalizeH="0" baseline="0" dirty="0">
-                <a:ln>
-                  <a:noFill/>
-                </a:ln>
-                <a:effectLst/>
-                <a:latin typeface="Canva Sans" panose="020B0604020202020204" charset="0"/>
-              </a:rPr>
-              <a:t>local </a:t>
-            </a:r>
-            <a:r>
-              <a:rPr kumimoji="0" lang="en-US" altLang="en-US" sz="2200" b="0" i="0" u="none" strike="noStrike" cap="none" normalizeH="0" baseline="0" dirty="0" err="1">
-                <a:ln>
-                  <a:noFill/>
-                </a:ln>
-                <a:effectLst/>
-                <a:latin typeface="Canva Sans" panose="020B0604020202020204" charset="0"/>
-              </a:rPr>
-              <a:t>trim_time</a:t>
-            </a:r>
-            <a:r>
-              <a:rPr kumimoji="0" lang="en-US" altLang="en-US" sz="2200" b="0" i="0" u="none" strike="noStrike" cap="none" normalizeH="0" baseline="0" dirty="0">
-                <a:ln>
-                  <a:noFill/>
-                </a:ln>
-                <a:effectLst/>
-                <a:latin typeface="Canva Sans" panose="020B0604020202020204" charset="0"/>
-              </a:rPr>
-              <a:t> = </a:t>
-            </a:r>
-            <a:r>
-              <a:rPr kumimoji="0" lang="en-US" altLang="en-US" sz="2200" b="0" i="0" u="none" strike="noStrike" cap="none" normalizeH="0" baseline="0" dirty="0" err="1">
-                <a:ln>
-                  <a:noFill/>
-                </a:ln>
-                <a:effectLst/>
-                <a:latin typeface="Canva Sans" panose="020B0604020202020204" charset="0"/>
-              </a:rPr>
-              <a:t>tonumber</a:t>
-            </a:r>
-            <a:r>
-              <a:rPr kumimoji="0" lang="en-US" altLang="en-US" sz="2200" b="0" i="0" u="none" strike="noStrike" cap="none" normalizeH="0" baseline="0" dirty="0">
-                <a:ln>
-                  <a:noFill/>
-                </a:ln>
-                <a:effectLst/>
-                <a:latin typeface="Canva Sans" panose="020B0604020202020204" charset="0"/>
-              </a:rPr>
-              <a:t>(</a:t>
-            </a:r>
-            <a:r>
-              <a:rPr kumimoji="0" lang="en-US" altLang="en-US" sz="2200" b="0" i="0" u="none" strike="noStrike" cap="none" normalizeH="0" baseline="0" dirty="0" err="1">
-                <a:ln>
-                  <a:noFill/>
-                </a:ln>
-                <a:effectLst/>
-                <a:latin typeface="Canva Sans" panose="020B0604020202020204" charset="0"/>
-              </a:rPr>
-              <a:t>current_time</a:t>
-            </a:r>
-            <a:r>
-              <a:rPr kumimoji="0" lang="en-US" altLang="en-US" sz="2200" b="0" i="0" u="none" strike="noStrike" cap="none" normalizeH="0" baseline="0" dirty="0">
-                <a:ln>
-                  <a:noFill/>
-                </a:ln>
-                <a:effectLst/>
-                <a:latin typeface="Canva Sans" panose="020B0604020202020204" charset="0"/>
-              </a:rPr>
-              <a:t>[</a:t>
-            </a:r>
-            <a:r>
-              <a:rPr kumimoji="0" lang="en-US" altLang="en-US" sz="2200" b="0" i="1" u="none" strike="noStrike" cap="none" normalizeH="0" baseline="0" dirty="0">
-                <a:ln>
-                  <a:noFill/>
-                </a:ln>
-                <a:effectLst/>
-                <a:latin typeface="Canva Sans" panose="020B0604020202020204" charset="0"/>
-              </a:rPr>
-              <a:t>1</a:t>
-            </a:r>
-            <a:r>
-              <a:rPr kumimoji="0" lang="en-US" altLang="en-US" sz="2200" b="0" i="0" u="none" strike="noStrike" cap="none" normalizeH="0" baseline="0" dirty="0">
-                <a:ln>
-                  <a:noFill/>
-                </a:ln>
-                <a:effectLst/>
-                <a:latin typeface="Canva Sans" panose="020B0604020202020204" charset="0"/>
-              </a:rPr>
-              <a:t>]) - ARGV[</a:t>
-            </a:r>
-            <a:r>
-              <a:rPr kumimoji="0" lang="en-US" altLang="en-US" sz="2200" b="0" i="1" u="none" strike="noStrike" cap="none" normalizeH="0" baseline="0" dirty="0">
-                <a:ln>
-                  <a:noFill/>
-                </a:ln>
-                <a:effectLst/>
-                <a:latin typeface="Canva Sans" panose="020B0604020202020204" charset="0"/>
-              </a:rPr>
-              <a:t>2</a:t>
-            </a:r>
-            <a:r>
-              <a:rPr kumimoji="0" lang="en-US" altLang="en-US" sz="2200" b="0" i="0" u="none" strike="noStrike" cap="none" normalizeH="0" baseline="0" dirty="0">
-                <a:ln>
-                  <a:noFill/>
-                </a:ln>
-                <a:effectLst/>
-                <a:latin typeface="Canva Sans" panose="020B0604020202020204" charset="0"/>
-              </a:rPr>
-              <a:t>]</a:t>
-            </a:r>
-            <a:br>
-              <a:rPr kumimoji="0" lang="en-US" altLang="en-US" sz="2200" b="0" i="0" u="none" strike="noStrike" cap="none" normalizeH="0" baseline="0" dirty="0">
-                <a:ln>
-                  <a:noFill/>
-                </a:ln>
-                <a:effectLst/>
-                <a:latin typeface="Canva Sans" panose="020B0604020202020204" charset="0"/>
-              </a:rPr>
-            </a:br>
-            <a:br>
-              <a:rPr kumimoji="0" lang="en-US" altLang="en-US" sz="2200" b="0" i="0" u="none" strike="noStrike" cap="none" normalizeH="0" baseline="0" dirty="0">
-                <a:ln>
-                  <a:noFill/>
-                </a:ln>
-                <a:effectLst/>
-                <a:latin typeface="Canva Sans" panose="020B0604020202020204" charset="0"/>
-              </a:rPr>
-            </a:br>
-            <a:r>
-              <a:rPr kumimoji="0" lang="en-US" altLang="en-US" sz="2200" b="0" i="0" u="none" strike="noStrike" cap="none" normalizeH="0" baseline="0" dirty="0">
-                <a:ln>
-                  <a:noFill/>
-                </a:ln>
-                <a:effectLst/>
-                <a:latin typeface="Canva Sans" panose="020B0604020202020204" charset="0"/>
-              </a:rPr>
-              <a:t>local function headers(limit, window, remaining)</a:t>
-            </a:r>
-            <a:br>
-              <a:rPr kumimoji="0" lang="en-US" altLang="en-US" sz="2200" b="0" i="0" u="none" strike="noStrike" cap="none" normalizeH="0" baseline="0" dirty="0">
-                <a:ln>
-                  <a:noFill/>
-                </a:ln>
-                <a:effectLst/>
-                <a:latin typeface="Canva Sans" panose="020B0604020202020204" charset="0"/>
-              </a:rPr>
-            </a:br>
-            <a:r>
-              <a:rPr kumimoji="0" lang="en-US" altLang="en-US" sz="2200" b="0" i="0" u="none" strike="noStrike" cap="none" normalizeH="0" baseline="0" dirty="0">
-                <a:ln>
-                  <a:noFill/>
-                </a:ln>
-                <a:effectLst/>
-                <a:latin typeface="Canva Sans" panose="020B0604020202020204" charset="0"/>
-              </a:rPr>
-              <a:t>  return {</a:t>
-            </a:r>
-            <a:br>
-              <a:rPr kumimoji="0" lang="en-US" altLang="en-US" sz="2200" b="0" i="0" u="none" strike="noStrike" cap="none" normalizeH="0" baseline="0" dirty="0">
-                <a:ln>
-                  <a:noFill/>
-                </a:ln>
-                <a:effectLst/>
-                <a:latin typeface="Canva Sans" panose="020B0604020202020204" charset="0"/>
-              </a:rPr>
-            </a:br>
-            <a:r>
-              <a:rPr kumimoji="0" lang="en-US" altLang="en-US" sz="2200" b="0" i="0" u="none" strike="noStrike" cap="none" normalizeH="0" baseline="0" dirty="0">
-                <a:ln>
-                  <a:noFill/>
-                </a:ln>
-                <a:effectLst/>
-                <a:latin typeface="Canva Sans" panose="020B0604020202020204" charset="0"/>
-              </a:rPr>
-              <a:t>    </a:t>
-            </a:r>
-            <a:r>
-              <a:rPr kumimoji="0" lang="en-US" altLang="en-US" sz="2200" b="0" i="0" u="none" strike="noStrike" cap="none" normalizeH="0" baseline="0" dirty="0" err="1">
-                <a:ln>
-                  <a:noFill/>
-                </a:ln>
-                <a:effectLst/>
-                <a:latin typeface="Canva Sans" panose="020B0604020202020204" charset="0"/>
-              </a:rPr>
-              <a:t>tostring</a:t>
-            </a:r>
-            <a:r>
-              <a:rPr kumimoji="0" lang="en-US" altLang="en-US" sz="2200" b="0" i="0" u="none" strike="noStrike" cap="none" normalizeH="0" baseline="0" dirty="0">
-                <a:ln>
-                  <a:noFill/>
-                </a:ln>
-                <a:effectLst/>
-                <a:latin typeface="Canva Sans" panose="020B0604020202020204" charset="0"/>
-              </a:rPr>
-              <a:t>(limit),</a:t>
-            </a:r>
-            <a:br>
-              <a:rPr kumimoji="0" lang="en-US" altLang="en-US" sz="2200" b="0" i="0" u="none" strike="noStrike" cap="none" normalizeH="0" baseline="0" dirty="0">
-                <a:ln>
-                  <a:noFill/>
-                </a:ln>
-                <a:effectLst/>
-                <a:latin typeface="Canva Sans" panose="020B0604020202020204" charset="0"/>
-              </a:rPr>
-            </a:br>
-            <a:r>
-              <a:rPr kumimoji="0" lang="en-US" altLang="en-US" sz="2200" b="0" i="0" u="none" strike="noStrike" cap="none" normalizeH="0" baseline="0" dirty="0">
-                <a:ln>
-                  <a:noFill/>
-                </a:ln>
-                <a:effectLst/>
-                <a:latin typeface="Canva Sans" panose="020B0604020202020204" charset="0"/>
-              </a:rPr>
-              <a:t>    </a:t>
-            </a:r>
-            <a:r>
-              <a:rPr kumimoji="0" lang="en-US" altLang="en-US" sz="2200" b="0" i="0" u="none" strike="noStrike" cap="none" normalizeH="0" baseline="0" dirty="0" err="1">
-                <a:ln>
-                  <a:noFill/>
-                </a:ln>
-                <a:effectLst/>
-                <a:latin typeface="Canva Sans" panose="020B0604020202020204" charset="0"/>
-              </a:rPr>
-              <a:t>tostring</a:t>
-            </a:r>
-            <a:r>
-              <a:rPr kumimoji="0" lang="en-US" altLang="en-US" sz="2200" b="0" i="0" u="none" strike="noStrike" cap="none" normalizeH="0" baseline="0" dirty="0">
-                <a:ln>
-                  <a:noFill/>
-                </a:ln>
-                <a:effectLst/>
-                <a:latin typeface="Canva Sans" panose="020B0604020202020204" charset="0"/>
-              </a:rPr>
-              <a:t>(window),</a:t>
-            </a:r>
-            <a:br>
-              <a:rPr kumimoji="0" lang="en-US" altLang="en-US" sz="2200" b="0" i="0" u="none" strike="noStrike" cap="none" normalizeH="0" baseline="0" dirty="0">
-                <a:ln>
-                  <a:noFill/>
-                </a:ln>
-                <a:effectLst/>
-                <a:latin typeface="Canva Sans" panose="020B0604020202020204" charset="0"/>
-              </a:rPr>
-            </a:br>
-            <a:r>
-              <a:rPr kumimoji="0" lang="en-US" altLang="en-US" sz="2200" b="0" i="0" u="none" strike="noStrike" cap="none" normalizeH="0" baseline="0" dirty="0">
-                <a:ln>
-                  <a:noFill/>
-                </a:ln>
-                <a:effectLst/>
-                <a:latin typeface="Canva Sans" panose="020B0604020202020204" charset="0"/>
-              </a:rPr>
-              <a:t>    </a:t>
-            </a:r>
-            <a:r>
-              <a:rPr kumimoji="0" lang="en-US" altLang="en-US" sz="2200" b="0" i="0" u="none" strike="noStrike" cap="none" normalizeH="0" baseline="0" dirty="0" err="1">
-                <a:ln>
-                  <a:noFill/>
-                </a:ln>
-                <a:effectLst/>
-                <a:latin typeface="Canva Sans" panose="020B0604020202020204" charset="0"/>
-              </a:rPr>
-              <a:t>tostring</a:t>
-            </a:r>
-            <a:r>
-              <a:rPr kumimoji="0" lang="en-US" altLang="en-US" sz="2200" b="0" i="0" u="none" strike="noStrike" cap="none" normalizeH="0" baseline="0" dirty="0">
-                <a:ln>
-                  <a:noFill/>
-                </a:ln>
-                <a:effectLst/>
-                <a:latin typeface="Canva Sans" panose="020B0604020202020204" charset="0"/>
-              </a:rPr>
-              <a:t>(remaining)</a:t>
-            </a:r>
-            <a:br>
-              <a:rPr kumimoji="0" lang="en-US" altLang="en-US" sz="2200" b="0" i="0" u="none" strike="noStrike" cap="none" normalizeH="0" baseline="0" dirty="0">
-                <a:ln>
-                  <a:noFill/>
-                </a:ln>
-                <a:effectLst/>
-                <a:latin typeface="Canva Sans" panose="020B0604020202020204" charset="0"/>
-              </a:rPr>
-            </a:br>
-            <a:r>
-              <a:rPr kumimoji="0" lang="en-US" altLang="en-US" sz="2200" b="0" i="0" u="none" strike="noStrike" cap="none" normalizeH="0" baseline="0" dirty="0">
-                <a:ln>
-                  <a:noFill/>
-                </a:ln>
-                <a:effectLst/>
-                <a:latin typeface="Canva Sans" panose="020B0604020202020204" charset="0"/>
-              </a:rPr>
-              <a:t>  }</a:t>
-            </a:r>
-            <a:br>
-              <a:rPr kumimoji="0" lang="en-US" altLang="en-US" sz="2200" b="0" i="0" u="none" strike="noStrike" cap="none" normalizeH="0" baseline="0" dirty="0">
-                <a:ln>
-                  <a:noFill/>
-                </a:ln>
-                <a:effectLst/>
-                <a:latin typeface="Canva Sans" panose="020B0604020202020204" charset="0"/>
-              </a:rPr>
-            </a:br>
-            <a:r>
-              <a:rPr kumimoji="0" lang="en-US" altLang="en-US" sz="2200" b="0" i="0" u="none" strike="noStrike" cap="none" normalizeH="0" baseline="0" dirty="0">
-                <a:ln>
-                  <a:noFill/>
-                </a:ln>
-                <a:effectLst/>
-                <a:latin typeface="Canva Sans" panose="020B0604020202020204" charset="0"/>
-              </a:rPr>
-              <a:t>end</a:t>
-            </a:r>
-            <a:br>
-              <a:rPr kumimoji="0" lang="en-US" altLang="en-US" sz="2200" b="0" i="0" u="none" strike="noStrike" cap="none" normalizeH="0" baseline="0" dirty="0">
-                <a:ln>
-                  <a:noFill/>
-                </a:ln>
-                <a:effectLst/>
-                <a:latin typeface="Canva Sans" panose="020B0604020202020204" charset="0"/>
-              </a:rPr>
-            </a:br>
-            <a:br>
-              <a:rPr kumimoji="0" lang="en-US" altLang="en-US" sz="2200" b="0" i="0" u="none" strike="noStrike" cap="none" normalizeH="0" baseline="0" dirty="0">
-                <a:ln>
-                  <a:noFill/>
-                </a:ln>
-                <a:effectLst/>
-                <a:latin typeface="Canva Sans" panose="020B0604020202020204" charset="0"/>
-              </a:rPr>
-            </a:br>
-            <a:r>
-              <a:rPr kumimoji="0" lang="en-US" altLang="en-US" sz="2200" b="0" i="0" u="none" strike="noStrike" cap="none" normalizeH="0" baseline="0" dirty="0" err="1">
-                <a:ln>
-                  <a:noFill/>
-                </a:ln>
-                <a:effectLst/>
-                <a:latin typeface="Canva Sans" panose="020B0604020202020204" charset="0"/>
-              </a:rPr>
-              <a:t>redis.call</a:t>
-            </a:r>
-            <a:r>
-              <a:rPr kumimoji="0" lang="en-US" altLang="en-US" sz="2200" b="0" i="0" u="none" strike="noStrike" cap="none" normalizeH="0" baseline="0" dirty="0">
-                <a:ln>
-                  <a:noFill/>
-                </a:ln>
-                <a:effectLst/>
-                <a:latin typeface="Canva Sans" panose="020B0604020202020204" charset="0"/>
-              </a:rPr>
-              <a:t>('ZREMRANGEBYSCORE', KEYS[</a:t>
-            </a:r>
-            <a:r>
-              <a:rPr kumimoji="0" lang="en-US" altLang="en-US" sz="2200" b="0" i="1" u="none" strike="noStrike" cap="none" normalizeH="0" baseline="0" dirty="0">
-                <a:ln>
-                  <a:noFill/>
-                </a:ln>
-                <a:effectLst/>
-                <a:latin typeface="Canva Sans" panose="020B0604020202020204" charset="0"/>
-              </a:rPr>
-              <a:t>1</a:t>
-            </a:r>
-            <a:r>
-              <a:rPr kumimoji="0" lang="en-US" altLang="en-US" sz="2200" b="0" i="0" u="none" strike="noStrike" cap="none" normalizeH="0" baseline="0" dirty="0">
-                <a:ln>
-                  <a:noFill/>
-                </a:ln>
-                <a:effectLst/>
-                <a:latin typeface="Canva Sans" panose="020B0604020202020204" charset="0"/>
-              </a:rPr>
-              <a:t>], </a:t>
-            </a:r>
-            <a:r>
-              <a:rPr kumimoji="0" lang="en-US" altLang="en-US" sz="2200" b="0" i="1" u="none" strike="noStrike" cap="none" normalizeH="0" baseline="0" dirty="0">
-                <a:ln>
-                  <a:noFill/>
-                </a:ln>
-                <a:effectLst/>
-                <a:latin typeface="Canva Sans" panose="020B0604020202020204" charset="0"/>
-              </a:rPr>
-              <a:t>0</a:t>
-            </a:r>
-            <a:r>
-              <a:rPr kumimoji="0" lang="en-US" altLang="en-US" sz="2200" b="0" i="0" u="none" strike="noStrike" cap="none" normalizeH="0" baseline="0" dirty="0">
-                <a:ln>
-                  <a:noFill/>
-                </a:ln>
-                <a:effectLst/>
-                <a:latin typeface="Canva Sans" panose="020B0604020202020204" charset="0"/>
-              </a:rPr>
-              <a:t>, </a:t>
-            </a:r>
-            <a:r>
-              <a:rPr kumimoji="0" lang="en-US" altLang="en-US" sz="2200" b="0" i="0" u="none" strike="noStrike" cap="none" normalizeH="0" baseline="0" dirty="0" err="1">
-                <a:ln>
-                  <a:noFill/>
-                </a:ln>
-                <a:effectLst/>
-                <a:latin typeface="Canva Sans" panose="020B0604020202020204" charset="0"/>
-              </a:rPr>
-              <a:t>trim_time</a:t>
-            </a:r>
-            <a:r>
-              <a:rPr kumimoji="0" lang="en-US" altLang="en-US" sz="2200" b="0" i="0" u="none" strike="noStrike" cap="none" normalizeH="0" baseline="0" dirty="0">
-                <a:ln>
-                  <a:noFill/>
-                </a:ln>
-                <a:effectLst/>
-                <a:latin typeface="Canva Sans" panose="020B0604020202020204" charset="0"/>
-              </a:rPr>
-              <a:t>)                                   ------ Uses Sorted Set</a:t>
-            </a:r>
-            <a:br>
-              <a:rPr kumimoji="0" lang="en-US" altLang="en-US" sz="2200" b="0" i="0" u="none" strike="noStrike" cap="none" normalizeH="0" baseline="0" dirty="0">
-                <a:ln>
-                  <a:noFill/>
-                </a:ln>
-                <a:effectLst/>
-                <a:latin typeface="Canva Sans" panose="020B0604020202020204" charset="0"/>
-              </a:rPr>
-            </a:br>
-            <a:r>
-              <a:rPr kumimoji="0" lang="en-US" altLang="en-US" sz="2200" b="0" i="0" u="none" strike="noStrike" cap="none" normalizeH="0" baseline="0" dirty="0">
-                <a:ln>
-                  <a:noFill/>
-                </a:ln>
-                <a:effectLst/>
-                <a:latin typeface="Canva Sans" panose="020B0604020202020204" charset="0"/>
-              </a:rPr>
-              <a:t>local </a:t>
-            </a:r>
-            <a:r>
-              <a:rPr kumimoji="0" lang="en-US" altLang="en-US" sz="2200" b="0" i="0" u="none" strike="noStrike" cap="none" normalizeH="0" baseline="0" dirty="0" err="1">
-                <a:ln>
-                  <a:noFill/>
-                </a:ln>
-                <a:effectLst/>
-                <a:latin typeface="Canva Sans" panose="020B0604020202020204" charset="0"/>
-              </a:rPr>
-              <a:t>request_count</a:t>
-            </a:r>
-            <a:r>
-              <a:rPr kumimoji="0" lang="en-US" altLang="en-US" sz="2200" b="0" i="0" u="none" strike="noStrike" cap="none" normalizeH="0" baseline="0" dirty="0">
-                <a:ln>
-                  <a:noFill/>
-                </a:ln>
-                <a:effectLst/>
-                <a:latin typeface="Canva Sans" panose="020B0604020202020204" charset="0"/>
-              </a:rPr>
-              <a:t> = </a:t>
-            </a:r>
-            <a:r>
-              <a:rPr kumimoji="0" lang="en-US" altLang="en-US" sz="2200" b="0" i="0" u="none" strike="noStrike" cap="none" normalizeH="0" baseline="0" dirty="0" err="1">
-                <a:ln>
-                  <a:noFill/>
-                </a:ln>
-                <a:effectLst/>
-                <a:latin typeface="Canva Sans" panose="020B0604020202020204" charset="0"/>
-              </a:rPr>
-              <a:t>redis.call</a:t>
-            </a:r>
-            <a:r>
-              <a:rPr kumimoji="0" lang="en-US" altLang="en-US" sz="2200" b="0" i="0" u="none" strike="noStrike" cap="none" normalizeH="0" baseline="0" dirty="0">
-                <a:ln>
-                  <a:noFill/>
-                </a:ln>
-                <a:effectLst/>
-                <a:latin typeface="Canva Sans" panose="020B0604020202020204" charset="0"/>
-              </a:rPr>
-              <a:t>('ZCARD',KEYS[</a:t>
-            </a:r>
-            <a:r>
-              <a:rPr kumimoji="0" lang="en-US" altLang="en-US" sz="2200" b="0" i="1" u="none" strike="noStrike" cap="none" normalizeH="0" baseline="0" dirty="0">
-                <a:ln>
-                  <a:noFill/>
-                </a:ln>
-                <a:effectLst/>
-                <a:latin typeface="Canva Sans" panose="020B0604020202020204" charset="0"/>
-              </a:rPr>
-              <a:t>1</a:t>
-            </a:r>
-            <a:r>
-              <a:rPr kumimoji="0" lang="en-US" altLang="en-US" sz="2200" b="0" i="0" u="none" strike="noStrike" cap="none" normalizeH="0" baseline="0" dirty="0">
-                <a:ln>
-                  <a:noFill/>
-                </a:ln>
-                <a:effectLst/>
-                <a:latin typeface="Canva Sans" panose="020B0604020202020204" charset="0"/>
-              </a:rPr>
-              <a:t>])</a:t>
-            </a:r>
-            <a:br>
-              <a:rPr kumimoji="0" lang="en-US" altLang="en-US" sz="2200" b="0" i="0" u="none" strike="noStrike" cap="none" normalizeH="0" baseline="0" dirty="0">
-                <a:ln>
-                  <a:noFill/>
-                </a:ln>
-                <a:effectLst/>
-                <a:latin typeface="Canva Sans" panose="020B0604020202020204" charset="0"/>
-              </a:rPr>
-            </a:br>
-            <a:r>
-              <a:rPr kumimoji="0" lang="en-US" altLang="en-US" sz="2200" b="0" i="0" u="none" strike="noStrike" cap="none" normalizeH="0" baseline="0" dirty="0">
-                <a:ln>
-                  <a:noFill/>
-                </a:ln>
-                <a:effectLst/>
-                <a:latin typeface="Canva Sans" panose="020B0604020202020204" charset="0"/>
-              </a:rPr>
-              <a:t>local </a:t>
-            </a:r>
-            <a:r>
-              <a:rPr kumimoji="0" lang="en-US" altLang="en-US" sz="2200" b="0" i="0" u="none" strike="noStrike" cap="none" normalizeH="0" baseline="0" dirty="0" err="1">
-                <a:ln>
-                  <a:noFill/>
-                </a:ln>
-                <a:effectLst/>
-                <a:latin typeface="Canva Sans" panose="020B0604020202020204" charset="0"/>
-              </a:rPr>
-              <a:t>ttl</a:t>
-            </a:r>
-            <a:r>
-              <a:rPr kumimoji="0" lang="en-US" altLang="en-US" sz="2200" b="0" i="0" u="none" strike="noStrike" cap="none" normalizeH="0" baseline="0" dirty="0">
-                <a:ln>
-                  <a:noFill/>
-                </a:ln>
-                <a:effectLst/>
-                <a:latin typeface="Canva Sans" panose="020B0604020202020204" charset="0"/>
-              </a:rPr>
-              <a:t> = </a:t>
-            </a:r>
-            <a:r>
-              <a:rPr kumimoji="0" lang="en-US" altLang="en-US" sz="2200" b="0" i="0" u="none" strike="noStrike" cap="none" normalizeH="0" baseline="0" dirty="0" err="1">
-                <a:ln>
-                  <a:noFill/>
-                </a:ln>
-                <a:effectLst/>
-                <a:latin typeface="Canva Sans" panose="020B0604020202020204" charset="0"/>
-              </a:rPr>
-              <a:t>redis.pcall</a:t>
-            </a:r>
-            <a:r>
-              <a:rPr kumimoji="0" lang="en-US" altLang="en-US" sz="2200" b="0" i="0" u="none" strike="noStrike" cap="none" normalizeH="0" baseline="0" dirty="0">
-                <a:ln>
-                  <a:noFill/>
-                </a:ln>
-                <a:effectLst/>
-                <a:latin typeface="Canva Sans" panose="020B0604020202020204" charset="0"/>
-              </a:rPr>
-              <a:t>('TTL', KEYS[</a:t>
-            </a:r>
-            <a:r>
-              <a:rPr kumimoji="0" lang="en-US" altLang="en-US" sz="2200" b="0" i="1" u="none" strike="noStrike" cap="none" normalizeH="0" baseline="0" dirty="0">
-                <a:ln>
-                  <a:noFill/>
-                </a:ln>
-                <a:effectLst/>
-                <a:latin typeface="Canva Sans" panose="020B0604020202020204" charset="0"/>
-              </a:rPr>
-              <a:t>1</a:t>
-            </a:r>
-            <a:r>
-              <a:rPr kumimoji="0" lang="en-US" altLang="en-US" sz="2200" b="0" i="0" u="none" strike="noStrike" cap="none" normalizeH="0" baseline="0" dirty="0">
-                <a:ln>
-                  <a:noFill/>
-                </a:ln>
-                <a:effectLst/>
-                <a:latin typeface="Canva Sans" panose="020B0604020202020204" charset="0"/>
-              </a:rPr>
-              <a:t>])</a:t>
-            </a:r>
-            <a:br>
-              <a:rPr kumimoji="0" lang="en-US" altLang="en-US" sz="2200" b="0" i="0" u="none" strike="noStrike" cap="none" normalizeH="0" baseline="0" dirty="0">
-                <a:ln>
-                  <a:noFill/>
-                </a:ln>
-                <a:effectLst/>
-                <a:latin typeface="Canva Sans" panose="020B0604020202020204" charset="0"/>
-              </a:rPr>
-            </a:br>
-            <a:r>
-              <a:rPr kumimoji="0" lang="en-US" altLang="en-US" sz="2200" b="0" i="0" u="none" strike="noStrike" cap="none" normalizeH="0" baseline="0" dirty="0">
-                <a:ln>
-                  <a:noFill/>
-                </a:ln>
-                <a:effectLst/>
-                <a:latin typeface="Canva Sans" panose="020B0604020202020204" charset="0"/>
-              </a:rPr>
-              <a:t>if </a:t>
-            </a:r>
-            <a:r>
-              <a:rPr kumimoji="0" lang="en-US" altLang="en-US" sz="2200" b="0" i="0" u="none" strike="noStrike" cap="none" normalizeH="0" baseline="0" dirty="0" err="1">
-                <a:ln>
-                  <a:noFill/>
-                </a:ln>
-                <a:effectLst/>
-                <a:latin typeface="Canva Sans" panose="020B0604020202020204" charset="0"/>
-              </a:rPr>
-              <a:t>request_count</a:t>
-            </a:r>
-            <a:r>
-              <a:rPr kumimoji="0" lang="en-US" altLang="en-US" sz="2200" b="0" i="0" u="none" strike="noStrike" cap="none" normalizeH="0" baseline="0" dirty="0">
-                <a:ln>
-                  <a:noFill/>
-                </a:ln>
-                <a:effectLst/>
-                <a:latin typeface="Canva Sans" panose="020B0604020202020204" charset="0"/>
-              </a:rPr>
-              <a:t> &lt; </a:t>
-            </a:r>
-            <a:r>
-              <a:rPr kumimoji="0" lang="en-US" altLang="en-US" sz="2200" b="0" i="0" u="none" strike="noStrike" cap="none" normalizeH="0" baseline="0" dirty="0" err="1">
-                <a:ln>
-                  <a:noFill/>
-                </a:ln>
-                <a:effectLst/>
-                <a:latin typeface="Canva Sans" panose="020B0604020202020204" charset="0"/>
-              </a:rPr>
-              <a:t>tonumber</a:t>
-            </a:r>
-            <a:r>
-              <a:rPr kumimoji="0" lang="en-US" altLang="en-US" sz="2200" b="0" i="0" u="none" strike="noStrike" cap="none" normalizeH="0" baseline="0" dirty="0">
-                <a:ln>
-                  <a:noFill/>
-                </a:ln>
-                <a:effectLst/>
-                <a:latin typeface="Canva Sans" panose="020B0604020202020204" charset="0"/>
-              </a:rPr>
-              <a:t>(ARGV[</a:t>
-            </a:r>
-            <a:r>
-              <a:rPr kumimoji="0" lang="en-US" altLang="en-US" sz="2200" b="0" i="1" u="none" strike="noStrike" cap="none" normalizeH="0" baseline="0" dirty="0">
-                <a:ln>
-                  <a:noFill/>
-                </a:ln>
-                <a:effectLst/>
-                <a:latin typeface="Canva Sans" panose="020B0604020202020204" charset="0"/>
-              </a:rPr>
-              <a:t>1</a:t>
-            </a:r>
-            <a:r>
-              <a:rPr kumimoji="0" lang="en-US" altLang="en-US" sz="2200" b="0" i="0" u="none" strike="noStrike" cap="none" normalizeH="0" baseline="0" dirty="0">
-                <a:ln>
-                  <a:noFill/>
-                </a:ln>
-                <a:effectLst/>
-                <a:latin typeface="Canva Sans" panose="020B0604020202020204" charset="0"/>
-              </a:rPr>
-              <a:t>]) then</a:t>
-            </a:r>
-            <a:br>
-              <a:rPr kumimoji="0" lang="en-US" altLang="en-US" sz="2200" b="0" i="0" u="none" strike="noStrike" cap="none" normalizeH="0" baseline="0" dirty="0">
-                <a:ln>
-                  <a:noFill/>
-                </a:ln>
-                <a:effectLst/>
-                <a:latin typeface="Canva Sans" panose="020B0604020202020204" charset="0"/>
-              </a:rPr>
-            </a:br>
-            <a:r>
-              <a:rPr kumimoji="0" lang="en-US" altLang="en-US" sz="2200" b="0" i="0" u="none" strike="noStrike" cap="none" normalizeH="0" baseline="0" dirty="0">
-                <a:ln>
-                  <a:noFill/>
-                </a:ln>
-                <a:effectLst/>
-                <a:latin typeface="Canva Sans" panose="020B0604020202020204" charset="0"/>
-              </a:rPr>
-              <a:t>    </a:t>
-            </a:r>
-            <a:r>
-              <a:rPr kumimoji="0" lang="en-US" altLang="en-US" sz="2200" b="0" i="0" u="none" strike="noStrike" cap="none" normalizeH="0" baseline="0" dirty="0" err="1">
-                <a:ln>
-                  <a:noFill/>
-                </a:ln>
-                <a:effectLst/>
-                <a:latin typeface="Canva Sans" panose="020B0604020202020204" charset="0"/>
-              </a:rPr>
-              <a:t>redis.call</a:t>
-            </a:r>
-            <a:r>
-              <a:rPr kumimoji="0" lang="en-US" altLang="en-US" sz="2200" b="0" i="0" u="none" strike="noStrike" cap="none" normalizeH="0" baseline="0" dirty="0">
-                <a:ln>
-                  <a:noFill/>
-                </a:ln>
-                <a:effectLst/>
-                <a:latin typeface="Canva Sans" panose="020B0604020202020204" charset="0"/>
-              </a:rPr>
-              <a:t>('ZADD', KEYS[</a:t>
-            </a:r>
-            <a:r>
-              <a:rPr kumimoji="0" lang="en-US" altLang="en-US" sz="2200" b="0" i="1" u="none" strike="noStrike" cap="none" normalizeH="0" baseline="0" dirty="0">
-                <a:ln>
-                  <a:noFill/>
-                </a:ln>
-                <a:effectLst/>
-                <a:latin typeface="Canva Sans" panose="020B0604020202020204" charset="0"/>
-              </a:rPr>
-              <a:t>1</a:t>
-            </a:r>
-            <a:r>
-              <a:rPr kumimoji="0" lang="en-US" altLang="en-US" sz="2200" b="0" i="0" u="none" strike="noStrike" cap="none" normalizeH="0" baseline="0" dirty="0">
-                <a:ln>
-                  <a:noFill/>
-                </a:ln>
-                <a:effectLst/>
-                <a:latin typeface="Canva Sans" panose="020B0604020202020204" charset="0"/>
-              </a:rPr>
-              <a:t>], </a:t>
-            </a:r>
-            <a:r>
-              <a:rPr kumimoji="0" lang="en-US" altLang="en-US" sz="2200" b="0" i="0" u="none" strike="noStrike" cap="none" normalizeH="0" baseline="0" dirty="0" err="1">
-                <a:ln>
-                  <a:noFill/>
-                </a:ln>
-                <a:effectLst/>
-                <a:latin typeface="Canva Sans" panose="020B0604020202020204" charset="0"/>
-              </a:rPr>
-              <a:t>current_time</a:t>
-            </a:r>
-            <a:r>
-              <a:rPr kumimoji="0" lang="en-US" altLang="en-US" sz="2200" b="0" i="0" u="none" strike="noStrike" cap="none" normalizeH="0" baseline="0" dirty="0">
-                <a:ln>
-                  <a:noFill/>
-                </a:ln>
-                <a:effectLst/>
-                <a:latin typeface="Canva Sans" panose="020B0604020202020204" charset="0"/>
-              </a:rPr>
-              <a:t>[</a:t>
-            </a:r>
-            <a:r>
-              <a:rPr kumimoji="0" lang="en-US" altLang="en-US" sz="2200" b="0" i="1" u="none" strike="noStrike" cap="none" normalizeH="0" baseline="0" dirty="0">
-                <a:ln>
-                  <a:noFill/>
-                </a:ln>
-                <a:effectLst/>
-                <a:latin typeface="Canva Sans" panose="020B0604020202020204" charset="0"/>
-              </a:rPr>
-              <a:t>1</a:t>
-            </a:r>
-            <a:r>
-              <a:rPr kumimoji="0" lang="en-US" altLang="en-US" sz="2200" b="0" i="0" u="none" strike="noStrike" cap="none" normalizeH="0" baseline="0" dirty="0">
-                <a:ln>
-                  <a:noFill/>
-                </a:ln>
-                <a:effectLst/>
-                <a:latin typeface="Canva Sans" panose="020B0604020202020204" charset="0"/>
-              </a:rPr>
-              <a:t>], </a:t>
-            </a:r>
-            <a:r>
-              <a:rPr kumimoji="0" lang="en-US" altLang="en-US" sz="2200" b="0" i="0" u="none" strike="noStrike" cap="none" normalizeH="0" baseline="0" dirty="0" err="1">
-                <a:ln>
-                  <a:noFill/>
-                </a:ln>
-                <a:effectLst/>
-                <a:latin typeface="Canva Sans" panose="020B0604020202020204" charset="0"/>
-              </a:rPr>
-              <a:t>current_time</a:t>
-            </a:r>
-            <a:r>
-              <a:rPr kumimoji="0" lang="en-US" altLang="en-US" sz="2200" b="0" i="0" u="none" strike="noStrike" cap="none" normalizeH="0" baseline="0" dirty="0">
-                <a:ln>
-                  <a:noFill/>
-                </a:ln>
-                <a:effectLst/>
-                <a:latin typeface="Canva Sans" panose="020B0604020202020204" charset="0"/>
-              </a:rPr>
-              <a:t>[</a:t>
-            </a:r>
-            <a:r>
-              <a:rPr kumimoji="0" lang="en-US" altLang="en-US" sz="2200" b="0" i="1" u="none" strike="noStrike" cap="none" normalizeH="0" baseline="0" dirty="0">
-                <a:ln>
-                  <a:noFill/>
-                </a:ln>
-                <a:effectLst/>
-                <a:latin typeface="Canva Sans" panose="020B0604020202020204" charset="0"/>
-              </a:rPr>
-              <a:t>1</a:t>
-            </a:r>
-            <a:r>
-              <a:rPr kumimoji="0" lang="en-US" altLang="en-US" sz="2200" b="0" i="0" u="none" strike="noStrike" cap="none" normalizeH="0" baseline="0" dirty="0">
-                <a:ln>
-                  <a:noFill/>
-                </a:ln>
-                <a:effectLst/>
-                <a:latin typeface="Canva Sans" panose="020B0604020202020204" charset="0"/>
-              </a:rPr>
-              <a:t>] .. </a:t>
-            </a:r>
-            <a:r>
-              <a:rPr kumimoji="0" lang="en-US" altLang="en-US" sz="2200" b="0" i="0" u="none" strike="noStrike" cap="none" normalizeH="0" baseline="0" dirty="0" err="1">
-                <a:ln>
-                  <a:noFill/>
-                </a:ln>
-                <a:effectLst/>
-                <a:latin typeface="Canva Sans" panose="020B0604020202020204" charset="0"/>
-              </a:rPr>
-              <a:t>current_time</a:t>
-            </a:r>
-            <a:r>
-              <a:rPr kumimoji="0" lang="en-US" altLang="en-US" sz="2200" b="0" i="0" u="none" strike="noStrike" cap="none" normalizeH="0" baseline="0" dirty="0">
-                <a:ln>
-                  <a:noFill/>
-                </a:ln>
-                <a:effectLst/>
-                <a:latin typeface="Canva Sans" panose="020B0604020202020204" charset="0"/>
-              </a:rPr>
-              <a:t>[</a:t>
-            </a:r>
-            <a:r>
-              <a:rPr kumimoji="0" lang="en-US" altLang="en-US" sz="2200" b="0" i="1" u="none" strike="noStrike" cap="none" normalizeH="0" baseline="0" dirty="0">
-                <a:ln>
-                  <a:noFill/>
-                </a:ln>
-                <a:effectLst/>
-                <a:latin typeface="Canva Sans" panose="020B0604020202020204" charset="0"/>
-              </a:rPr>
-              <a:t>2</a:t>
-            </a:r>
-            <a:r>
-              <a:rPr kumimoji="0" lang="en-US" altLang="en-US" sz="2200" b="0" i="0" u="none" strike="noStrike" cap="none" normalizeH="0" baseline="0" dirty="0">
-                <a:ln>
-                  <a:noFill/>
-                </a:ln>
-                <a:effectLst/>
-                <a:latin typeface="Canva Sans" panose="020B0604020202020204" charset="0"/>
-              </a:rPr>
-              <a:t>])</a:t>
-            </a:r>
-            <a:br>
-              <a:rPr kumimoji="0" lang="en-US" altLang="en-US" sz="2200" b="0" i="0" u="none" strike="noStrike" cap="none" normalizeH="0" baseline="0" dirty="0">
-                <a:ln>
-                  <a:noFill/>
-                </a:ln>
-                <a:effectLst/>
-                <a:latin typeface="Canva Sans" panose="020B0604020202020204" charset="0"/>
-              </a:rPr>
-            </a:br>
-            <a:r>
-              <a:rPr kumimoji="0" lang="en-US" altLang="en-US" sz="2200" b="0" i="0" u="none" strike="noStrike" cap="none" normalizeH="0" baseline="0" dirty="0">
-                <a:ln>
-                  <a:noFill/>
-                </a:ln>
-                <a:effectLst/>
-                <a:latin typeface="Canva Sans" panose="020B0604020202020204" charset="0"/>
-              </a:rPr>
-              <a:t>    </a:t>
-            </a:r>
-            <a:r>
-              <a:rPr kumimoji="0" lang="en-US" altLang="en-US" sz="2200" b="0" i="0" u="none" strike="noStrike" cap="none" normalizeH="0" baseline="0" dirty="0" err="1">
-                <a:ln>
-                  <a:noFill/>
-                </a:ln>
-                <a:effectLst/>
-                <a:latin typeface="Canva Sans" panose="020B0604020202020204" charset="0"/>
-              </a:rPr>
-              <a:t>redis.call</a:t>
-            </a:r>
-            <a:r>
-              <a:rPr kumimoji="0" lang="en-US" altLang="en-US" sz="2200" b="0" i="0" u="none" strike="noStrike" cap="none" normalizeH="0" baseline="0" dirty="0">
-                <a:ln>
-                  <a:noFill/>
-                </a:ln>
-                <a:effectLst/>
-                <a:latin typeface="Canva Sans" panose="020B0604020202020204" charset="0"/>
-              </a:rPr>
-              <a:t>('EXPIRE', KEYS[</a:t>
-            </a:r>
-            <a:r>
-              <a:rPr kumimoji="0" lang="en-US" altLang="en-US" sz="2200" b="0" i="1" u="none" strike="noStrike" cap="none" normalizeH="0" baseline="0" dirty="0">
-                <a:ln>
-                  <a:noFill/>
-                </a:ln>
-                <a:effectLst/>
-                <a:latin typeface="Canva Sans" panose="020B0604020202020204" charset="0"/>
-              </a:rPr>
-              <a:t>1</a:t>
-            </a:r>
-            <a:r>
-              <a:rPr kumimoji="0" lang="en-US" altLang="en-US" sz="2200" b="0" i="0" u="none" strike="noStrike" cap="none" normalizeH="0" baseline="0" dirty="0">
-                <a:ln>
-                  <a:noFill/>
-                </a:ln>
-                <a:effectLst/>
-                <a:latin typeface="Canva Sans" panose="020B0604020202020204" charset="0"/>
-              </a:rPr>
-              <a:t>], ARGV[</a:t>
-            </a:r>
-            <a:r>
-              <a:rPr kumimoji="0" lang="en-US" altLang="en-US" sz="2200" b="0" i="1" u="none" strike="noStrike" cap="none" normalizeH="0" baseline="0" dirty="0">
-                <a:ln>
-                  <a:noFill/>
-                </a:ln>
-                <a:effectLst/>
-                <a:latin typeface="Canva Sans" panose="020B0604020202020204" charset="0"/>
-              </a:rPr>
-              <a:t>2</a:t>
-            </a:r>
-            <a:r>
-              <a:rPr kumimoji="0" lang="en-US" altLang="en-US" sz="2200" b="0" i="0" u="none" strike="noStrike" cap="none" normalizeH="0" baseline="0" dirty="0">
-                <a:ln>
-                  <a:noFill/>
-                </a:ln>
-                <a:effectLst/>
-                <a:latin typeface="Canva Sans" panose="020B0604020202020204" charset="0"/>
-              </a:rPr>
-              <a:t>])</a:t>
-            </a:r>
-            <a:br>
-              <a:rPr kumimoji="0" lang="en-US" altLang="en-US" sz="2200" b="0" i="0" u="none" strike="noStrike" cap="none" normalizeH="0" baseline="0" dirty="0">
-                <a:ln>
-                  <a:noFill/>
-                </a:ln>
-                <a:effectLst/>
-                <a:latin typeface="Canva Sans" panose="020B0604020202020204" charset="0"/>
-              </a:rPr>
-            </a:br>
-            <a:r>
-              <a:rPr kumimoji="0" lang="en-US" altLang="en-US" sz="2200" b="0" i="0" u="none" strike="noStrike" cap="none" normalizeH="0" baseline="0" dirty="0">
-                <a:ln>
-                  <a:noFill/>
-                </a:ln>
-                <a:effectLst/>
-                <a:latin typeface="Canva Sans" panose="020B0604020202020204" charset="0"/>
-              </a:rPr>
-              <a:t>    local </a:t>
-            </a:r>
-            <a:r>
-              <a:rPr kumimoji="0" lang="en-US" altLang="en-US" sz="2200" b="0" i="0" u="none" strike="noStrike" cap="none" normalizeH="0" baseline="0" dirty="0" err="1">
-                <a:ln>
-                  <a:noFill/>
-                </a:ln>
-                <a:effectLst/>
-                <a:latin typeface="Canva Sans" panose="020B0604020202020204" charset="0"/>
-              </a:rPr>
-              <a:t>ttl</a:t>
-            </a:r>
-            <a:r>
-              <a:rPr kumimoji="0" lang="en-US" altLang="en-US" sz="2200" b="0" i="0" u="none" strike="noStrike" cap="none" normalizeH="0" baseline="0" dirty="0">
-                <a:ln>
-                  <a:noFill/>
-                </a:ln>
-                <a:effectLst/>
-                <a:latin typeface="Canva Sans" panose="020B0604020202020204" charset="0"/>
-              </a:rPr>
-              <a:t> = </a:t>
-            </a:r>
-            <a:r>
-              <a:rPr kumimoji="0" lang="en-US" altLang="en-US" sz="2200" b="0" i="0" u="none" strike="noStrike" cap="none" normalizeH="0" baseline="0" dirty="0" err="1">
-                <a:ln>
-                  <a:noFill/>
-                </a:ln>
-                <a:effectLst/>
-                <a:latin typeface="Canva Sans" panose="020B0604020202020204" charset="0"/>
-              </a:rPr>
-              <a:t>redis.pcall</a:t>
-            </a:r>
-            <a:r>
-              <a:rPr kumimoji="0" lang="en-US" altLang="en-US" sz="2200" b="0" i="0" u="none" strike="noStrike" cap="none" normalizeH="0" baseline="0" dirty="0">
-                <a:ln>
-                  <a:noFill/>
-                </a:ln>
-                <a:effectLst/>
-                <a:latin typeface="Canva Sans" panose="020B0604020202020204" charset="0"/>
-              </a:rPr>
-              <a:t>('TTL', KEYS[</a:t>
-            </a:r>
-            <a:r>
-              <a:rPr kumimoji="0" lang="en-US" altLang="en-US" sz="2200" b="0" i="1" u="none" strike="noStrike" cap="none" normalizeH="0" baseline="0" dirty="0">
-                <a:ln>
-                  <a:noFill/>
-                </a:ln>
-                <a:effectLst/>
-                <a:latin typeface="Canva Sans" panose="020B0604020202020204" charset="0"/>
-              </a:rPr>
-              <a:t>1</a:t>
-            </a:r>
-            <a:r>
-              <a:rPr kumimoji="0" lang="en-US" altLang="en-US" sz="2200" b="0" i="0" u="none" strike="noStrike" cap="none" normalizeH="0" baseline="0" dirty="0">
-                <a:ln>
-                  <a:noFill/>
-                </a:ln>
-                <a:effectLst/>
-                <a:latin typeface="Canva Sans" panose="020B0604020202020204" charset="0"/>
-              </a:rPr>
-              <a:t>])</a:t>
-            </a:r>
-            <a:br>
-              <a:rPr kumimoji="0" lang="en-US" altLang="en-US" sz="2200" b="0" i="0" u="none" strike="noStrike" cap="none" normalizeH="0" baseline="0" dirty="0">
-                <a:ln>
-                  <a:noFill/>
-                </a:ln>
-                <a:effectLst/>
-                <a:latin typeface="Canva Sans" panose="020B0604020202020204" charset="0"/>
-              </a:rPr>
-            </a:br>
-            <a:r>
-              <a:rPr kumimoji="0" lang="en-US" altLang="en-US" sz="2200" b="0" i="0" u="none" strike="noStrike" cap="none" normalizeH="0" baseline="0" dirty="0">
-                <a:ln>
-                  <a:noFill/>
-                </a:ln>
-                <a:effectLst/>
-                <a:latin typeface="Canva Sans" panose="020B0604020202020204" charset="0"/>
-              </a:rPr>
-              <a:t>    local h = headers(</a:t>
-            </a:r>
-            <a:r>
-              <a:rPr kumimoji="0" lang="en-US" altLang="en-US" sz="2200" b="0" i="0" u="none" strike="noStrike" cap="none" normalizeH="0" baseline="0" dirty="0" err="1">
-                <a:ln>
-                  <a:noFill/>
-                </a:ln>
-                <a:effectLst/>
-                <a:latin typeface="Canva Sans" panose="020B0604020202020204" charset="0"/>
-              </a:rPr>
-              <a:t>tonumber</a:t>
-            </a:r>
-            <a:r>
-              <a:rPr kumimoji="0" lang="en-US" altLang="en-US" sz="2200" b="0" i="0" u="none" strike="noStrike" cap="none" normalizeH="0" baseline="0" dirty="0">
-                <a:ln>
-                  <a:noFill/>
-                </a:ln>
-                <a:effectLst/>
-                <a:latin typeface="Canva Sans" panose="020B0604020202020204" charset="0"/>
-              </a:rPr>
-              <a:t>(ARGV[</a:t>
-            </a:r>
-            <a:r>
-              <a:rPr kumimoji="0" lang="en-US" altLang="en-US" sz="2200" b="0" i="1" u="none" strike="noStrike" cap="none" normalizeH="0" baseline="0" dirty="0">
-                <a:ln>
-                  <a:noFill/>
-                </a:ln>
-                <a:effectLst/>
-                <a:latin typeface="Canva Sans" panose="020B0604020202020204" charset="0"/>
-              </a:rPr>
-              <a:t>1</a:t>
-            </a:r>
-            <a:r>
-              <a:rPr kumimoji="0" lang="en-US" altLang="en-US" sz="2200" b="0" i="0" u="none" strike="noStrike" cap="none" normalizeH="0" baseline="0" dirty="0">
-                <a:ln>
-                  <a:noFill/>
-                </a:ln>
-                <a:effectLst/>
-                <a:latin typeface="Canva Sans" panose="020B0604020202020204" charset="0"/>
-              </a:rPr>
-              <a:t>]), </a:t>
-            </a:r>
-            <a:r>
-              <a:rPr kumimoji="0" lang="en-US" altLang="en-US" sz="2200" b="0" i="0" u="none" strike="noStrike" cap="none" normalizeH="0" baseline="0" dirty="0" err="1">
-                <a:ln>
-                  <a:noFill/>
-                </a:ln>
-                <a:effectLst/>
-                <a:latin typeface="Canva Sans" panose="020B0604020202020204" charset="0"/>
-              </a:rPr>
-              <a:t>ttl</a:t>
-            </a:r>
-            <a:r>
-              <a:rPr kumimoji="0" lang="en-US" altLang="en-US" sz="2200" b="0" i="0" u="none" strike="noStrike" cap="none" normalizeH="0" baseline="0" dirty="0">
-                <a:ln>
-                  <a:noFill/>
-                </a:ln>
-                <a:effectLst/>
-                <a:latin typeface="Canva Sans" panose="020B0604020202020204" charset="0"/>
-              </a:rPr>
-              <a:t>, </a:t>
-            </a:r>
-            <a:r>
-              <a:rPr kumimoji="0" lang="en-US" altLang="en-US" sz="2200" b="0" i="0" u="none" strike="noStrike" cap="none" normalizeH="0" baseline="0" dirty="0" err="1">
-                <a:ln>
-                  <a:noFill/>
-                </a:ln>
-                <a:effectLst/>
-                <a:latin typeface="Canva Sans" panose="020B0604020202020204" charset="0"/>
-              </a:rPr>
-              <a:t>tonumber</a:t>
-            </a:r>
-            <a:r>
-              <a:rPr kumimoji="0" lang="en-US" altLang="en-US" sz="2200" b="0" i="0" u="none" strike="noStrike" cap="none" normalizeH="0" baseline="0" dirty="0">
-                <a:ln>
-                  <a:noFill/>
-                </a:ln>
-                <a:effectLst/>
-                <a:latin typeface="Canva Sans" panose="020B0604020202020204" charset="0"/>
-              </a:rPr>
-              <a:t>(ARGV[</a:t>
-            </a:r>
-            <a:r>
-              <a:rPr kumimoji="0" lang="en-US" altLang="en-US" sz="2200" b="0" i="1" u="none" strike="noStrike" cap="none" normalizeH="0" baseline="0" dirty="0">
-                <a:ln>
-                  <a:noFill/>
-                </a:ln>
-                <a:effectLst/>
-                <a:latin typeface="Canva Sans" panose="020B0604020202020204" charset="0"/>
-              </a:rPr>
-              <a:t>1</a:t>
-            </a:r>
-            <a:r>
-              <a:rPr kumimoji="0" lang="en-US" altLang="en-US" sz="2200" b="0" i="0" u="none" strike="noStrike" cap="none" normalizeH="0" baseline="0" dirty="0">
-                <a:ln>
-                  <a:noFill/>
-                </a:ln>
-                <a:effectLst/>
-                <a:latin typeface="Canva Sans" panose="020B0604020202020204" charset="0"/>
-              </a:rPr>
-              <a:t>])-request_count-</a:t>
-            </a:r>
-            <a:r>
-              <a:rPr kumimoji="0" lang="en-US" altLang="en-US" sz="2200" b="0" i="1" u="none" strike="noStrike" cap="none" normalizeH="0" baseline="0" dirty="0">
-                <a:ln>
-                  <a:noFill/>
-                </a:ln>
-                <a:effectLst/>
-                <a:latin typeface="Canva Sans" panose="020B0604020202020204" charset="0"/>
-              </a:rPr>
-              <a:t>1</a:t>
-            </a:r>
-            <a:r>
-              <a:rPr kumimoji="0" lang="en-US" altLang="en-US" sz="2200" b="0" i="0" u="none" strike="noStrike" cap="none" normalizeH="0" baseline="0" dirty="0">
-                <a:ln>
-                  <a:noFill/>
-                </a:ln>
-                <a:effectLst/>
-                <a:latin typeface="Canva Sans" panose="020B0604020202020204" charset="0"/>
-              </a:rPr>
-              <a:t>)</a:t>
-            </a:r>
-            <a:br>
-              <a:rPr kumimoji="0" lang="en-US" altLang="en-US" sz="2200" b="0" i="0" u="none" strike="noStrike" cap="none" normalizeH="0" baseline="0" dirty="0">
-                <a:ln>
-                  <a:noFill/>
-                </a:ln>
-                <a:effectLst/>
-                <a:latin typeface="Canva Sans" panose="020B0604020202020204" charset="0"/>
-              </a:rPr>
-            </a:br>
-            <a:r>
-              <a:rPr kumimoji="0" lang="en-US" altLang="en-US" sz="2200" b="0" i="0" u="none" strike="noStrike" cap="none" normalizeH="0" baseline="0" dirty="0">
-                <a:ln>
-                  <a:noFill/>
-                </a:ln>
-                <a:effectLst/>
-                <a:latin typeface="Canva Sans" panose="020B0604020202020204" charset="0"/>
-              </a:rPr>
-              <a:t>    return {'allow', h}</a:t>
-            </a:r>
-            <a:br>
-              <a:rPr kumimoji="0" lang="en-US" altLang="en-US" sz="2200" b="0" i="0" u="none" strike="noStrike" cap="none" normalizeH="0" baseline="0" dirty="0">
-                <a:ln>
-                  <a:noFill/>
-                </a:ln>
-                <a:effectLst/>
-                <a:latin typeface="Canva Sans" panose="020B0604020202020204" charset="0"/>
-              </a:rPr>
-            </a:br>
-            <a:r>
-              <a:rPr kumimoji="0" lang="en-US" altLang="en-US" sz="2200" b="0" i="0" u="none" strike="noStrike" cap="none" normalizeH="0" baseline="0" dirty="0">
-                <a:ln>
-                  <a:noFill/>
-                </a:ln>
-                <a:effectLst/>
-                <a:latin typeface="Canva Sans" panose="020B0604020202020204" charset="0"/>
-              </a:rPr>
-              <a:t>end</a:t>
-            </a:r>
-            <a:br>
-              <a:rPr kumimoji="0" lang="en-US" altLang="en-US" sz="2200" b="0" i="0" u="none" strike="noStrike" cap="none" normalizeH="0" baseline="0" dirty="0">
-                <a:ln>
-                  <a:noFill/>
-                </a:ln>
-                <a:effectLst/>
-                <a:latin typeface="Canva Sans" panose="020B0604020202020204" charset="0"/>
-              </a:rPr>
-            </a:br>
-            <a:r>
-              <a:rPr kumimoji="0" lang="en-US" altLang="en-US" sz="2200" b="0" i="0" u="none" strike="noStrike" cap="none" normalizeH="0" baseline="0" dirty="0">
-                <a:ln>
-                  <a:noFill/>
-                </a:ln>
-                <a:effectLst/>
-                <a:latin typeface="Canva Sans" panose="020B0604020202020204" charset="0"/>
-              </a:rPr>
-              <a:t>local h = headers(</a:t>
-            </a:r>
-            <a:r>
-              <a:rPr kumimoji="0" lang="en-US" altLang="en-US" sz="2200" b="0" i="0" u="none" strike="noStrike" cap="none" normalizeH="0" baseline="0" dirty="0" err="1">
-                <a:ln>
-                  <a:noFill/>
-                </a:ln>
-                <a:effectLst/>
-                <a:latin typeface="Canva Sans" panose="020B0604020202020204" charset="0"/>
-              </a:rPr>
-              <a:t>tonumber</a:t>
-            </a:r>
-            <a:r>
-              <a:rPr kumimoji="0" lang="en-US" altLang="en-US" sz="2200" b="0" i="0" u="none" strike="noStrike" cap="none" normalizeH="0" baseline="0" dirty="0">
-                <a:ln>
-                  <a:noFill/>
-                </a:ln>
-                <a:effectLst/>
-                <a:latin typeface="Canva Sans" panose="020B0604020202020204" charset="0"/>
-              </a:rPr>
-              <a:t>(ARGV[</a:t>
-            </a:r>
-            <a:r>
-              <a:rPr kumimoji="0" lang="en-US" altLang="en-US" sz="2200" b="0" i="1" u="none" strike="noStrike" cap="none" normalizeH="0" baseline="0" dirty="0">
-                <a:ln>
-                  <a:noFill/>
-                </a:ln>
-                <a:effectLst/>
-                <a:latin typeface="Canva Sans" panose="020B0604020202020204" charset="0"/>
-              </a:rPr>
-              <a:t>1</a:t>
-            </a:r>
-            <a:r>
-              <a:rPr kumimoji="0" lang="en-US" altLang="en-US" sz="2200" b="0" i="0" u="none" strike="noStrike" cap="none" normalizeH="0" baseline="0" dirty="0">
-                <a:ln>
-                  <a:noFill/>
-                </a:ln>
-                <a:effectLst/>
-                <a:latin typeface="Canva Sans" panose="020B0604020202020204" charset="0"/>
-              </a:rPr>
-              <a:t>]), </a:t>
-            </a:r>
-            <a:r>
-              <a:rPr kumimoji="0" lang="en-US" altLang="en-US" sz="2200" b="0" i="0" u="none" strike="noStrike" cap="none" normalizeH="0" baseline="0" dirty="0" err="1">
-                <a:ln>
-                  <a:noFill/>
-                </a:ln>
-                <a:effectLst/>
-                <a:latin typeface="Canva Sans" panose="020B0604020202020204" charset="0"/>
-              </a:rPr>
-              <a:t>ttl</a:t>
-            </a:r>
-            <a:r>
-              <a:rPr kumimoji="0" lang="en-US" altLang="en-US" sz="2200" b="0" i="0" u="none" strike="noStrike" cap="none" normalizeH="0" baseline="0" dirty="0">
-                <a:ln>
-                  <a:noFill/>
-                </a:ln>
-                <a:effectLst/>
-                <a:latin typeface="Canva Sans" panose="020B0604020202020204" charset="0"/>
-              </a:rPr>
-              <a:t>, </a:t>
-            </a:r>
-            <a:r>
-              <a:rPr kumimoji="0" lang="en-US" altLang="en-US" sz="2200" b="0" i="1" u="none" strike="noStrike" cap="none" normalizeH="0" baseline="0" dirty="0">
-                <a:ln>
-                  <a:noFill/>
-                </a:ln>
-                <a:effectLst/>
-                <a:latin typeface="Canva Sans" panose="020B0604020202020204" charset="0"/>
-              </a:rPr>
-              <a:t>0</a:t>
-            </a:r>
-            <a:r>
-              <a:rPr kumimoji="0" lang="en-US" altLang="en-US" sz="2200" b="0" i="0" u="none" strike="noStrike" cap="none" normalizeH="0" baseline="0" dirty="0">
-                <a:ln>
-                  <a:noFill/>
-                </a:ln>
-                <a:effectLst/>
-                <a:latin typeface="Canva Sans" panose="020B0604020202020204" charset="0"/>
-              </a:rPr>
-              <a:t>)</a:t>
-            </a:r>
-            <a:br>
-              <a:rPr kumimoji="0" lang="en-US" altLang="en-US" sz="2200" b="0" i="0" u="none" strike="noStrike" cap="none" normalizeH="0" baseline="0" dirty="0">
-                <a:ln>
-                  <a:noFill/>
-                </a:ln>
-                <a:effectLst/>
-                <a:latin typeface="Canva Sans" panose="020B0604020202020204" charset="0"/>
-              </a:rPr>
-            </a:br>
-            <a:r>
-              <a:rPr kumimoji="0" lang="en-US" altLang="en-US" sz="2200" b="0" i="0" u="none" strike="noStrike" cap="none" normalizeH="0" baseline="0" dirty="0">
-                <a:ln>
-                  <a:noFill/>
-                </a:ln>
-                <a:effectLst/>
-                <a:latin typeface="Canva Sans" panose="020B0604020202020204" charset="0"/>
-              </a:rPr>
-              <a:t>return {'deny', h}</a:t>
-            </a:r>
+            <a:pPr>
+              <a:lnSpc>
+                <a:spcPts val="4759"/>
+              </a:lnSpc>
+            </a:pPr>
+            <a:r>
+              <a:rPr lang="en-US" sz="3399" dirty="0">
+                <a:solidFill>
+                  <a:srgbClr val="2B2C30"/>
+                </a:solidFill>
+                <a:latin typeface="Canva Sans"/>
+              </a:rPr>
+              <a:t>SLIDING LOG ALGORITHM </a:t>
+            </a:r>
+          </a:p>
+          <a:p>
+            <a:pPr>
+              <a:lnSpc>
+                <a:spcPts val="4759"/>
+              </a:lnSpc>
+            </a:pPr>
+            <a:endParaRPr lang="en-US" sz="3399" dirty="0">
+              <a:solidFill>
+                <a:srgbClr val="2B2C30"/>
+              </a:solidFill>
+              <a:latin typeface="Canva Sans"/>
+            </a:endParaRPr>
+          </a:p>
+          <a:p>
+            <a:pPr>
+              <a:lnSpc>
+                <a:spcPts val="4759"/>
+              </a:lnSpc>
+            </a:pPr>
+            <a:r>
+              <a:rPr lang="en-US" sz="3399" dirty="0">
+                <a:solidFill>
+                  <a:srgbClr val="2B2C30"/>
+                </a:solidFill>
+                <a:latin typeface="Canva Sans"/>
+              </a:rPr>
+              <a:t>FIXED WINDOW ALGORITHM (implemented)</a:t>
+            </a:r>
+          </a:p>
+          <a:p>
+            <a:pPr>
+              <a:lnSpc>
+                <a:spcPts val="4759"/>
+              </a:lnSpc>
+            </a:pPr>
+            <a:r>
+              <a:rPr lang="en-US" sz="3399" dirty="0">
+                <a:solidFill>
+                  <a:srgbClr val="2B2C30"/>
+                </a:solidFill>
+                <a:latin typeface="Canva Sans"/>
+              </a:rPr>
+              <a:t>SLIDING WINDOW ALGORITHM (implemented)</a:t>
+            </a:r>
+          </a:p>
+          <a:p>
+            <a:pPr>
+              <a:lnSpc>
+                <a:spcPts val="4759"/>
+              </a:lnSpc>
+            </a:pPr>
+            <a:endParaRPr lang="en-US" sz="3399" dirty="0">
+              <a:solidFill>
+                <a:srgbClr val="2B2C30"/>
+              </a:solidFill>
+              <a:latin typeface="Canva Sans"/>
+            </a:endParaRPr>
           </a:p>
         </p:txBody>
       </p:sp>
@@ -6026,48 +3788,989 @@
         </p:nvSpPr>
         <p:spPr>
           <a:xfrm>
-            <a:off x="4461153" y="3105302"/>
-            <a:ext cx="9365695" cy="2991481"/>
+            <a:off x="762000" y="342900"/>
+            <a:ext cx="15811500" cy="575094"/>
           </a:xfrm>
           <a:prstGeom prst="rect">
             <a:avLst/>
           </a:prstGeom>
         </p:spPr>
         <p:txBody>
-          <a:bodyPr lIns="0" tIns="0" rIns="0" bIns="0" rtlCol="0" anchor="t">
+          <a:bodyPr wrap="square" lIns="0" tIns="0" rIns="0" bIns="0" rtlCol="0" anchor="t">
             <a:spAutoFit/>
           </a:bodyPr>
           <a:lstStyle/>
           <a:p>
-            <a:pPr algn="ctr">
-              <a:lnSpc>
-                <a:spcPts val="12040"/>
-              </a:lnSpc>
-            </a:pPr>
-            <a:r>
-              <a:rPr lang="en-US" sz="8600">
+            <a:pPr>
+              <a:lnSpc>
+                <a:spcPts val="4798"/>
+              </a:lnSpc>
+            </a:pPr>
+            <a:r>
+              <a:rPr lang="en-US" sz="3427" dirty="0">
                 <a:solidFill>
                   <a:srgbClr val="000000"/>
                 </a:solidFill>
                 <a:latin typeface="Canva Sans"/>
               </a:rPr>
-              <a:t>DEMO AND CODE</a:t>
-            </a:r>
-          </a:p>
-          <a:p>
-            <a:pPr algn="ctr">
-              <a:lnSpc>
-                <a:spcPts val="12040"/>
-              </a:lnSpc>
-            </a:pPr>
-            <a:r>
-              <a:rPr lang="en-US" sz="8600">
-                <a:solidFill>
-                  <a:srgbClr val="000000"/>
-                </a:solidFill>
-                <a:latin typeface="Canva Sans"/>
-              </a:rPr>
-              <a:t>WALK THROUGH</a:t>
+              <a:t>FIXED WINDOW ALGORITHM: </a:t>
+            </a:r>
+          </a:p>
+        </p:txBody>
+      </p:sp>
+      <p:sp>
+        <p:nvSpPr>
+          <p:cNvPr id="11" name="Rectangle 3">
+            <a:extLst>
+              <a:ext uri="{FF2B5EF4-FFF2-40B4-BE49-F238E27FC236}">
+                <a16:creationId xmlns:a16="http://schemas.microsoft.com/office/drawing/2014/main" id="{C8CABC43-9595-FF97-3C3D-778741B8165E}"/>
+              </a:ext>
+            </a:extLst>
+          </p:cNvPr>
+          <p:cNvSpPr>
+            <a:spLocks noChangeArrowheads="1"/>
+          </p:cNvSpPr>
+          <p:nvPr/>
+        </p:nvSpPr>
+        <p:spPr bwMode="auto">
+          <a:xfrm>
+            <a:off x="762000" y="1104900"/>
+            <a:ext cx="14782800" cy="8985468"/>
+          </a:xfrm>
+          <a:prstGeom prst="rect">
+            <a:avLst/>
+          </a:prstGeom>
+          <a:noFill/>
+          <a:ln>
+            <a:noFill/>
+          </a:ln>
+          <a:effectLst/>
+        </p:spPr>
+        <p:txBody>
+          <a:bodyPr vert="horz" wrap="square" lIns="91440" tIns="45720" rIns="91440" bIns="45720" numCol="1" anchor="ctr" anchorCtr="0" compatLnSpc="1">
+            <a:prstTxWarp prst="textNoShape">
+              <a:avLst/>
+            </a:prstTxWarp>
+            <a:spAutoFit/>
+          </a:bodyPr>
+          <a:lstStyle/>
+          <a:p>
+            <a:pPr marL="0" marR="0" lvl="0" indent="0" algn="l" defTabSz="914400" rtl="0" eaLnBrk="0" fontAlgn="base" latinLnBrk="0" hangingPunct="0">
+              <a:lnSpc>
+                <a:spcPct val="100000"/>
+              </a:lnSpc>
+              <a:spcBef>
+                <a:spcPct val="0"/>
+              </a:spcBef>
+              <a:spcAft>
+                <a:spcPct val="0"/>
+              </a:spcAft>
+              <a:buClrTx/>
+              <a:buSzTx/>
+              <a:buFontTx/>
+              <a:buNone/>
+              <a:tabLst/>
+            </a:pPr>
+            <a:r>
+              <a:rPr kumimoji="0" lang="en-US" altLang="en-US" sz="2000" b="1" i="0" u="sng" strike="noStrike" cap="none" normalizeH="0" baseline="0" dirty="0">
+                <a:ln>
+                  <a:noFill/>
+                </a:ln>
+                <a:effectLst/>
+                <a:latin typeface="Canva Sans" panose="020B0604020202020204" charset="0"/>
+              </a:rPr>
+              <a:t>LUA SCRIPT :</a:t>
+            </a:r>
+          </a:p>
+          <a:p>
+            <a:pPr marL="0" marR="0" lvl="0" indent="0" algn="l" defTabSz="914400" rtl="0" eaLnBrk="0" fontAlgn="base" latinLnBrk="0" hangingPunct="0">
+              <a:lnSpc>
+                <a:spcPct val="100000"/>
+              </a:lnSpc>
+              <a:spcBef>
+                <a:spcPct val="0"/>
+              </a:spcBef>
+              <a:spcAft>
+                <a:spcPct val="0"/>
+              </a:spcAft>
+              <a:buClrTx/>
+              <a:buSzTx/>
+              <a:buFontTx/>
+              <a:buNone/>
+              <a:tabLst/>
+            </a:pPr>
+            <a:r>
+              <a:rPr kumimoji="0" lang="en-US" altLang="en-US" sz="2000" b="0" i="0" u="none" strike="noStrike" cap="none" normalizeH="0" baseline="0" dirty="0">
+                <a:ln>
+                  <a:noFill/>
+                </a:ln>
+                <a:effectLst/>
+                <a:latin typeface="Canva Sans" panose="020B0604020202020204" charset="0"/>
+              </a:rPr>
+              <a:t>local id = KEYS[</a:t>
+            </a:r>
+            <a:r>
+              <a:rPr kumimoji="0" lang="en-US" altLang="en-US" sz="2000" b="0" i="1" u="none" strike="noStrike" cap="none" normalizeH="0" baseline="0" dirty="0">
+                <a:ln>
+                  <a:noFill/>
+                </a:ln>
+                <a:effectLst/>
+                <a:latin typeface="Canva Sans" panose="020B0604020202020204" charset="0"/>
+              </a:rPr>
+              <a:t>1</a:t>
+            </a:r>
+            <a:r>
+              <a:rPr kumimoji="0" lang="en-US" altLang="en-US" sz="2000" b="0" i="0" u="none" strike="noStrike" cap="none" normalizeH="0" baseline="0" dirty="0">
+                <a:ln>
+                  <a:noFill/>
+                </a:ln>
+                <a:effectLst/>
+                <a:latin typeface="Canva Sans" panose="020B0604020202020204" charset="0"/>
+              </a:rPr>
+              <a:t>]</a:t>
+            </a:r>
+            <a:br>
+              <a:rPr kumimoji="0" lang="en-US" altLang="en-US" sz="2000" b="0" i="0" u="none" strike="noStrike" cap="none" normalizeH="0" baseline="0" dirty="0">
+                <a:ln>
+                  <a:noFill/>
+                </a:ln>
+                <a:effectLst/>
+                <a:latin typeface="Canva Sans" panose="020B0604020202020204" charset="0"/>
+              </a:rPr>
+            </a:br>
+            <a:r>
+              <a:rPr kumimoji="0" lang="en-US" altLang="en-US" sz="2000" b="0" i="0" u="none" strike="noStrike" cap="none" normalizeH="0" baseline="0" dirty="0">
+                <a:ln>
+                  <a:noFill/>
+                </a:ln>
+                <a:effectLst/>
+                <a:latin typeface="Canva Sans" panose="020B0604020202020204" charset="0"/>
+              </a:rPr>
+              <a:t>local limit = </a:t>
+            </a:r>
+            <a:r>
+              <a:rPr kumimoji="0" lang="en-US" altLang="en-US" sz="2000" b="0" i="0" u="none" strike="noStrike" cap="none" normalizeH="0" baseline="0" dirty="0" err="1">
+                <a:ln>
+                  <a:noFill/>
+                </a:ln>
+                <a:effectLst/>
+                <a:latin typeface="Canva Sans" panose="020B0604020202020204" charset="0"/>
+              </a:rPr>
+              <a:t>tonumber</a:t>
+            </a:r>
+            <a:r>
+              <a:rPr kumimoji="0" lang="en-US" altLang="en-US" sz="2000" b="0" i="0" u="none" strike="noStrike" cap="none" normalizeH="0" baseline="0" dirty="0">
+                <a:ln>
+                  <a:noFill/>
+                </a:ln>
+                <a:effectLst/>
+                <a:latin typeface="Canva Sans" panose="020B0604020202020204" charset="0"/>
+              </a:rPr>
+              <a:t>(ARGV[</a:t>
+            </a:r>
+            <a:r>
+              <a:rPr kumimoji="0" lang="en-US" altLang="en-US" sz="2000" b="0" i="1" u="none" strike="noStrike" cap="none" normalizeH="0" baseline="0" dirty="0">
+                <a:ln>
+                  <a:noFill/>
+                </a:ln>
+                <a:effectLst/>
+                <a:latin typeface="Canva Sans" panose="020B0604020202020204" charset="0"/>
+              </a:rPr>
+              <a:t>1</a:t>
+            </a:r>
+            <a:r>
+              <a:rPr kumimoji="0" lang="en-US" altLang="en-US" sz="2000" b="0" i="0" u="none" strike="noStrike" cap="none" normalizeH="0" baseline="0" dirty="0">
+                <a:ln>
+                  <a:noFill/>
+                </a:ln>
+                <a:effectLst/>
+                <a:latin typeface="Canva Sans" panose="020B0604020202020204" charset="0"/>
+              </a:rPr>
+              <a:t>])</a:t>
+            </a:r>
+            <a:br>
+              <a:rPr kumimoji="0" lang="en-US" altLang="en-US" sz="2000" b="0" i="0" u="none" strike="noStrike" cap="none" normalizeH="0" baseline="0" dirty="0">
+                <a:ln>
+                  <a:noFill/>
+                </a:ln>
+                <a:effectLst/>
+                <a:latin typeface="Canva Sans" panose="020B0604020202020204" charset="0"/>
+              </a:rPr>
+            </a:br>
+            <a:r>
+              <a:rPr kumimoji="0" lang="en-US" altLang="en-US" sz="2000" b="0" i="0" u="none" strike="noStrike" cap="none" normalizeH="0" baseline="0" dirty="0">
+                <a:ln>
+                  <a:noFill/>
+                </a:ln>
+                <a:effectLst/>
+                <a:latin typeface="Canva Sans" panose="020B0604020202020204" charset="0"/>
+              </a:rPr>
+              <a:t>local window = </a:t>
+            </a:r>
+            <a:r>
+              <a:rPr kumimoji="0" lang="en-US" altLang="en-US" sz="2000" b="0" i="0" u="none" strike="noStrike" cap="none" normalizeH="0" baseline="0" dirty="0" err="1">
+                <a:ln>
+                  <a:noFill/>
+                </a:ln>
+                <a:effectLst/>
+                <a:latin typeface="Canva Sans" panose="020B0604020202020204" charset="0"/>
+              </a:rPr>
+              <a:t>tonumber</a:t>
+            </a:r>
+            <a:r>
+              <a:rPr kumimoji="0" lang="en-US" altLang="en-US" sz="2000" b="0" i="0" u="none" strike="noStrike" cap="none" normalizeH="0" baseline="0" dirty="0">
+                <a:ln>
+                  <a:noFill/>
+                </a:ln>
+                <a:effectLst/>
+                <a:latin typeface="Canva Sans" panose="020B0604020202020204" charset="0"/>
+              </a:rPr>
+              <a:t>(ARGV[</a:t>
+            </a:r>
+            <a:r>
+              <a:rPr kumimoji="0" lang="en-US" altLang="en-US" sz="2000" b="0" i="1" u="none" strike="noStrike" cap="none" normalizeH="0" baseline="0" dirty="0">
+                <a:ln>
+                  <a:noFill/>
+                </a:ln>
+                <a:effectLst/>
+                <a:latin typeface="Canva Sans" panose="020B0604020202020204" charset="0"/>
+              </a:rPr>
+              <a:t>2</a:t>
+            </a:r>
+            <a:r>
+              <a:rPr kumimoji="0" lang="en-US" altLang="en-US" sz="2000" b="0" i="0" u="none" strike="noStrike" cap="none" normalizeH="0" baseline="0" dirty="0">
+                <a:ln>
+                  <a:noFill/>
+                </a:ln>
+                <a:effectLst/>
+                <a:latin typeface="Canva Sans" panose="020B0604020202020204" charset="0"/>
+              </a:rPr>
+              <a:t>])</a:t>
+            </a:r>
+            <a:br>
+              <a:rPr kumimoji="0" lang="en-US" altLang="en-US" sz="2000" b="0" i="0" u="none" strike="noStrike" cap="none" normalizeH="0" baseline="0" dirty="0">
+                <a:ln>
+                  <a:noFill/>
+                </a:ln>
+                <a:effectLst/>
+                <a:latin typeface="Canva Sans" panose="020B0604020202020204" charset="0"/>
+              </a:rPr>
+            </a:br>
+            <a:br>
+              <a:rPr kumimoji="0" lang="en-US" altLang="en-US" sz="2000" b="0" i="0" u="none" strike="noStrike" cap="none" normalizeH="0" baseline="0" dirty="0">
+                <a:ln>
+                  <a:noFill/>
+                </a:ln>
+                <a:effectLst/>
+                <a:latin typeface="Canva Sans" panose="020B0604020202020204" charset="0"/>
+              </a:rPr>
+            </a:br>
+            <a:r>
+              <a:rPr kumimoji="0" lang="en-US" altLang="en-US" sz="2000" b="0" i="0" u="none" strike="noStrike" cap="none" normalizeH="0" baseline="0" dirty="0">
+                <a:ln>
+                  <a:noFill/>
+                </a:ln>
+                <a:effectLst/>
+                <a:latin typeface="Canva Sans" panose="020B0604020202020204" charset="0"/>
+              </a:rPr>
+              <a:t>local function headers(limit, window, remaining)</a:t>
+            </a:r>
+            <a:br>
+              <a:rPr kumimoji="0" lang="en-US" altLang="en-US" sz="2000" b="0" i="0" u="none" strike="noStrike" cap="none" normalizeH="0" baseline="0" dirty="0">
+                <a:ln>
+                  <a:noFill/>
+                </a:ln>
+                <a:effectLst/>
+                <a:latin typeface="Canva Sans" panose="020B0604020202020204" charset="0"/>
+              </a:rPr>
+            </a:br>
+            <a:r>
+              <a:rPr kumimoji="0" lang="en-US" altLang="en-US" sz="2000" b="0" i="0" u="none" strike="noStrike" cap="none" normalizeH="0" baseline="0" dirty="0">
+                <a:ln>
+                  <a:noFill/>
+                </a:ln>
+                <a:effectLst/>
+                <a:latin typeface="Canva Sans" panose="020B0604020202020204" charset="0"/>
+              </a:rPr>
+              <a:t>  return {</a:t>
+            </a:r>
+            <a:br>
+              <a:rPr kumimoji="0" lang="en-US" altLang="en-US" sz="2000" b="0" i="0" u="none" strike="noStrike" cap="none" normalizeH="0" baseline="0" dirty="0">
+                <a:ln>
+                  <a:noFill/>
+                </a:ln>
+                <a:effectLst/>
+                <a:latin typeface="Canva Sans" panose="020B0604020202020204" charset="0"/>
+              </a:rPr>
+            </a:br>
+            <a:r>
+              <a:rPr kumimoji="0" lang="en-US" altLang="en-US" sz="2000" b="0" i="0" u="none" strike="noStrike" cap="none" normalizeH="0" baseline="0" dirty="0">
+                <a:ln>
+                  <a:noFill/>
+                </a:ln>
+                <a:effectLst/>
+                <a:latin typeface="Canva Sans" panose="020B0604020202020204" charset="0"/>
+              </a:rPr>
+              <a:t>    </a:t>
+            </a:r>
+            <a:r>
+              <a:rPr kumimoji="0" lang="en-US" altLang="en-US" sz="2000" b="0" i="0" u="none" strike="noStrike" cap="none" normalizeH="0" baseline="0" dirty="0" err="1">
+                <a:ln>
+                  <a:noFill/>
+                </a:ln>
+                <a:effectLst/>
+                <a:latin typeface="Canva Sans" panose="020B0604020202020204" charset="0"/>
+              </a:rPr>
+              <a:t>tostring</a:t>
+            </a:r>
+            <a:r>
+              <a:rPr kumimoji="0" lang="en-US" altLang="en-US" sz="2000" b="0" i="0" u="none" strike="noStrike" cap="none" normalizeH="0" baseline="0" dirty="0">
+                <a:ln>
+                  <a:noFill/>
+                </a:ln>
+                <a:effectLst/>
+                <a:latin typeface="Canva Sans" panose="020B0604020202020204" charset="0"/>
+              </a:rPr>
+              <a:t>(limit),</a:t>
+            </a:r>
+            <a:br>
+              <a:rPr kumimoji="0" lang="en-US" altLang="en-US" sz="2000" b="0" i="0" u="none" strike="noStrike" cap="none" normalizeH="0" baseline="0" dirty="0">
+                <a:ln>
+                  <a:noFill/>
+                </a:ln>
+                <a:effectLst/>
+                <a:latin typeface="Canva Sans" panose="020B0604020202020204" charset="0"/>
+              </a:rPr>
+            </a:br>
+            <a:r>
+              <a:rPr kumimoji="0" lang="en-US" altLang="en-US" sz="2000" b="0" i="0" u="none" strike="noStrike" cap="none" normalizeH="0" baseline="0" dirty="0">
+                <a:ln>
+                  <a:noFill/>
+                </a:ln>
+                <a:effectLst/>
+                <a:latin typeface="Canva Sans" panose="020B0604020202020204" charset="0"/>
+              </a:rPr>
+              <a:t>    </a:t>
+            </a:r>
+            <a:r>
+              <a:rPr kumimoji="0" lang="en-US" altLang="en-US" sz="2000" b="0" i="0" u="none" strike="noStrike" cap="none" normalizeH="0" baseline="0" dirty="0" err="1">
+                <a:ln>
+                  <a:noFill/>
+                </a:ln>
+                <a:effectLst/>
+                <a:latin typeface="Canva Sans" panose="020B0604020202020204" charset="0"/>
+              </a:rPr>
+              <a:t>tostring</a:t>
+            </a:r>
+            <a:r>
+              <a:rPr kumimoji="0" lang="en-US" altLang="en-US" sz="2000" b="0" i="0" u="none" strike="noStrike" cap="none" normalizeH="0" baseline="0" dirty="0">
+                <a:ln>
+                  <a:noFill/>
+                </a:ln>
+                <a:effectLst/>
+                <a:latin typeface="Canva Sans" panose="020B0604020202020204" charset="0"/>
+              </a:rPr>
+              <a:t>(window),</a:t>
+            </a:r>
+            <a:br>
+              <a:rPr kumimoji="0" lang="en-US" altLang="en-US" sz="2000" b="0" i="0" u="none" strike="noStrike" cap="none" normalizeH="0" baseline="0" dirty="0">
+                <a:ln>
+                  <a:noFill/>
+                </a:ln>
+                <a:effectLst/>
+                <a:latin typeface="Canva Sans" panose="020B0604020202020204" charset="0"/>
+              </a:rPr>
+            </a:br>
+            <a:r>
+              <a:rPr kumimoji="0" lang="en-US" altLang="en-US" sz="2000" b="0" i="0" u="none" strike="noStrike" cap="none" normalizeH="0" baseline="0" dirty="0">
+                <a:ln>
+                  <a:noFill/>
+                </a:ln>
+                <a:effectLst/>
+                <a:latin typeface="Canva Sans" panose="020B0604020202020204" charset="0"/>
+              </a:rPr>
+              <a:t>    </a:t>
+            </a:r>
+            <a:r>
+              <a:rPr kumimoji="0" lang="en-US" altLang="en-US" sz="2000" b="0" i="0" u="none" strike="noStrike" cap="none" normalizeH="0" baseline="0" dirty="0" err="1">
+                <a:ln>
+                  <a:noFill/>
+                </a:ln>
+                <a:effectLst/>
+                <a:latin typeface="Canva Sans" panose="020B0604020202020204" charset="0"/>
+              </a:rPr>
+              <a:t>tostring</a:t>
+            </a:r>
+            <a:r>
+              <a:rPr kumimoji="0" lang="en-US" altLang="en-US" sz="2000" b="0" i="0" u="none" strike="noStrike" cap="none" normalizeH="0" baseline="0" dirty="0">
+                <a:ln>
+                  <a:noFill/>
+                </a:ln>
+                <a:effectLst/>
+                <a:latin typeface="Canva Sans" panose="020B0604020202020204" charset="0"/>
+              </a:rPr>
+              <a:t>(remaining)</a:t>
+            </a:r>
+            <a:br>
+              <a:rPr kumimoji="0" lang="en-US" altLang="en-US" sz="2000" b="0" i="0" u="none" strike="noStrike" cap="none" normalizeH="0" baseline="0" dirty="0">
+                <a:ln>
+                  <a:noFill/>
+                </a:ln>
+                <a:effectLst/>
+                <a:latin typeface="Canva Sans" panose="020B0604020202020204" charset="0"/>
+              </a:rPr>
+            </a:br>
+            <a:r>
+              <a:rPr kumimoji="0" lang="en-US" altLang="en-US" sz="2000" b="0" i="0" u="none" strike="noStrike" cap="none" normalizeH="0" baseline="0" dirty="0">
+                <a:ln>
+                  <a:noFill/>
+                </a:ln>
+                <a:effectLst/>
+                <a:latin typeface="Canva Sans" panose="020B0604020202020204" charset="0"/>
+              </a:rPr>
+              <a:t>  }</a:t>
+            </a:r>
+            <a:br>
+              <a:rPr kumimoji="0" lang="en-US" altLang="en-US" sz="2000" b="0" i="0" u="none" strike="noStrike" cap="none" normalizeH="0" baseline="0" dirty="0">
+                <a:ln>
+                  <a:noFill/>
+                </a:ln>
+                <a:effectLst/>
+                <a:latin typeface="Canva Sans" panose="020B0604020202020204" charset="0"/>
+              </a:rPr>
+            </a:br>
+            <a:r>
+              <a:rPr kumimoji="0" lang="en-US" altLang="en-US" sz="2000" b="0" i="0" u="none" strike="noStrike" cap="none" normalizeH="0" baseline="0" dirty="0">
+                <a:ln>
+                  <a:noFill/>
+                </a:ln>
+                <a:effectLst/>
+                <a:latin typeface="Canva Sans" panose="020B0604020202020204" charset="0"/>
+              </a:rPr>
+              <a:t>end</a:t>
+            </a:r>
+            <a:br>
+              <a:rPr kumimoji="0" lang="en-US" altLang="en-US" sz="2000" b="0" i="0" u="none" strike="noStrike" cap="none" normalizeH="0" baseline="0" dirty="0">
+                <a:ln>
+                  <a:noFill/>
+                </a:ln>
+                <a:effectLst/>
+                <a:latin typeface="Canva Sans" panose="020B0604020202020204" charset="0"/>
+              </a:rPr>
+            </a:br>
+            <a:br>
+              <a:rPr kumimoji="0" lang="en-US" altLang="en-US" sz="2000" b="0" i="0" u="none" strike="noStrike" cap="none" normalizeH="0" baseline="0" dirty="0">
+                <a:ln>
+                  <a:noFill/>
+                </a:ln>
+                <a:effectLst/>
+                <a:latin typeface="Canva Sans" panose="020B0604020202020204" charset="0"/>
+              </a:rPr>
+            </a:br>
+            <a:r>
+              <a:rPr kumimoji="0" lang="en-US" altLang="en-US" sz="2000" b="0" i="0" u="none" strike="noStrike" cap="none" normalizeH="0" baseline="0" dirty="0">
+                <a:ln>
+                  <a:noFill/>
+                </a:ln>
+                <a:effectLst/>
+                <a:latin typeface="Canva Sans" panose="020B0604020202020204" charset="0"/>
+              </a:rPr>
+              <a:t>if </a:t>
+            </a:r>
+            <a:r>
+              <a:rPr kumimoji="0" lang="en-US" altLang="en-US" sz="2000" b="0" i="0" u="none" strike="noStrike" cap="none" normalizeH="0" baseline="0" dirty="0" err="1">
+                <a:ln>
+                  <a:noFill/>
+                </a:ln>
+                <a:effectLst/>
+                <a:latin typeface="Canva Sans" panose="020B0604020202020204" charset="0"/>
+              </a:rPr>
+              <a:t>redis.pcall</a:t>
+            </a:r>
+            <a:r>
+              <a:rPr kumimoji="0" lang="en-US" altLang="en-US" sz="2000" b="0" i="0" u="none" strike="noStrike" cap="none" normalizeH="0" baseline="0" dirty="0">
+                <a:ln>
+                  <a:noFill/>
+                </a:ln>
+                <a:effectLst/>
+                <a:latin typeface="Canva Sans" panose="020B0604020202020204" charset="0"/>
+              </a:rPr>
+              <a:t>('EXISTS', id) == </a:t>
+            </a:r>
+            <a:r>
+              <a:rPr kumimoji="0" lang="en-US" altLang="en-US" sz="2000" b="0" i="1" u="none" strike="noStrike" cap="none" normalizeH="0" baseline="0" dirty="0">
+                <a:ln>
+                  <a:noFill/>
+                </a:ln>
+                <a:effectLst/>
+                <a:latin typeface="Canva Sans" panose="020B0604020202020204" charset="0"/>
+              </a:rPr>
+              <a:t>1 </a:t>
+            </a:r>
+            <a:r>
+              <a:rPr kumimoji="0" lang="en-US" altLang="en-US" sz="2000" b="0" i="0" u="none" strike="noStrike" cap="none" normalizeH="0" baseline="0" dirty="0">
+                <a:ln>
+                  <a:noFill/>
+                </a:ln>
+                <a:effectLst/>
+                <a:latin typeface="Canva Sans" panose="020B0604020202020204" charset="0"/>
+              </a:rPr>
+              <a:t>then</a:t>
+            </a:r>
+            <a:br>
+              <a:rPr kumimoji="0" lang="en-US" altLang="en-US" sz="2000" b="0" i="0" u="none" strike="noStrike" cap="none" normalizeH="0" baseline="0" dirty="0">
+                <a:ln>
+                  <a:noFill/>
+                </a:ln>
+                <a:effectLst/>
+                <a:latin typeface="Canva Sans" panose="020B0604020202020204" charset="0"/>
+              </a:rPr>
+            </a:br>
+            <a:r>
+              <a:rPr kumimoji="0" lang="en-US" altLang="en-US" sz="2000" b="0" i="0" u="none" strike="noStrike" cap="none" normalizeH="0" baseline="0" dirty="0">
+                <a:ln>
+                  <a:noFill/>
+                </a:ln>
+                <a:effectLst/>
+                <a:latin typeface="Canva Sans" panose="020B0604020202020204" charset="0"/>
+              </a:rPr>
+              <a:t>  local count = </a:t>
+            </a:r>
+            <a:r>
+              <a:rPr kumimoji="0" lang="en-US" altLang="en-US" sz="2000" b="0" i="0" u="none" strike="noStrike" cap="none" normalizeH="0" baseline="0" dirty="0" err="1">
+                <a:ln>
+                  <a:noFill/>
+                </a:ln>
+                <a:effectLst/>
+                <a:latin typeface="Canva Sans" panose="020B0604020202020204" charset="0"/>
+              </a:rPr>
+              <a:t>redis.pcall</a:t>
+            </a:r>
+            <a:r>
+              <a:rPr kumimoji="0" lang="en-US" altLang="en-US" sz="2000" b="0" i="0" u="none" strike="noStrike" cap="none" normalizeH="0" baseline="0" dirty="0">
+                <a:ln>
+                  <a:noFill/>
+                </a:ln>
+                <a:effectLst/>
+                <a:latin typeface="Canva Sans" panose="020B0604020202020204" charset="0"/>
+              </a:rPr>
+              <a:t>('DECR', id)</a:t>
+            </a:r>
+            <a:br>
+              <a:rPr kumimoji="0" lang="en-US" altLang="en-US" sz="2000" b="0" i="0" u="none" strike="noStrike" cap="none" normalizeH="0" baseline="0" dirty="0">
+                <a:ln>
+                  <a:noFill/>
+                </a:ln>
+                <a:effectLst/>
+                <a:latin typeface="Canva Sans" panose="020B0604020202020204" charset="0"/>
+              </a:rPr>
+            </a:br>
+            <a:r>
+              <a:rPr kumimoji="0" lang="en-US" altLang="en-US" sz="2000" b="0" i="0" u="none" strike="noStrike" cap="none" normalizeH="0" baseline="0" dirty="0">
+                <a:ln>
+                  <a:noFill/>
+                </a:ln>
+                <a:effectLst/>
+                <a:latin typeface="Canva Sans" panose="020B0604020202020204" charset="0"/>
+              </a:rPr>
+              <a:t>  local </a:t>
+            </a:r>
+            <a:r>
+              <a:rPr kumimoji="0" lang="en-US" altLang="en-US" sz="2000" b="0" i="0" u="none" strike="noStrike" cap="none" normalizeH="0" baseline="0" dirty="0" err="1">
+                <a:ln>
+                  <a:noFill/>
+                </a:ln>
+                <a:effectLst/>
+                <a:latin typeface="Canva Sans" panose="020B0604020202020204" charset="0"/>
+              </a:rPr>
+              <a:t>ttl</a:t>
+            </a:r>
+            <a:r>
+              <a:rPr kumimoji="0" lang="en-US" altLang="en-US" sz="2000" b="0" i="0" u="none" strike="noStrike" cap="none" normalizeH="0" baseline="0" dirty="0">
+                <a:ln>
+                  <a:noFill/>
+                </a:ln>
+                <a:effectLst/>
+                <a:latin typeface="Canva Sans" panose="020B0604020202020204" charset="0"/>
+              </a:rPr>
+              <a:t> = </a:t>
+            </a:r>
+            <a:r>
+              <a:rPr kumimoji="0" lang="en-US" altLang="en-US" sz="2000" b="0" i="0" u="none" strike="noStrike" cap="none" normalizeH="0" baseline="0" dirty="0" err="1">
+                <a:ln>
+                  <a:noFill/>
+                </a:ln>
+                <a:effectLst/>
+                <a:latin typeface="Canva Sans" panose="020B0604020202020204" charset="0"/>
+              </a:rPr>
+              <a:t>redis.pcall</a:t>
+            </a:r>
+            <a:r>
+              <a:rPr kumimoji="0" lang="en-US" altLang="en-US" sz="2000" b="0" i="0" u="none" strike="noStrike" cap="none" normalizeH="0" baseline="0" dirty="0">
+                <a:ln>
+                  <a:noFill/>
+                </a:ln>
+                <a:effectLst/>
+                <a:latin typeface="Canva Sans" panose="020B0604020202020204" charset="0"/>
+              </a:rPr>
+              <a:t>('TTL', id)</a:t>
+            </a:r>
+            <a:br>
+              <a:rPr kumimoji="0" lang="en-US" altLang="en-US" sz="2000" b="0" i="0" u="none" strike="noStrike" cap="none" normalizeH="0" baseline="0" dirty="0">
+                <a:ln>
+                  <a:noFill/>
+                </a:ln>
+                <a:effectLst/>
+                <a:latin typeface="Canva Sans" panose="020B0604020202020204" charset="0"/>
+              </a:rPr>
+            </a:br>
+            <a:r>
+              <a:rPr kumimoji="0" lang="en-US" altLang="en-US" sz="2000" b="0" i="0" u="none" strike="noStrike" cap="none" normalizeH="0" baseline="0" dirty="0">
+                <a:ln>
+                  <a:noFill/>
+                </a:ln>
+                <a:effectLst/>
+                <a:latin typeface="Canva Sans" panose="020B0604020202020204" charset="0"/>
+              </a:rPr>
+              <a:t>  if count &gt;= </a:t>
+            </a:r>
+            <a:r>
+              <a:rPr kumimoji="0" lang="en-US" altLang="en-US" sz="2000" b="0" i="1" u="none" strike="noStrike" cap="none" normalizeH="0" baseline="0" dirty="0">
+                <a:ln>
+                  <a:noFill/>
+                </a:ln>
+                <a:effectLst/>
+                <a:latin typeface="Canva Sans" panose="020B0604020202020204" charset="0"/>
+              </a:rPr>
+              <a:t>0 </a:t>
+            </a:r>
+            <a:r>
+              <a:rPr kumimoji="0" lang="en-US" altLang="en-US" sz="2000" b="0" i="0" u="none" strike="noStrike" cap="none" normalizeH="0" baseline="0" dirty="0">
+                <a:ln>
+                  <a:noFill/>
+                </a:ln>
+                <a:effectLst/>
+                <a:latin typeface="Canva Sans" panose="020B0604020202020204" charset="0"/>
+              </a:rPr>
+              <a:t>then</a:t>
+            </a:r>
+            <a:br>
+              <a:rPr kumimoji="0" lang="en-US" altLang="en-US" sz="2000" b="0" i="0" u="none" strike="noStrike" cap="none" normalizeH="0" baseline="0" dirty="0">
+                <a:ln>
+                  <a:noFill/>
+                </a:ln>
+                <a:effectLst/>
+                <a:latin typeface="Canva Sans" panose="020B0604020202020204" charset="0"/>
+              </a:rPr>
+            </a:br>
+            <a:r>
+              <a:rPr kumimoji="0" lang="en-US" altLang="en-US" sz="2000" b="0" i="0" u="none" strike="noStrike" cap="none" normalizeH="0" baseline="0" dirty="0">
+                <a:ln>
+                  <a:noFill/>
+                </a:ln>
+                <a:effectLst/>
+                <a:latin typeface="Canva Sans" panose="020B0604020202020204" charset="0"/>
+              </a:rPr>
+              <a:t>    local h = headers(limit, </a:t>
+            </a:r>
+            <a:r>
+              <a:rPr kumimoji="0" lang="en-US" altLang="en-US" sz="2000" b="0" i="0" u="none" strike="noStrike" cap="none" normalizeH="0" baseline="0" dirty="0" err="1">
+                <a:ln>
+                  <a:noFill/>
+                </a:ln>
+                <a:effectLst/>
+                <a:latin typeface="Canva Sans" panose="020B0604020202020204" charset="0"/>
+              </a:rPr>
+              <a:t>ttl</a:t>
+            </a:r>
+            <a:r>
+              <a:rPr kumimoji="0" lang="en-US" altLang="en-US" sz="2000" b="0" i="0" u="none" strike="noStrike" cap="none" normalizeH="0" baseline="0" dirty="0">
+                <a:ln>
+                  <a:noFill/>
+                </a:ln>
+                <a:effectLst/>
+                <a:latin typeface="Canva Sans" panose="020B0604020202020204" charset="0"/>
+              </a:rPr>
+              <a:t>, count)</a:t>
+            </a:r>
+            <a:br>
+              <a:rPr kumimoji="0" lang="en-US" altLang="en-US" sz="2000" b="0" i="0" u="none" strike="noStrike" cap="none" normalizeH="0" baseline="0" dirty="0">
+                <a:ln>
+                  <a:noFill/>
+                </a:ln>
+                <a:effectLst/>
+                <a:latin typeface="Canva Sans" panose="020B0604020202020204" charset="0"/>
+              </a:rPr>
+            </a:br>
+            <a:r>
+              <a:rPr kumimoji="0" lang="en-US" altLang="en-US" sz="2000" b="0" i="0" u="none" strike="noStrike" cap="none" normalizeH="0" baseline="0" dirty="0">
+                <a:ln>
+                  <a:noFill/>
+                </a:ln>
+                <a:effectLst/>
+                <a:latin typeface="Canva Sans" panose="020B0604020202020204" charset="0"/>
+              </a:rPr>
+              <a:t>    return {'allow', h}</a:t>
+            </a:r>
+            <a:br>
+              <a:rPr kumimoji="0" lang="en-US" altLang="en-US" sz="2000" b="0" i="0" u="none" strike="noStrike" cap="none" normalizeH="0" baseline="0" dirty="0">
+                <a:ln>
+                  <a:noFill/>
+                </a:ln>
+                <a:effectLst/>
+                <a:latin typeface="Canva Sans" panose="020B0604020202020204" charset="0"/>
+              </a:rPr>
+            </a:br>
+            <a:r>
+              <a:rPr kumimoji="0" lang="en-US" altLang="en-US" sz="2000" b="0" i="0" u="none" strike="noStrike" cap="none" normalizeH="0" baseline="0" dirty="0">
+                <a:ln>
+                  <a:noFill/>
+                </a:ln>
+                <a:effectLst/>
+                <a:latin typeface="Canva Sans" panose="020B0604020202020204" charset="0"/>
+              </a:rPr>
+              <a:t>  else</a:t>
+            </a:r>
+            <a:br>
+              <a:rPr kumimoji="0" lang="en-US" altLang="en-US" sz="2000" b="0" i="0" u="none" strike="noStrike" cap="none" normalizeH="0" baseline="0" dirty="0">
+                <a:ln>
+                  <a:noFill/>
+                </a:ln>
+                <a:effectLst/>
+                <a:latin typeface="Canva Sans" panose="020B0604020202020204" charset="0"/>
+              </a:rPr>
+            </a:br>
+            <a:r>
+              <a:rPr kumimoji="0" lang="en-US" altLang="en-US" sz="2000" b="0" i="0" u="none" strike="noStrike" cap="none" normalizeH="0" baseline="0" dirty="0">
+                <a:ln>
+                  <a:noFill/>
+                </a:ln>
+                <a:effectLst/>
+                <a:latin typeface="Canva Sans" panose="020B0604020202020204" charset="0"/>
+              </a:rPr>
+              <a:t>    local h = headers(limit, </a:t>
+            </a:r>
+            <a:r>
+              <a:rPr kumimoji="0" lang="en-US" altLang="en-US" sz="2000" b="0" i="0" u="none" strike="noStrike" cap="none" normalizeH="0" baseline="0" dirty="0" err="1">
+                <a:ln>
+                  <a:noFill/>
+                </a:ln>
+                <a:effectLst/>
+                <a:latin typeface="Canva Sans" panose="020B0604020202020204" charset="0"/>
+              </a:rPr>
+              <a:t>ttl</a:t>
+            </a:r>
+            <a:r>
+              <a:rPr kumimoji="0" lang="en-US" altLang="en-US" sz="2000" b="0" i="0" u="none" strike="noStrike" cap="none" normalizeH="0" baseline="0" dirty="0">
+                <a:ln>
+                  <a:noFill/>
+                </a:ln>
+                <a:effectLst/>
+                <a:latin typeface="Canva Sans" panose="020B0604020202020204" charset="0"/>
+              </a:rPr>
+              <a:t>, </a:t>
+            </a:r>
+            <a:r>
+              <a:rPr kumimoji="0" lang="en-US" altLang="en-US" sz="2000" b="0" i="1" u="none" strike="noStrike" cap="none" normalizeH="0" baseline="0" dirty="0">
+                <a:ln>
+                  <a:noFill/>
+                </a:ln>
+                <a:effectLst/>
+                <a:latin typeface="Canva Sans" panose="020B0604020202020204" charset="0"/>
+              </a:rPr>
+              <a:t>0</a:t>
+            </a:r>
+            <a:r>
+              <a:rPr kumimoji="0" lang="en-US" altLang="en-US" sz="2000" b="0" i="0" u="none" strike="noStrike" cap="none" normalizeH="0" baseline="0" dirty="0">
+                <a:ln>
+                  <a:noFill/>
+                </a:ln>
+                <a:effectLst/>
+                <a:latin typeface="Canva Sans" panose="020B0604020202020204" charset="0"/>
+              </a:rPr>
+              <a:t>)</a:t>
+            </a:r>
+            <a:br>
+              <a:rPr kumimoji="0" lang="en-US" altLang="en-US" sz="2000" b="0" i="0" u="none" strike="noStrike" cap="none" normalizeH="0" baseline="0" dirty="0">
+                <a:ln>
+                  <a:noFill/>
+                </a:ln>
+                <a:effectLst/>
+                <a:latin typeface="Canva Sans" panose="020B0604020202020204" charset="0"/>
+              </a:rPr>
+            </a:br>
+            <a:r>
+              <a:rPr kumimoji="0" lang="en-US" altLang="en-US" sz="2000" b="0" i="0" u="none" strike="noStrike" cap="none" normalizeH="0" baseline="0" dirty="0">
+                <a:ln>
+                  <a:noFill/>
+                </a:ln>
+                <a:effectLst/>
+                <a:latin typeface="Canva Sans" panose="020B0604020202020204" charset="0"/>
+              </a:rPr>
+              <a:t>    return {'deny', h}</a:t>
+            </a:r>
+            <a:br>
+              <a:rPr kumimoji="0" lang="en-US" altLang="en-US" sz="2000" b="0" i="0" u="none" strike="noStrike" cap="none" normalizeH="0" baseline="0" dirty="0">
+                <a:ln>
+                  <a:noFill/>
+                </a:ln>
+                <a:effectLst/>
+                <a:latin typeface="Canva Sans" panose="020B0604020202020204" charset="0"/>
+              </a:rPr>
+            </a:br>
+            <a:r>
+              <a:rPr kumimoji="0" lang="en-US" altLang="en-US" sz="2000" b="0" i="0" u="none" strike="noStrike" cap="none" normalizeH="0" baseline="0" dirty="0">
+                <a:ln>
+                  <a:noFill/>
+                </a:ln>
+                <a:effectLst/>
+                <a:latin typeface="Canva Sans" panose="020B0604020202020204" charset="0"/>
+              </a:rPr>
+              <a:t>  end</a:t>
+            </a:r>
+            <a:br>
+              <a:rPr kumimoji="0" lang="en-US" altLang="en-US" sz="2000" b="0" i="0" u="none" strike="noStrike" cap="none" normalizeH="0" baseline="0" dirty="0">
+                <a:ln>
+                  <a:noFill/>
+                </a:ln>
+                <a:effectLst/>
+                <a:latin typeface="Canva Sans" panose="020B0604020202020204" charset="0"/>
+              </a:rPr>
+            </a:br>
+            <a:r>
+              <a:rPr kumimoji="0" lang="en-US" altLang="en-US" sz="2000" b="0" i="0" u="none" strike="noStrike" cap="none" normalizeH="0" baseline="0" dirty="0">
+                <a:ln>
+                  <a:noFill/>
+                </a:ln>
+                <a:effectLst/>
+                <a:latin typeface="Canva Sans" panose="020B0604020202020204" charset="0"/>
+              </a:rPr>
+              <a:t>else</a:t>
+            </a:r>
+            <a:br>
+              <a:rPr kumimoji="0" lang="en-US" altLang="en-US" sz="2000" b="0" i="0" u="none" strike="noStrike" cap="none" normalizeH="0" baseline="0" dirty="0">
+                <a:ln>
+                  <a:noFill/>
+                </a:ln>
+                <a:effectLst/>
+                <a:latin typeface="Canva Sans" panose="020B0604020202020204" charset="0"/>
+              </a:rPr>
+            </a:br>
+            <a:r>
+              <a:rPr kumimoji="0" lang="en-US" altLang="en-US" sz="2000" b="0" i="0" u="none" strike="noStrike" cap="none" normalizeH="0" baseline="0" dirty="0">
+                <a:ln>
+                  <a:noFill/>
+                </a:ln>
+                <a:effectLst/>
+                <a:latin typeface="Canva Sans" panose="020B0604020202020204" charset="0"/>
+              </a:rPr>
+              <a:t>  local count = limit - </a:t>
+            </a:r>
+            <a:r>
+              <a:rPr kumimoji="0" lang="en-US" altLang="en-US" sz="2000" b="0" i="1" u="none" strike="noStrike" cap="none" normalizeH="0" baseline="0" dirty="0">
+                <a:ln>
+                  <a:noFill/>
+                </a:ln>
+                <a:effectLst/>
+                <a:latin typeface="Canva Sans" panose="020B0604020202020204" charset="0"/>
+              </a:rPr>
+              <a:t>1</a:t>
+            </a:r>
+            <a:br>
+              <a:rPr kumimoji="0" lang="en-US" altLang="en-US" sz="2000" b="0" i="1" u="none" strike="noStrike" cap="none" normalizeH="0" baseline="0" dirty="0">
+                <a:ln>
+                  <a:noFill/>
+                </a:ln>
+                <a:effectLst/>
+                <a:latin typeface="Canva Sans" panose="020B0604020202020204" charset="0"/>
+              </a:rPr>
+            </a:br>
+            <a:r>
+              <a:rPr kumimoji="0" lang="en-US" altLang="en-US" sz="2000" b="0" i="0" u="none" strike="noStrike" cap="none" normalizeH="0" baseline="0" dirty="0">
+                <a:ln>
+                  <a:noFill/>
+                </a:ln>
+                <a:effectLst/>
+                <a:latin typeface="Canva Sans" panose="020B0604020202020204" charset="0"/>
+              </a:rPr>
+              <a:t>  </a:t>
+            </a:r>
+            <a:r>
+              <a:rPr kumimoji="0" lang="en-US" altLang="en-US" sz="2000" b="0" i="0" u="none" strike="noStrike" cap="none" normalizeH="0" baseline="0" dirty="0" err="1">
+                <a:ln>
+                  <a:noFill/>
+                </a:ln>
+                <a:effectLst/>
+                <a:latin typeface="Canva Sans" panose="020B0604020202020204" charset="0"/>
+              </a:rPr>
+              <a:t>redis.pcall</a:t>
+            </a:r>
+            <a:r>
+              <a:rPr kumimoji="0" lang="en-US" altLang="en-US" sz="2000" b="0" i="0" u="none" strike="noStrike" cap="none" normalizeH="0" baseline="0" dirty="0">
+                <a:ln>
+                  <a:noFill/>
+                </a:ln>
+                <a:effectLst/>
+                <a:latin typeface="Canva Sans" panose="020B0604020202020204" charset="0"/>
+              </a:rPr>
+              <a:t>('SETEX', id, window, count)</a:t>
+            </a:r>
+            <a:br>
+              <a:rPr kumimoji="0" lang="en-US" altLang="en-US" sz="2000" b="0" i="0" u="none" strike="noStrike" cap="none" normalizeH="0" baseline="0" dirty="0">
+                <a:ln>
+                  <a:noFill/>
+                </a:ln>
+                <a:effectLst/>
+                <a:latin typeface="Canva Sans" panose="020B0604020202020204" charset="0"/>
+              </a:rPr>
+            </a:br>
+            <a:r>
+              <a:rPr kumimoji="0" lang="en-US" altLang="en-US" sz="2000" b="0" i="0" u="none" strike="noStrike" cap="none" normalizeH="0" baseline="0" dirty="0">
+                <a:ln>
+                  <a:noFill/>
+                </a:ln>
+                <a:effectLst/>
+                <a:latin typeface="Canva Sans" panose="020B0604020202020204" charset="0"/>
+              </a:rPr>
+              <a:t>  local h = headers(limit, window, count)</a:t>
+            </a:r>
+            <a:br>
+              <a:rPr kumimoji="0" lang="en-US" altLang="en-US" sz="2000" b="0" i="0" u="none" strike="noStrike" cap="none" normalizeH="0" baseline="0" dirty="0">
+                <a:ln>
+                  <a:noFill/>
+                </a:ln>
+                <a:effectLst/>
+                <a:latin typeface="Canva Sans" panose="020B0604020202020204" charset="0"/>
+              </a:rPr>
+            </a:br>
+            <a:r>
+              <a:rPr kumimoji="0" lang="en-US" altLang="en-US" sz="2000" b="0" i="0" u="none" strike="noStrike" cap="none" normalizeH="0" baseline="0" dirty="0">
+                <a:ln>
+                  <a:noFill/>
+                </a:ln>
+                <a:effectLst/>
+                <a:latin typeface="Canva Sans" panose="020B0604020202020204" charset="0"/>
+              </a:rPr>
+              <a:t>  return {'allow', h}</a:t>
+            </a:r>
+            <a:br>
+              <a:rPr kumimoji="0" lang="en-US" altLang="en-US" sz="2000" b="0" i="0" u="none" strike="noStrike" cap="none" normalizeH="0" baseline="0" dirty="0">
+                <a:ln>
+                  <a:noFill/>
+                </a:ln>
+                <a:effectLst/>
+                <a:latin typeface="Canva Sans" panose="020B0604020202020204" charset="0"/>
+              </a:rPr>
+            </a:br>
+            <a:r>
+              <a:rPr kumimoji="0" lang="en-US" altLang="en-US" sz="2000" b="0" i="0" u="none" strike="noStrike" cap="none" normalizeH="0" baseline="0" dirty="0">
+                <a:ln>
+                  <a:noFill/>
+                </a:ln>
+                <a:effectLst/>
+                <a:latin typeface="Canva Sans" panose="020B0604020202020204" charset="0"/>
+              </a:rPr>
+              <a:t>end</a:t>
             </a:r>
           </a:p>
         </p:txBody>
@@ -6113,32 +4816,1479 @@
         </p:nvSpPr>
         <p:spPr>
           <a:xfrm>
-            <a:off x="6697264" y="3742049"/>
-            <a:ext cx="4357688" cy="1401451"/>
+            <a:off x="990600" y="266700"/>
+            <a:ext cx="14973300" cy="575094"/>
           </a:xfrm>
           <a:prstGeom prst="rect">
             <a:avLst/>
           </a:prstGeom>
         </p:spPr>
         <p:txBody>
-          <a:bodyPr lIns="0" tIns="0" rIns="0" bIns="0" rtlCol="0" anchor="t">
+          <a:bodyPr wrap="square" lIns="0" tIns="0" rIns="0" bIns="0" rtlCol="0" anchor="t">
             <a:spAutoFit/>
           </a:bodyPr>
           <a:lstStyle/>
           <a:p>
-            <a:pPr algn="ctr">
-              <a:lnSpc>
-                <a:spcPts val="11479"/>
-              </a:lnSpc>
-            </a:pPr>
-            <a:r>
-              <a:rPr lang="en-US" sz="8199">
+            <a:pPr>
+              <a:lnSpc>
+                <a:spcPts val="4798"/>
+              </a:lnSpc>
+            </a:pPr>
+            <a:r>
+              <a:rPr lang="en-US" sz="3427" dirty="0">
                 <a:solidFill>
                   <a:srgbClr val="000000"/>
                 </a:solidFill>
                 <a:latin typeface="Canva Sans"/>
               </a:rPr>
-              <a:t>TESTING</a:t>
+              <a:t>SLIDING WINDOW ALGORITHM: </a:t>
+            </a:r>
+          </a:p>
+        </p:txBody>
+      </p:sp>
+      <p:sp>
+        <p:nvSpPr>
+          <p:cNvPr id="5" name="Rectangle 2">
+            <a:extLst>
+              <a:ext uri="{FF2B5EF4-FFF2-40B4-BE49-F238E27FC236}">
+                <a16:creationId xmlns:a16="http://schemas.microsoft.com/office/drawing/2014/main" id="{DF006201-53F2-D8FE-545F-5DFBED4AECC4}"/>
+              </a:ext>
+            </a:extLst>
+          </p:cNvPr>
+          <p:cNvSpPr>
+            <a:spLocks noChangeArrowheads="1"/>
+          </p:cNvSpPr>
+          <p:nvPr/>
+        </p:nvSpPr>
+        <p:spPr bwMode="auto">
+          <a:xfrm>
+            <a:off x="1005840" y="1286304"/>
+            <a:ext cx="15605760" cy="8556188"/>
+          </a:xfrm>
+          <a:prstGeom prst="rect">
+            <a:avLst/>
+          </a:prstGeom>
+          <a:noFill/>
+          <a:ln>
+            <a:noFill/>
+          </a:ln>
+          <a:effectLst/>
+        </p:spPr>
+        <p:txBody>
+          <a:bodyPr vert="horz" wrap="square" lIns="91440" tIns="45720" rIns="91440" bIns="45720" numCol="1" anchor="ctr" anchorCtr="0" compatLnSpc="1">
+            <a:prstTxWarp prst="textNoShape">
+              <a:avLst/>
+            </a:prstTxWarp>
+            <a:spAutoFit/>
+          </a:bodyPr>
+          <a:lstStyle/>
+          <a:p>
+            <a:pPr marL="0" marR="0" lvl="0" indent="0" algn="l" defTabSz="914400" rtl="0" eaLnBrk="0" fontAlgn="base" latinLnBrk="0" hangingPunct="0">
+              <a:lnSpc>
+                <a:spcPct val="100000"/>
+              </a:lnSpc>
+              <a:spcBef>
+                <a:spcPct val="0"/>
+              </a:spcBef>
+              <a:spcAft>
+                <a:spcPct val="0"/>
+              </a:spcAft>
+              <a:buClrTx/>
+              <a:buSzTx/>
+              <a:buFontTx/>
+              <a:buNone/>
+              <a:tabLst/>
+            </a:pPr>
+            <a:r>
+              <a:rPr kumimoji="0" lang="en-US" altLang="en-US" sz="2200" b="1" i="0" u="sng" strike="noStrike" cap="none" normalizeH="0" baseline="0" dirty="0">
+                <a:ln>
+                  <a:noFill/>
+                </a:ln>
+                <a:effectLst/>
+                <a:latin typeface="Canva Sans" panose="020B0604020202020204" charset="0"/>
+              </a:rPr>
+              <a:t>LUA SCRIPT:</a:t>
+            </a:r>
+          </a:p>
+          <a:p>
+            <a:pPr marL="0" marR="0" lvl="0" indent="0" algn="l" defTabSz="914400" rtl="0" eaLnBrk="0" fontAlgn="base" latinLnBrk="0" hangingPunct="0">
+              <a:lnSpc>
+                <a:spcPct val="100000"/>
+              </a:lnSpc>
+              <a:spcBef>
+                <a:spcPct val="0"/>
+              </a:spcBef>
+              <a:spcAft>
+                <a:spcPct val="0"/>
+              </a:spcAft>
+              <a:buClrTx/>
+              <a:buSzTx/>
+              <a:buFontTx/>
+              <a:buNone/>
+              <a:tabLst/>
+            </a:pPr>
+            <a:endParaRPr kumimoji="0" lang="en-US" altLang="en-US" sz="2200" b="1" i="0" u="sng" strike="noStrike" cap="none" normalizeH="0" baseline="0" dirty="0">
+              <a:ln>
+                <a:noFill/>
+              </a:ln>
+              <a:effectLst/>
+              <a:latin typeface="Canva Sans" panose="020B0604020202020204" charset="0"/>
+            </a:endParaRPr>
+          </a:p>
+          <a:p>
+            <a:pPr marL="0" marR="0" lvl="0" indent="0" algn="l" defTabSz="914400" rtl="0" eaLnBrk="0" fontAlgn="base" latinLnBrk="0" hangingPunct="0">
+              <a:lnSpc>
+                <a:spcPct val="100000"/>
+              </a:lnSpc>
+              <a:spcBef>
+                <a:spcPct val="0"/>
+              </a:spcBef>
+              <a:spcAft>
+                <a:spcPct val="0"/>
+              </a:spcAft>
+              <a:buClrTx/>
+              <a:buSzTx/>
+              <a:buFontTx/>
+              <a:buNone/>
+              <a:tabLst/>
+            </a:pPr>
+            <a:r>
+              <a:rPr kumimoji="0" lang="en-US" altLang="en-US" sz="2200" b="0" i="0" u="none" strike="noStrike" cap="none" normalizeH="0" baseline="0" dirty="0">
+                <a:ln>
+                  <a:noFill/>
+                </a:ln>
+                <a:effectLst/>
+                <a:latin typeface="Canva Sans" panose="020B0604020202020204" charset="0"/>
+              </a:rPr>
+              <a:t>local </a:t>
+            </a:r>
+            <a:r>
+              <a:rPr kumimoji="0" lang="en-US" altLang="en-US" sz="2200" b="0" i="0" u="none" strike="noStrike" cap="none" normalizeH="0" baseline="0" dirty="0" err="1">
+                <a:ln>
+                  <a:noFill/>
+                </a:ln>
+                <a:effectLst/>
+                <a:latin typeface="Canva Sans" panose="020B0604020202020204" charset="0"/>
+              </a:rPr>
+              <a:t>current_time</a:t>
+            </a:r>
+            <a:r>
+              <a:rPr kumimoji="0" lang="en-US" altLang="en-US" sz="2200" b="0" i="0" u="none" strike="noStrike" cap="none" normalizeH="0" baseline="0" dirty="0">
+                <a:ln>
+                  <a:noFill/>
+                </a:ln>
+                <a:effectLst/>
+                <a:latin typeface="Canva Sans" panose="020B0604020202020204" charset="0"/>
+              </a:rPr>
+              <a:t> = </a:t>
+            </a:r>
+            <a:r>
+              <a:rPr kumimoji="0" lang="en-US" altLang="en-US" sz="2200" b="0" i="0" u="none" strike="noStrike" cap="none" normalizeH="0" baseline="0" dirty="0" err="1">
+                <a:ln>
+                  <a:noFill/>
+                </a:ln>
+                <a:effectLst/>
+                <a:latin typeface="Canva Sans" panose="020B0604020202020204" charset="0"/>
+              </a:rPr>
+              <a:t>redis.call</a:t>
+            </a:r>
+            <a:r>
+              <a:rPr kumimoji="0" lang="en-US" altLang="en-US" sz="2200" b="0" i="0" u="none" strike="noStrike" cap="none" normalizeH="0" baseline="0" dirty="0">
+                <a:ln>
+                  <a:noFill/>
+                </a:ln>
+                <a:effectLst/>
+                <a:latin typeface="Canva Sans" panose="020B0604020202020204" charset="0"/>
+              </a:rPr>
+              <a:t>('TIME')</a:t>
+            </a:r>
+            <a:br>
+              <a:rPr kumimoji="0" lang="en-US" altLang="en-US" sz="2200" b="0" i="0" u="none" strike="noStrike" cap="none" normalizeH="0" baseline="0" dirty="0">
+                <a:ln>
+                  <a:noFill/>
+                </a:ln>
+                <a:effectLst/>
+                <a:latin typeface="Canva Sans" panose="020B0604020202020204" charset="0"/>
+              </a:rPr>
+            </a:br>
+            <a:r>
+              <a:rPr kumimoji="0" lang="en-US" altLang="en-US" sz="2200" b="0" i="0" u="none" strike="noStrike" cap="none" normalizeH="0" baseline="0" dirty="0">
+                <a:ln>
+                  <a:noFill/>
+                </a:ln>
+                <a:effectLst/>
+                <a:latin typeface="Canva Sans" panose="020B0604020202020204" charset="0"/>
+              </a:rPr>
+              <a:t>local </a:t>
+            </a:r>
+            <a:r>
+              <a:rPr kumimoji="0" lang="en-US" altLang="en-US" sz="2200" b="0" i="0" u="none" strike="noStrike" cap="none" normalizeH="0" baseline="0" dirty="0" err="1">
+                <a:ln>
+                  <a:noFill/>
+                </a:ln>
+                <a:effectLst/>
+                <a:latin typeface="Canva Sans" panose="020B0604020202020204" charset="0"/>
+              </a:rPr>
+              <a:t>trim_time</a:t>
+            </a:r>
+            <a:r>
+              <a:rPr kumimoji="0" lang="en-US" altLang="en-US" sz="2200" b="0" i="0" u="none" strike="noStrike" cap="none" normalizeH="0" baseline="0" dirty="0">
+                <a:ln>
+                  <a:noFill/>
+                </a:ln>
+                <a:effectLst/>
+                <a:latin typeface="Canva Sans" panose="020B0604020202020204" charset="0"/>
+              </a:rPr>
+              <a:t> = </a:t>
+            </a:r>
+            <a:r>
+              <a:rPr kumimoji="0" lang="en-US" altLang="en-US" sz="2200" b="0" i="0" u="none" strike="noStrike" cap="none" normalizeH="0" baseline="0" dirty="0" err="1">
+                <a:ln>
+                  <a:noFill/>
+                </a:ln>
+                <a:effectLst/>
+                <a:latin typeface="Canva Sans" panose="020B0604020202020204" charset="0"/>
+              </a:rPr>
+              <a:t>tonumber</a:t>
+            </a:r>
+            <a:r>
+              <a:rPr kumimoji="0" lang="en-US" altLang="en-US" sz="2200" b="0" i="0" u="none" strike="noStrike" cap="none" normalizeH="0" baseline="0" dirty="0">
+                <a:ln>
+                  <a:noFill/>
+                </a:ln>
+                <a:effectLst/>
+                <a:latin typeface="Canva Sans" panose="020B0604020202020204" charset="0"/>
+              </a:rPr>
+              <a:t>(</a:t>
+            </a:r>
+            <a:r>
+              <a:rPr kumimoji="0" lang="en-US" altLang="en-US" sz="2200" b="0" i="0" u="none" strike="noStrike" cap="none" normalizeH="0" baseline="0" dirty="0" err="1">
+                <a:ln>
+                  <a:noFill/>
+                </a:ln>
+                <a:effectLst/>
+                <a:latin typeface="Canva Sans" panose="020B0604020202020204" charset="0"/>
+              </a:rPr>
+              <a:t>current_time</a:t>
+            </a:r>
+            <a:r>
+              <a:rPr kumimoji="0" lang="en-US" altLang="en-US" sz="2200" b="0" i="0" u="none" strike="noStrike" cap="none" normalizeH="0" baseline="0" dirty="0">
+                <a:ln>
+                  <a:noFill/>
+                </a:ln>
+                <a:effectLst/>
+                <a:latin typeface="Canva Sans" panose="020B0604020202020204" charset="0"/>
+              </a:rPr>
+              <a:t>[</a:t>
+            </a:r>
+            <a:r>
+              <a:rPr kumimoji="0" lang="en-US" altLang="en-US" sz="2200" b="0" i="1" u="none" strike="noStrike" cap="none" normalizeH="0" baseline="0" dirty="0">
+                <a:ln>
+                  <a:noFill/>
+                </a:ln>
+                <a:effectLst/>
+                <a:latin typeface="Canva Sans" panose="020B0604020202020204" charset="0"/>
+              </a:rPr>
+              <a:t>1</a:t>
+            </a:r>
+            <a:r>
+              <a:rPr kumimoji="0" lang="en-US" altLang="en-US" sz="2200" b="0" i="0" u="none" strike="noStrike" cap="none" normalizeH="0" baseline="0" dirty="0">
+                <a:ln>
+                  <a:noFill/>
+                </a:ln>
+                <a:effectLst/>
+                <a:latin typeface="Canva Sans" panose="020B0604020202020204" charset="0"/>
+              </a:rPr>
+              <a:t>]) - ARGV[</a:t>
+            </a:r>
+            <a:r>
+              <a:rPr kumimoji="0" lang="en-US" altLang="en-US" sz="2200" b="0" i="1" u="none" strike="noStrike" cap="none" normalizeH="0" baseline="0" dirty="0">
+                <a:ln>
+                  <a:noFill/>
+                </a:ln>
+                <a:effectLst/>
+                <a:latin typeface="Canva Sans" panose="020B0604020202020204" charset="0"/>
+              </a:rPr>
+              <a:t>2</a:t>
+            </a:r>
+            <a:r>
+              <a:rPr kumimoji="0" lang="en-US" altLang="en-US" sz="2200" b="0" i="0" u="none" strike="noStrike" cap="none" normalizeH="0" baseline="0" dirty="0">
+                <a:ln>
+                  <a:noFill/>
+                </a:ln>
+                <a:effectLst/>
+                <a:latin typeface="Canva Sans" panose="020B0604020202020204" charset="0"/>
+              </a:rPr>
+              <a:t>]</a:t>
+            </a:r>
+            <a:br>
+              <a:rPr kumimoji="0" lang="en-US" altLang="en-US" sz="2200" b="0" i="0" u="none" strike="noStrike" cap="none" normalizeH="0" baseline="0" dirty="0">
+                <a:ln>
+                  <a:noFill/>
+                </a:ln>
+                <a:effectLst/>
+                <a:latin typeface="Canva Sans" panose="020B0604020202020204" charset="0"/>
+              </a:rPr>
+            </a:br>
+            <a:br>
+              <a:rPr kumimoji="0" lang="en-US" altLang="en-US" sz="2200" b="0" i="0" u="none" strike="noStrike" cap="none" normalizeH="0" baseline="0" dirty="0">
+                <a:ln>
+                  <a:noFill/>
+                </a:ln>
+                <a:effectLst/>
+                <a:latin typeface="Canva Sans" panose="020B0604020202020204" charset="0"/>
+              </a:rPr>
+            </a:br>
+            <a:r>
+              <a:rPr kumimoji="0" lang="en-US" altLang="en-US" sz="2200" b="0" i="0" u="none" strike="noStrike" cap="none" normalizeH="0" baseline="0" dirty="0">
+                <a:ln>
+                  <a:noFill/>
+                </a:ln>
+                <a:effectLst/>
+                <a:latin typeface="Canva Sans" panose="020B0604020202020204" charset="0"/>
+              </a:rPr>
+              <a:t>local function headers(limit, window, remaining)</a:t>
+            </a:r>
+            <a:br>
+              <a:rPr kumimoji="0" lang="en-US" altLang="en-US" sz="2200" b="0" i="0" u="none" strike="noStrike" cap="none" normalizeH="0" baseline="0" dirty="0">
+                <a:ln>
+                  <a:noFill/>
+                </a:ln>
+                <a:effectLst/>
+                <a:latin typeface="Canva Sans" panose="020B0604020202020204" charset="0"/>
+              </a:rPr>
+            </a:br>
+            <a:r>
+              <a:rPr kumimoji="0" lang="en-US" altLang="en-US" sz="2200" b="0" i="0" u="none" strike="noStrike" cap="none" normalizeH="0" baseline="0" dirty="0">
+                <a:ln>
+                  <a:noFill/>
+                </a:ln>
+                <a:effectLst/>
+                <a:latin typeface="Canva Sans" panose="020B0604020202020204" charset="0"/>
+              </a:rPr>
+              <a:t>  return {</a:t>
+            </a:r>
+            <a:br>
+              <a:rPr kumimoji="0" lang="en-US" altLang="en-US" sz="2200" b="0" i="0" u="none" strike="noStrike" cap="none" normalizeH="0" baseline="0" dirty="0">
+                <a:ln>
+                  <a:noFill/>
+                </a:ln>
+                <a:effectLst/>
+                <a:latin typeface="Canva Sans" panose="020B0604020202020204" charset="0"/>
+              </a:rPr>
+            </a:br>
+            <a:r>
+              <a:rPr kumimoji="0" lang="en-US" altLang="en-US" sz="2200" b="0" i="0" u="none" strike="noStrike" cap="none" normalizeH="0" baseline="0" dirty="0">
+                <a:ln>
+                  <a:noFill/>
+                </a:ln>
+                <a:effectLst/>
+                <a:latin typeface="Canva Sans" panose="020B0604020202020204" charset="0"/>
+              </a:rPr>
+              <a:t>    </a:t>
+            </a:r>
+            <a:r>
+              <a:rPr kumimoji="0" lang="en-US" altLang="en-US" sz="2200" b="0" i="0" u="none" strike="noStrike" cap="none" normalizeH="0" baseline="0" dirty="0" err="1">
+                <a:ln>
+                  <a:noFill/>
+                </a:ln>
+                <a:effectLst/>
+                <a:latin typeface="Canva Sans" panose="020B0604020202020204" charset="0"/>
+              </a:rPr>
+              <a:t>tostring</a:t>
+            </a:r>
+            <a:r>
+              <a:rPr kumimoji="0" lang="en-US" altLang="en-US" sz="2200" b="0" i="0" u="none" strike="noStrike" cap="none" normalizeH="0" baseline="0" dirty="0">
+                <a:ln>
+                  <a:noFill/>
+                </a:ln>
+                <a:effectLst/>
+                <a:latin typeface="Canva Sans" panose="020B0604020202020204" charset="0"/>
+              </a:rPr>
+              <a:t>(limit),</a:t>
+            </a:r>
+            <a:br>
+              <a:rPr kumimoji="0" lang="en-US" altLang="en-US" sz="2200" b="0" i="0" u="none" strike="noStrike" cap="none" normalizeH="0" baseline="0" dirty="0">
+                <a:ln>
+                  <a:noFill/>
+                </a:ln>
+                <a:effectLst/>
+                <a:latin typeface="Canva Sans" panose="020B0604020202020204" charset="0"/>
+              </a:rPr>
+            </a:br>
+            <a:r>
+              <a:rPr kumimoji="0" lang="en-US" altLang="en-US" sz="2200" b="0" i="0" u="none" strike="noStrike" cap="none" normalizeH="0" baseline="0" dirty="0">
+                <a:ln>
+                  <a:noFill/>
+                </a:ln>
+                <a:effectLst/>
+                <a:latin typeface="Canva Sans" panose="020B0604020202020204" charset="0"/>
+              </a:rPr>
+              <a:t>    </a:t>
+            </a:r>
+            <a:r>
+              <a:rPr kumimoji="0" lang="en-US" altLang="en-US" sz="2200" b="0" i="0" u="none" strike="noStrike" cap="none" normalizeH="0" baseline="0" dirty="0" err="1">
+                <a:ln>
+                  <a:noFill/>
+                </a:ln>
+                <a:effectLst/>
+                <a:latin typeface="Canva Sans" panose="020B0604020202020204" charset="0"/>
+              </a:rPr>
+              <a:t>tostring</a:t>
+            </a:r>
+            <a:r>
+              <a:rPr kumimoji="0" lang="en-US" altLang="en-US" sz="2200" b="0" i="0" u="none" strike="noStrike" cap="none" normalizeH="0" baseline="0" dirty="0">
+                <a:ln>
+                  <a:noFill/>
+                </a:ln>
+                <a:effectLst/>
+                <a:latin typeface="Canva Sans" panose="020B0604020202020204" charset="0"/>
+              </a:rPr>
+              <a:t>(window),</a:t>
+            </a:r>
+            <a:br>
+              <a:rPr kumimoji="0" lang="en-US" altLang="en-US" sz="2200" b="0" i="0" u="none" strike="noStrike" cap="none" normalizeH="0" baseline="0" dirty="0">
+                <a:ln>
+                  <a:noFill/>
+                </a:ln>
+                <a:effectLst/>
+                <a:latin typeface="Canva Sans" panose="020B0604020202020204" charset="0"/>
+              </a:rPr>
+            </a:br>
+            <a:r>
+              <a:rPr kumimoji="0" lang="en-US" altLang="en-US" sz="2200" b="0" i="0" u="none" strike="noStrike" cap="none" normalizeH="0" baseline="0" dirty="0">
+                <a:ln>
+                  <a:noFill/>
+                </a:ln>
+                <a:effectLst/>
+                <a:latin typeface="Canva Sans" panose="020B0604020202020204" charset="0"/>
+              </a:rPr>
+              <a:t>    </a:t>
+            </a:r>
+            <a:r>
+              <a:rPr kumimoji="0" lang="en-US" altLang="en-US" sz="2200" b="0" i="0" u="none" strike="noStrike" cap="none" normalizeH="0" baseline="0" dirty="0" err="1">
+                <a:ln>
+                  <a:noFill/>
+                </a:ln>
+                <a:effectLst/>
+                <a:latin typeface="Canva Sans" panose="020B0604020202020204" charset="0"/>
+              </a:rPr>
+              <a:t>tostring</a:t>
+            </a:r>
+            <a:r>
+              <a:rPr kumimoji="0" lang="en-US" altLang="en-US" sz="2200" b="0" i="0" u="none" strike="noStrike" cap="none" normalizeH="0" baseline="0" dirty="0">
+                <a:ln>
+                  <a:noFill/>
+                </a:ln>
+                <a:effectLst/>
+                <a:latin typeface="Canva Sans" panose="020B0604020202020204" charset="0"/>
+              </a:rPr>
+              <a:t>(remaining)</a:t>
+            </a:r>
+            <a:br>
+              <a:rPr kumimoji="0" lang="en-US" altLang="en-US" sz="2200" b="0" i="0" u="none" strike="noStrike" cap="none" normalizeH="0" baseline="0" dirty="0">
+                <a:ln>
+                  <a:noFill/>
+                </a:ln>
+                <a:effectLst/>
+                <a:latin typeface="Canva Sans" panose="020B0604020202020204" charset="0"/>
+              </a:rPr>
+            </a:br>
+            <a:r>
+              <a:rPr kumimoji="0" lang="en-US" altLang="en-US" sz="2200" b="0" i="0" u="none" strike="noStrike" cap="none" normalizeH="0" baseline="0" dirty="0">
+                <a:ln>
+                  <a:noFill/>
+                </a:ln>
+                <a:effectLst/>
+                <a:latin typeface="Canva Sans" panose="020B0604020202020204" charset="0"/>
+              </a:rPr>
+              <a:t>  }</a:t>
+            </a:r>
+            <a:br>
+              <a:rPr kumimoji="0" lang="en-US" altLang="en-US" sz="2200" b="0" i="0" u="none" strike="noStrike" cap="none" normalizeH="0" baseline="0" dirty="0">
+                <a:ln>
+                  <a:noFill/>
+                </a:ln>
+                <a:effectLst/>
+                <a:latin typeface="Canva Sans" panose="020B0604020202020204" charset="0"/>
+              </a:rPr>
+            </a:br>
+            <a:r>
+              <a:rPr kumimoji="0" lang="en-US" altLang="en-US" sz="2200" b="0" i="0" u="none" strike="noStrike" cap="none" normalizeH="0" baseline="0" dirty="0">
+                <a:ln>
+                  <a:noFill/>
+                </a:ln>
+                <a:effectLst/>
+                <a:latin typeface="Canva Sans" panose="020B0604020202020204" charset="0"/>
+              </a:rPr>
+              <a:t>end</a:t>
+            </a:r>
+            <a:br>
+              <a:rPr kumimoji="0" lang="en-US" altLang="en-US" sz="2200" b="0" i="0" u="none" strike="noStrike" cap="none" normalizeH="0" baseline="0" dirty="0">
+                <a:ln>
+                  <a:noFill/>
+                </a:ln>
+                <a:effectLst/>
+                <a:latin typeface="Canva Sans" panose="020B0604020202020204" charset="0"/>
+              </a:rPr>
+            </a:br>
+            <a:br>
+              <a:rPr kumimoji="0" lang="en-US" altLang="en-US" sz="2200" b="0" i="0" u="none" strike="noStrike" cap="none" normalizeH="0" baseline="0" dirty="0">
+                <a:ln>
+                  <a:noFill/>
+                </a:ln>
+                <a:effectLst/>
+                <a:latin typeface="Canva Sans" panose="020B0604020202020204" charset="0"/>
+              </a:rPr>
+            </a:br>
+            <a:r>
+              <a:rPr kumimoji="0" lang="en-US" altLang="en-US" sz="2200" b="0" i="0" u="none" strike="noStrike" cap="none" normalizeH="0" baseline="0" dirty="0" err="1">
+                <a:ln>
+                  <a:noFill/>
+                </a:ln>
+                <a:effectLst/>
+                <a:latin typeface="Canva Sans" panose="020B0604020202020204" charset="0"/>
+              </a:rPr>
+              <a:t>redis.call</a:t>
+            </a:r>
+            <a:r>
+              <a:rPr kumimoji="0" lang="en-US" altLang="en-US" sz="2200" b="0" i="0" u="none" strike="noStrike" cap="none" normalizeH="0" baseline="0" dirty="0">
+                <a:ln>
+                  <a:noFill/>
+                </a:ln>
+                <a:effectLst/>
+                <a:latin typeface="Canva Sans" panose="020B0604020202020204" charset="0"/>
+              </a:rPr>
+              <a:t>('ZREMRANGEBYSCORE', KEYS[</a:t>
+            </a:r>
+            <a:r>
+              <a:rPr kumimoji="0" lang="en-US" altLang="en-US" sz="2200" b="0" i="1" u="none" strike="noStrike" cap="none" normalizeH="0" baseline="0" dirty="0">
+                <a:ln>
+                  <a:noFill/>
+                </a:ln>
+                <a:effectLst/>
+                <a:latin typeface="Canva Sans" panose="020B0604020202020204" charset="0"/>
+              </a:rPr>
+              <a:t>1</a:t>
+            </a:r>
+            <a:r>
+              <a:rPr kumimoji="0" lang="en-US" altLang="en-US" sz="2200" b="0" i="0" u="none" strike="noStrike" cap="none" normalizeH="0" baseline="0" dirty="0">
+                <a:ln>
+                  <a:noFill/>
+                </a:ln>
+                <a:effectLst/>
+                <a:latin typeface="Canva Sans" panose="020B0604020202020204" charset="0"/>
+              </a:rPr>
+              <a:t>], </a:t>
+            </a:r>
+            <a:r>
+              <a:rPr kumimoji="0" lang="en-US" altLang="en-US" sz="2200" b="0" i="1" u="none" strike="noStrike" cap="none" normalizeH="0" baseline="0" dirty="0">
+                <a:ln>
+                  <a:noFill/>
+                </a:ln>
+                <a:effectLst/>
+                <a:latin typeface="Canva Sans" panose="020B0604020202020204" charset="0"/>
+              </a:rPr>
+              <a:t>0</a:t>
+            </a:r>
+            <a:r>
+              <a:rPr kumimoji="0" lang="en-US" altLang="en-US" sz="2200" b="0" i="0" u="none" strike="noStrike" cap="none" normalizeH="0" baseline="0" dirty="0">
+                <a:ln>
+                  <a:noFill/>
+                </a:ln>
+                <a:effectLst/>
+                <a:latin typeface="Canva Sans" panose="020B0604020202020204" charset="0"/>
+              </a:rPr>
+              <a:t>, </a:t>
+            </a:r>
+            <a:r>
+              <a:rPr kumimoji="0" lang="en-US" altLang="en-US" sz="2200" b="0" i="0" u="none" strike="noStrike" cap="none" normalizeH="0" baseline="0" dirty="0" err="1">
+                <a:ln>
+                  <a:noFill/>
+                </a:ln>
+                <a:effectLst/>
+                <a:latin typeface="Canva Sans" panose="020B0604020202020204" charset="0"/>
+              </a:rPr>
+              <a:t>trim_time</a:t>
+            </a:r>
+            <a:r>
+              <a:rPr kumimoji="0" lang="en-US" altLang="en-US" sz="2200" b="0" i="0" u="none" strike="noStrike" cap="none" normalizeH="0" baseline="0" dirty="0">
+                <a:ln>
+                  <a:noFill/>
+                </a:ln>
+                <a:effectLst/>
+                <a:latin typeface="Canva Sans" panose="020B0604020202020204" charset="0"/>
+              </a:rPr>
+              <a:t>)                                   ------ Uses Sorted Set</a:t>
+            </a:r>
+            <a:br>
+              <a:rPr kumimoji="0" lang="en-US" altLang="en-US" sz="2200" b="0" i="0" u="none" strike="noStrike" cap="none" normalizeH="0" baseline="0" dirty="0">
+                <a:ln>
+                  <a:noFill/>
+                </a:ln>
+                <a:effectLst/>
+                <a:latin typeface="Canva Sans" panose="020B0604020202020204" charset="0"/>
+              </a:rPr>
+            </a:br>
+            <a:r>
+              <a:rPr kumimoji="0" lang="en-US" altLang="en-US" sz="2200" b="0" i="0" u="none" strike="noStrike" cap="none" normalizeH="0" baseline="0" dirty="0">
+                <a:ln>
+                  <a:noFill/>
+                </a:ln>
+                <a:effectLst/>
+                <a:latin typeface="Canva Sans" panose="020B0604020202020204" charset="0"/>
+              </a:rPr>
+              <a:t>local </a:t>
+            </a:r>
+            <a:r>
+              <a:rPr kumimoji="0" lang="en-US" altLang="en-US" sz="2200" b="0" i="0" u="none" strike="noStrike" cap="none" normalizeH="0" baseline="0" dirty="0" err="1">
+                <a:ln>
+                  <a:noFill/>
+                </a:ln>
+                <a:effectLst/>
+                <a:latin typeface="Canva Sans" panose="020B0604020202020204" charset="0"/>
+              </a:rPr>
+              <a:t>request_count</a:t>
+            </a:r>
+            <a:r>
+              <a:rPr kumimoji="0" lang="en-US" altLang="en-US" sz="2200" b="0" i="0" u="none" strike="noStrike" cap="none" normalizeH="0" baseline="0" dirty="0">
+                <a:ln>
+                  <a:noFill/>
+                </a:ln>
+                <a:effectLst/>
+                <a:latin typeface="Canva Sans" panose="020B0604020202020204" charset="0"/>
+              </a:rPr>
+              <a:t> = </a:t>
+            </a:r>
+            <a:r>
+              <a:rPr kumimoji="0" lang="en-US" altLang="en-US" sz="2200" b="0" i="0" u="none" strike="noStrike" cap="none" normalizeH="0" baseline="0" dirty="0" err="1">
+                <a:ln>
+                  <a:noFill/>
+                </a:ln>
+                <a:effectLst/>
+                <a:latin typeface="Canva Sans" panose="020B0604020202020204" charset="0"/>
+              </a:rPr>
+              <a:t>redis.call</a:t>
+            </a:r>
+            <a:r>
+              <a:rPr kumimoji="0" lang="en-US" altLang="en-US" sz="2200" b="0" i="0" u="none" strike="noStrike" cap="none" normalizeH="0" baseline="0" dirty="0">
+                <a:ln>
+                  <a:noFill/>
+                </a:ln>
+                <a:effectLst/>
+                <a:latin typeface="Canva Sans" panose="020B0604020202020204" charset="0"/>
+              </a:rPr>
+              <a:t>('ZCARD',KEYS[</a:t>
+            </a:r>
+            <a:r>
+              <a:rPr kumimoji="0" lang="en-US" altLang="en-US" sz="2200" b="0" i="1" u="none" strike="noStrike" cap="none" normalizeH="0" baseline="0" dirty="0">
+                <a:ln>
+                  <a:noFill/>
+                </a:ln>
+                <a:effectLst/>
+                <a:latin typeface="Canva Sans" panose="020B0604020202020204" charset="0"/>
+              </a:rPr>
+              <a:t>1</a:t>
+            </a:r>
+            <a:r>
+              <a:rPr kumimoji="0" lang="en-US" altLang="en-US" sz="2200" b="0" i="0" u="none" strike="noStrike" cap="none" normalizeH="0" baseline="0" dirty="0">
+                <a:ln>
+                  <a:noFill/>
+                </a:ln>
+                <a:effectLst/>
+                <a:latin typeface="Canva Sans" panose="020B0604020202020204" charset="0"/>
+              </a:rPr>
+              <a:t>])</a:t>
+            </a:r>
+            <a:br>
+              <a:rPr kumimoji="0" lang="en-US" altLang="en-US" sz="2200" b="0" i="0" u="none" strike="noStrike" cap="none" normalizeH="0" baseline="0" dirty="0">
+                <a:ln>
+                  <a:noFill/>
+                </a:ln>
+                <a:effectLst/>
+                <a:latin typeface="Canva Sans" panose="020B0604020202020204" charset="0"/>
+              </a:rPr>
+            </a:br>
+            <a:r>
+              <a:rPr kumimoji="0" lang="en-US" altLang="en-US" sz="2200" b="0" i="0" u="none" strike="noStrike" cap="none" normalizeH="0" baseline="0" dirty="0">
+                <a:ln>
+                  <a:noFill/>
+                </a:ln>
+                <a:effectLst/>
+                <a:latin typeface="Canva Sans" panose="020B0604020202020204" charset="0"/>
+              </a:rPr>
+              <a:t>local </a:t>
+            </a:r>
+            <a:r>
+              <a:rPr kumimoji="0" lang="en-US" altLang="en-US" sz="2200" b="0" i="0" u="none" strike="noStrike" cap="none" normalizeH="0" baseline="0" dirty="0" err="1">
+                <a:ln>
+                  <a:noFill/>
+                </a:ln>
+                <a:effectLst/>
+                <a:latin typeface="Canva Sans" panose="020B0604020202020204" charset="0"/>
+              </a:rPr>
+              <a:t>ttl</a:t>
+            </a:r>
+            <a:r>
+              <a:rPr kumimoji="0" lang="en-US" altLang="en-US" sz="2200" b="0" i="0" u="none" strike="noStrike" cap="none" normalizeH="0" baseline="0" dirty="0">
+                <a:ln>
+                  <a:noFill/>
+                </a:ln>
+                <a:effectLst/>
+                <a:latin typeface="Canva Sans" panose="020B0604020202020204" charset="0"/>
+              </a:rPr>
+              <a:t> = </a:t>
+            </a:r>
+            <a:r>
+              <a:rPr kumimoji="0" lang="en-US" altLang="en-US" sz="2200" b="0" i="0" u="none" strike="noStrike" cap="none" normalizeH="0" baseline="0" dirty="0" err="1">
+                <a:ln>
+                  <a:noFill/>
+                </a:ln>
+                <a:effectLst/>
+                <a:latin typeface="Canva Sans" panose="020B0604020202020204" charset="0"/>
+              </a:rPr>
+              <a:t>redis.pcall</a:t>
+            </a:r>
+            <a:r>
+              <a:rPr kumimoji="0" lang="en-US" altLang="en-US" sz="2200" b="0" i="0" u="none" strike="noStrike" cap="none" normalizeH="0" baseline="0" dirty="0">
+                <a:ln>
+                  <a:noFill/>
+                </a:ln>
+                <a:effectLst/>
+                <a:latin typeface="Canva Sans" panose="020B0604020202020204" charset="0"/>
+              </a:rPr>
+              <a:t>('TTL', KEYS[</a:t>
+            </a:r>
+            <a:r>
+              <a:rPr kumimoji="0" lang="en-US" altLang="en-US" sz="2200" b="0" i="1" u="none" strike="noStrike" cap="none" normalizeH="0" baseline="0" dirty="0">
+                <a:ln>
+                  <a:noFill/>
+                </a:ln>
+                <a:effectLst/>
+                <a:latin typeface="Canva Sans" panose="020B0604020202020204" charset="0"/>
+              </a:rPr>
+              <a:t>1</a:t>
+            </a:r>
+            <a:r>
+              <a:rPr kumimoji="0" lang="en-US" altLang="en-US" sz="2200" b="0" i="0" u="none" strike="noStrike" cap="none" normalizeH="0" baseline="0" dirty="0">
+                <a:ln>
+                  <a:noFill/>
+                </a:ln>
+                <a:effectLst/>
+                <a:latin typeface="Canva Sans" panose="020B0604020202020204" charset="0"/>
+              </a:rPr>
+              <a:t>])</a:t>
+            </a:r>
+            <a:br>
+              <a:rPr kumimoji="0" lang="en-US" altLang="en-US" sz="2200" b="0" i="0" u="none" strike="noStrike" cap="none" normalizeH="0" baseline="0" dirty="0">
+                <a:ln>
+                  <a:noFill/>
+                </a:ln>
+                <a:effectLst/>
+                <a:latin typeface="Canva Sans" panose="020B0604020202020204" charset="0"/>
+              </a:rPr>
+            </a:br>
+            <a:r>
+              <a:rPr kumimoji="0" lang="en-US" altLang="en-US" sz="2200" b="0" i="0" u="none" strike="noStrike" cap="none" normalizeH="0" baseline="0" dirty="0">
+                <a:ln>
+                  <a:noFill/>
+                </a:ln>
+                <a:effectLst/>
+                <a:latin typeface="Canva Sans" panose="020B0604020202020204" charset="0"/>
+              </a:rPr>
+              <a:t>if </a:t>
+            </a:r>
+            <a:r>
+              <a:rPr kumimoji="0" lang="en-US" altLang="en-US" sz="2200" b="0" i="0" u="none" strike="noStrike" cap="none" normalizeH="0" baseline="0" dirty="0" err="1">
+                <a:ln>
+                  <a:noFill/>
+                </a:ln>
+                <a:effectLst/>
+                <a:latin typeface="Canva Sans" panose="020B0604020202020204" charset="0"/>
+              </a:rPr>
+              <a:t>request_count</a:t>
+            </a:r>
+            <a:r>
+              <a:rPr kumimoji="0" lang="en-US" altLang="en-US" sz="2200" b="0" i="0" u="none" strike="noStrike" cap="none" normalizeH="0" baseline="0" dirty="0">
+                <a:ln>
+                  <a:noFill/>
+                </a:ln>
+                <a:effectLst/>
+                <a:latin typeface="Canva Sans" panose="020B0604020202020204" charset="0"/>
+              </a:rPr>
+              <a:t> &lt; </a:t>
+            </a:r>
+            <a:r>
+              <a:rPr kumimoji="0" lang="en-US" altLang="en-US" sz="2200" b="0" i="0" u="none" strike="noStrike" cap="none" normalizeH="0" baseline="0" dirty="0" err="1">
+                <a:ln>
+                  <a:noFill/>
+                </a:ln>
+                <a:effectLst/>
+                <a:latin typeface="Canva Sans" panose="020B0604020202020204" charset="0"/>
+              </a:rPr>
+              <a:t>tonumber</a:t>
+            </a:r>
+            <a:r>
+              <a:rPr kumimoji="0" lang="en-US" altLang="en-US" sz="2200" b="0" i="0" u="none" strike="noStrike" cap="none" normalizeH="0" baseline="0" dirty="0">
+                <a:ln>
+                  <a:noFill/>
+                </a:ln>
+                <a:effectLst/>
+                <a:latin typeface="Canva Sans" panose="020B0604020202020204" charset="0"/>
+              </a:rPr>
+              <a:t>(ARGV[</a:t>
+            </a:r>
+            <a:r>
+              <a:rPr kumimoji="0" lang="en-US" altLang="en-US" sz="2200" b="0" i="1" u="none" strike="noStrike" cap="none" normalizeH="0" baseline="0" dirty="0">
+                <a:ln>
+                  <a:noFill/>
+                </a:ln>
+                <a:effectLst/>
+                <a:latin typeface="Canva Sans" panose="020B0604020202020204" charset="0"/>
+              </a:rPr>
+              <a:t>1</a:t>
+            </a:r>
+            <a:r>
+              <a:rPr kumimoji="0" lang="en-US" altLang="en-US" sz="2200" b="0" i="0" u="none" strike="noStrike" cap="none" normalizeH="0" baseline="0" dirty="0">
+                <a:ln>
+                  <a:noFill/>
+                </a:ln>
+                <a:effectLst/>
+                <a:latin typeface="Canva Sans" panose="020B0604020202020204" charset="0"/>
+              </a:rPr>
+              <a:t>]) then</a:t>
+            </a:r>
+            <a:br>
+              <a:rPr kumimoji="0" lang="en-US" altLang="en-US" sz="2200" b="0" i="0" u="none" strike="noStrike" cap="none" normalizeH="0" baseline="0" dirty="0">
+                <a:ln>
+                  <a:noFill/>
+                </a:ln>
+                <a:effectLst/>
+                <a:latin typeface="Canva Sans" panose="020B0604020202020204" charset="0"/>
+              </a:rPr>
+            </a:br>
+            <a:r>
+              <a:rPr kumimoji="0" lang="en-US" altLang="en-US" sz="2200" b="0" i="0" u="none" strike="noStrike" cap="none" normalizeH="0" baseline="0" dirty="0">
+                <a:ln>
+                  <a:noFill/>
+                </a:ln>
+                <a:effectLst/>
+                <a:latin typeface="Canva Sans" panose="020B0604020202020204" charset="0"/>
+              </a:rPr>
+              <a:t>    </a:t>
+            </a:r>
+            <a:r>
+              <a:rPr kumimoji="0" lang="en-US" altLang="en-US" sz="2200" b="0" i="0" u="none" strike="noStrike" cap="none" normalizeH="0" baseline="0" dirty="0" err="1">
+                <a:ln>
+                  <a:noFill/>
+                </a:ln>
+                <a:effectLst/>
+                <a:latin typeface="Canva Sans" panose="020B0604020202020204" charset="0"/>
+              </a:rPr>
+              <a:t>redis.call</a:t>
+            </a:r>
+            <a:r>
+              <a:rPr kumimoji="0" lang="en-US" altLang="en-US" sz="2200" b="0" i="0" u="none" strike="noStrike" cap="none" normalizeH="0" baseline="0" dirty="0">
+                <a:ln>
+                  <a:noFill/>
+                </a:ln>
+                <a:effectLst/>
+                <a:latin typeface="Canva Sans" panose="020B0604020202020204" charset="0"/>
+              </a:rPr>
+              <a:t>('ZADD', KEYS[</a:t>
+            </a:r>
+            <a:r>
+              <a:rPr kumimoji="0" lang="en-US" altLang="en-US" sz="2200" b="0" i="1" u="none" strike="noStrike" cap="none" normalizeH="0" baseline="0" dirty="0">
+                <a:ln>
+                  <a:noFill/>
+                </a:ln>
+                <a:effectLst/>
+                <a:latin typeface="Canva Sans" panose="020B0604020202020204" charset="0"/>
+              </a:rPr>
+              <a:t>1</a:t>
+            </a:r>
+            <a:r>
+              <a:rPr kumimoji="0" lang="en-US" altLang="en-US" sz="2200" b="0" i="0" u="none" strike="noStrike" cap="none" normalizeH="0" baseline="0" dirty="0">
+                <a:ln>
+                  <a:noFill/>
+                </a:ln>
+                <a:effectLst/>
+                <a:latin typeface="Canva Sans" panose="020B0604020202020204" charset="0"/>
+              </a:rPr>
+              <a:t>], </a:t>
+            </a:r>
+            <a:r>
+              <a:rPr kumimoji="0" lang="en-US" altLang="en-US" sz="2200" b="0" i="0" u="none" strike="noStrike" cap="none" normalizeH="0" baseline="0" dirty="0" err="1">
+                <a:ln>
+                  <a:noFill/>
+                </a:ln>
+                <a:effectLst/>
+                <a:latin typeface="Canva Sans" panose="020B0604020202020204" charset="0"/>
+              </a:rPr>
+              <a:t>current_time</a:t>
+            </a:r>
+            <a:r>
+              <a:rPr kumimoji="0" lang="en-US" altLang="en-US" sz="2200" b="0" i="0" u="none" strike="noStrike" cap="none" normalizeH="0" baseline="0" dirty="0">
+                <a:ln>
+                  <a:noFill/>
+                </a:ln>
+                <a:effectLst/>
+                <a:latin typeface="Canva Sans" panose="020B0604020202020204" charset="0"/>
+              </a:rPr>
+              <a:t>[</a:t>
+            </a:r>
+            <a:r>
+              <a:rPr kumimoji="0" lang="en-US" altLang="en-US" sz="2200" b="0" i="1" u="none" strike="noStrike" cap="none" normalizeH="0" baseline="0" dirty="0">
+                <a:ln>
+                  <a:noFill/>
+                </a:ln>
+                <a:effectLst/>
+                <a:latin typeface="Canva Sans" panose="020B0604020202020204" charset="0"/>
+              </a:rPr>
+              <a:t>1</a:t>
+            </a:r>
+            <a:r>
+              <a:rPr kumimoji="0" lang="en-US" altLang="en-US" sz="2200" b="0" i="0" u="none" strike="noStrike" cap="none" normalizeH="0" baseline="0" dirty="0">
+                <a:ln>
+                  <a:noFill/>
+                </a:ln>
+                <a:effectLst/>
+                <a:latin typeface="Canva Sans" panose="020B0604020202020204" charset="0"/>
+              </a:rPr>
+              <a:t>], </a:t>
+            </a:r>
+            <a:r>
+              <a:rPr kumimoji="0" lang="en-US" altLang="en-US" sz="2200" b="0" i="0" u="none" strike="noStrike" cap="none" normalizeH="0" baseline="0" dirty="0" err="1">
+                <a:ln>
+                  <a:noFill/>
+                </a:ln>
+                <a:effectLst/>
+                <a:latin typeface="Canva Sans" panose="020B0604020202020204" charset="0"/>
+              </a:rPr>
+              <a:t>current_time</a:t>
+            </a:r>
+            <a:r>
+              <a:rPr kumimoji="0" lang="en-US" altLang="en-US" sz="2200" b="0" i="0" u="none" strike="noStrike" cap="none" normalizeH="0" baseline="0" dirty="0">
+                <a:ln>
+                  <a:noFill/>
+                </a:ln>
+                <a:effectLst/>
+                <a:latin typeface="Canva Sans" panose="020B0604020202020204" charset="0"/>
+              </a:rPr>
+              <a:t>[</a:t>
+            </a:r>
+            <a:r>
+              <a:rPr kumimoji="0" lang="en-US" altLang="en-US" sz="2200" b="0" i="1" u="none" strike="noStrike" cap="none" normalizeH="0" baseline="0" dirty="0">
+                <a:ln>
+                  <a:noFill/>
+                </a:ln>
+                <a:effectLst/>
+                <a:latin typeface="Canva Sans" panose="020B0604020202020204" charset="0"/>
+              </a:rPr>
+              <a:t>1</a:t>
+            </a:r>
+            <a:r>
+              <a:rPr kumimoji="0" lang="en-US" altLang="en-US" sz="2200" b="0" i="0" u="none" strike="noStrike" cap="none" normalizeH="0" baseline="0" dirty="0">
+                <a:ln>
+                  <a:noFill/>
+                </a:ln>
+                <a:effectLst/>
+                <a:latin typeface="Canva Sans" panose="020B0604020202020204" charset="0"/>
+              </a:rPr>
+              <a:t>] .. </a:t>
+            </a:r>
+            <a:r>
+              <a:rPr kumimoji="0" lang="en-US" altLang="en-US" sz="2200" b="0" i="0" u="none" strike="noStrike" cap="none" normalizeH="0" baseline="0" dirty="0" err="1">
+                <a:ln>
+                  <a:noFill/>
+                </a:ln>
+                <a:effectLst/>
+                <a:latin typeface="Canva Sans" panose="020B0604020202020204" charset="0"/>
+              </a:rPr>
+              <a:t>current_time</a:t>
+            </a:r>
+            <a:r>
+              <a:rPr kumimoji="0" lang="en-US" altLang="en-US" sz="2200" b="0" i="0" u="none" strike="noStrike" cap="none" normalizeH="0" baseline="0" dirty="0">
+                <a:ln>
+                  <a:noFill/>
+                </a:ln>
+                <a:effectLst/>
+                <a:latin typeface="Canva Sans" panose="020B0604020202020204" charset="0"/>
+              </a:rPr>
+              <a:t>[</a:t>
+            </a:r>
+            <a:r>
+              <a:rPr kumimoji="0" lang="en-US" altLang="en-US" sz="2200" b="0" i="1" u="none" strike="noStrike" cap="none" normalizeH="0" baseline="0" dirty="0">
+                <a:ln>
+                  <a:noFill/>
+                </a:ln>
+                <a:effectLst/>
+                <a:latin typeface="Canva Sans" panose="020B0604020202020204" charset="0"/>
+              </a:rPr>
+              <a:t>2</a:t>
+            </a:r>
+            <a:r>
+              <a:rPr kumimoji="0" lang="en-US" altLang="en-US" sz="2200" b="0" i="0" u="none" strike="noStrike" cap="none" normalizeH="0" baseline="0" dirty="0">
+                <a:ln>
+                  <a:noFill/>
+                </a:ln>
+                <a:effectLst/>
+                <a:latin typeface="Canva Sans" panose="020B0604020202020204" charset="0"/>
+              </a:rPr>
+              <a:t>])</a:t>
+            </a:r>
+            <a:br>
+              <a:rPr kumimoji="0" lang="en-US" altLang="en-US" sz="2200" b="0" i="0" u="none" strike="noStrike" cap="none" normalizeH="0" baseline="0" dirty="0">
+                <a:ln>
+                  <a:noFill/>
+                </a:ln>
+                <a:effectLst/>
+                <a:latin typeface="Canva Sans" panose="020B0604020202020204" charset="0"/>
+              </a:rPr>
+            </a:br>
+            <a:r>
+              <a:rPr kumimoji="0" lang="en-US" altLang="en-US" sz="2200" b="0" i="0" u="none" strike="noStrike" cap="none" normalizeH="0" baseline="0" dirty="0">
+                <a:ln>
+                  <a:noFill/>
+                </a:ln>
+                <a:effectLst/>
+                <a:latin typeface="Canva Sans" panose="020B0604020202020204" charset="0"/>
+              </a:rPr>
+              <a:t>    </a:t>
+            </a:r>
+            <a:r>
+              <a:rPr kumimoji="0" lang="en-US" altLang="en-US" sz="2200" b="0" i="0" u="none" strike="noStrike" cap="none" normalizeH="0" baseline="0" dirty="0" err="1">
+                <a:ln>
+                  <a:noFill/>
+                </a:ln>
+                <a:effectLst/>
+                <a:latin typeface="Canva Sans" panose="020B0604020202020204" charset="0"/>
+              </a:rPr>
+              <a:t>redis.call</a:t>
+            </a:r>
+            <a:r>
+              <a:rPr kumimoji="0" lang="en-US" altLang="en-US" sz="2200" b="0" i="0" u="none" strike="noStrike" cap="none" normalizeH="0" baseline="0" dirty="0">
+                <a:ln>
+                  <a:noFill/>
+                </a:ln>
+                <a:effectLst/>
+                <a:latin typeface="Canva Sans" panose="020B0604020202020204" charset="0"/>
+              </a:rPr>
+              <a:t>('EXPIRE', KEYS[</a:t>
+            </a:r>
+            <a:r>
+              <a:rPr kumimoji="0" lang="en-US" altLang="en-US" sz="2200" b="0" i="1" u="none" strike="noStrike" cap="none" normalizeH="0" baseline="0" dirty="0">
+                <a:ln>
+                  <a:noFill/>
+                </a:ln>
+                <a:effectLst/>
+                <a:latin typeface="Canva Sans" panose="020B0604020202020204" charset="0"/>
+              </a:rPr>
+              <a:t>1</a:t>
+            </a:r>
+            <a:r>
+              <a:rPr kumimoji="0" lang="en-US" altLang="en-US" sz="2200" b="0" i="0" u="none" strike="noStrike" cap="none" normalizeH="0" baseline="0" dirty="0">
+                <a:ln>
+                  <a:noFill/>
+                </a:ln>
+                <a:effectLst/>
+                <a:latin typeface="Canva Sans" panose="020B0604020202020204" charset="0"/>
+              </a:rPr>
+              <a:t>], ARGV[</a:t>
+            </a:r>
+            <a:r>
+              <a:rPr kumimoji="0" lang="en-US" altLang="en-US" sz="2200" b="0" i="1" u="none" strike="noStrike" cap="none" normalizeH="0" baseline="0" dirty="0">
+                <a:ln>
+                  <a:noFill/>
+                </a:ln>
+                <a:effectLst/>
+                <a:latin typeface="Canva Sans" panose="020B0604020202020204" charset="0"/>
+              </a:rPr>
+              <a:t>2</a:t>
+            </a:r>
+            <a:r>
+              <a:rPr kumimoji="0" lang="en-US" altLang="en-US" sz="2200" b="0" i="0" u="none" strike="noStrike" cap="none" normalizeH="0" baseline="0" dirty="0">
+                <a:ln>
+                  <a:noFill/>
+                </a:ln>
+                <a:effectLst/>
+                <a:latin typeface="Canva Sans" panose="020B0604020202020204" charset="0"/>
+              </a:rPr>
+              <a:t>])</a:t>
+            </a:r>
+            <a:br>
+              <a:rPr kumimoji="0" lang="en-US" altLang="en-US" sz="2200" b="0" i="0" u="none" strike="noStrike" cap="none" normalizeH="0" baseline="0" dirty="0">
+                <a:ln>
+                  <a:noFill/>
+                </a:ln>
+                <a:effectLst/>
+                <a:latin typeface="Canva Sans" panose="020B0604020202020204" charset="0"/>
+              </a:rPr>
+            </a:br>
+            <a:r>
+              <a:rPr kumimoji="0" lang="en-US" altLang="en-US" sz="2200" b="0" i="0" u="none" strike="noStrike" cap="none" normalizeH="0" baseline="0" dirty="0">
+                <a:ln>
+                  <a:noFill/>
+                </a:ln>
+                <a:effectLst/>
+                <a:latin typeface="Canva Sans" panose="020B0604020202020204" charset="0"/>
+              </a:rPr>
+              <a:t>    local </a:t>
+            </a:r>
+            <a:r>
+              <a:rPr kumimoji="0" lang="en-US" altLang="en-US" sz="2200" b="0" i="0" u="none" strike="noStrike" cap="none" normalizeH="0" baseline="0" dirty="0" err="1">
+                <a:ln>
+                  <a:noFill/>
+                </a:ln>
+                <a:effectLst/>
+                <a:latin typeface="Canva Sans" panose="020B0604020202020204" charset="0"/>
+              </a:rPr>
+              <a:t>ttl</a:t>
+            </a:r>
+            <a:r>
+              <a:rPr kumimoji="0" lang="en-US" altLang="en-US" sz="2200" b="0" i="0" u="none" strike="noStrike" cap="none" normalizeH="0" baseline="0" dirty="0">
+                <a:ln>
+                  <a:noFill/>
+                </a:ln>
+                <a:effectLst/>
+                <a:latin typeface="Canva Sans" panose="020B0604020202020204" charset="0"/>
+              </a:rPr>
+              <a:t> = </a:t>
+            </a:r>
+            <a:r>
+              <a:rPr kumimoji="0" lang="en-US" altLang="en-US" sz="2200" b="0" i="0" u="none" strike="noStrike" cap="none" normalizeH="0" baseline="0" dirty="0" err="1">
+                <a:ln>
+                  <a:noFill/>
+                </a:ln>
+                <a:effectLst/>
+                <a:latin typeface="Canva Sans" panose="020B0604020202020204" charset="0"/>
+              </a:rPr>
+              <a:t>redis.pcall</a:t>
+            </a:r>
+            <a:r>
+              <a:rPr kumimoji="0" lang="en-US" altLang="en-US" sz="2200" b="0" i="0" u="none" strike="noStrike" cap="none" normalizeH="0" baseline="0" dirty="0">
+                <a:ln>
+                  <a:noFill/>
+                </a:ln>
+                <a:effectLst/>
+                <a:latin typeface="Canva Sans" panose="020B0604020202020204" charset="0"/>
+              </a:rPr>
+              <a:t>('TTL', KEYS[</a:t>
+            </a:r>
+            <a:r>
+              <a:rPr kumimoji="0" lang="en-US" altLang="en-US" sz="2200" b="0" i="1" u="none" strike="noStrike" cap="none" normalizeH="0" baseline="0" dirty="0">
+                <a:ln>
+                  <a:noFill/>
+                </a:ln>
+                <a:effectLst/>
+                <a:latin typeface="Canva Sans" panose="020B0604020202020204" charset="0"/>
+              </a:rPr>
+              <a:t>1</a:t>
+            </a:r>
+            <a:r>
+              <a:rPr kumimoji="0" lang="en-US" altLang="en-US" sz="2200" b="0" i="0" u="none" strike="noStrike" cap="none" normalizeH="0" baseline="0" dirty="0">
+                <a:ln>
+                  <a:noFill/>
+                </a:ln>
+                <a:effectLst/>
+                <a:latin typeface="Canva Sans" panose="020B0604020202020204" charset="0"/>
+              </a:rPr>
+              <a:t>])</a:t>
+            </a:r>
+            <a:br>
+              <a:rPr kumimoji="0" lang="en-US" altLang="en-US" sz="2200" b="0" i="0" u="none" strike="noStrike" cap="none" normalizeH="0" baseline="0" dirty="0">
+                <a:ln>
+                  <a:noFill/>
+                </a:ln>
+                <a:effectLst/>
+                <a:latin typeface="Canva Sans" panose="020B0604020202020204" charset="0"/>
+              </a:rPr>
+            </a:br>
+            <a:r>
+              <a:rPr kumimoji="0" lang="en-US" altLang="en-US" sz="2200" b="0" i="0" u="none" strike="noStrike" cap="none" normalizeH="0" baseline="0" dirty="0">
+                <a:ln>
+                  <a:noFill/>
+                </a:ln>
+                <a:effectLst/>
+                <a:latin typeface="Canva Sans" panose="020B0604020202020204" charset="0"/>
+              </a:rPr>
+              <a:t>    local h = headers(</a:t>
+            </a:r>
+            <a:r>
+              <a:rPr kumimoji="0" lang="en-US" altLang="en-US" sz="2200" b="0" i="0" u="none" strike="noStrike" cap="none" normalizeH="0" baseline="0" dirty="0" err="1">
+                <a:ln>
+                  <a:noFill/>
+                </a:ln>
+                <a:effectLst/>
+                <a:latin typeface="Canva Sans" panose="020B0604020202020204" charset="0"/>
+              </a:rPr>
+              <a:t>tonumber</a:t>
+            </a:r>
+            <a:r>
+              <a:rPr kumimoji="0" lang="en-US" altLang="en-US" sz="2200" b="0" i="0" u="none" strike="noStrike" cap="none" normalizeH="0" baseline="0" dirty="0">
+                <a:ln>
+                  <a:noFill/>
+                </a:ln>
+                <a:effectLst/>
+                <a:latin typeface="Canva Sans" panose="020B0604020202020204" charset="0"/>
+              </a:rPr>
+              <a:t>(ARGV[</a:t>
+            </a:r>
+            <a:r>
+              <a:rPr kumimoji="0" lang="en-US" altLang="en-US" sz="2200" b="0" i="1" u="none" strike="noStrike" cap="none" normalizeH="0" baseline="0" dirty="0">
+                <a:ln>
+                  <a:noFill/>
+                </a:ln>
+                <a:effectLst/>
+                <a:latin typeface="Canva Sans" panose="020B0604020202020204" charset="0"/>
+              </a:rPr>
+              <a:t>1</a:t>
+            </a:r>
+            <a:r>
+              <a:rPr kumimoji="0" lang="en-US" altLang="en-US" sz="2200" b="0" i="0" u="none" strike="noStrike" cap="none" normalizeH="0" baseline="0" dirty="0">
+                <a:ln>
+                  <a:noFill/>
+                </a:ln>
+                <a:effectLst/>
+                <a:latin typeface="Canva Sans" panose="020B0604020202020204" charset="0"/>
+              </a:rPr>
+              <a:t>]), </a:t>
+            </a:r>
+            <a:r>
+              <a:rPr kumimoji="0" lang="en-US" altLang="en-US" sz="2200" b="0" i="0" u="none" strike="noStrike" cap="none" normalizeH="0" baseline="0" dirty="0" err="1">
+                <a:ln>
+                  <a:noFill/>
+                </a:ln>
+                <a:effectLst/>
+                <a:latin typeface="Canva Sans" panose="020B0604020202020204" charset="0"/>
+              </a:rPr>
+              <a:t>ttl</a:t>
+            </a:r>
+            <a:r>
+              <a:rPr kumimoji="0" lang="en-US" altLang="en-US" sz="2200" b="0" i="0" u="none" strike="noStrike" cap="none" normalizeH="0" baseline="0" dirty="0">
+                <a:ln>
+                  <a:noFill/>
+                </a:ln>
+                <a:effectLst/>
+                <a:latin typeface="Canva Sans" panose="020B0604020202020204" charset="0"/>
+              </a:rPr>
+              <a:t>, </a:t>
+            </a:r>
+            <a:r>
+              <a:rPr kumimoji="0" lang="en-US" altLang="en-US" sz="2200" b="0" i="0" u="none" strike="noStrike" cap="none" normalizeH="0" baseline="0" dirty="0" err="1">
+                <a:ln>
+                  <a:noFill/>
+                </a:ln>
+                <a:effectLst/>
+                <a:latin typeface="Canva Sans" panose="020B0604020202020204" charset="0"/>
+              </a:rPr>
+              <a:t>tonumber</a:t>
+            </a:r>
+            <a:r>
+              <a:rPr kumimoji="0" lang="en-US" altLang="en-US" sz="2200" b="0" i="0" u="none" strike="noStrike" cap="none" normalizeH="0" baseline="0" dirty="0">
+                <a:ln>
+                  <a:noFill/>
+                </a:ln>
+                <a:effectLst/>
+                <a:latin typeface="Canva Sans" panose="020B0604020202020204" charset="0"/>
+              </a:rPr>
+              <a:t>(ARGV[</a:t>
+            </a:r>
+            <a:r>
+              <a:rPr kumimoji="0" lang="en-US" altLang="en-US" sz="2200" b="0" i="1" u="none" strike="noStrike" cap="none" normalizeH="0" baseline="0" dirty="0">
+                <a:ln>
+                  <a:noFill/>
+                </a:ln>
+                <a:effectLst/>
+                <a:latin typeface="Canva Sans" panose="020B0604020202020204" charset="0"/>
+              </a:rPr>
+              <a:t>1</a:t>
+            </a:r>
+            <a:r>
+              <a:rPr kumimoji="0" lang="en-US" altLang="en-US" sz="2200" b="0" i="0" u="none" strike="noStrike" cap="none" normalizeH="0" baseline="0" dirty="0">
+                <a:ln>
+                  <a:noFill/>
+                </a:ln>
+                <a:effectLst/>
+                <a:latin typeface="Canva Sans" panose="020B0604020202020204" charset="0"/>
+              </a:rPr>
+              <a:t>])-request_count-</a:t>
+            </a:r>
+            <a:r>
+              <a:rPr kumimoji="0" lang="en-US" altLang="en-US" sz="2200" b="0" i="1" u="none" strike="noStrike" cap="none" normalizeH="0" baseline="0" dirty="0">
+                <a:ln>
+                  <a:noFill/>
+                </a:ln>
+                <a:effectLst/>
+                <a:latin typeface="Canva Sans" panose="020B0604020202020204" charset="0"/>
+              </a:rPr>
+              <a:t>1</a:t>
+            </a:r>
+            <a:r>
+              <a:rPr kumimoji="0" lang="en-US" altLang="en-US" sz="2200" b="0" i="0" u="none" strike="noStrike" cap="none" normalizeH="0" baseline="0" dirty="0">
+                <a:ln>
+                  <a:noFill/>
+                </a:ln>
+                <a:effectLst/>
+                <a:latin typeface="Canva Sans" panose="020B0604020202020204" charset="0"/>
+              </a:rPr>
+              <a:t>)</a:t>
+            </a:r>
+            <a:br>
+              <a:rPr kumimoji="0" lang="en-US" altLang="en-US" sz="2200" b="0" i="0" u="none" strike="noStrike" cap="none" normalizeH="0" baseline="0" dirty="0">
+                <a:ln>
+                  <a:noFill/>
+                </a:ln>
+                <a:effectLst/>
+                <a:latin typeface="Canva Sans" panose="020B0604020202020204" charset="0"/>
+              </a:rPr>
+            </a:br>
+            <a:r>
+              <a:rPr kumimoji="0" lang="en-US" altLang="en-US" sz="2200" b="0" i="0" u="none" strike="noStrike" cap="none" normalizeH="0" baseline="0" dirty="0">
+                <a:ln>
+                  <a:noFill/>
+                </a:ln>
+                <a:effectLst/>
+                <a:latin typeface="Canva Sans" panose="020B0604020202020204" charset="0"/>
+              </a:rPr>
+              <a:t>    return {'allow', h}</a:t>
+            </a:r>
+            <a:br>
+              <a:rPr kumimoji="0" lang="en-US" altLang="en-US" sz="2200" b="0" i="0" u="none" strike="noStrike" cap="none" normalizeH="0" baseline="0" dirty="0">
+                <a:ln>
+                  <a:noFill/>
+                </a:ln>
+                <a:effectLst/>
+                <a:latin typeface="Canva Sans" panose="020B0604020202020204" charset="0"/>
+              </a:rPr>
+            </a:br>
+            <a:r>
+              <a:rPr kumimoji="0" lang="en-US" altLang="en-US" sz="2200" b="0" i="0" u="none" strike="noStrike" cap="none" normalizeH="0" baseline="0" dirty="0">
+                <a:ln>
+                  <a:noFill/>
+                </a:ln>
+                <a:effectLst/>
+                <a:latin typeface="Canva Sans" panose="020B0604020202020204" charset="0"/>
+              </a:rPr>
+              <a:t>end</a:t>
+            </a:r>
+            <a:br>
+              <a:rPr kumimoji="0" lang="en-US" altLang="en-US" sz="2200" b="0" i="0" u="none" strike="noStrike" cap="none" normalizeH="0" baseline="0" dirty="0">
+                <a:ln>
+                  <a:noFill/>
+                </a:ln>
+                <a:effectLst/>
+                <a:latin typeface="Canva Sans" panose="020B0604020202020204" charset="0"/>
+              </a:rPr>
+            </a:br>
+            <a:r>
+              <a:rPr kumimoji="0" lang="en-US" altLang="en-US" sz="2200" b="0" i="0" u="none" strike="noStrike" cap="none" normalizeH="0" baseline="0" dirty="0">
+                <a:ln>
+                  <a:noFill/>
+                </a:ln>
+                <a:effectLst/>
+                <a:latin typeface="Canva Sans" panose="020B0604020202020204" charset="0"/>
+              </a:rPr>
+              <a:t>local h = headers(</a:t>
+            </a:r>
+            <a:r>
+              <a:rPr kumimoji="0" lang="en-US" altLang="en-US" sz="2200" b="0" i="0" u="none" strike="noStrike" cap="none" normalizeH="0" baseline="0" dirty="0" err="1">
+                <a:ln>
+                  <a:noFill/>
+                </a:ln>
+                <a:effectLst/>
+                <a:latin typeface="Canva Sans" panose="020B0604020202020204" charset="0"/>
+              </a:rPr>
+              <a:t>tonumber</a:t>
+            </a:r>
+            <a:r>
+              <a:rPr kumimoji="0" lang="en-US" altLang="en-US" sz="2200" b="0" i="0" u="none" strike="noStrike" cap="none" normalizeH="0" baseline="0" dirty="0">
+                <a:ln>
+                  <a:noFill/>
+                </a:ln>
+                <a:effectLst/>
+                <a:latin typeface="Canva Sans" panose="020B0604020202020204" charset="0"/>
+              </a:rPr>
+              <a:t>(ARGV[</a:t>
+            </a:r>
+            <a:r>
+              <a:rPr kumimoji="0" lang="en-US" altLang="en-US" sz="2200" b="0" i="1" u="none" strike="noStrike" cap="none" normalizeH="0" baseline="0" dirty="0">
+                <a:ln>
+                  <a:noFill/>
+                </a:ln>
+                <a:effectLst/>
+                <a:latin typeface="Canva Sans" panose="020B0604020202020204" charset="0"/>
+              </a:rPr>
+              <a:t>1</a:t>
+            </a:r>
+            <a:r>
+              <a:rPr kumimoji="0" lang="en-US" altLang="en-US" sz="2200" b="0" i="0" u="none" strike="noStrike" cap="none" normalizeH="0" baseline="0" dirty="0">
+                <a:ln>
+                  <a:noFill/>
+                </a:ln>
+                <a:effectLst/>
+                <a:latin typeface="Canva Sans" panose="020B0604020202020204" charset="0"/>
+              </a:rPr>
+              <a:t>]), </a:t>
+            </a:r>
+            <a:r>
+              <a:rPr kumimoji="0" lang="en-US" altLang="en-US" sz="2200" b="0" i="0" u="none" strike="noStrike" cap="none" normalizeH="0" baseline="0" dirty="0" err="1">
+                <a:ln>
+                  <a:noFill/>
+                </a:ln>
+                <a:effectLst/>
+                <a:latin typeface="Canva Sans" panose="020B0604020202020204" charset="0"/>
+              </a:rPr>
+              <a:t>ttl</a:t>
+            </a:r>
+            <a:r>
+              <a:rPr kumimoji="0" lang="en-US" altLang="en-US" sz="2200" b="0" i="0" u="none" strike="noStrike" cap="none" normalizeH="0" baseline="0" dirty="0">
+                <a:ln>
+                  <a:noFill/>
+                </a:ln>
+                <a:effectLst/>
+                <a:latin typeface="Canva Sans" panose="020B0604020202020204" charset="0"/>
+              </a:rPr>
+              <a:t>, </a:t>
+            </a:r>
+            <a:r>
+              <a:rPr kumimoji="0" lang="en-US" altLang="en-US" sz="2200" b="0" i="1" u="none" strike="noStrike" cap="none" normalizeH="0" baseline="0" dirty="0">
+                <a:ln>
+                  <a:noFill/>
+                </a:ln>
+                <a:effectLst/>
+                <a:latin typeface="Canva Sans" panose="020B0604020202020204" charset="0"/>
+              </a:rPr>
+              <a:t>0</a:t>
+            </a:r>
+            <a:r>
+              <a:rPr kumimoji="0" lang="en-US" altLang="en-US" sz="2200" b="0" i="0" u="none" strike="noStrike" cap="none" normalizeH="0" baseline="0" dirty="0">
+                <a:ln>
+                  <a:noFill/>
+                </a:ln>
+                <a:effectLst/>
+                <a:latin typeface="Canva Sans" panose="020B0604020202020204" charset="0"/>
+              </a:rPr>
+              <a:t>)</a:t>
+            </a:r>
+            <a:br>
+              <a:rPr kumimoji="0" lang="en-US" altLang="en-US" sz="2200" b="0" i="0" u="none" strike="noStrike" cap="none" normalizeH="0" baseline="0" dirty="0">
+                <a:ln>
+                  <a:noFill/>
+                </a:ln>
+                <a:effectLst/>
+                <a:latin typeface="Canva Sans" panose="020B0604020202020204" charset="0"/>
+              </a:rPr>
+            </a:br>
+            <a:r>
+              <a:rPr kumimoji="0" lang="en-US" altLang="en-US" sz="2200" b="0" i="0" u="none" strike="noStrike" cap="none" normalizeH="0" baseline="0" dirty="0">
+                <a:ln>
+                  <a:noFill/>
+                </a:ln>
+                <a:effectLst/>
+                <a:latin typeface="Canva Sans" panose="020B0604020202020204" charset="0"/>
+              </a:rPr>
+              <a:t>return {'deny', h}</a:t>
             </a:r>
           </a:p>
         </p:txBody>
@@ -6178,14 +6328,14 @@
       </p:grpSpPr>
       <p:sp>
         <p:nvSpPr>
-          <p:cNvPr id="4" name="TextBox 4"/>
+          <p:cNvPr id="2" name="TextBox 2"/>
           <p:cNvSpPr txBox="1"/>
           <p:nvPr/>
         </p:nvSpPr>
         <p:spPr>
           <a:xfrm>
-            <a:off x="1006882" y="531453"/>
-            <a:ext cx="16230600" cy="721626"/>
+            <a:off x="4461153" y="3105302"/>
+            <a:ext cx="9365695" cy="2991481"/>
           </a:xfrm>
           <a:prstGeom prst="rect">
             <a:avLst/>
@@ -6197,126 +6347,36 @@
           </a:bodyPr>
           <a:lstStyle/>
           <a:p>
-            <a:pPr>
-              <a:lnSpc>
-                <a:spcPts val="5900"/>
-              </a:lnSpc>
-              <a:spcBef>
-                <a:spcPct val="0"/>
-              </a:spcBef>
-            </a:pPr>
-            <a:r>
-              <a:rPr lang="en-US" sz="4214" spc="956">
-                <a:solidFill>
-                  <a:srgbClr val="2B2C30"/>
-                </a:solidFill>
-                <a:latin typeface="Public Sans Bold"/>
-              </a:rPr>
-              <a:t>CHALLENGES</a:t>
-            </a:r>
-          </a:p>
-        </p:txBody>
-      </p:sp>
-      <p:sp>
-        <p:nvSpPr>
-          <p:cNvPr id="5" name="AutoShape 5"/>
-          <p:cNvSpPr/>
-          <p:nvPr/>
-        </p:nvSpPr>
-        <p:spPr>
-          <a:xfrm flipV="1">
-            <a:off x="1006877" y="1257841"/>
-            <a:ext cx="16230594" cy="38509"/>
-          </a:xfrm>
-          <a:prstGeom prst="line">
-            <a:avLst/>
-          </a:prstGeom>
-          <a:ln w="9525" cap="flat">
-            <a:solidFill>
-              <a:srgbClr val="2B2C30"/>
-            </a:solidFill>
-            <a:prstDash val="solid"/>
-            <a:headEnd type="none" w="sm" len="sm"/>
-            <a:tailEnd type="none" w="sm" len="sm"/>
-          </a:ln>
-        </p:spPr>
-      </p:sp>
-      <p:sp>
-        <p:nvSpPr>
-          <p:cNvPr id="6" name="TextBox 6"/>
-          <p:cNvSpPr txBox="1"/>
-          <p:nvPr/>
-        </p:nvSpPr>
-        <p:spPr>
-          <a:xfrm>
-            <a:off x="1006877" y="1792785"/>
-            <a:ext cx="16230594" cy="4180840"/>
-          </a:xfrm>
-          <a:prstGeom prst="rect">
-            <a:avLst/>
-          </a:prstGeom>
-        </p:spPr>
-        <p:txBody>
-          <a:bodyPr lIns="0" tIns="0" rIns="0" bIns="0" rtlCol="0" anchor="t">
-            <a:spAutoFit/>
-          </a:bodyPr>
-          <a:lstStyle/>
-          <a:p>
-            <a:pPr>
-              <a:lnSpc>
-                <a:spcPts val="4759"/>
-              </a:lnSpc>
-            </a:pPr>
-            <a:endParaRPr/>
-          </a:p>
-          <a:p>
-            <a:pPr marL="734059" lvl="1" indent="-367030">
-              <a:lnSpc>
-                <a:spcPts val="4759"/>
-              </a:lnSpc>
-              <a:buFont typeface="Arial"/>
-              <a:buChar char="•"/>
-            </a:pPr>
-            <a:r>
-              <a:rPr lang="en-US" sz="3399">
-                <a:solidFill>
-                  <a:srgbClr val="2B2C30"/>
-                </a:solidFill>
-                <a:latin typeface="Canva Sans"/>
-              </a:rPr>
-              <a:t>Introduced latency to the service.</a:t>
-            </a:r>
-          </a:p>
-          <a:p>
-            <a:pPr marL="734059" lvl="1" indent="-367030">
-              <a:lnSpc>
-                <a:spcPts val="4759"/>
-              </a:lnSpc>
-              <a:buFont typeface="Arial"/>
-              <a:buChar char="•"/>
-            </a:pPr>
-            <a:r>
-              <a:rPr lang="en-US" sz="3399">
-                <a:solidFill>
-                  <a:srgbClr val="2B2C30"/>
-                </a:solidFill>
-                <a:latin typeface="Canva Sans"/>
-              </a:rPr>
-              <a:t>Atomicity - When there is high concurrent requests, as transaction to get-inc-set  is not atomic.  While there is limit pending and two request can pick the counter , increment it and set it , which will result in breaching the rate limiting counter.</a:t>
-            </a:r>
-          </a:p>
-          <a:p>
-            <a:pPr>
-              <a:lnSpc>
-                <a:spcPts val="4759"/>
-              </a:lnSpc>
-            </a:pPr>
-            <a:endParaRPr lang="en-US" sz="3399">
-              <a:solidFill>
-                <a:srgbClr val="2B2C30"/>
-              </a:solidFill>
-              <a:latin typeface="Canva Sans"/>
-            </a:endParaRPr>
+            <a:pPr algn="ctr">
+              <a:lnSpc>
+                <a:spcPts val="12040"/>
+              </a:lnSpc>
+            </a:pPr>
+            <a:r>
+              <a:rPr lang="en-US" sz="8600">
+                <a:solidFill>
+                  <a:srgbClr val="000000"/>
+                </a:solidFill>
+                <a:latin typeface="Canva Sans"/>
+              </a:rPr>
+              <a:t>DEMO AND CODE</a:t>
+            </a:r>
+          </a:p>
+          <a:p>
+            <a:pPr algn="ctr">
+              <a:lnSpc>
+                <a:spcPts val="12040"/>
+              </a:lnSpc>
+            </a:pPr>
+            <a:r>
+              <a:rPr lang="en-US" sz="8600">
+                <a:solidFill>
+                  <a:srgbClr val="000000"/>
+                </a:solidFill>
+                <a:latin typeface="Canva Sans"/>
+              </a:rPr>
+              <a:t>WALK THROUGH</a:t>
+            </a:r>
           </a:p>
         </p:txBody>
       </p:sp>
@@ -6361,8 +6421,8 @@
         </p:nvSpPr>
         <p:spPr>
           <a:xfrm>
-            <a:off x="1006882" y="531453"/>
-            <a:ext cx="16230600" cy="721626"/>
+            <a:off x="6697264" y="3742049"/>
+            <a:ext cx="4357688" cy="1401451"/>
           </a:xfrm>
           <a:prstGeom prst="rect">
             <a:avLst/>
@@ -6374,252 +6434,20 @@
           </a:bodyPr>
           <a:lstStyle/>
           <a:p>
-            <a:pPr>
-              <a:lnSpc>
-                <a:spcPts val="5900"/>
-              </a:lnSpc>
-              <a:spcBef>
-                <a:spcPct val="0"/>
-              </a:spcBef>
-            </a:pPr>
-            <a:r>
-              <a:rPr lang="en-US" sz="4214" spc="956">
-                <a:solidFill>
-                  <a:srgbClr val="2B2C30"/>
-                </a:solidFill>
-                <a:latin typeface="Public Sans Bold"/>
-              </a:rPr>
-              <a:t>ENHANCEMENTS</a:t>
-            </a:r>
-          </a:p>
-        </p:txBody>
-      </p:sp>
-      <p:sp>
-        <p:nvSpPr>
-          <p:cNvPr id="3" name="AutoShape 3"/>
-          <p:cNvSpPr/>
-          <p:nvPr/>
-        </p:nvSpPr>
-        <p:spPr>
-          <a:xfrm flipV="1">
-            <a:off x="1006877" y="1257841"/>
-            <a:ext cx="16230594" cy="38509"/>
-          </a:xfrm>
-          <a:prstGeom prst="line">
-            <a:avLst/>
-          </a:prstGeom>
-          <a:ln w="9525" cap="flat">
-            <a:solidFill>
-              <a:srgbClr val="2B2C30"/>
-            </a:solidFill>
-            <a:prstDash val="solid"/>
-            <a:headEnd type="none" w="sm" len="sm"/>
-            <a:tailEnd type="none" w="sm" len="sm"/>
-          </a:ln>
-        </p:spPr>
-      </p:sp>
-      <p:sp>
-        <p:nvSpPr>
-          <p:cNvPr id="4" name="TextBox 4"/>
-          <p:cNvSpPr txBox="1"/>
-          <p:nvPr/>
-        </p:nvSpPr>
-        <p:spPr>
-          <a:xfrm>
-            <a:off x="819353" y="1229675"/>
-            <a:ext cx="16230594" cy="7181215"/>
-          </a:xfrm>
-          <a:prstGeom prst="rect">
-            <a:avLst/>
-          </a:prstGeom>
-        </p:spPr>
-        <p:txBody>
-          <a:bodyPr lIns="0" tIns="0" rIns="0" bIns="0" rtlCol="0" anchor="t">
-            <a:spAutoFit/>
-          </a:bodyPr>
-          <a:lstStyle/>
-          <a:p>
-            <a:pPr>
-              <a:lnSpc>
-                <a:spcPts val="4759"/>
-              </a:lnSpc>
-            </a:pPr>
-            <a:endParaRPr dirty="0"/>
-          </a:p>
-          <a:p>
-            <a:pPr marL="734059" lvl="1" indent="-367030">
-              <a:lnSpc>
-                <a:spcPts val="4759"/>
-              </a:lnSpc>
-              <a:buFont typeface="Arial"/>
-              <a:buChar char="•"/>
-            </a:pPr>
-            <a:r>
-              <a:rPr lang="en-US" sz="3399" dirty="0">
-                <a:solidFill>
-                  <a:srgbClr val="2B2C30"/>
-                </a:solidFill>
-                <a:latin typeface="Canva Sans"/>
-              </a:rPr>
-              <a:t>Multi server </a:t>
-            </a:r>
-            <a:r>
-              <a:rPr lang="en-US" sz="3399" dirty="0" err="1">
-                <a:solidFill>
-                  <a:srgbClr val="2B2C30"/>
-                </a:solidFill>
-                <a:latin typeface="Canva Sans"/>
-              </a:rPr>
-              <a:t>redis</a:t>
-            </a:r>
-            <a:r>
-              <a:rPr lang="en-US" sz="3399" dirty="0">
-                <a:solidFill>
-                  <a:srgbClr val="2B2C30"/>
-                </a:solidFill>
-                <a:latin typeface="Canva Sans"/>
-              </a:rPr>
-              <a:t> cluster to deal with high requests.</a:t>
-            </a:r>
-          </a:p>
-          <a:p>
-            <a:pPr marL="734059" lvl="1" indent="-367030">
-              <a:lnSpc>
-                <a:spcPts val="4759"/>
-              </a:lnSpc>
-              <a:buFont typeface="Arial"/>
-              <a:buChar char="•"/>
-            </a:pPr>
-            <a:r>
-              <a:rPr lang="en-US" sz="3399" dirty="0">
-                <a:solidFill>
-                  <a:srgbClr val="2B2C30"/>
-                </a:solidFill>
-                <a:latin typeface="Canva Sans"/>
-              </a:rPr>
-              <a:t>Support for multiple Rate Limiting Algorithms.</a:t>
-            </a:r>
-          </a:p>
-          <a:p>
-            <a:pPr marL="734059" lvl="1" indent="-367030">
-              <a:lnSpc>
-                <a:spcPts val="4759"/>
-              </a:lnSpc>
-              <a:buFont typeface="Arial"/>
-              <a:buChar char="•"/>
-            </a:pPr>
-            <a:r>
-              <a:rPr lang="en-US" sz="3399" dirty="0">
-                <a:solidFill>
-                  <a:srgbClr val="2B2C30"/>
-                </a:solidFill>
-                <a:latin typeface="Canva Sans"/>
-              </a:rPr>
-              <a:t>Support for having different algorithm for different services.</a:t>
-            </a:r>
-          </a:p>
-          <a:p>
-            <a:pPr marL="734059" lvl="1" indent="-367030">
-              <a:lnSpc>
-                <a:spcPts val="4759"/>
-              </a:lnSpc>
-              <a:buFont typeface="Arial"/>
-              <a:buChar char="•"/>
-            </a:pPr>
-            <a:r>
-              <a:rPr lang="en-US" sz="3399" dirty="0">
-                <a:solidFill>
-                  <a:srgbClr val="2B2C30"/>
-                </a:solidFill>
-                <a:latin typeface="Canva Sans"/>
-              </a:rPr>
-              <a:t>Creating metrices to analyze the requests and rate limiting data. Running a separate sidecar may be, to analyze the logging and create dashboard.</a:t>
-            </a:r>
-          </a:p>
-          <a:p>
-            <a:pPr marL="734059" lvl="1" indent="-367030">
-              <a:lnSpc>
-                <a:spcPts val="4759"/>
-              </a:lnSpc>
-              <a:buFont typeface="Arial"/>
-              <a:buChar char="•"/>
-            </a:pPr>
-            <a:r>
-              <a:rPr lang="en-US" sz="3399" dirty="0">
-                <a:solidFill>
-                  <a:srgbClr val="2B2C30"/>
-                </a:solidFill>
-                <a:latin typeface="Canva Sans"/>
-              </a:rPr>
-              <a:t>Implementing separate rule engine, a cache to have all rate limiting data related to service and clients as config will be difficult to maintain once data will increase.</a:t>
-            </a:r>
-          </a:p>
-          <a:p>
-            <a:pPr marL="734059" lvl="1" indent="-367030">
-              <a:lnSpc>
-                <a:spcPts val="4759"/>
-              </a:lnSpc>
-              <a:buFont typeface="Arial"/>
-              <a:buChar char="•"/>
-            </a:pPr>
-            <a:r>
-              <a:rPr lang="en-US" sz="3399" dirty="0">
-                <a:solidFill>
-                  <a:srgbClr val="2B2C30"/>
-                </a:solidFill>
-                <a:latin typeface="Canva Sans"/>
-              </a:rPr>
-              <a:t>Ability to modify the rate limiting (limit, </a:t>
-            </a:r>
-            <a:r>
-              <a:rPr lang="en-US" sz="3399" dirty="0" err="1">
-                <a:solidFill>
-                  <a:srgbClr val="2B2C30"/>
-                </a:solidFill>
-                <a:latin typeface="Canva Sans"/>
-              </a:rPr>
-              <a:t>refreshInterval</a:t>
-            </a:r>
-            <a:r>
-              <a:rPr lang="en-US" sz="3399" dirty="0">
-                <a:solidFill>
-                  <a:srgbClr val="2B2C30"/>
-                </a:solidFill>
-                <a:latin typeface="Canva Sans"/>
-              </a:rPr>
-              <a:t>) at runtime.</a:t>
-            </a:r>
-          </a:p>
-          <a:p>
-            <a:pPr marL="734059" lvl="1" indent="-367030">
-              <a:lnSpc>
-                <a:spcPts val="4759"/>
-              </a:lnSpc>
-              <a:buFont typeface="Arial"/>
-              <a:buChar char="•"/>
-            </a:pPr>
-            <a:r>
-              <a:rPr lang="en-US" sz="3399" dirty="0">
-                <a:solidFill>
-                  <a:srgbClr val="2B2C30"/>
-                </a:solidFill>
-                <a:latin typeface="Canva Sans"/>
-              </a:rPr>
-              <a:t>Ability of rate limiting to block clients for duration.</a:t>
-            </a:r>
-          </a:p>
-          <a:p>
-            <a:pPr>
-              <a:lnSpc>
-                <a:spcPts val="4759"/>
-              </a:lnSpc>
-            </a:pPr>
-            <a:endParaRPr lang="en-US" sz="3399" dirty="0">
-              <a:solidFill>
-                <a:srgbClr val="2B2C30"/>
-              </a:solidFill>
-              <a:latin typeface="Canva Sans"/>
-            </a:endParaRPr>
+            <a:pPr algn="ctr">
+              <a:lnSpc>
+                <a:spcPts val="11479"/>
+              </a:lnSpc>
+            </a:pPr>
+            <a:r>
+              <a:rPr lang="en-US" sz="8199">
+                <a:solidFill>
+                  <a:srgbClr val="000000"/>
+                </a:solidFill>
+                <a:latin typeface="Canva Sans"/>
+              </a:rPr>
+              <a:t>TESTING</a:t>
+            </a:r>
           </a:p>
         </p:txBody>
       </p:sp>
@@ -6658,39 +6486,145 @@
       </p:grpSpPr>
       <p:sp>
         <p:nvSpPr>
-          <p:cNvPr id="2" name="TextBox 2"/>
+          <p:cNvPr id="4" name="TextBox 4"/>
           <p:cNvSpPr txBox="1"/>
           <p:nvPr/>
         </p:nvSpPr>
         <p:spPr>
           <a:xfrm>
-            <a:off x="7617916" y="4274503"/>
-            <a:ext cx="3583484" cy="1545295"/>
+            <a:off x="1006882" y="531453"/>
+            <a:ext cx="16230600" cy="721626"/>
           </a:xfrm>
           <a:prstGeom prst="rect">
             <a:avLst/>
           </a:prstGeom>
         </p:spPr>
         <p:txBody>
-          <a:bodyPr wrap="square" lIns="0" tIns="0" rIns="0" bIns="0" rtlCol="0" anchor="t">
+          <a:bodyPr lIns="0" tIns="0" rIns="0" bIns="0" rtlCol="0" anchor="t">
             <a:spAutoFit/>
           </a:bodyPr>
           <a:lstStyle/>
           <a:p>
-            <a:pPr algn="ctr">
-              <a:lnSpc>
-                <a:spcPts val="12880"/>
-              </a:lnSpc>
-            </a:pPr>
-            <a:r>
-              <a:rPr lang="en-US" sz="9200" dirty="0">
-                <a:solidFill>
-                  <a:srgbClr val="000000"/>
-                </a:solidFill>
-                <a:latin typeface="Canva Sans Bold"/>
-              </a:rPr>
-              <a:t>Q &amp; A</a:t>
-            </a:r>
+            <a:pPr>
+              <a:lnSpc>
+                <a:spcPts val="5900"/>
+              </a:lnSpc>
+              <a:spcBef>
+                <a:spcPct val="0"/>
+              </a:spcBef>
+            </a:pPr>
+            <a:r>
+              <a:rPr lang="en-US" sz="4214" spc="956">
+                <a:solidFill>
+                  <a:srgbClr val="2B2C30"/>
+                </a:solidFill>
+                <a:latin typeface="Public Sans Bold"/>
+              </a:rPr>
+              <a:t>CHALLENGES</a:t>
+            </a:r>
+          </a:p>
+        </p:txBody>
+      </p:sp>
+      <p:sp>
+        <p:nvSpPr>
+          <p:cNvPr id="5" name="AutoShape 5"/>
+          <p:cNvSpPr/>
+          <p:nvPr/>
+        </p:nvSpPr>
+        <p:spPr>
+          <a:xfrm flipV="1">
+            <a:off x="1006877" y="1257841"/>
+            <a:ext cx="16230594" cy="38509"/>
+          </a:xfrm>
+          <a:prstGeom prst="line">
+            <a:avLst/>
+          </a:prstGeom>
+          <a:ln w="9525" cap="flat">
+            <a:solidFill>
+              <a:srgbClr val="2B2C30"/>
+            </a:solidFill>
+            <a:prstDash val="solid"/>
+            <a:headEnd type="none" w="sm" len="sm"/>
+            <a:tailEnd type="none" w="sm" len="sm"/>
+          </a:ln>
+        </p:spPr>
+      </p:sp>
+      <p:sp>
+        <p:nvSpPr>
+          <p:cNvPr id="6" name="TextBox 6"/>
+          <p:cNvSpPr txBox="1"/>
+          <p:nvPr/>
+        </p:nvSpPr>
+        <p:spPr>
+          <a:xfrm>
+            <a:off x="1006877" y="1792785"/>
+            <a:ext cx="16230594" cy="4180840"/>
+          </a:xfrm>
+          <a:prstGeom prst="rect">
+            <a:avLst/>
+          </a:prstGeom>
+        </p:spPr>
+        <p:txBody>
+          <a:bodyPr lIns="0" tIns="0" rIns="0" bIns="0" rtlCol="0" anchor="t">
+            <a:spAutoFit/>
+          </a:bodyPr>
+          <a:lstStyle/>
+          <a:p>
+            <a:pPr>
+              <a:lnSpc>
+                <a:spcPts val="4759"/>
+              </a:lnSpc>
+            </a:pPr>
+            <a:endParaRPr/>
+          </a:p>
+          <a:p>
+            <a:pPr marL="734059" lvl="1" indent="-367030">
+              <a:lnSpc>
+                <a:spcPts val="4759"/>
+              </a:lnSpc>
+              <a:buFont typeface="Arial"/>
+              <a:buChar char="•"/>
+            </a:pPr>
+            <a:r>
+              <a:rPr lang="en-US" sz="3399">
+                <a:solidFill>
+                  <a:srgbClr val="2B2C30"/>
+                </a:solidFill>
+                <a:latin typeface="Canva Sans"/>
+              </a:rPr>
+              <a:t>Introduced latency to the service.</a:t>
+            </a:r>
+          </a:p>
+          <a:p>
+            <a:pPr marL="734059" lvl="1" indent="-367030">
+              <a:lnSpc>
+                <a:spcPts val="4759"/>
+              </a:lnSpc>
+              <a:buFont typeface="Arial"/>
+              <a:buChar char="•"/>
+            </a:pPr>
+            <a:r>
+              <a:rPr lang="en-US" sz="3399">
+                <a:solidFill>
+                  <a:srgbClr val="2B2C30"/>
+                </a:solidFill>
+                <a:latin typeface="Canva Sans"/>
+              </a:rPr>
+              <a:t>Atomicity - When there is high concurrent requests, as transaction to get-inc-set  is not atomic.  While there is limit pending and two request can pick the counter , increment it and set it , which will result in breaching the rate limiting counter.</a:t>
+            </a:r>
+          </a:p>
+          <a:p>
+            <a:pPr>
+              <a:lnSpc>
+                <a:spcPts val="4759"/>
+              </a:lnSpc>
+            </a:pPr>
+            <a:endParaRPr lang="en-US" sz="3399">
+              <a:solidFill>
+                <a:srgbClr val="2B2C30"/>
+              </a:solidFill>
+              <a:latin typeface="Canva Sans"/>
+            </a:endParaRPr>
           </a:p>
         </p:txBody>
       </p:sp>
@@ -6735,8 +6669,8 @@
         </p:nvSpPr>
         <p:spPr>
           <a:xfrm>
-            <a:off x="5680234" y="4274503"/>
-            <a:ext cx="6927532" cy="1566544"/>
+            <a:off x="1006882" y="531453"/>
+            <a:ext cx="16230600" cy="721626"/>
           </a:xfrm>
           <a:prstGeom prst="rect">
             <a:avLst/>
@@ -6748,19 +6682,322 @@
           </a:bodyPr>
           <a:lstStyle/>
           <a:p>
+            <a:pPr>
+              <a:lnSpc>
+                <a:spcPts val="5900"/>
+              </a:lnSpc>
+              <a:spcBef>
+                <a:spcPct val="0"/>
+              </a:spcBef>
+            </a:pPr>
+            <a:r>
+              <a:rPr lang="en-US" sz="4214" spc="956">
+                <a:solidFill>
+                  <a:srgbClr val="2B2C30"/>
+                </a:solidFill>
+                <a:latin typeface="Public Sans Bold"/>
+              </a:rPr>
+              <a:t>ENHANCEMENTS</a:t>
+            </a:r>
+          </a:p>
+        </p:txBody>
+      </p:sp>
+      <p:sp>
+        <p:nvSpPr>
+          <p:cNvPr id="3" name="AutoShape 3"/>
+          <p:cNvSpPr/>
+          <p:nvPr/>
+        </p:nvSpPr>
+        <p:spPr>
+          <a:xfrm flipV="1">
+            <a:off x="1006877" y="1257841"/>
+            <a:ext cx="16230594" cy="38509"/>
+          </a:xfrm>
+          <a:prstGeom prst="line">
+            <a:avLst/>
+          </a:prstGeom>
+          <a:ln w="9525" cap="flat">
+            <a:solidFill>
+              <a:srgbClr val="2B2C30"/>
+            </a:solidFill>
+            <a:prstDash val="solid"/>
+            <a:headEnd type="none" w="sm" len="sm"/>
+            <a:tailEnd type="none" w="sm" len="sm"/>
+          </a:ln>
+        </p:spPr>
+      </p:sp>
+      <p:sp>
+        <p:nvSpPr>
+          <p:cNvPr id="4" name="TextBox 4"/>
+          <p:cNvSpPr txBox="1"/>
+          <p:nvPr/>
+        </p:nvSpPr>
+        <p:spPr>
+          <a:xfrm>
+            <a:off x="819353" y="1229675"/>
+            <a:ext cx="16230594" cy="7181215"/>
+          </a:xfrm>
+          <a:prstGeom prst="rect">
+            <a:avLst/>
+          </a:prstGeom>
+        </p:spPr>
+        <p:txBody>
+          <a:bodyPr lIns="0" tIns="0" rIns="0" bIns="0" rtlCol="0" anchor="t">
+            <a:spAutoFit/>
+          </a:bodyPr>
+          <a:lstStyle/>
+          <a:p>
+            <a:pPr>
+              <a:lnSpc>
+                <a:spcPts val="4759"/>
+              </a:lnSpc>
+            </a:pPr>
+            <a:endParaRPr dirty="0"/>
+          </a:p>
+          <a:p>
+            <a:pPr marL="734059" lvl="1" indent="-367030">
+              <a:lnSpc>
+                <a:spcPts val="4759"/>
+              </a:lnSpc>
+              <a:buFont typeface="Arial"/>
+              <a:buChar char="•"/>
+            </a:pPr>
+            <a:r>
+              <a:rPr lang="en-US" sz="3399" dirty="0">
+                <a:solidFill>
+                  <a:srgbClr val="2B2C30"/>
+                </a:solidFill>
+                <a:latin typeface="Canva Sans"/>
+              </a:rPr>
+              <a:t>Multi server </a:t>
+            </a:r>
+            <a:r>
+              <a:rPr lang="en-US" sz="3399" dirty="0" err="1">
+                <a:solidFill>
+                  <a:srgbClr val="2B2C30"/>
+                </a:solidFill>
+                <a:latin typeface="Canva Sans"/>
+              </a:rPr>
+              <a:t>redis</a:t>
+            </a:r>
+            <a:r>
+              <a:rPr lang="en-US" sz="3399" dirty="0">
+                <a:solidFill>
+                  <a:srgbClr val="2B2C30"/>
+                </a:solidFill>
+                <a:latin typeface="Canva Sans"/>
+              </a:rPr>
+              <a:t> cluster to deal with high requests.</a:t>
+            </a:r>
+          </a:p>
+          <a:p>
+            <a:pPr marL="734059" lvl="1" indent="-367030">
+              <a:lnSpc>
+                <a:spcPts val="4759"/>
+              </a:lnSpc>
+              <a:buFont typeface="Arial"/>
+              <a:buChar char="•"/>
+            </a:pPr>
+            <a:r>
+              <a:rPr lang="en-US" sz="3399" dirty="0">
+                <a:solidFill>
+                  <a:srgbClr val="2B2C30"/>
+                </a:solidFill>
+                <a:latin typeface="Canva Sans"/>
+              </a:rPr>
+              <a:t>Support for multiple Rate Limiting Algorithms.</a:t>
+            </a:r>
+          </a:p>
+          <a:p>
+            <a:pPr marL="734059" lvl="1" indent="-367030">
+              <a:lnSpc>
+                <a:spcPts val="4759"/>
+              </a:lnSpc>
+              <a:buFont typeface="Arial"/>
+              <a:buChar char="•"/>
+            </a:pPr>
+            <a:r>
+              <a:rPr lang="en-US" sz="3399" dirty="0">
+                <a:solidFill>
+                  <a:srgbClr val="2B2C30"/>
+                </a:solidFill>
+                <a:latin typeface="Canva Sans"/>
+              </a:rPr>
+              <a:t>Support for having different algorithm for different services.</a:t>
+            </a:r>
+          </a:p>
+          <a:p>
+            <a:pPr marL="734059" lvl="1" indent="-367030">
+              <a:lnSpc>
+                <a:spcPts val="4759"/>
+              </a:lnSpc>
+              <a:buFont typeface="Arial"/>
+              <a:buChar char="•"/>
+            </a:pPr>
+            <a:r>
+              <a:rPr lang="en-US" sz="3399" dirty="0">
+                <a:solidFill>
+                  <a:srgbClr val="2B2C30"/>
+                </a:solidFill>
+                <a:latin typeface="Canva Sans"/>
+              </a:rPr>
+              <a:t>Creating metrices to analyze the requests and rate limiting data. Running a separate sidecar may be, to analyze the logging and create dashboard.</a:t>
+            </a:r>
+          </a:p>
+          <a:p>
+            <a:pPr marL="734059" lvl="1" indent="-367030">
+              <a:lnSpc>
+                <a:spcPts val="4759"/>
+              </a:lnSpc>
+              <a:buFont typeface="Arial"/>
+              <a:buChar char="•"/>
+            </a:pPr>
+            <a:r>
+              <a:rPr lang="en-US" sz="3399" dirty="0">
+                <a:solidFill>
+                  <a:srgbClr val="2B2C30"/>
+                </a:solidFill>
+                <a:latin typeface="Canva Sans"/>
+              </a:rPr>
+              <a:t>Implementing separate rule engine, a cache to have all rate limiting data related to service and clients as config will be difficult to maintain once data will increase.</a:t>
+            </a:r>
+          </a:p>
+          <a:p>
+            <a:pPr marL="734059" lvl="1" indent="-367030">
+              <a:lnSpc>
+                <a:spcPts val="4759"/>
+              </a:lnSpc>
+              <a:buFont typeface="Arial"/>
+              <a:buChar char="•"/>
+            </a:pPr>
+            <a:r>
+              <a:rPr lang="en-US" sz="3399" dirty="0">
+                <a:solidFill>
+                  <a:srgbClr val="2B2C30"/>
+                </a:solidFill>
+                <a:latin typeface="Canva Sans"/>
+              </a:rPr>
+              <a:t>Ability to modify the rate limiting (limit, </a:t>
+            </a:r>
+            <a:r>
+              <a:rPr lang="en-US" sz="3399" dirty="0" err="1">
+                <a:solidFill>
+                  <a:srgbClr val="2B2C30"/>
+                </a:solidFill>
+                <a:latin typeface="Canva Sans"/>
+              </a:rPr>
+              <a:t>refreshInterval</a:t>
+            </a:r>
+            <a:r>
+              <a:rPr lang="en-US" sz="3399" dirty="0">
+                <a:solidFill>
+                  <a:srgbClr val="2B2C30"/>
+                </a:solidFill>
+                <a:latin typeface="Canva Sans"/>
+              </a:rPr>
+              <a:t>) at runtime.</a:t>
+            </a:r>
+          </a:p>
+          <a:p>
+            <a:pPr marL="734059" lvl="1" indent="-367030">
+              <a:lnSpc>
+                <a:spcPts val="4759"/>
+              </a:lnSpc>
+              <a:buFont typeface="Arial"/>
+              <a:buChar char="•"/>
+            </a:pPr>
+            <a:r>
+              <a:rPr lang="en-US" sz="3399" dirty="0">
+                <a:solidFill>
+                  <a:srgbClr val="2B2C30"/>
+                </a:solidFill>
+                <a:latin typeface="Canva Sans"/>
+              </a:rPr>
+              <a:t>Ability of rate limiting to block clients for duration.</a:t>
+            </a:r>
+          </a:p>
+          <a:p>
+            <a:pPr>
+              <a:lnSpc>
+                <a:spcPts val="4759"/>
+              </a:lnSpc>
+            </a:pPr>
+            <a:endParaRPr lang="en-US" sz="3399" dirty="0">
+              <a:solidFill>
+                <a:srgbClr val="2B2C30"/>
+              </a:solidFill>
+              <a:latin typeface="Canva Sans"/>
+            </a:endParaRPr>
+          </a:p>
+        </p:txBody>
+      </p:sp>
+    </p:spTree>
+  </p:cSld>
+  <p:clrMapOvr>
+    <a:masterClrMapping/>
+  </p:clrMapOvr>
+</p:sld>
+</file>
+
+<file path=ppt/slides/slide19.xml><?xml version="1.0" encoding="utf-8"?>
+<p:sld xmlns:a="http://schemas.openxmlformats.org/drawingml/2006/main" xmlns:r="http://schemas.openxmlformats.org/officeDocument/2006/relationships" xmlns:p="http://schemas.openxmlformats.org/presentationml/2006/main">
+  <p:cSld>
+    <p:bg>
+      <p:bgPr>
+        <a:solidFill>
+          <a:srgbClr val="EFEEE7"/>
+        </a:solidFill>
+        <a:effectLst/>
+      </p:bgPr>
+    </p:bg>
+    <p:spTree>
+      <p:nvGrpSpPr>
+        <p:cNvPr id="1" name=""/>
+        <p:cNvGrpSpPr/>
+        <p:nvPr/>
+      </p:nvGrpSpPr>
+      <p:grpSpPr>
+        <a:xfrm>
+          <a:off x="0" y="0"/>
+          <a:ext cx="0" cy="0"/>
+          <a:chOff x="0" y="0"/>
+          <a:chExt cx="0" cy="0"/>
+        </a:xfrm>
+      </p:grpSpPr>
+      <p:sp>
+        <p:nvSpPr>
+          <p:cNvPr id="2" name="TextBox 2"/>
+          <p:cNvSpPr txBox="1"/>
+          <p:nvPr/>
+        </p:nvSpPr>
+        <p:spPr>
+          <a:xfrm>
+            <a:off x="7617916" y="4274503"/>
+            <a:ext cx="3583484" cy="1545295"/>
+          </a:xfrm>
+          <a:prstGeom prst="rect">
+            <a:avLst/>
+          </a:prstGeom>
+        </p:spPr>
+        <p:txBody>
+          <a:bodyPr wrap="square" lIns="0" tIns="0" rIns="0" bIns="0" rtlCol="0" anchor="t">
+            <a:spAutoFit/>
+          </a:bodyPr>
+          <a:lstStyle/>
+          <a:p>
             <a:pPr algn="ctr">
               <a:lnSpc>
                 <a:spcPts val="12880"/>
               </a:lnSpc>
             </a:pPr>
             <a:r>
-              <a:rPr lang="en-US" sz="9200">
+              <a:rPr lang="en-US" sz="9200" dirty="0">
                 <a:solidFill>
                   <a:srgbClr val="000000"/>
                 </a:solidFill>
                 <a:latin typeface="Canva Sans Bold"/>
               </a:rPr>
-              <a:t>THANK YOU</a:t>
+              <a:t>Q &amp; A</a:t>
             </a:r>
           </a:p>
         </p:txBody>
@@ -7149,6 +7386,77 @@
               </a:solidFill>
               <a:latin typeface="Public Sans"/>
             </a:endParaRPr>
+          </a:p>
+        </p:txBody>
+      </p:sp>
+    </p:spTree>
+  </p:cSld>
+  <p:clrMapOvr>
+    <a:masterClrMapping/>
+  </p:clrMapOvr>
+</p:sld>
+</file>
+
+<file path=ppt/slides/slide20.xml><?xml version="1.0" encoding="utf-8"?>
+<p:sld xmlns:a="http://schemas.openxmlformats.org/drawingml/2006/main" xmlns:r="http://schemas.openxmlformats.org/officeDocument/2006/relationships" xmlns:p="http://schemas.openxmlformats.org/presentationml/2006/main">
+  <p:cSld>
+    <p:bg>
+      <p:bgPr>
+        <a:solidFill>
+          <a:srgbClr val="EFEEE7"/>
+        </a:solidFill>
+        <a:effectLst/>
+      </p:bgPr>
+    </p:bg>
+    <p:spTree>
+      <p:nvGrpSpPr>
+        <p:cNvPr id="1" name=""/>
+        <p:cNvGrpSpPr/>
+        <p:nvPr/>
+      </p:nvGrpSpPr>
+      <p:grpSpPr>
+        <a:xfrm>
+          <a:off x="0" y="0"/>
+          <a:ext cx="0" cy="0"/>
+          <a:chOff x="0" y="0"/>
+          <a:chExt cx="0" cy="0"/>
+        </a:xfrm>
+      </p:grpSpPr>
+      <p:sp>
+        <p:nvSpPr>
+          <p:cNvPr id="2" name="TextBox 2"/>
+          <p:cNvSpPr txBox="1"/>
+          <p:nvPr/>
+        </p:nvSpPr>
+        <p:spPr>
+          <a:xfrm>
+            <a:off x="5680234" y="4274503"/>
+            <a:ext cx="6927532" cy="1566544"/>
+          </a:xfrm>
+          <a:prstGeom prst="rect">
+            <a:avLst/>
+          </a:prstGeom>
+        </p:spPr>
+        <p:txBody>
+          <a:bodyPr lIns="0" tIns="0" rIns="0" bIns="0" rtlCol="0" anchor="t">
+            <a:spAutoFit/>
+          </a:bodyPr>
+          <a:lstStyle/>
+          <a:p>
+            <a:pPr algn="ctr">
+              <a:lnSpc>
+                <a:spcPts val="12880"/>
+              </a:lnSpc>
+            </a:pPr>
+            <a:r>
+              <a:rPr lang="en-US" sz="9200">
+                <a:solidFill>
+                  <a:srgbClr val="000000"/>
+                </a:solidFill>
+                <a:latin typeface="Canva Sans Bold"/>
+              </a:rPr>
+              <a:t>THANK YOU</a:t>
+            </a:r>
           </a:p>
         </p:txBody>
       </p:sp>
@@ -8751,7 +9059,7 @@
         </p:nvSpPr>
         <p:spPr>
           <a:xfrm>
-            <a:off x="1050529" y="1166032"/>
+            <a:off x="1186658" y="1166032"/>
             <a:ext cx="16186942" cy="8804911"/>
           </a:xfrm>
           <a:prstGeom prst="rect">

--- a/Intuit_Rate_Limiter_Craft_Demo.pptx
+++ b/Intuit_Rate_Limiter_Craft_Demo.pptx
@@ -3265,8 +3265,8 @@
         </p:nvSpPr>
         <p:spPr>
           <a:xfrm>
-            <a:off x="1371600" y="911851"/>
-            <a:ext cx="14630400" cy="5573257"/>
+            <a:off x="1371600" y="647700"/>
+            <a:ext cx="14630400" cy="3274807"/>
           </a:xfrm>
           <a:prstGeom prst="rect">
             <a:avLst/>
@@ -3285,13 +3285,13 @@
               </a:lnSpc>
             </a:pPr>
             <a:r>
-              <a:rPr lang="en-US" sz="2400" dirty="0">
-                <a:solidFill>
-                  <a:srgbClr val="2B2C30"/>
-                </a:solidFill>
-                <a:latin typeface="Canva Sans"/>
-              </a:rPr>
-              <a:t>We are getting service rate limit and refresh interval from a Map.</a:t>
+              <a:rPr lang="en-US" sz="2000" dirty="0">
+                <a:solidFill>
+                  <a:srgbClr val="2B2C30"/>
+                </a:solidFill>
+                <a:latin typeface="Canva Sans"/>
+              </a:rPr>
+              <a:t>We are getting service’s rate limit and refresh interval from a Map.</a:t>
             </a:r>
           </a:p>
           <a:p>
@@ -3301,7 +3301,7 @@
               </a:lnSpc>
             </a:pPr>
             <a:r>
-              <a:rPr lang="en-US" sz="2400" dirty="0">
+              <a:rPr lang="en-US" sz="2000" dirty="0">
                 <a:solidFill>
                   <a:srgbClr val="2B2C30"/>
                 </a:solidFill>
@@ -3310,7 +3310,7 @@
               <a:t>private Map&lt;String, </a:t>
             </a:r>
             <a:r>
-              <a:rPr lang="en-US" sz="2400" b="1" dirty="0">
+              <a:rPr lang="en-US" sz="2000" b="1" dirty="0">
                 <a:solidFill>
                   <a:srgbClr val="2B2C30"/>
                 </a:solidFill>
@@ -3319,7 +3319,7 @@
               <a:t>Policy</a:t>
             </a:r>
             <a:r>
-              <a:rPr lang="en-US" sz="2400" dirty="0">
+              <a:rPr lang="en-US" sz="2000" dirty="0">
                 <a:solidFill>
                   <a:srgbClr val="2B2C30"/>
                 </a:solidFill>
@@ -3334,7 +3334,109 @@
                 <a:spcPct val="150000"/>
               </a:lnSpc>
             </a:pPr>
-            <a:endParaRPr lang="en-US" sz="2400" dirty="0">
+            <a:r>
+              <a:rPr lang="en-US" sz="2000" dirty="0">
+                <a:solidFill>
+                  <a:srgbClr val="2B2C30"/>
+                </a:solidFill>
+                <a:latin typeface="Canva Sans"/>
+              </a:rPr>
+              <a:t>And in case client rate specific limit and refresh interval has been put for client, we can fetch it from another Map.</a:t>
+            </a:r>
+          </a:p>
+          <a:p>
+            <a:pPr>
+              <a:lnSpc>
+                <a:spcPct val="150000"/>
+              </a:lnSpc>
+            </a:pPr>
+            <a:r>
+              <a:rPr lang="en-US" sz="2000" dirty="0">
+                <a:solidFill>
+                  <a:srgbClr val="2B2C30"/>
+                </a:solidFill>
+                <a:latin typeface="Canva Sans"/>
+              </a:rPr>
+              <a:t> private Map&lt;String, </a:t>
+            </a:r>
+            <a:r>
+              <a:rPr lang="en-US" sz="2000" b="1" dirty="0" err="1">
+                <a:solidFill>
+                  <a:srgbClr val="2B2C30"/>
+                </a:solidFill>
+                <a:latin typeface="Canva Sans"/>
+              </a:rPr>
+              <a:t>ClientPolicy</a:t>
+            </a:r>
+            <a:r>
+              <a:rPr lang="en-US" sz="2000" dirty="0">
+                <a:solidFill>
+                  <a:srgbClr val="2B2C30"/>
+                </a:solidFill>
+                <a:latin typeface="Canva Sans"/>
+              </a:rPr>
+              <a:t>&gt; client = new HashMap&lt;&gt;();</a:t>
+            </a:r>
+          </a:p>
+          <a:p>
+            <a:pPr>
+              <a:lnSpc>
+                <a:spcPct val="150000"/>
+              </a:lnSpc>
+            </a:pPr>
+            <a:r>
+              <a:rPr lang="en-US" sz="2000" dirty="0">
+                <a:solidFill>
+                  <a:srgbClr val="2B2C30"/>
+                </a:solidFill>
+                <a:latin typeface="Canva Sans"/>
+              </a:rPr>
+              <a:t>So overall time complexity comes out to be </a:t>
+            </a:r>
+            <a:r>
+              <a:rPr lang="en-US" sz="2000" b="1" dirty="0">
+                <a:solidFill>
+                  <a:srgbClr val="2B2C30"/>
+                </a:solidFill>
+                <a:latin typeface="Canva Sans"/>
+              </a:rPr>
+              <a:t>O(1)</a:t>
+            </a:r>
+            <a:r>
+              <a:rPr lang="en-US" sz="2000" dirty="0">
+                <a:solidFill>
+                  <a:srgbClr val="2B2C30"/>
+                </a:solidFill>
+                <a:latin typeface="Canva Sans"/>
+              </a:rPr>
+              <a:t> to fetch the limit and </a:t>
+            </a:r>
+            <a:r>
+              <a:rPr lang="en-US" sz="2000" dirty="0" err="1">
+                <a:solidFill>
+                  <a:srgbClr val="2B2C30"/>
+                </a:solidFill>
+                <a:latin typeface="Canva Sans"/>
+              </a:rPr>
+              <a:t>refreshInterval</a:t>
+            </a:r>
+            <a:r>
+              <a:rPr lang="en-US" sz="2000" dirty="0">
+                <a:solidFill>
+                  <a:srgbClr val="2B2C30"/>
+                </a:solidFill>
+                <a:latin typeface="Canva Sans"/>
+              </a:rPr>
+              <a:t> for client/service.</a:t>
+            </a:r>
+          </a:p>
+          <a:p>
+            <a:pPr>
+              <a:lnSpc>
+                <a:spcPct val="150000"/>
+              </a:lnSpc>
+            </a:pPr>
+            <a:endParaRPr lang="en-US" sz="2000" dirty="0">
               <a:solidFill>
                 <a:srgbClr val="2B2C30"/>
               </a:solidFill>
@@ -3347,109 +3449,874 @@
                 <a:spcPct val="150000"/>
               </a:lnSpc>
             </a:pPr>
-            <a:r>
-              <a:rPr lang="en-US" sz="2400" dirty="0">
-                <a:solidFill>
-                  <a:srgbClr val="2B2C30"/>
-                </a:solidFill>
-                <a:latin typeface="Canva Sans"/>
-              </a:rPr>
-              <a:t>And in case client rate specific limit and refresh interval has been put for client, we can fetch it from another Map.</a:t>
-            </a:r>
-          </a:p>
-          <a:p>
-            <a:pPr>
-              <a:lnSpc>
-                <a:spcPct val="150000"/>
-              </a:lnSpc>
-            </a:pPr>
-            <a:r>
-              <a:rPr lang="en-US" sz="2400" dirty="0">
-                <a:solidFill>
-                  <a:srgbClr val="2B2C30"/>
-                </a:solidFill>
-                <a:latin typeface="Canva Sans"/>
-              </a:rPr>
-              <a:t> private Map&lt;String, </a:t>
-            </a:r>
-            <a:r>
-              <a:rPr lang="en-US" sz="2400" b="1" dirty="0" err="1">
-                <a:solidFill>
-                  <a:srgbClr val="2B2C30"/>
-                </a:solidFill>
-                <a:latin typeface="Canva Sans"/>
-              </a:rPr>
-              <a:t>ClientPolicy</a:t>
-            </a:r>
-            <a:r>
-              <a:rPr lang="en-US" sz="2400" dirty="0">
-                <a:solidFill>
-                  <a:srgbClr val="2B2C30"/>
-                </a:solidFill>
-                <a:latin typeface="Canva Sans"/>
-              </a:rPr>
-              <a:t>&gt; client = new HashMap&lt;&gt;();</a:t>
-            </a:r>
-          </a:p>
-          <a:p>
-            <a:pPr>
-              <a:lnSpc>
-                <a:spcPct val="150000"/>
-              </a:lnSpc>
-            </a:pPr>
-            <a:endParaRPr lang="en-US" sz="2400" dirty="0">
+            <a:endParaRPr lang="en-US" sz="2000" dirty="0">
               <a:solidFill>
                 <a:srgbClr val="2B2C30"/>
               </a:solidFill>
               <a:latin typeface="Canva Sans"/>
             </a:endParaRPr>
           </a:p>
-          <a:p>
-            <a:pPr>
-              <a:lnSpc>
-                <a:spcPct val="150000"/>
-              </a:lnSpc>
-            </a:pPr>
-            <a:r>
-              <a:rPr lang="en-US" sz="2400" dirty="0">
-                <a:solidFill>
-                  <a:srgbClr val="2B2C30"/>
-                </a:solidFill>
-                <a:latin typeface="Canva Sans"/>
-              </a:rPr>
-              <a:t>So overall time complexity comes out to be O(1) to fetch the limit and </a:t>
-            </a:r>
-            <a:r>
-              <a:rPr lang="en-US" sz="2400" dirty="0" err="1">
-                <a:solidFill>
-                  <a:srgbClr val="2B2C30"/>
-                </a:solidFill>
-                <a:latin typeface="Canva Sans"/>
+        </p:txBody>
+      </p:sp>
+      <p:sp>
+        <p:nvSpPr>
+          <p:cNvPr id="7" name="Rectangle 1">
+            <a:extLst>
+              <a:ext uri="{FF2B5EF4-FFF2-40B4-BE49-F238E27FC236}">
+                <a16:creationId xmlns:a16="http://schemas.microsoft.com/office/drawing/2014/main" id="{33A680F3-B5AD-5901-56E7-20C597614AF5}"/>
+              </a:ext>
+            </a:extLst>
+          </p:cNvPr>
+          <p:cNvSpPr>
+            <a:spLocks noChangeArrowheads="1"/>
+          </p:cNvSpPr>
+          <p:nvPr/>
+        </p:nvSpPr>
+        <p:spPr bwMode="auto">
+          <a:xfrm>
+            <a:off x="1385248" y="3086100"/>
+            <a:ext cx="3825086" cy="7017306"/>
+          </a:xfrm>
+          <a:prstGeom prst="rect">
+            <a:avLst/>
+          </a:prstGeom>
+          <a:noFill/>
+          <a:ln>
+            <a:noFill/>
+          </a:ln>
+          <a:effectLst/>
+        </p:spPr>
+        <p:txBody>
+          <a:bodyPr vert="horz" wrap="none" lIns="91440" tIns="45720" rIns="91440" bIns="45720" numCol="1" anchor="ctr" anchorCtr="0" compatLnSpc="1">
+            <a:prstTxWarp prst="textNoShape">
+              <a:avLst/>
+            </a:prstTxWarp>
+            <a:spAutoFit/>
+          </a:bodyPr>
+          <a:lstStyle/>
+          <a:p>
+            <a:pPr marL="0" marR="0" lvl="0" indent="0" algn="l" defTabSz="914400" rtl="0" eaLnBrk="0" fontAlgn="base" latinLnBrk="0" hangingPunct="0">
+              <a:lnSpc>
+                <a:spcPct val="100000"/>
+              </a:lnSpc>
+              <a:spcBef>
+                <a:spcPct val="0"/>
+              </a:spcBef>
+              <a:spcAft>
+                <a:spcPct val="0"/>
+              </a:spcAft>
+              <a:buClrTx/>
+              <a:buSzTx/>
+              <a:buFontTx/>
+              <a:buNone/>
+              <a:tabLst/>
+            </a:pPr>
+            <a:r>
+              <a:rPr kumimoji="0" lang="en-US" altLang="en-US" b="0" i="0" u="none" strike="noStrike" cap="none" normalizeH="0" baseline="0" dirty="0">
+                <a:ln>
+                  <a:noFill/>
+                </a:ln>
+                <a:effectLst/>
+                <a:latin typeface="Canva Sans" panose="020B0604020202020204" charset="0"/>
+              </a:rPr>
+              <a:t>intuit:</a:t>
+            </a:r>
+            <a:br>
+              <a:rPr kumimoji="0" lang="en-US" altLang="en-US" b="0" i="0" u="none" strike="noStrike" cap="none" normalizeH="0" baseline="0" dirty="0">
+                <a:ln>
+                  <a:noFill/>
+                </a:ln>
+                <a:effectLst/>
+                <a:latin typeface="Canva Sans" panose="020B0604020202020204" charset="0"/>
+              </a:rPr>
+            </a:br>
+            <a:r>
+              <a:rPr kumimoji="0" lang="en-US" altLang="en-US" b="0" i="0" u="none" strike="noStrike" cap="none" normalizeH="0" baseline="0" dirty="0">
+                <a:ln>
+                  <a:noFill/>
+                </a:ln>
+                <a:effectLst/>
+                <a:latin typeface="Canva Sans" panose="020B0604020202020204" charset="0"/>
+              </a:rPr>
+              <a:t>  </a:t>
+            </a:r>
+            <a:r>
+              <a:rPr kumimoji="0" lang="en-US" altLang="en-US" b="0" i="0" u="none" strike="noStrike" cap="none" normalizeH="0" baseline="0" dirty="0" err="1">
+                <a:ln>
+                  <a:noFill/>
+                </a:ln>
+                <a:effectLst/>
+                <a:latin typeface="Canva Sans" panose="020B0604020202020204" charset="0"/>
+              </a:rPr>
+              <a:t>ratelimit</a:t>
+            </a:r>
+            <a:r>
+              <a:rPr kumimoji="0" lang="en-US" altLang="en-US" b="0" i="0" u="none" strike="noStrike" cap="none" normalizeH="0" baseline="0" dirty="0">
+                <a:ln>
+                  <a:noFill/>
+                </a:ln>
+                <a:effectLst/>
+                <a:latin typeface="Canva Sans" panose="020B0604020202020204" charset="0"/>
+              </a:rPr>
+              <a:t>:</a:t>
+            </a:r>
+            <a:br>
+              <a:rPr kumimoji="0" lang="en-US" altLang="en-US" b="0" i="0" u="none" strike="noStrike" cap="none" normalizeH="0" baseline="0" dirty="0">
+                <a:ln>
+                  <a:noFill/>
+                </a:ln>
+                <a:effectLst/>
+                <a:latin typeface="Canva Sans" panose="020B0604020202020204" charset="0"/>
+              </a:rPr>
+            </a:br>
+            <a:r>
+              <a:rPr kumimoji="0" lang="en-US" altLang="en-US" b="0" i="0" u="none" strike="noStrike" cap="none" normalizeH="0" baseline="0" dirty="0">
+                <a:ln>
+                  <a:noFill/>
+                </a:ln>
+                <a:effectLst/>
+                <a:latin typeface="Canva Sans" panose="020B0604020202020204" charset="0"/>
+              </a:rPr>
+              <a:t>    algorithm: SLIDING</a:t>
+            </a:r>
+            <a:br>
+              <a:rPr kumimoji="0" lang="en-US" altLang="en-US" b="0" i="0" u="none" strike="noStrike" cap="none" normalizeH="0" baseline="0" dirty="0">
+                <a:ln>
+                  <a:noFill/>
+                </a:ln>
+                <a:effectLst/>
+                <a:latin typeface="Canva Sans" panose="020B0604020202020204" charset="0"/>
+              </a:rPr>
+            </a:br>
+            <a:r>
+              <a:rPr kumimoji="0" lang="en-US" altLang="en-US" b="0" i="0" u="none" strike="noStrike" cap="none" normalizeH="0" baseline="0" dirty="0">
+                <a:ln>
+                  <a:noFill/>
+                </a:ln>
+                <a:effectLst/>
+                <a:latin typeface="Canva Sans" panose="020B0604020202020204" charset="0"/>
+              </a:rPr>
+              <a:t>    enabled: true</a:t>
+            </a:r>
+            <a:br>
+              <a:rPr kumimoji="0" lang="en-US" altLang="en-US" b="0" i="0" u="none" strike="noStrike" cap="none" normalizeH="0" baseline="0" dirty="0">
+                <a:ln>
+                  <a:noFill/>
+                </a:ln>
+                <a:effectLst/>
+                <a:latin typeface="Canva Sans" panose="020B0604020202020204" charset="0"/>
+              </a:rPr>
+            </a:br>
+            <a:r>
+              <a:rPr kumimoji="0" lang="en-US" altLang="en-US" b="0" i="0" u="none" strike="noStrike" cap="none" normalizeH="0" baseline="0" dirty="0">
+                <a:ln>
+                  <a:noFill/>
+                </a:ln>
+                <a:effectLst/>
+                <a:latin typeface="Canva Sans" panose="020B0604020202020204" charset="0"/>
+              </a:rPr>
+              <a:t>    service:</a:t>
+            </a:r>
+            <a:br>
+              <a:rPr kumimoji="0" lang="en-US" altLang="en-US" b="0" i="0" u="none" strike="noStrike" cap="none" normalizeH="0" baseline="0" dirty="0">
+                <a:ln>
+                  <a:noFill/>
+                </a:ln>
+                <a:effectLst/>
+                <a:latin typeface="Canva Sans" panose="020B0604020202020204" charset="0"/>
+              </a:rPr>
+            </a:br>
+            <a:r>
+              <a:rPr kumimoji="0" lang="en-US" altLang="en-US" b="0" i="0" u="none" strike="noStrike" cap="none" normalizeH="0" baseline="0" dirty="0">
+                <a:ln>
+                  <a:noFill/>
+                </a:ln>
+                <a:effectLst/>
+                <a:latin typeface="Canva Sans" panose="020B0604020202020204" charset="0"/>
+              </a:rPr>
+              <a:t>      </a:t>
+            </a:r>
+            <a:r>
+              <a:rPr kumimoji="0" lang="en-US" altLang="en-US" b="0" i="0" u="none" strike="noStrike" cap="none" normalizeH="0" baseline="0" dirty="0" err="1">
+                <a:ln>
+                  <a:noFill/>
+                </a:ln>
+                <a:effectLst/>
+                <a:latin typeface="Canva Sans" panose="020B0604020202020204" charset="0"/>
+              </a:rPr>
+              <a:t>serviceA</a:t>
+            </a:r>
+            <a:r>
+              <a:rPr kumimoji="0" lang="en-US" altLang="en-US" b="0" i="0" u="none" strike="noStrike" cap="none" normalizeH="0" baseline="0" dirty="0">
+                <a:ln>
+                  <a:noFill/>
+                </a:ln>
+                <a:effectLst/>
+                <a:latin typeface="Canva Sans" panose="020B0604020202020204" charset="0"/>
+              </a:rPr>
+              <a:t>:</a:t>
+            </a:r>
+            <a:br>
+              <a:rPr kumimoji="0" lang="en-US" altLang="en-US" b="0" i="0" u="none" strike="noStrike" cap="none" normalizeH="0" baseline="0" dirty="0">
+                <a:ln>
+                  <a:noFill/>
+                </a:ln>
+                <a:effectLst/>
+                <a:latin typeface="Canva Sans" panose="020B0604020202020204" charset="0"/>
+              </a:rPr>
+            </a:br>
+            <a:r>
+              <a:rPr kumimoji="0" lang="en-US" altLang="en-US" b="0" i="0" u="none" strike="noStrike" cap="none" normalizeH="0" baseline="0" dirty="0">
+                <a:ln>
+                  <a:noFill/>
+                </a:ln>
+                <a:effectLst/>
+                <a:latin typeface="Canva Sans" panose="020B0604020202020204" charset="0"/>
+              </a:rPr>
+              <a:t>          limit: 10</a:t>
+            </a:r>
+            <a:br>
+              <a:rPr kumimoji="0" lang="en-US" altLang="en-US" b="0" i="0" u="none" strike="noStrike" cap="none" normalizeH="0" baseline="0" dirty="0">
+                <a:ln>
+                  <a:noFill/>
+                </a:ln>
+                <a:effectLst/>
+                <a:latin typeface="Canva Sans" panose="020B0604020202020204" charset="0"/>
+              </a:rPr>
+            </a:br>
+            <a:r>
+              <a:rPr kumimoji="0" lang="en-US" altLang="en-US" b="0" i="0" u="none" strike="noStrike" cap="none" normalizeH="0" baseline="0" dirty="0">
+                <a:ln>
+                  <a:noFill/>
+                </a:ln>
+                <a:effectLst/>
+                <a:latin typeface="Canva Sans" panose="020B0604020202020204" charset="0"/>
+              </a:rPr>
+              <a:t>          </a:t>
+            </a:r>
+            <a:r>
+              <a:rPr kumimoji="0" lang="en-US" altLang="en-US" b="0" i="0" u="none" strike="noStrike" cap="none" normalizeH="0" baseline="0" dirty="0" err="1">
+                <a:ln>
+                  <a:noFill/>
+                </a:ln>
+                <a:effectLst/>
+                <a:latin typeface="Canva Sans" panose="020B0604020202020204" charset="0"/>
               </a:rPr>
               <a:t>refreshInterval</a:t>
             </a:r>
             <a:r>
-              <a:rPr lang="en-US" sz="2400" dirty="0">
-                <a:solidFill>
-                  <a:srgbClr val="2B2C30"/>
-                </a:solidFill>
-                <a:latin typeface="Canva Sans"/>
-              </a:rPr>
-              <a:t> for client/service.</a:t>
-            </a:r>
-          </a:p>
-          <a:p>
-            <a:pPr>
-              <a:lnSpc>
-                <a:spcPct val="150000"/>
-              </a:lnSpc>
-            </a:pPr>
-            <a:endParaRPr lang="en-US" sz="2400" dirty="0">
-              <a:solidFill>
-                <a:srgbClr val="2B2C30"/>
-              </a:solidFill>
-              <a:latin typeface="Canva Sans"/>
-            </a:endParaRPr>
+              <a:rPr kumimoji="0" lang="en-US" altLang="en-US" b="0" i="0" u="none" strike="noStrike" cap="none" normalizeH="0" baseline="0" dirty="0">
+                <a:ln>
+                  <a:noFill/>
+                </a:ln>
+                <a:effectLst/>
+                <a:latin typeface="Canva Sans" panose="020B0604020202020204" charset="0"/>
+              </a:rPr>
+              <a:t>: 60</a:t>
+            </a:r>
+            <a:br>
+              <a:rPr kumimoji="0" lang="en-US" altLang="en-US" b="0" i="0" u="none" strike="noStrike" cap="none" normalizeH="0" baseline="0" dirty="0">
+                <a:ln>
+                  <a:noFill/>
+                </a:ln>
+                <a:effectLst/>
+                <a:latin typeface="Canva Sans" panose="020B0604020202020204" charset="0"/>
+              </a:rPr>
+            </a:br>
+            <a:r>
+              <a:rPr kumimoji="0" lang="en-US" altLang="en-US" b="0" i="0" u="none" strike="noStrike" cap="none" normalizeH="0" baseline="0" dirty="0">
+                <a:ln>
+                  <a:noFill/>
+                </a:ln>
+                <a:effectLst/>
+                <a:latin typeface="Canva Sans" panose="020B0604020202020204" charset="0"/>
+              </a:rPr>
+              <a:t>          client:</a:t>
+            </a:r>
+            <a:br>
+              <a:rPr kumimoji="0" lang="en-US" altLang="en-US" b="0" i="0" u="none" strike="noStrike" cap="none" normalizeH="0" baseline="0" dirty="0">
+                <a:ln>
+                  <a:noFill/>
+                </a:ln>
+                <a:effectLst/>
+                <a:latin typeface="Canva Sans" panose="020B0604020202020204" charset="0"/>
+              </a:rPr>
+            </a:br>
+            <a:r>
+              <a:rPr kumimoji="0" lang="en-US" altLang="en-US" b="0" i="0" u="none" strike="noStrike" cap="none" normalizeH="0" baseline="0" dirty="0">
+                <a:ln>
+                  <a:noFill/>
+                </a:ln>
+                <a:effectLst/>
+                <a:latin typeface="Canva Sans" panose="020B0604020202020204" charset="0"/>
+              </a:rPr>
+              <a:t>              </a:t>
+            </a:r>
+            <a:r>
+              <a:rPr kumimoji="0" lang="en-US" altLang="en-US" b="0" i="0" u="none" strike="noStrike" cap="none" normalizeH="0" baseline="0" dirty="0" err="1">
+                <a:ln>
+                  <a:noFill/>
+                </a:ln>
+                <a:effectLst/>
+                <a:latin typeface="Canva Sans" panose="020B0604020202020204" charset="0"/>
+              </a:rPr>
+              <a:t>clientA</a:t>
+            </a:r>
+            <a:r>
+              <a:rPr kumimoji="0" lang="en-US" altLang="en-US" b="0" i="0" u="none" strike="noStrike" cap="none" normalizeH="0" baseline="0" dirty="0">
+                <a:ln>
+                  <a:noFill/>
+                </a:ln>
+                <a:effectLst/>
+                <a:latin typeface="Canva Sans" panose="020B0604020202020204" charset="0"/>
+              </a:rPr>
+              <a:t>:</a:t>
+            </a:r>
+            <a:br>
+              <a:rPr kumimoji="0" lang="en-US" altLang="en-US" b="0" i="0" u="none" strike="noStrike" cap="none" normalizeH="0" baseline="0" dirty="0">
+                <a:ln>
+                  <a:noFill/>
+                </a:ln>
+                <a:effectLst/>
+                <a:latin typeface="Canva Sans" panose="020B0604020202020204" charset="0"/>
+              </a:rPr>
+            </a:br>
+            <a:r>
+              <a:rPr kumimoji="0" lang="en-US" altLang="en-US" b="0" i="0" u="none" strike="noStrike" cap="none" normalizeH="0" baseline="0" dirty="0">
+                <a:ln>
+                  <a:noFill/>
+                </a:ln>
+                <a:effectLst/>
+                <a:latin typeface="Canva Sans" panose="020B0604020202020204" charset="0"/>
+              </a:rPr>
+              <a:t>                </a:t>
+            </a:r>
+            <a:r>
+              <a:rPr kumimoji="0" lang="en-US" altLang="en-US" b="0" i="0" u="none" strike="noStrike" cap="none" normalizeH="0" baseline="0" dirty="0" err="1">
+                <a:ln>
+                  <a:noFill/>
+                </a:ln>
+                <a:effectLst/>
+                <a:latin typeface="Canva Sans" panose="020B0604020202020204" charset="0"/>
+              </a:rPr>
+              <a:t>clientLimit</a:t>
+            </a:r>
+            <a:r>
+              <a:rPr kumimoji="0" lang="en-US" altLang="en-US" b="0" i="0" u="none" strike="noStrike" cap="none" normalizeH="0" baseline="0" dirty="0">
+                <a:ln>
+                  <a:noFill/>
+                </a:ln>
+                <a:effectLst/>
+                <a:latin typeface="Canva Sans" panose="020B0604020202020204" charset="0"/>
+              </a:rPr>
+              <a:t>: 2</a:t>
+            </a:r>
+            <a:br>
+              <a:rPr kumimoji="0" lang="en-US" altLang="en-US" b="0" i="0" u="none" strike="noStrike" cap="none" normalizeH="0" baseline="0" dirty="0">
+                <a:ln>
+                  <a:noFill/>
+                </a:ln>
+                <a:effectLst/>
+                <a:latin typeface="Canva Sans" panose="020B0604020202020204" charset="0"/>
+              </a:rPr>
+            </a:br>
+            <a:r>
+              <a:rPr kumimoji="0" lang="en-US" altLang="en-US" b="0" i="0" u="none" strike="noStrike" cap="none" normalizeH="0" baseline="0" dirty="0">
+                <a:ln>
+                  <a:noFill/>
+                </a:ln>
+                <a:effectLst/>
+                <a:latin typeface="Canva Sans" panose="020B0604020202020204" charset="0"/>
+              </a:rPr>
+              <a:t>                </a:t>
+            </a:r>
+            <a:r>
+              <a:rPr kumimoji="0" lang="en-US" altLang="en-US" b="0" i="0" u="none" strike="noStrike" cap="none" normalizeH="0" baseline="0" dirty="0" err="1">
+                <a:ln>
+                  <a:noFill/>
+                </a:ln>
+                <a:effectLst/>
+                <a:latin typeface="Canva Sans" panose="020B0604020202020204" charset="0"/>
+              </a:rPr>
+              <a:t>clientRefreshInterval</a:t>
+            </a:r>
+            <a:r>
+              <a:rPr kumimoji="0" lang="en-US" altLang="en-US" b="0" i="0" u="none" strike="noStrike" cap="none" normalizeH="0" baseline="0" dirty="0">
+                <a:ln>
+                  <a:noFill/>
+                </a:ln>
+                <a:effectLst/>
+                <a:latin typeface="Canva Sans" panose="020B0604020202020204" charset="0"/>
+              </a:rPr>
+              <a:t>: 78</a:t>
+            </a:r>
+            <a:br>
+              <a:rPr kumimoji="0" lang="en-US" altLang="en-US" b="0" i="0" u="none" strike="noStrike" cap="none" normalizeH="0" baseline="0" dirty="0">
+                <a:ln>
+                  <a:noFill/>
+                </a:ln>
+                <a:effectLst/>
+                <a:latin typeface="Canva Sans" panose="020B0604020202020204" charset="0"/>
+              </a:rPr>
+            </a:br>
+            <a:r>
+              <a:rPr kumimoji="0" lang="en-US" altLang="en-US" b="0" i="0" u="none" strike="noStrike" cap="none" normalizeH="0" baseline="0" dirty="0">
+                <a:ln>
+                  <a:noFill/>
+                </a:ln>
+                <a:effectLst/>
+                <a:latin typeface="Canva Sans" panose="020B0604020202020204" charset="0"/>
+              </a:rPr>
+              <a:t>              </a:t>
+            </a:r>
+            <a:r>
+              <a:rPr kumimoji="0" lang="en-US" altLang="en-US" b="0" i="0" u="none" strike="noStrike" cap="none" normalizeH="0" baseline="0" dirty="0" err="1">
+                <a:ln>
+                  <a:noFill/>
+                </a:ln>
+                <a:effectLst/>
+                <a:latin typeface="Canva Sans" panose="020B0604020202020204" charset="0"/>
+              </a:rPr>
+              <a:t>clientB</a:t>
+            </a:r>
+            <a:r>
+              <a:rPr kumimoji="0" lang="en-US" altLang="en-US" b="0" i="0" u="none" strike="noStrike" cap="none" normalizeH="0" baseline="0" dirty="0">
+                <a:ln>
+                  <a:noFill/>
+                </a:ln>
+                <a:effectLst/>
+                <a:latin typeface="Canva Sans" panose="020B0604020202020204" charset="0"/>
+              </a:rPr>
+              <a:t>:</a:t>
+            </a:r>
+            <a:br>
+              <a:rPr kumimoji="0" lang="en-US" altLang="en-US" b="0" i="0" u="none" strike="noStrike" cap="none" normalizeH="0" baseline="0" dirty="0">
+                <a:ln>
+                  <a:noFill/>
+                </a:ln>
+                <a:effectLst/>
+                <a:latin typeface="Canva Sans" panose="020B0604020202020204" charset="0"/>
+              </a:rPr>
+            </a:br>
+            <a:r>
+              <a:rPr kumimoji="0" lang="en-US" altLang="en-US" b="0" i="0" u="none" strike="noStrike" cap="none" normalizeH="0" baseline="0" dirty="0">
+                <a:ln>
+                  <a:noFill/>
+                </a:ln>
+                <a:effectLst/>
+                <a:latin typeface="Canva Sans" panose="020B0604020202020204" charset="0"/>
+              </a:rPr>
+              <a:t>                </a:t>
+            </a:r>
+            <a:r>
+              <a:rPr kumimoji="0" lang="en-US" altLang="en-US" b="0" i="0" u="none" strike="noStrike" cap="none" normalizeH="0" baseline="0" dirty="0" err="1">
+                <a:ln>
+                  <a:noFill/>
+                </a:ln>
+                <a:effectLst/>
+                <a:latin typeface="Canva Sans" panose="020B0604020202020204" charset="0"/>
+              </a:rPr>
+              <a:t>clientLimit</a:t>
+            </a:r>
+            <a:r>
+              <a:rPr kumimoji="0" lang="en-US" altLang="en-US" b="0" i="0" u="none" strike="noStrike" cap="none" normalizeH="0" baseline="0" dirty="0">
+                <a:ln>
+                  <a:noFill/>
+                </a:ln>
+                <a:effectLst/>
+                <a:latin typeface="Canva Sans" panose="020B0604020202020204" charset="0"/>
+              </a:rPr>
+              <a:t>: 21</a:t>
+            </a:r>
+            <a:br>
+              <a:rPr kumimoji="0" lang="en-US" altLang="en-US" b="0" i="0" u="none" strike="noStrike" cap="none" normalizeH="0" baseline="0" dirty="0">
+                <a:ln>
+                  <a:noFill/>
+                </a:ln>
+                <a:effectLst/>
+                <a:latin typeface="Canva Sans" panose="020B0604020202020204" charset="0"/>
+              </a:rPr>
+            </a:br>
+            <a:r>
+              <a:rPr kumimoji="0" lang="en-US" altLang="en-US" b="0" i="0" u="none" strike="noStrike" cap="none" normalizeH="0" baseline="0" dirty="0">
+                <a:ln>
+                  <a:noFill/>
+                </a:ln>
+                <a:effectLst/>
+                <a:latin typeface="Canva Sans" panose="020B0604020202020204" charset="0"/>
+              </a:rPr>
+              <a:t>                </a:t>
+            </a:r>
+            <a:r>
+              <a:rPr kumimoji="0" lang="en-US" altLang="en-US" b="0" i="0" u="none" strike="noStrike" cap="none" normalizeH="0" baseline="0" dirty="0" err="1">
+                <a:ln>
+                  <a:noFill/>
+                </a:ln>
+                <a:effectLst/>
+                <a:latin typeface="Canva Sans" panose="020B0604020202020204" charset="0"/>
+              </a:rPr>
+              <a:t>clientRefreshInterval</a:t>
+            </a:r>
+            <a:r>
+              <a:rPr kumimoji="0" lang="en-US" altLang="en-US" b="0" i="0" u="none" strike="noStrike" cap="none" normalizeH="0" baseline="0" dirty="0">
+                <a:ln>
+                  <a:noFill/>
+                </a:ln>
+                <a:effectLst/>
+                <a:latin typeface="Canva Sans" panose="020B0604020202020204" charset="0"/>
+              </a:rPr>
+              <a:t>: 45</a:t>
+            </a:r>
+            <a:br>
+              <a:rPr kumimoji="0" lang="en-US" altLang="en-US" b="0" i="0" u="none" strike="noStrike" cap="none" normalizeH="0" baseline="0" dirty="0">
+                <a:ln>
+                  <a:noFill/>
+                </a:ln>
+                <a:effectLst/>
+                <a:latin typeface="Canva Sans" panose="020B0604020202020204" charset="0"/>
+              </a:rPr>
+            </a:br>
+            <a:r>
+              <a:rPr kumimoji="0" lang="en-US" altLang="en-US" b="0" i="0" u="none" strike="noStrike" cap="none" normalizeH="0" baseline="0" dirty="0">
+                <a:ln>
+                  <a:noFill/>
+                </a:ln>
+                <a:effectLst/>
+                <a:latin typeface="Canva Sans" panose="020B0604020202020204" charset="0"/>
+              </a:rPr>
+              <a:t>      </a:t>
+            </a:r>
+            <a:r>
+              <a:rPr kumimoji="0" lang="en-US" altLang="en-US" b="0" i="0" u="none" strike="noStrike" cap="none" normalizeH="0" baseline="0" dirty="0" err="1">
+                <a:ln>
+                  <a:noFill/>
+                </a:ln>
+                <a:effectLst/>
+                <a:latin typeface="Canva Sans" panose="020B0604020202020204" charset="0"/>
+              </a:rPr>
+              <a:t>serviceB</a:t>
+            </a:r>
+            <a:r>
+              <a:rPr kumimoji="0" lang="en-US" altLang="en-US" b="0" i="0" u="none" strike="noStrike" cap="none" normalizeH="0" baseline="0" dirty="0">
+                <a:ln>
+                  <a:noFill/>
+                </a:ln>
+                <a:effectLst/>
+                <a:latin typeface="Canva Sans" panose="020B0604020202020204" charset="0"/>
+              </a:rPr>
+              <a:t>:</a:t>
+            </a:r>
+            <a:br>
+              <a:rPr kumimoji="0" lang="en-US" altLang="en-US" b="0" i="0" u="none" strike="noStrike" cap="none" normalizeH="0" baseline="0" dirty="0">
+                <a:ln>
+                  <a:noFill/>
+                </a:ln>
+                <a:effectLst/>
+                <a:latin typeface="Canva Sans" panose="020B0604020202020204" charset="0"/>
+              </a:rPr>
+            </a:br>
+            <a:r>
+              <a:rPr kumimoji="0" lang="en-US" altLang="en-US" b="0" i="0" u="none" strike="noStrike" cap="none" normalizeH="0" baseline="0" dirty="0">
+                <a:ln>
+                  <a:noFill/>
+                </a:ln>
+                <a:effectLst/>
+                <a:latin typeface="Canva Sans" panose="020B0604020202020204" charset="0"/>
+              </a:rPr>
+              <a:t>        limit: 1</a:t>
+            </a:r>
+            <a:br>
+              <a:rPr kumimoji="0" lang="en-US" altLang="en-US" b="0" i="0" u="none" strike="noStrike" cap="none" normalizeH="0" baseline="0" dirty="0">
+                <a:ln>
+                  <a:noFill/>
+                </a:ln>
+                <a:effectLst/>
+                <a:latin typeface="Canva Sans" panose="020B0604020202020204" charset="0"/>
+              </a:rPr>
+            </a:br>
+            <a:r>
+              <a:rPr kumimoji="0" lang="en-US" altLang="en-US" b="0" i="0" u="none" strike="noStrike" cap="none" normalizeH="0" baseline="0" dirty="0">
+                <a:ln>
+                  <a:noFill/>
+                </a:ln>
+                <a:effectLst/>
+                <a:latin typeface="Canva Sans" panose="020B0604020202020204" charset="0"/>
+              </a:rPr>
+              <a:t>        </a:t>
+            </a:r>
+            <a:r>
+              <a:rPr kumimoji="0" lang="en-US" altLang="en-US" b="0" i="0" u="none" strike="noStrike" cap="none" normalizeH="0" baseline="0" dirty="0" err="1">
+                <a:ln>
+                  <a:noFill/>
+                </a:ln>
+                <a:effectLst/>
+                <a:latin typeface="Canva Sans" panose="020B0604020202020204" charset="0"/>
+              </a:rPr>
+              <a:t>refreshInterval</a:t>
+            </a:r>
+            <a:r>
+              <a:rPr kumimoji="0" lang="en-US" altLang="en-US" b="0" i="0" u="none" strike="noStrike" cap="none" normalizeH="0" baseline="0" dirty="0">
+                <a:ln>
+                  <a:noFill/>
+                </a:ln>
+                <a:effectLst/>
+                <a:latin typeface="Canva Sans" panose="020B0604020202020204" charset="0"/>
+              </a:rPr>
+              <a:t>: 10</a:t>
+            </a:r>
+            <a:br>
+              <a:rPr kumimoji="0" lang="en-US" altLang="en-US" b="0" i="0" u="none" strike="noStrike" cap="none" normalizeH="0" baseline="0" dirty="0">
+                <a:ln>
+                  <a:noFill/>
+                </a:ln>
+                <a:effectLst/>
+                <a:latin typeface="Canva Sans" panose="020B0604020202020204" charset="0"/>
+              </a:rPr>
+            </a:br>
+            <a:r>
+              <a:rPr kumimoji="0" lang="en-US" altLang="en-US" b="0" i="0" u="none" strike="noStrike" cap="none" normalizeH="0" baseline="0" dirty="0">
+                <a:ln>
+                  <a:noFill/>
+                </a:ln>
+                <a:effectLst/>
+                <a:latin typeface="Canva Sans" panose="020B0604020202020204" charset="0"/>
+              </a:rPr>
+              <a:t>        client:</a:t>
+            </a:r>
+            <a:br>
+              <a:rPr kumimoji="0" lang="en-US" altLang="en-US" b="0" i="0" u="none" strike="noStrike" cap="none" normalizeH="0" baseline="0" dirty="0">
+                <a:ln>
+                  <a:noFill/>
+                </a:ln>
+                <a:effectLst/>
+                <a:latin typeface="Canva Sans" panose="020B0604020202020204" charset="0"/>
+              </a:rPr>
+            </a:br>
+            <a:r>
+              <a:rPr kumimoji="0" lang="en-US" altLang="en-US" b="0" i="0" u="none" strike="noStrike" cap="none" normalizeH="0" baseline="0" dirty="0">
+                <a:ln>
+                  <a:noFill/>
+                </a:ln>
+                <a:effectLst/>
+                <a:latin typeface="Canva Sans" panose="020B0604020202020204" charset="0"/>
+              </a:rPr>
+              <a:t>          </a:t>
+            </a:r>
+            <a:r>
+              <a:rPr kumimoji="0" lang="en-US" altLang="en-US" b="0" i="0" u="none" strike="noStrike" cap="none" normalizeH="0" baseline="0" dirty="0" err="1">
+                <a:ln>
+                  <a:noFill/>
+                </a:ln>
+                <a:effectLst/>
+                <a:latin typeface="Canva Sans" panose="020B0604020202020204" charset="0"/>
+              </a:rPr>
+              <a:t>clientA</a:t>
+            </a:r>
+            <a:r>
+              <a:rPr kumimoji="0" lang="en-US" altLang="en-US" b="0" i="0" u="none" strike="noStrike" cap="none" normalizeH="0" baseline="0" dirty="0">
+                <a:ln>
+                  <a:noFill/>
+                </a:ln>
+                <a:effectLst/>
+                <a:latin typeface="Canva Sans" panose="020B0604020202020204" charset="0"/>
+              </a:rPr>
+              <a:t>:</a:t>
+            </a:r>
+            <a:br>
+              <a:rPr kumimoji="0" lang="en-US" altLang="en-US" b="0" i="0" u="none" strike="noStrike" cap="none" normalizeH="0" baseline="0" dirty="0">
+                <a:ln>
+                  <a:noFill/>
+                </a:ln>
+                <a:effectLst/>
+                <a:latin typeface="Canva Sans" panose="020B0604020202020204" charset="0"/>
+              </a:rPr>
+            </a:br>
+            <a:r>
+              <a:rPr kumimoji="0" lang="en-US" altLang="en-US" b="0" i="0" u="none" strike="noStrike" cap="none" normalizeH="0" baseline="0" dirty="0">
+                <a:ln>
+                  <a:noFill/>
+                </a:ln>
+                <a:effectLst/>
+                <a:latin typeface="Canva Sans" panose="020B0604020202020204" charset="0"/>
+              </a:rPr>
+              <a:t>            </a:t>
+            </a:r>
+            <a:r>
+              <a:rPr kumimoji="0" lang="en-US" altLang="en-US" b="0" i="0" u="none" strike="noStrike" cap="none" normalizeH="0" baseline="0" dirty="0" err="1">
+                <a:ln>
+                  <a:noFill/>
+                </a:ln>
+                <a:effectLst/>
+                <a:latin typeface="Canva Sans" panose="020B0604020202020204" charset="0"/>
+              </a:rPr>
+              <a:t>clientLimit</a:t>
+            </a:r>
+            <a:r>
+              <a:rPr kumimoji="0" lang="en-US" altLang="en-US" b="0" i="0" u="none" strike="noStrike" cap="none" normalizeH="0" baseline="0" dirty="0">
+                <a:ln>
+                  <a:noFill/>
+                </a:ln>
+                <a:effectLst/>
+                <a:latin typeface="Canva Sans" panose="020B0604020202020204" charset="0"/>
+              </a:rPr>
+              <a:t>: 2</a:t>
+            </a:r>
+            <a:br>
+              <a:rPr kumimoji="0" lang="en-US" altLang="en-US" b="0" i="0" u="none" strike="noStrike" cap="none" normalizeH="0" baseline="0" dirty="0">
+                <a:ln>
+                  <a:noFill/>
+                </a:ln>
+                <a:effectLst/>
+                <a:latin typeface="Canva Sans" panose="020B0604020202020204" charset="0"/>
+              </a:rPr>
+            </a:br>
+            <a:r>
+              <a:rPr kumimoji="0" lang="en-US" altLang="en-US" b="0" i="0" u="none" strike="noStrike" cap="none" normalizeH="0" baseline="0" dirty="0">
+                <a:ln>
+                  <a:noFill/>
+                </a:ln>
+                <a:effectLst/>
+                <a:latin typeface="Canva Sans" panose="020B0604020202020204" charset="0"/>
+              </a:rPr>
+              <a:t>            </a:t>
+            </a:r>
+            <a:r>
+              <a:rPr kumimoji="0" lang="en-US" altLang="en-US" b="0" i="0" u="none" strike="noStrike" cap="none" normalizeH="0" baseline="0" dirty="0" err="1">
+                <a:ln>
+                  <a:noFill/>
+                </a:ln>
+                <a:effectLst/>
+                <a:latin typeface="Canva Sans" panose="020B0604020202020204" charset="0"/>
+              </a:rPr>
+              <a:t>clientRefreshInterval</a:t>
+            </a:r>
+            <a:r>
+              <a:rPr kumimoji="0" lang="en-US" altLang="en-US" b="0" i="0" u="none" strike="noStrike" cap="none" normalizeH="0" baseline="0" dirty="0">
+                <a:ln>
+                  <a:noFill/>
+                </a:ln>
+                <a:effectLst/>
+                <a:latin typeface="Canva Sans" panose="020B0604020202020204" charset="0"/>
+              </a:rPr>
+              <a:t>: 20</a:t>
+            </a:r>
+            <a:br>
+              <a:rPr kumimoji="0" lang="en-US" altLang="en-US" b="0" i="0" u="none" strike="noStrike" cap="none" normalizeH="0" baseline="0" dirty="0">
+                <a:ln>
+                  <a:noFill/>
+                </a:ln>
+                <a:effectLst/>
+                <a:latin typeface="Canva Sans" panose="020B0604020202020204" charset="0"/>
+              </a:rPr>
+            </a:br>
+            <a:r>
+              <a:rPr kumimoji="0" lang="en-US" altLang="en-US" b="0" i="0" u="none" strike="noStrike" cap="none" normalizeH="0" baseline="0" dirty="0">
+                <a:ln>
+                  <a:noFill/>
+                </a:ln>
+                <a:effectLst/>
+                <a:latin typeface="Canva Sans" panose="020B0604020202020204" charset="0"/>
+              </a:rPr>
+              <a:t>          </a:t>
+            </a:r>
+            <a:r>
+              <a:rPr kumimoji="0" lang="en-US" altLang="en-US" b="0" i="0" u="none" strike="noStrike" cap="none" normalizeH="0" baseline="0" dirty="0" err="1">
+                <a:ln>
+                  <a:noFill/>
+                </a:ln>
+                <a:effectLst/>
+                <a:latin typeface="Canva Sans" panose="020B0604020202020204" charset="0"/>
+              </a:rPr>
+              <a:t>clientB</a:t>
+            </a:r>
+            <a:r>
+              <a:rPr kumimoji="0" lang="en-US" altLang="en-US" b="0" i="0" u="none" strike="noStrike" cap="none" normalizeH="0" baseline="0" dirty="0">
+                <a:ln>
+                  <a:noFill/>
+                </a:ln>
+                <a:effectLst/>
+                <a:latin typeface="Canva Sans" panose="020B0604020202020204" charset="0"/>
+              </a:rPr>
+              <a:t>:</a:t>
+            </a:r>
+            <a:br>
+              <a:rPr kumimoji="0" lang="en-US" altLang="en-US" b="0" i="0" u="none" strike="noStrike" cap="none" normalizeH="0" baseline="0" dirty="0">
+                <a:ln>
+                  <a:noFill/>
+                </a:ln>
+                <a:effectLst/>
+                <a:latin typeface="Canva Sans" panose="020B0604020202020204" charset="0"/>
+              </a:rPr>
+            </a:br>
+            <a:r>
+              <a:rPr kumimoji="0" lang="en-US" altLang="en-US" b="0" i="0" u="none" strike="noStrike" cap="none" normalizeH="0" baseline="0" dirty="0">
+                <a:ln>
+                  <a:noFill/>
+                </a:ln>
+                <a:effectLst/>
+                <a:latin typeface="Canva Sans" panose="020B0604020202020204" charset="0"/>
+              </a:rPr>
+              <a:t>            </a:t>
+            </a:r>
+            <a:r>
+              <a:rPr kumimoji="0" lang="en-US" altLang="en-US" b="0" i="0" u="none" strike="noStrike" cap="none" normalizeH="0" baseline="0" dirty="0" err="1">
+                <a:ln>
+                  <a:noFill/>
+                </a:ln>
+                <a:effectLst/>
+                <a:latin typeface="Canva Sans" panose="020B0604020202020204" charset="0"/>
+              </a:rPr>
+              <a:t>clientLimit</a:t>
+            </a:r>
+            <a:r>
+              <a:rPr kumimoji="0" lang="en-US" altLang="en-US" b="0" i="0" u="none" strike="noStrike" cap="none" normalizeH="0" baseline="0" dirty="0">
+                <a:ln>
+                  <a:noFill/>
+                </a:ln>
+                <a:effectLst/>
+                <a:latin typeface="Canva Sans" panose="020B0604020202020204" charset="0"/>
+              </a:rPr>
+              <a:t>: 10</a:t>
+            </a:r>
+            <a:br>
+              <a:rPr kumimoji="0" lang="en-US" altLang="en-US" b="0" i="0" u="none" strike="noStrike" cap="none" normalizeH="0" baseline="0" dirty="0">
+                <a:ln>
+                  <a:noFill/>
+                </a:ln>
+                <a:effectLst/>
+                <a:latin typeface="Canva Sans" panose="020B0604020202020204" charset="0"/>
+              </a:rPr>
+            </a:br>
+            <a:r>
+              <a:rPr kumimoji="0" lang="en-US" altLang="en-US" b="0" i="0" u="none" strike="noStrike" cap="none" normalizeH="0" baseline="0" dirty="0">
+                <a:ln>
+                  <a:noFill/>
+                </a:ln>
+                <a:effectLst/>
+                <a:latin typeface="Canva Sans" panose="020B0604020202020204" charset="0"/>
+              </a:rPr>
+              <a:t>            </a:t>
+            </a:r>
+            <a:r>
+              <a:rPr kumimoji="0" lang="en-US" altLang="en-US" b="0" i="0" u="none" strike="noStrike" cap="none" normalizeH="0" baseline="0" dirty="0" err="1">
+                <a:ln>
+                  <a:noFill/>
+                </a:ln>
+                <a:effectLst/>
+                <a:latin typeface="Canva Sans" panose="020B0604020202020204" charset="0"/>
+              </a:rPr>
+              <a:t>clientRefreshInterval</a:t>
+            </a:r>
+            <a:r>
+              <a:rPr kumimoji="0" lang="en-US" altLang="en-US" b="0" i="0" u="none" strike="noStrike" cap="none" normalizeH="0" baseline="0" dirty="0">
+                <a:ln>
+                  <a:noFill/>
+                </a:ln>
+                <a:effectLst/>
+                <a:latin typeface="Canva Sans" panose="020B0604020202020204" charset="0"/>
+              </a:rPr>
+              <a:t>: 45</a:t>
+            </a:r>
           </a:p>
         </p:txBody>
       </p:sp>
@@ -3511,7 +4378,7 @@
         </p:blipFill>
         <p:spPr>
           <a:xfrm>
-            <a:off x="33337" y="0"/>
+            <a:off x="228600" y="0"/>
             <a:ext cx="18288000" cy="10401300"/>
           </a:xfrm>
           <a:prstGeom prst="rect">
@@ -6514,7 +7381,7 @@
               </a:spcBef>
             </a:pPr>
             <a:r>
-              <a:rPr lang="en-US" sz="4214" spc="956">
+              <a:rPr lang="en-US" sz="4214" spc="956" dirty="0">
                 <a:solidFill>
                   <a:srgbClr val="2B2C30"/>
                 </a:solidFill>
@@ -6558,7 +7425,7 @@
         <p:spPr>
           <a:xfrm>
             <a:off x="1006877" y="1792785"/>
-            <a:ext cx="16230594" cy="4180840"/>
+            <a:ext cx="16230594" cy="4267515"/>
           </a:xfrm>
           <a:prstGeom prst="rect">
             <a:avLst/>
@@ -6575,7 +7442,7 @@
                 <a:spcPts val="4759"/>
               </a:lnSpc>
             </a:pPr>
-            <a:endParaRPr/>
+            <a:endParaRPr dirty="0"/>
           </a:p>
           <a:p>
             <a:pPr marL="734059" lvl="1" indent="-367030">
@@ -6586,13 +7453,13 @@
               <a:buChar char="•"/>
             </a:pPr>
             <a:r>
-              <a:rPr lang="en-US" sz="3399">
-                <a:solidFill>
-                  <a:srgbClr val="2B2C30"/>
-                </a:solidFill>
-                <a:latin typeface="Canva Sans"/>
-              </a:rPr>
-              <a:t>Introduced latency to the service.</a:t>
+              <a:rPr lang="en-US" sz="3399" dirty="0">
+                <a:solidFill>
+                  <a:srgbClr val="2B2C30"/>
+                </a:solidFill>
+                <a:latin typeface="Canva Sans"/>
+              </a:rPr>
+              <a:t>Latency</a:t>
             </a:r>
           </a:p>
           <a:p>
@@ -6604,13 +7471,31 @@
               <a:buChar char="•"/>
             </a:pPr>
             <a:r>
-              <a:rPr lang="en-US" sz="3399">
-                <a:solidFill>
-                  <a:srgbClr val="2B2C30"/>
-                </a:solidFill>
-                <a:latin typeface="Canva Sans"/>
-              </a:rPr>
-              <a:t>Atomicity - When there is high concurrent requests, as transaction to get-inc-set  is not atomic.  While there is limit pending and two request can pick the counter , increment it and set it , which will result in breaching the rate limiting counter.</a:t>
+              <a:rPr lang="en-US" sz="3399" dirty="0">
+                <a:solidFill>
+                  <a:srgbClr val="2B2C30"/>
+                </a:solidFill>
+                <a:latin typeface="Canva Sans"/>
+              </a:rPr>
+              <a:t>Atomicity - When there is high concurrent requests, as transaction to get-</a:t>
+            </a:r>
+            <a:r>
+              <a:rPr lang="en-US" sz="3399" dirty="0" err="1">
+                <a:solidFill>
+                  <a:srgbClr val="2B2C30"/>
+                </a:solidFill>
+                <a:latin typeface="Canva Sans"/>
+              </a:rPr>
+              <a:t>inc</a:t>
+            </a:r>
+            <a:r>
+              <a:rPr lang="en-US" sz="3399" dirty="0">
+                <a:solidFill>
+                  <a:srgbClr val="2B2C30"/>
+                </a:solidFill>
+                <a:latin typeface="Canva Sans"/>
+              </a:rPr>
+              <a:t>-set  is not atomic.  While there is limit pending and two request can pick the counter , increment it and set it , which will result in breaching the rate limiting counter.</a:t>
             </a:r>
           </a:p>
           <a:p>
@@ -6619,7 +7504,7 @@
                 <a:spcPts val="4759"/>
               </a:lnSpc>
             </a:pPr>
-            <a:endParaRPr lang="en-US" sz="3399">
+            <a:endParaRPr lang="en-US" sz="3399" dirty="0">
               <a:solidFill>
                 <a:srgbClr val="2B2C30"/>
               </a:solidFill>
@@ -7449,7 +8334,7 @@
               </a:lnSpc>
             </a:pPr>
             <a:r>
-              <a:rPr lang="en-US" sz="9200">
+              <a:rPr lang="en-US" sz="9200" dirty="0">
                 <a:solidFill>
                   <a:srgbClr val="000000"/>
                 </a:solidFill>
@@ -7926,7 +8811,7 @@
               </a:lnSpc>
             </a:pPr>
             <a:r>
-              <a:rPr lang="en-US" sz="3399">
+              <a:rPr lang="en-US" sz="3399" dirty="0">
                 <a:solidFill>
                   <a:srgbClr val="2B2C30"/>
                 </a:solidFill>
@@ -7942,7 +8827,7 @@
               </a:lnSpc>
             </a:pPr>
             <a:r>
-              <a:rPr lang="en-US" sz="3399">
+              <a:rPr lang="en-US" sz="3399" dirty="0">
                 <a:solidFill>
                   <a:srgbClr val="2B2C30"/>
                 </a:solidFill>
@@ -7958,13 +8843,31 @@
               </a:lnSpc>
             </a:pPr>
             <a:r>
-              <a:rPr lang="en-US" sz="3399">
-                <a:solidFill>
-                  <a:srgbClr val="2B2C30"/>
-                </a:solidFill>
-                <a:latin typeface="Canva Sans"/>
-              </a:rPr>
-              <a:t>A single DataCenter/region</a:t>
+              <a:rPr lang="en-US" sz="3399" dirty="0">
+                <a:solidFill>
+                  <a:srgbClr val="2B2C30"/>
+                </a:solidFill>
+                <a:latin typeface="Canva Sans"/>
+              </a:rPr>
+              <a:t>A single </a:t>
+            </a:r>
+            <a:r>
+              <a:rPr lang="en-US" sz="3399" dirty="0" err="1">
+                <a:solidFill>
+                  <a:srgbClr val="2B2C30"/>
+                </a:solidFill>
+                <a:latin typeface="Canva Sans"/>
+              </a:rPr>
+              <a:t>DataCenter</a:t>
+            </a:r>
+            <a:r>
+              <a:rPr lang="en-US" sz="3399" dirty="0">
+                <a:solidFill>
+                  <a:srgbClr val="2B2C30"/>
+                </a:solidFill>
+                <a:latin typeface="Canva Sans"/>
+              </a:rPr>
+              <a:t>/region</a:t>
             </a:r>
           </a:p>
           <a:p>
@@ -7974,7 +8877,7 @@
               </a:lnSpc>
             </a:pPr>
             <a:r>
-              <a:rPr lang="en-US" sz="3399">
+              <a:rPr lang="en-US" sz="3399" dirty="0">
                 <a:solidFill>
                   <a:srgbClr val="2B2C30"/>
                 </a:solidFill>
@@ -7990,7 +8893,7 @@
               </a:lnSpc>
             </a:pPr>
             <a:r>
-              <a:rPr lang="en-US" sz="3399">
+              <a:rPr lang="en-US" sz="3399" dirty="0">
                 <a:solidFill>
                   <a:srgbClr val="2B2C30"/>
                 </a:solidFill>
@@ -8006,7 +8909,7 @@
               </a:lnSpc>
             </a:pPr>
             <a:r>
-              <a:rPr lang="en-US" sz="3399">
+              <a:rPr lang="en-US" sz="3399" dirty="0">
                 <a:solidFill>
                   <a:srgbClr val="2B2C30"/>
                 </a:solidFill>
@@ -8022,7 +8925,7 @@
               </a:lnSpc>
             </a:pPr>
             <a:r>
-              <a:rPr lang="en-US" sz="3399">
+              <a:rPr lang="en-US" sz="3399" dirty="0">
                 <a:solidFill>
                   <a:srgbClr val="2B2C30"/>
                 </a:solidFill>
@@ -8037,7 +8940,7 @@
                 <a:spcPts val="4759"/>
               </a:lnSpc>
             </a:pPr>
-            <a:endParaRPr lang="en-US" sz="3399">
+            <a:endParaRPr lang="en-US" sz="3399" dirty="0">
               <a:solidFill>
                 <a:srgbClr val="2B2C30"/>
               </a:solidFill>
@@ -8153,7 +9056,7 @@
         <p:spPr>
           <a:xfrm>
             <a:off x="801141" y="1591512"/>
-            <a:ext cx="16436341" cy="7296934"/>
+            <a:ext cx="16436341" cy="5988884"/>
           </a:xfrm>
           <a:prstGeom prst="rect">
             <a:avLst/>
@@ -8287,61 +9190,34 @@
                 </a:solidFill>
                 <a:latin typeface="Canva Sans"/>
               </a:rPr>
-              <a:t>Services implementing Rate limiting could be </a:t>
-            </a:r>
-            <a:r>
-              <a:rPr lang="en-US" sz="2800" dirty="0" err="1">
-                <a:solidFill>
-                  <a:srgbClr val="2B2C30"/>
-                </a:solidFill>
-                <a:latin typeface="Canva Sans"/>
-              </a:rPr>
-              <a:t>seperate</a:t>
-            </a:r>
-            <a:r>
-              <a:rPr lang="en-US" sz="2800" dirty="0">
-                <a:solidFill>
-                  <a:srgbClr val="2B2C30"/>
-                </a:solidFill>
-                <a:latin typeface="Canva Sans"/>
-              </a:rPr>
-              <a:t> microservices or could be behind gateway.</a:t>
+              <a:t>Services implementing Rate limiting could be separate microservices or could be behind gateway.</a:t>
             </a:r>
           </a:p>
           <a:p>
             <a:pPr marL="732332" lvl="1" indent="-366166" algn="just">
               <a:lnSpc>
-                <a:spcPts val="5087"/>
+                <a:spcPts val="4748"/>
               </a:lnSpc>
               <a:buFont typeface="Arial"/>
               <a:buChar char="•"/>
             </a:pPr>
             <a:r>
+              <a:rPr lang="en-US" sz="2800" dirty="0" err="1">
+                <a:solidFill>
+                  <a:srgbClr val="2B2C30"/>
+                </a:solidFill>
+                <a:latin typeface="Canva Sans"/>
+              </a:rPr>
+              <a:t>Client_id</a:t>
+            </a:r>
+            <a:r>
               <a:rPr lang="en-US" sz="2800" dirty="0">
                 <a:solidFill>
                   <a:srgbClr val="2B2C30"/>
                 </a:solidFill>
                 <a:latin typeface="Canva Sans"/>
               </a:rPr>
-              <a:t>Authentication and Authorization are implemented by either gateway or services </a:t>
-            </a:r>
-            <a:r>
-              <a:rPr lang="en-US" sz="2800" dirty="0" err="1">
-                <a:solidFill>
-                  <a:srgbClr val="2B2C30"/>
-                </a:solidFill>
-                <a:latin typeface="Canva Sans"/>
-              </a:rPr>
-              <a:t>seperately</a:t>
-            </a:r>
-            <a:r>
-              <a:rPr lang="en-US" sz="2800" dirty="0">
-                <a:solidFill>
-                  <a:srgbClr val="2B2C30"/>
-                </a:solidFill>
-                <a:latin typeface="Canva Sans"/>
-              </a:rPr>
-              <a:t>.</a:t>
+              <a:t> will be passed in request headers.</a:t>
             </a:r>
           </a:p>
           <a:p>
@@ -8353,13 +9229,22 @@
               <a:buChar char="•"/>
             </a:pPr>
             <a:r>
+              <a:rPr lang="en-US" sz="2800" dirty="0">
+                <a:solidFill>
+                  <a:srgbClr val="2B2C30"/>
+                </a:solidFill>
+                <a:latin typeface="Canva Sans"/>
+              </a:rPr>
+              <a:t>Fetching </a:t>
+            </a:r>
+            <a:r>
               <a:rPr lang="en-US" sz="2800" dirty="0" err="1">
                 <a:solidFill>
                   <a:srgbClr val="2B2C30"/>
                 </a:solidFill>
                 <a:latin typeface="Canva Sans"/>
               </a:rPr>
-              <a:t>Client_id</a:t>
+              <a:t>service_id</a:t>
             </a:r>
             <a:r>
               <a:rPr lang="en-US" sz="2800" dirty="0">
@@ -8368,43 +9253,7 @@
                 </a:solidFill>
                 <a:latin typeface="Canva Sans"/>
               </a:rPr>
-              <a:t> will be passed in request headers.</a:t>
-            </a:r>
-          </a:p>
-          <a:p>
-            <a:pPr marL="732332" lvl="1" indent="-366166" algn="just">
-              <a:lnSpc>
-                <a:spcPts val="4748"/>
-              </a:lnSpc>
-              <a:buFont typeface="Arial"/>
-              <a:buChar char="•"/>
-            </a:pPr>
-            <a:r>
-              <a:rPr lang="en-US" sz="2800" dirty="0">
-                <a:solidFill>
-                  <a:srgbClr val="2B2C30"/>
-                </a:solidFill>
-                <a:latin typeface="Canva Sans"/>
-              </a:rPr>
-              <a:t>Fetching </a:t>
-            </a:r>
-            <a:r>
-              <a:rPr lang="en-US" sz="2800" dirty="0" err="1">
-                <a:solidFill>
-                  <a:srgbClr val="2B2C30"/>
-                </a:solidFill>
-                <a:latin typeface="Canva Sans"/>
-              </a:rPr>
-              <a:t>service_id</a:t>
-            </a:r>
-            <a:r>
-              <a:rPr lang="en-US" sz="2800" dirty="0">
-                <a:solidFill>
-                  <a:srgbClr val="2B2C30"/>
-                </a:solidFill>
-                <a:latin typeface="Canva Sans"/>
-              </a:rPr>
-              <a:t> from request header or /route mapping to service</a:t>
+              <a:t> from request header</a:t>
             </a:r>
             <a:r>
               <a:rPr lang="en-US" sz="3391" dirty="0">

--- a/Intuit_Rate_Limiter_Craft_Demo.pptx
+++ b/Intuit_Rate_Limiter_Craft_Demo.pptx
@@ -8,61 +8,62 @@
     <p:sldId id="256" r:id="rId2"/>
     <p:sldId id="257" r:id="rId3"/>
     <p:sldId id="258" r:id="rId4"/>
-    <p:sldId id="259" r:id="rId5"/>
-    <p:sldId id="260" r:id="rId6"/>
-    <p:sldId id="261" r:id="rId7"/>
-    <p:sldId id="262" r:id="rId8"/>
-    <p:sldId id="264" r:id="rId9"/>
-    <p:sldId id="265" r:id="rId10"/>
-    <p:sldId id="276" r:id="rId11"/>
-    <p:sldId id="275" r:id="rId12"/>
-    <p:sldId id="266" r:id="rId13"/>
-    <p:sldId id="267" r:id="rId14"/>
-    <p:sldId id="268" r:id="rId15"/>
-    <p:sldId id="269" r:id="rId16"/>
-    <p:sldId id="270" r:id="rId17"/>
-    <p:sldId id="271" r:id="rId18"/>
-    <p:sldId id="272" r:id="rId19"/>
-    <p:sldId id="273" r:id="rId20"/>
-    <p:sldId id="274" r:id="rId21"/>
+    <p:sldId id="277" r:id="rId5"/>
+    <p:sldId id="259" r:id="rId6"/>
+    <p:sldId id="260" r:id="rId7"/>
+    <p:sldId id="261" r:id="rId8"/>
+    <p:sldId id="262" r:id="rId9"/>
+    <p:sldId id="264" r:id="rId10"/>
+    <p:sldId id="265" r:id="rId11"/>
+    <p:sldId id="276" r:id="rId12"/>
+    <p:sldId id="275" r:id="rId13"/>
+    <p:sldId id="266" r:id="rId14"/>
+    <p:sldId id="267" r:id="rId15"/>
+    <p:sldId id="268" r:id="rId16"/>
+    <p:sldId id="269" r:id="rId17"/>
+    <p:sldId id="270" r:id="rId18"/>
+    <p:sldId id="271" r:id="rId19"/>
+    <p:sldId id="272" r:id="rId20"/>
+    <p:sldId id="273" r:id="rId21"/>
+    <p:sldId id="274" r:id="rId22"/>
   </p:sldIdLst>
   <p:sldSz cx="18288000" cy="10287000"/>
   <p:notesSz cx="6858000" cy="9144000"/>
   <p:embeddedFontLst>
     <p:embeddedFont>
       <p:font typeface="Calibri" panose="020F0502020204030204" pitchFamily="34" charset="0"/>
-      <p:regular r:id="rId22"/>
-      <p:bold r:id="rId23"/>
-      <p:italic r:id="rId24"/>
-      <p:boldItalic r:id="rId25"/>
+      <p:regular r:id="rId23"/>
+      <p:bold r:id="rId24"/>
+      <p:italic r:id="rId25"/>
+      <p:boldItalic r:id="rId26"/>
     </p:embeddedFont>
     <p:embeddedFont>
       <p:font typeface="Canva Sans" panose="020B0604020202020204" charset="0"/>
-      <p:regular r:id="rId26"/>
+      <p:regular r:id="rId27"/>
     </p:embeddedFont>
     <p:embeddedFont>
       <p:font typeface="Canva Sans Bold" panose="020B0604020202020204" charset="0"/>
-      <p:regular r:id="rId27"/>
+      <p:regular r:id="rId28"/>
     </p:embeddedFont>
     <p:embeddedFont>
       <p:font typeface="DM Serif Display" pitchFamily="2" charset="0"/>
-      <p:regular r:id="rId28"/>
-      <p:italic r:id="rId29"/>
+      <p:regular r:id="rId29"/>
+      <p:italic r:id="rId30"/>
     </p:embeddedFont>
     <p:embeddedFont>
       <p:font typeface="Playfair Display" panose="00000500000000000000" pitchFamily="2" charset="0"/>
-      <p:regular r:id="rId30"/>
-      <p:bold r:id="rId31"/>
-      <p:italic r:id="rId32"/>
-      <p:boldItalic r:id="rId33"/>
+      <p:regular r:id="rId31"/>
+      <p:bold r:id="rId32"/>
+      <p:italic r:id="rId33"/>
+      <p:boldItalic r:id="rId34"/>
     </p:embeddedFont>
     <p:embeddedFont>
       <p:font typeface="Public Sans" panose="020B0604020202020204" charset="0"/>
-      <p:regular r:id="rId34"/>
+      <p:regular r:id="rId35"/>
     </p:embeddedFont>
     <p:embeddedFont>
       <p:font typeface="Public Sans Bold" panose="020B0604020202020204" charset="0"/>
-      <p:regular r:id="rId35"/>
+      <p:regular r:id="rId36"/>
     </p:embeddedFont>
   </p:embeddedFontLst>
   <p:defaultTextStyle>
@@ -359,7 +360,7 @@
             <a:fld id="{1D8BD707-D9CF-40AE-B4C6-C98DA3205C09}" type="datetimeFigureOut">
               <a:rPr lang="en-US" smtClean="0"/>
               <a:pPr/>
-              <a:t>1/5/2024</a:t>
+              <a:t>1/7/2024</a:t>
             </a:fld>
             <a:endParaRPr lang="en-US"/>
           </a:p>
@@ -524,7 +525,7 @@
             <a:fld id="{1D8BD707-D9CF-40AE-B4C6-C98DA3205C09}" type="datetimeFigureOut">
               <a:rPr lang="en-US" smtClean="0"/>
               <a:pPr/>
-              <a:t>1/5/2024</a:t>
+              <a:t>1/7/2024</a:t>
             </a:fld>
             <a:endParaRPr lang="en-US"/>
           </a:p>
@@ -699,7 +700,7 @@
             <a:fld id="{1D8BD707-D9CF-40AE-B4C6-C98DA3205C09}" type="datetimeFigureOut">
               <a:rPr lang="en-US" smtClean="0"/>
               <a:pPr/>
-              <a:t>1/5/2024</a:t>
+              <a:t>1/7/2024</a:t>
             </a:fld>
             <a:endParaRPr lang="en-US"/>
           </a:p>
@@ -864,7 +865,7 @@
             <a:fld id="{1D8BD707-D9CF-40AE-B4C6-C98DA3205C09}" type="datetimeFigureOut">
               <a:rPr lang="en-US" smtClean="0"/>
               <a:pPr/>
-              <a:t>1/5/2024</a:t>
+              <a:t>1/7/2024</a:t>
             </a:fld>
             <a:endParaRPr lang="en-US"/>
           </a:p>
@@ -1106,7 +1107,7 @@
             <a:fld id="{1D8BD707-D9CF-40AE-B4C6-C98DA3205C09}" type="datetimeFigureOut">
               <a:rPr lang="en-US" smtClean="0"/>
               <a:pPr/>
-              <a:t>1/5/2024</a:t>
+              <a:t>1/7/2024</a:t>
             </a:fld>
             <a:endParaRPr lang="en-US"/>
           </a:p>
@@ -1388,7 +1389,7 @@
             <a:fld id="{1D8BD707-D9CF-40AE-B4C6-C98DA3205C09}" type="datetimeFigureOut">
               <a:rPr lang="en-US" smtClean="0"/>
               <a:pPr/>
-              <a:t>1/5/2024</a:t>
+              <a:t>1/7/2024</a:t>
             </a:fld>
             <a:endParaRPr lang="en-US"/>
           </a:p>
@@ -1804,7 +1805,7 @@
             <a:fld id="{1D8BD707-D9CF-40AE-B4C6-C98DA3205C09}" type="datetimeFigureOut">
               <a:rPr lang="en-US" smtClean="0"/>
               <a:pPr/>
-              <a:t>1/5/2024</a:t>
+              <a:t>1/7/2024</a:t>
             </a:fld>
             <a:endParaRPr lang="en-US"/>
           </a:p>
@@ -1918,7 +1919,7 @@
             <a:fld id="{1D8BD707-D9CF-40AE-B4C6-C98DA3205C09}" type="datetimeFigureOut">
               <a:rPr lang="en-US" smtClean="0"/>
               <a:pPr/>
-              <a:t>1/5/2024</a:t>
+              <a:t>1/7/2024</a:t>
             </a:fld>
             <a:endParaRPr lang="en-US"/>
           </a:p>
@@ -2010,7 +2011,7 @@
             <a:fld id="{1D8BD707-D9CF-40AE-B4C6-C98DA3205C09}" type="datetimeFigureOut">
               <a:rPr lang="en-US" smtClean="0"/>
               <a:pPr/>
-              <a:t>1/5/2024</a:t>
+              <a:t>1/7/2024</a:t>
             </a:fld>
             <a:endParaRPr lang="en-US"/>
           </a:p>
@@ -2282,7 +2283,7 @@
             <a:fld id="{1D8BD707-D9CF-40AE-B4C6-C98DA3205C09}" type="datetimeFigureOut">
               <a:rPr lang="en-US" smtClean="0"/>
               <a:pPr/>
-              <a:t>1/5/2024</a:t>
+              <a:t>1/7/2024</a:t>
             </a:fld>
             <a:endParaRPr lang="en-US"/>
           </a:p>
@@ -2531,7 +2532,7 @@
             <a:fld id="{1D8BD707-D9CF-40AE-B4C6-C98DA3205C09}" type="datetimeFigureOut">
               <a:rPr lang="en-US" smtClean="0"/>
               <a:pPr/>
-              <a:t>1/5/2024</a:t>
+              <a:t>1/7/2024</a:t>
             </a:fld>
             <a:endParaRPr lang="en-US"/>
           </a:p>
@@ -2739,7 +2740,7 @@
             <a:fld id="{1D8BD707-D9CF-40AE-B4C6-C98DA3205C09}" type="datetimeFigureOut">
               <a:rPr lang="en-US" smtClean="0"/>
               <a:pPr/>
-              <a:t>1/5/2024</a:t>
+              <a:t>1/7/2024</a:t>
             </a:fld>
             <a:endParaRPr lang="en-US"/>
           </a:p>
@@ -3253,6 +3254,520 @@
       </p:grpSpPr>
       <p:sp>
         <p:nvSpPr>
+          <p:cNvPr id="2" name="TextBox 2"/>
+          <p:cNvSpPr txBox="1"/>
+          <p:nvPr/>
+        </p:nvSpPr>
+        <p:spPr>
+          <a:xfrm>
+            <a:off x="1006871" y="307074"/>
+            <a:ext cx="16230600" cy="721626"/>
+          </a:xfrm>
+          <a:prstGeom prst="rect">
+            <a:avLst/>
+          </a:prstGeom>
+        </p:spPr>
+        <p:txBody>
+          <a:bodyPr lIns="0" tIns="0" rIns="0" bIns="0" rtlCol="0" anchor="t">
+            <a:spAutoFit/>
+          </a:bodyPr>
+          <a:lstStyle/>
+          <a:p>
+            <a:pPr>
+              <a:lnSpc>
+                <a:spcPts val="5900"/>
+              </a:lnSpc>
+              <a:spcBef>
+                <a:spcPct val="0"/>
+              </a:spcBef>
+            </a:pPr>
+            <a:r>
+              <a:rPr lang="en-US" sz="4214" spc="956">
+                <a:solidFill>
+                  <a:srgbClr val="2B2C30"/>
+                </a:solidFill>
+                <a:latin typeface="Public Sans Bold"/>
+              </a:rPr>
+              <a:t>ENTITY</a:t>
+            </a:r>
+          </a:p>
+        </p:txBody>
+      </p:sp>
+      <p:sp>
+        <p:nvSpPr>
+          <p:cNvPr id="3" name="AutoShape 3"/>
+          <p:cNvSpPr/>
+          <p:nvPr/>
+        </p:nvSpPr>
+        <p:spPr>
+          <a:xfrm flipV="1">
+            <a:off x="1006877" y="1033462"/>
+            <a:ext cx="16230594" cy="38509"/>
+          </a:xfrm>
+          <a:prstGeom prst="line">
+            <a:avLst/>
+          </a:prstGeom>
+          <a:ln w="9525" cap="flat">
+            <a:solidFill>
+              <a:srgbClr val="2B2C30"/>
+            </a:solidFill>
+            <a:prstDash val="solid"/>
+            <a:headEnd type="none" w="sm" len="sm"/>
+            <a:tailEnd type="none" w="sm" len="sm"/>
+          </a:ln>
+        </p:spPr>
+      </p:sp>
+      <p:sp>
+        <p:nvSpPr>
+          <p:cNvPr id="4" name="TextBox 4"/>
+          <p:cNvSpPr txBox="1"/>
+          <p:nvPr/>
+        </p:nvSpPr>
+        <p:spPr>
+          <a:xfrm>
+            <a:off x="1186658" y="1166032"/>
+            <a:ext cx="16186942" cy="8804911"/>
+          </a:xfrm>
+          <a:prstGeom prst="rect">
+            <a:avLst/>
+          </a:prstGeom>
+        </p:spPr>
+        <p:txBody>
+          <a:bodyPr lIns="0" tIns="0" rIns="0" bIns="0" rtlCol="0" anchor="t">
+            <a:spAutoFit/>
+          </a:bodyPr>
+          <a:lstStyle/>
+          <a:p>
+            <a:pPr>
+              <a:lnSpc>
+                <a:spcPct val="150000"/>
+              </a:lnSpc>
+            </a:pPr>
+            <a:r>
+              <a:rPr lang="en-US" sz="2400" dirty="0">
+                <a:solidFill>
+                  <a:srgbClr val="2B2C30"/>
+                </a:solidFill>
+                <a:latin typeface="Canva Sans"/>
+              </a:rPr>
+              <a:t>public class </a:t>
+            </a:r>
+            <a:r>
+              <a:rPr lang="en-US" sz="2400" dirty="0" err="1">
+                <a:solidFill>
+                  <a:srgbClr val="2B2C30"/>
+                </a:solidFill>
+                <a:latin typeface="Canva Sans"/>
+              </a:rPr>
+              <a:t>RateLimiterProperties</a:t>
+            </a:r>
+            <a:r>
+              <a:rPr lang="en-US" sz="2400" dirty="0">
+                <a:solidFill>
+                  <a:srgbClr val="2B2C30"/>
+                </a:solidFill>
+                <a:latin typeface="Canva Sans"/>
+              </a:rPr>
+              <a:t> {</a:t>
+            </a:r>
+          </a:p>
+          <a:p>
+            <a:pPr>
+              <a:lnSpc>
+                <a:spcPct val="150000"/>
+              </a:lnSpc>
+            </a:pPr>
+            <a:r>
+              <a:rPr lang="en-US" sz="2400" dirty="0">
+                <a:solidFill>
+                  <a:srgbClr val="2B2C30"/>
+                </a:solidFill>
+                <a:latin typeface="Canva Sans"/>
+              </a:rPr>
+              <a:t>    private </a:t>
+            </a:r>
+            <a:r>
+              <a:rPr lang="en-US" sz="2400" dirty="0" err="1">
+                <a:solidFill>
+                  <a:srgbClr val="2B2C30"/>
+                </a:solidFill>
+                <a:latin typeface="Canva Sans"/>
+              </a:rPr>
+              <a:t>boolean</a:t>
+            </a:r>
+            <a:r>
+              <a:rPr lang="en-US" sz="2400" dirty="0">
+                <a:solidFill>
+                  <a:srgbClr val="2B2C30"/>
+                </a:solidFill>
+                <a:latin typeface="Canva Sans"/>
+              </a:rPr>
+              <a:t> enabled;</a:t>
+            </a:r>
+          </a:p>
+          <a:p>
+            <a:pPr>
+              <a:lnSpc>
+                <a:spcPct val="150000"/>
+              </a:lnSpc>
+            </a:pPr>
+            <a:r>
+              <a:rPr lang="en-US" sz="2400" dirty="0">
+                <a:solidFill>
+                  <a:srgbClr val="2B2C30"/>
+                </a:solidFill>
+                <a:latin typeface="Canva Sans"/>
+              </a:rPr>
+              <a:t>    private </a:t>
+            </a:r>
+            <a:r>
+              <a:rPr lang="en-US" sz="2400" dirty="0" err="1">
+                <a:solidFill>
+                  <a:srgbClr val="2B2C30"/>
+                </a:solidFill>
+                <a:latin typeface="Canva Sans"/>
+              </a:rPr>
+              <a:t>RateLimiterType</a:t>
+            </a:r>
+            <a:r>
+              <a:rPr lang="en-US" sz="2400" dirty="0">
+                <a:solidFill>
+                  <a:srgbClr val="2B2C30"/>
+                </a:solidFill>
+                <a:latin typeface="Canva Sans"/>
+              </a:rPr>
+              <a:t> algorithm;</a:t>
+            </a:r>
+          </a:p>
+          <a:p>
+            <a:pPr>
+              <a:lnSpc>
+                <a:spcPct val="150000"/>
+              </a:lnSpc>
+            </a:pPr>
+            <a:r>
+              <a:rPr lang="en-US" sz="2400" dirty="0">
+                <a:solidFill>
+                  <a:srgbClr val="2B2C30"/>
+                </a:solidFill>
+                <a:latin typeface="Canva Sans"/>
+              </a:rPr>
+              <a:t>    private Map&lt;String, Policy&gt; service = new HashMap&lt;&gt;();</a:t>
+            </a:r>
+          </a:p>
+          <a:p>
+            <a:pPr>
+              <a:lnSpc>
+                <a:spcPct val="150000"/>
+              </a:lnSpc>
+            </a:pPr>
+            <a:endParaRPr lang="en-US" sz="2400" dirty="0">
+              <a:solidFill>
+                <a:srgbClr val="2B2C30"/>
+              </a:solidFill>
+              <a:latin typeface="Canva Sans"/>
+            </a:endParaRPr>
+          </a:p>
+          <a:p>
+            <a:pPr>
+              <a:lnSpc>
+                <a:spcPct val="150000"/>
+              </a:lnSpc>
+            </a:pPr>
+            <a:r>
+              <a:rPr lang="en-US" sz="2400" dirty="0">
+                <a:solidFill>
+                  <a:srgbClr val="2B2C30"/>
+                </a:solidFill>
+                <a:latin typeface="Canva Sans"/>
+              </a:rPr>
+              <a:t>    public static class Policy{</a:t>
+            </a:r>
+          </a:p>
+          <a:p>
+            <a:pPr>
+              <a:lnSpc>
+                <a:spcPct val="150000"/>
+              </a:lnSpc>
+            </a:pPr>
+            <a:r>
+              <a:rPr lang="en-US" sz="2400" dirty="0">
+                <a:solidFill>
+                  <a:srgbClr val="2B2C30"/>
+                </a:solidFill>
+                <a:latin typeface="Canva Sans"/>
+              </a:rPr>
+              <a:t>        private int limit;        </a:t>
+            </a:r>
+          </a:p>
+          <a:p>
+            <a:pPr>
+              <a:lnSpc>
+                <a:spcPct val="150000"/>
+              </a:lnSpc>
+            </a:pPr>
+            <a:r>
+              <a:rPr lang="en-US" sz="2400" dirty="0">
+                <a:solidFill>
+                  <a:srgbClr val="2B2C30"/>
+                </a:solidFill>
+                <a:latin typeface="Canva Sans"/>
+              </a:rPr>
+              <a:t>        private int </a:t>
+            </a:r>
+            <a:r>
+              <a:rPr lang="en-US" sz="2400" dirty="0" err="1">
+                <a:solidFill>
+                  <a:srgbClr val="2B2C30"/>
+                </a:solidFill>
+                <a:latin typeface="Canva Sans"/>
+              </a:rPr>
+              <a:t>refreshInterval</a:t>
+            </a:r>
+            <a:r>
+              <a:rPr lang="en-US" sz="2400" dirty="0">
+                <a:solidFill>
+                  <a:srgbClr val="2B2C30"/>
+                </a:solidFill>
+                <a:latin typeface="Canva Sans"/>
+              </a:rPr>
+              <a:t>;</a:t>
+            </a:r>
+          </a:p>
+          <a:p>
+            <a:pPr>
+              <a:lnSpc>
+                <a:spcPct val="150000"/>
+              </a:lnSpc>
+            </a:pPr>
+            <a:r>
+              <a:rPr lang="en-US" sz="2400" dirty="0">
+                <a:solidFill>
+                  <a:srgbClr val="2B2C30"/>
+                </a:solidFill>
+                <a:latin typeface="Canva Sans"/>
+              </a:rPr>
+              <a:t>        private Map&lt;String, </a:t>
+            </a:r>
+            <a:r>
+              <a:rPr lang="en-US" sz="2400" dirty="0" err="1">
+                <a:solidFill>
+                  <a:srgbClr val="2B2C30"/>
+                </a:solidFill>
+                <a:latin typeface="Canva Sans"/>
+              </a:rPr>
+              <a:t>ClientPolicy</a:t>
+            </a:r>
+            <a:r>
+              <a:rPr lang="en-US" sz="2400" dirty="0">
+                <a:solidFill>
+                  <a:srgbClr val="2B2C30"/>
+                </a:solidFill>
+                <a:latin typeface="Canva Sans"/>
+              </a:rPr>
+              <a:t>&gt; client = new HashMap&lt;&gt;();</a:t>
+            </a:r>
+          </a:p>
+          <a:p>
+            <a:pPr>
+              <a:lnSpc>
+                <a:spcPct val="150000"/>
+              </a:lnSpc>
+            </a:pPr>
+            <a:r>
+              <a:rPr lang="en-US" sz="2400" dirty="0">
+                <a:solidFill>
+                  <a:srgbClr val="2B2C30"/>
+                </a:solidFill>
+                <a:latin typeface="Canva Sans"/>
+              </a:rPr>
+              <a:t>    }</a:t>
+            </a:r>
+          </a:p>
+          <a:p>
+            <a:pPr>
+              <a:lnSpc>
+                <a:spcPct val="150000"/>
+              </a:lnSpc>
+            </a:pPr>
+            <a:r>
+              <a:rPr lang="en-US" sz="2400" dirty="0">
+                <a:solidFill>
+                  <a:srgbClr val="2B2C30"/>
+                </a:solidFill>
+                <a:latin typeface="Canva Sans"/>
+              </a:rPr>
+              <a:t>    public static class </a:t>
+            </a:r>
+            <a:r>
+              <a:rPr lang="en-US" sz="2400" dirty="0" err="1">
+                <a:solidFill>
+                  <a:srgbClr val="2B2C30"/>
+                </a:solidFill>
+                <a:latin typeface="Canva Sans"/>
+              </a:rPr>
+              <a:t>ClientPolicy</a:t>
+            </a:r>
+            <a:r>
+              <a:rPr lang="en-US" sz="2400" dirty="0">
+                <a:solidFill>
+                  <a:srgbClr val="2B2C30"/>
+                </a:solidFill>
+                <a:latin typeface="Canva Sans"/>
+              </a:rPr>
+              <a:t>{</a:t>
+            </a:r>
+          </a:p>
+          <a:p>
+            <a:pPr>
+              <a:lnSpc>
+                <a:spcPct val="150000"/>
+              </a:lnSpc>
+            </a:pPr>
+            <a:r>
+              <a:rPr lang="en-US" sz="2400" dirty="0">
+                <a:solidFill>
+                  <a:srgbClr val="2B2C30"/>
+                </a:solidFill>
+                <a:latin typeface="Canva Sans"/>
+              </a:rPr>
+              <a:t>        private int </a:t>
+            </a:r>
+            <a:r>
+              <a:rPr lang="en-US" sz="2400" dirty="0" err="1">
+                <a:solidFill>
+                  <a:srgbClr val="2B2C30"/>
+                </a:solidFill>
+                <a:latin typeface="Canva Sans"/>
+              </a:rPr>
+              <a:t>clientLimit</a:t>
+            </a:r>
+            <a:r>
+              <a:rPr lang="en-US" sz="2400" dirty="0">
+                <a:solidFill>
+                  <a:srgbClr val="2B2C30"/>
+                </a:solidFill>
+                <a:latin typeface="Canva Sans"/>
+              </a:rPr>
+              <a:t>;        </a:t>
+            </a:r>
+          </a:p>
+          <a:p>
+            <a:pPr>
+              <a:lnSpc>
+                <a:spcPct val="150000"/>
+              </a:lnSpc>
+            </a:pPr>
+            <a:r>
+              <a:rPr lang="en-US" sz="2400" dirty="0">
+                <a:solidFill>
+                  <a:srgbClr val="2B2C30"/>
+                </a:solidFill>
+                <a:latin typeface="Canva Sans"/>
+              </a:rPr>
+              <a:t>        private int </a:t>
+            </a:r>
+            <a:r>
+              <a:rPr lang="en-US" sz="2400" dirty="0" err="1">
+                <a:solidFill>
+                  <a:srgbClr val="2B2C30"/>
+                </a:solidFill>
+                <a:latin typeface="Canva Sans"/>
+              </a:rPr>
+              <a:t>clientRefreshInterval</a:t>
+            </a:r>
+            <a:r>
+              <a:rPr lang="en-US" sz="2400" dirty="0">
+                <a:solidFill>
+                  <a:srgbClr val="2B2C30"/>
+                </a:solidFill>
+                <a:latin typeface="Canva Sans"/>
+              </a:rPr>
+              <a:t>;</a:t>
+            </a:r>
+          </a:p>
+          <a:p>
+            <a:pPr>
+              <a:lnSpc>
+                <a:spcPct val="150000"/>
+              </a:lnSpc>
+            </a:pPr>
+            <a:r>
+              <a:rPr lang="en-US" sz="2400" dirty="0">
+                <a:solidFill>
+                  <a:srgbClr val="2B2C30"/>
+                </a:solidFill>
+                <a:latin typeface="Canva Sans"/>
+              </a:rPr>
+              <a:t>    }</a:t>
+            </a:r>
+          </a:p>
+          <a:p>
+            <a:pPr>
+              <a:lnSpc>
+                <a:spcPct val="150000"/>
+              </a:lnSpc>
+            </a:pPr>
+            <a:r>
+              <a:rPr lang="en-US" sz="2400" dirty="0">
+                <a:solidFill>
+                  <a:srgbClr val="2B2C30"/>
+                </a:solidFill>
+                <a:latin typeface="Canva Sans"/>
+              </a:rPr>
+              <a:t>}</a:t>
+            </a:r>
+          </a:p>
+          <a:p>
+            <a:pPr>
+              <a:lnSpc>
+                <a:spcPct val="150000"/>
+              </a:lnSpc>
+            </a:pPr>
+            <a:endParaRPr lang="en-US" sz="2400" dirty="0">
+              <a:solidFill>
+                <a:srgbClr val="2B2C30"/>
+              </a:solidFill>
+              <a:latin typeface="Canva Sans"/>
+            </a:endParaRPr>
+          </a:p>
+        </p:txBody>
+      </p:sp>
+    </p:spTree>
+  </p:cSld>
+  <p:clrMapOvr>
+    <a:masterClrMapping/>
+  </p:clrMapOvr>
+</p:sld>
+</file>
+
+<file path=ppt/slides/slide11.xml><?xml version="1.0" encoding="utf-8"?>
+<p:sld xmlns:a="http://schemas.openxmlformats.org/drawingml/2006/main" xmlns:r="http://schemas.openxmlformats.org/officeDocument/2006/relationships" xmlns:p="http://schemas.openxmlformats.org/presentationml/2006/main">
+  <p:cSld>
+    <p:bg>
+      <p:bgPr>
+        <a:solidFill>
+          <a:srgbClr val="EFEEE7"/>
+        </a:solidFill>
+        <a:effectLst/>
+      </p:bgPr>
+    </p:bg>
+    <p:spTree>
+      <p:nvGrpSpPr>
+        <p:cNvPr id="1" name=""/>
+        <p:cNvGrpSpPr/>
+        <p:nvPr/>
+      </p:nvGrpSpPr>
+      <p:grpSpPr>
+        <a:xfrm>
+          <a:off x="0" y="0"/>
+          <a:ext cx="0" cy="0"/>
+          <a:chOff x="0" y="0"/>
+          <a:chExt cx="0" cy="0"/>
+        </a:xfrm>
+      </p:grpSpPr>
+      <p:sp>
+        <p:nvSpPr>
           <p:cNvPr id="6" name="TextBox 5">
             <a:extLst>
               <a:ext uri="{FF2B5EF4-FFF2-40B4-BE49-F238E27FC236}">
@@ -4333,7 +4848,7 @@
 </p:sld>
 </file>
 
-<file path=ppt/slides/slide11.xml><?xml version="1.0" encoding="utf-8"?>
+<file path=ppt/slides/slide12.xml><?xml version="1.0" encoding="utf-8"?>
 <p:sld xmlns:a="http://schemas.openxmlformats.org/drawingml/2006/main" xmlns:r="http://schemas.openxmlformats.org/officeDocument/2006/relationships" xmlns:p="http://schemas.openxmlformats.org/presentationml/2006/main">
   <p:cSld>
     <p:spTree>
@@ -4399,7 +4914,7 @@
 </p:sld>
 </file>
 
-<file path=ppt/slides/slide12.xml><?xml version="1.0" encoding="utf-8"?>
+<file path=ppt/slides/slide13.xml><?xml version="1.0" encoding="utf-8"?>
 <p:sld xmlns:a="http://schemas.openxmlformats.org/drawingml/2006/main" xmlns:r="http://schemas.openxmlformats.org/officeDocument/2006/relationships" xmlns:p="http://schemas.openxmlformats.org/presentationml/2006/main">
   <p:cSld>
     <p:bg>
@@ -4622,7 +5137,7 @@
 </p:sld>
 </file>
 
-<file path=ppt/slides/slide13.xml><?xml version="1.0" encoding="utf-8"?>
+<file path=ppt/slides/slide14.xml><?xml version="1.0" encoding="utf-8"?>
 <p:sld xmlns:a="http://schemas.openxmlformats.org/drawingml/2006/main" xmlns:r="http://schemas.openxmlformats.org/officeDocument/2006/relationships" xmlns:p="http://schemas.openxmlformats.org/presentationml/2006/main">
   <p:cSld>
     <p:bg>
@@ -5650,7 +6165,7 @@
 </p:sld>
 </file>
 
-<file path=ppt/slides/slide14.xml><?xml version="1.0" encoding="utf-8"?>
+<file path=ppt/slides/slide15.xml><?xml version="1.0" encoding="utf-8"?>
 <p:sld xmlns:a="http://schemas.openxmlformats.org/drawingml/2006/main" xmlns:r="http://schemas.openxmlformats.org/officeDocument/2006/relationships" xmlns:p="http://schemas.openxmlformats.org/presentationml/2006/main">
   <p:cSld>
     <p:bg>
@@ -7168,7 +7683,7 @@
 </p:sld>
 </file>
 
-<file path=ppt/slides/slide15.xml><?xml version="1.0" encoding="utf-8"?>
+<file path=ppt/slides/slide16.xml><?xml version="1.0" encoding="utf-8"?>
 <p:sld xmlns:a="http://schemas.openxmlformats.org/drawingml/2006/main" xmlns:r="http://schemas.openxmlformats.org/officeDocument/2006/relationships" xmlns:p="http://schemas.openxmlformats.org/presentationml/2006/main">
   <p:cSld>
     <p:bg>
@@ -7255,7 +7770,7 @@
 </p:sld>
 </file>
 
-<file path=ppt/slides/slide16.xml><?xml version="1.0" encoding="utf-8"?>
+<file path=ppt/slides/slide17.xml><?xml version="1.0" encoding="utf-8"?>
 <p:sld xmlns:a="http://schemas.openxmlformats.org/drawingml/2006/main" xmlns:r="http://schemas.openxmlformats.org/officeDocument/2006/relationships" xmlns:p="http://schemas.openxmlformats.org/presentationml/2006/main">
   <p:cSld>
     <p:bg>
@@ -7326,7 +7841,7 @@
 </p:sld>
 </file>
 
-<file path=ppt/slides/slide17.xml><?xml version="1.0" encoding="utf-8"?>
+<file path=ppt/slides/slide18.xml><?xml version="1.0" encoding="utf-8"?>
 <p:sld xmlns:a="http://schemas.openxmlformats.org/drawingml/2006/main" xmlns:r="http://schemas.openxmlformats.org/officeDocument/2006/relationships" xmlns:p="http://schemas.openxmlformats.org/presentationml/2006/main">
   <p:cSld>
     <p:bg>
@@ -7521,7 +8036,7 @@
 </p:sld>
 </file>
 
-<file path=ppt/slides/slide18.xml><?xml version="1.0" encoding="utf-8"?>
+<file path=ppt/slides/slide19.xml><?xml version="1.0" encoding="utf-8"?>
 <p:sld xmlns:a="http://schemas.openxmlformats.org/drawingml/2006/main" xmlns:r="http://schemas.openxmlformats.org/officeDocument/2006/relationships" xmlns:p="http://schemas.openxmlformats.org/presentationml/2006/main">
   <p:cSld>
     <p:bg>
@@ -7813,77 +8328,6 @@
               </a:solidFill>
               <a:latin typeface="Canva Sans"/>
             </a:endParaRPr>
-          </a:p>
-        </p:txBody>
-      </p:sp>
-    </p:spTree>
-  </p:cSld>
-  <p:clrMapOvr>
-    <a:masterClrMapping/>
-  </p:clrMapOvr>
-</p:sld>
-</file>
-
-<file path=ppt/slides/slide19.xml><?xml version="1.0" encoding="utf-8"?>
-<p:sld xmlns:a="http://schemas.openxmlformats.org/drawingml/2006/main" xmlns:r="http://schemas.openxmlformats.org/officeDocument/2006/relationships" xmlns:p="http://schemas.openxmlformats.org/presentationml/2006/main">
-  <p:cSld>
-    <p:bg>
-      <p:bgPr>
-        <a:solidFill>
-          <a:srgbClr val="EFEEE7"/>
-        </a:solidFill>
-        <a:effectLst/>
-      </p:bgPr>
-    </p:bg>
-    <p:spTree>
-      <p:nvGrpSpPr>
-        <p:cNvPr id="1" name=""/>
-        <p:cNvGrpSpPr/>
-        <p:nvPr/>
-      </p:nvGrpSpPr>
-      <p:grpSpPr>
-        <a:xfrm>
-          <a:off x="0" y="0"/>
-          <a:ext cx="0" cy="0"/>
-          <a:chOff x="0" y="0"/>
-          <a:chExt cx="0" cy="0"/>
-        </a:xfrm>
-      </p:grpSpPr>
-      <p:sp>
-        <p:nvSpPr>
-          <p:cNvPr id="2" name="TextBox 2"/>
-          <p:cNvSpPr txBox="1"/>
-          <p:nvPr/>
-        </p:nvSpPr>
-        <p:spPr>
-          <a:xfrm>
-            <a:off x="7617916" y="4274503"/>
-            <a:ext cx="3583484" cy="1545295"/>
-          </a:xfrm>
-          <a:prstGeom prst="rect">
-            <a:avLst/>
-          </a:prstGeom>
-        </p:spPr>
-        <p:txBody>
-          <a:bodyPr wrap="square" lIns="0" tIns="0" rIns="0" bIns="0" rtlCol="0" anchor="t">
-            <a:spAutoFit/>
-          </a:bodyPr>
-          <a:lstStyle/>
-          <a:p>
-            <a:pPr algn="ctr">
-              <a:lnSpc>
-                <a:spcPts val="12880"/>
-              </a:lnSpc>
-            </a:pPr>
-            <a:r>
-              <a:rPr lang="en-US" sz="9200" dirty="0">
-                <a:solidFill>
-                  <a:srgbClr val="000000"/>
-                </a:solidFill>
-                <a:latin typeface="Canva Sans Bold"/>
-              </a:rPr>
-              <a:t>Q &amp; A</a:t>
-            </a:r>
           </a:p>
         </p:txBody>
       </p:sp>
@@ -8315,6 +8759,77 @@
         </p:nvSpPr>
         <p:spPr>
           <a:xfrm>
+            <a:off x="7617916" y="4274503"/>
+            <a:ext cx="3583484" cy="1545295"/>
+          </a:xfrm>
+          <a:prstGeom prst="rect">
+            <a:avLst/>
+          </a:prstGeom>
+        </p:spPr>
+        <p:txBody>
+          <a:bodyPr wrap="square" lIns="0" tIns="0" rIns="0" bIns="0" rtlCol="0" anchor="t">
+            <a:spAutoFit/>
+          </a:bodyPr>
+          <a:lstStyle/>
+          <a:p>
+            <a:pPr algn="ctr">
+              <a:lnSpc>
+                <a:spcPts val="12880"/>
+              </a:lnSpc>
+            </a:pPr>
+            <a:r>
+              <a:rPr lang="en-US" sz="9200" dirty="0">
+                <a:solidFill>
+                  <a:srgbClr val="000000"/>
+                </a:solidFill>
+                <a:latin typeface="Canva Sans Bold"/>
+              </a:rPr>
+              <a:t>Q &amp; A</a:t>
+            </a:r>
+          </a:p>
+        </p:txBody>
+      </p:sp>
+    </p:spTree>
+  </p:cSld>
+  <p:clrMapOvr>
+    <a:masterClrMapping/>
+  </p:clrMapOvr>
+</p:sld>
+</file>
+
+<file path=ppt/slides/slide21.xml><?xml version="1.0" encoding="utf-8"?>
+<p:sld xmlns:a="http://schemas.openxmlformats.org/drawingml/2006/main" xmlns:r="http://schemas.openxmlformats.org/officeDocument/2006/relationships" xmlns:p="http://schemas.openxmlformats.org/presentationml/2006/main">
+  <p:cSld>
+    <p:bg>
+      <p:bgPr>
+        <a:solidFill>
+          <a:srgbClr val="EFEEE7"/>
+        </a:solidFill>
+        <a:effectLst/>
+      </p:bgPr>
+    </p:bg>
+    <p:spTree>
+      <p:nvGrpSpPr>
+        <p:cNvPr id="1" name=""/>
+        <p:cNvGrpSpPr/>
+        <p:nvPr/>
+      </p:nvGrpSpPr>
+      <p:grpSpPr>
+        <a:xfrm>
+          <a:off x="0" y="0"/>
+          <a:ext cx="0" cy="0"/>
+          <a:chOff x="0" y="0"/>
+          <a:chExt cx="0" cy="0"/>
+        </a:xfrm>
+      </p:grpSpPr>
+      <p:sp>
+        <p:nvSpPr>
+          <p:cNvPr id="2" name="TextBox 2"/>
+          <p:cNvSpPr txBox="1"/>
+          <p:nvPr/>
+        </p:nvSpPr>
+        <p:spPr>
+          <a:xfrm>
             <a:off x="5680234" y="4274503"/>
             <a:ext cx="6927532" cy="1566544"/>
           </a:xfrm>
@@ -8452,7 +8967,7 @@
         <p:spPr>
           <a:xfrm>
             <a:off x="1015345" y="1300316"/>
-            <a:ext cx="15291240" cy="9249712"/>
+            <a:ext cx="15291240" cy="9358909"/>
           </a:xfrm>
           <a:prstGeom prst="rect">
             <a:avLst/>
@@ -8466,85 +8981,85 @@
           <a:p>
             <a:pPr marL="692746" lvl="1" indent="-346373">
               <a:lnSpc>
-                <a:spcPts val="5230"/>
+                <a:spcPct val="150000"/>
               </a:lnSpc>
               <a:buFont typeface="Arial"/>
               <a:buChar char="•"/>
             </a:pPr>
             <a:r>
-              <a:rPr lang="en-US" sz="3208" dirty="0">
-                <a:solidFill>
-                  <a:srgbClr val="2B2C30"/>
-                </a:solidFill>
-                <a:latin typeface="Canva Sans"/>
-              </a:rPr>
-              <a:t>~11 years of experience working on Java, Spring, Spring Boot, REST. Mentored teammates and juniors.</a:t>
+              <a:rPr lang="en-US" sz="2400" dirty="0">
+                <a:solidFill>
+                  <a:srgbClr val="2B2C30"/>
+                </a:solidFill>
+                <a:latin typeface="Canva Sans"/>
+              </a:rPr>
+              <a:t>~11 years of experience working in Industry.</a:t>
             </a:r>
           </a:p>
           <a:p>
             <a:pPr marL="692746" lvl="1" indent="-346373">
               <a:lnSpc>
-                <a:spcPts val="5230"/>
+                <a:spcPct val="150000"/>
               </a:lnSpc>
               <a:buFont typeface="Arial"/>
               <a:buChar char="•"/>
             </a:pPr>
             <a:r>
-              <a:rPr lang="en-US" sz="3208" dirty="0">
-                <a:solidFill>
-                  <a:srgbClr val="2B2C30"/>
-                </a:solidFill>
-                <a:latin typeface="Canva Sans"/>
-              </a:rPr>
-              <a:t>Knowledge of Cloud services</a:t>
+              <a:rPr lang="en-US" sz="2400" dirty="0">
+                <a:solidFill>
+                  <a:srgbClr val="2B2C30"/>
+                </a:solidFill>
+                <a:latin typeface="Canva Sans"/>
+              </a:rPr>
+              <a:t>Mentored teammates and juniors.</a:t>
             </a:r>
           </a:p>
           <a:p>
             <a:pPr marL="692746" lvl="1" indent="-346373">
               <a:lnSpc>
-                <a:spcPts val="5230"/>
+                <a:spcPct val="150000"/>
               </a:lnSpc>
               <a:buFont typeface="Arial"/>
               <a:buChar char="•"/>
             </a:pPr>
             <a:r>
-              <a:rPr lang="en-US" sz="3208" dirty="0">
-                <a:solidFill>
-                  <a:srgbClr val="2B2C30"/>
-                </a:solidFill>
-                <a:latin typeface="Canva Sans"/>
-              </a:rPr>
-              <a:t>Currently working with NAB as Senior Consultant</a:t>
+              <a:rPr lang="en-US" sz="2400" dirty="0">
+                <a:solidFill>
+                  <a:srgbClr val="2B2C30"/>
+                </a:solidFill>
+                <a:latin typeface="Canva Sans"/>
+              </a:rPr>
+              <a:t>Knowledge of Cloud services. </a:t>
             </a:r>
           </a:p>
           <a:p>
             <a:pPr marL="692746" lvl="1" indent="-346373">
               <a:lnSpc>
-                <a:spcPts val="5230"/>
+                <a:spcPct val="150000"/>
               </a:lnSpc>
               <a:buFont typeface="Arial"/>
               <a:buChar char="•"/>
             </a:pPr>
             <a:r>
-              <a:rPr lang="en-US" sz="3208" dirty="0">
-                <a:solidFill>
-                  <a:srgbClr val="2B2C30"/>
-                </a:solidFill>
-                <a:latin typeface="Canva Sans"/>
-              </a:rPr>
-              <a:t>Latest Project: Internal trading application which involves Data from upstream services to our system and process it to store in Database and enable downstream clients to consume.</a:t>
+              <a:rPr lang="en-US" sz="2400" dirty="0">
+                <a:solidFill>
+                  <a:srgbClr val="2B2C30"/>
+                </a:solidFill>
+                <a:latin typeface="Canva Sans"/>
+              </a:rPr>
+              <a:t>Currently working with NAB as Senior Consultant</a:t>
             </a:r>
           </a:p>
           <a:p>
             <a:pPr marL="692746" lvl="1" indent="-346373">
               <a:lnSpc>
-                <a:spcPts val="5230"/>
+                <a:spcPct val="150000"/>
               </a:lnSpc>
               <a:buFont typeface="Arial"/>
               <a:buChar char="•"/>
             </a:pPr>
             <a:r>
-              <a:rPr lang="en-US" sz="3208" dirty="0">
+              <a:rPr lang="en-US" sz="2400" dirty="0">
                 <a:solidFill>
                   <a:srgbClr val="2B2C30"/>
                 </a:solidFill>
@@ -8556,13 +9071,13 @@
           <a:p>
             <a:pPr marL="692746" lvl="1" indent="-346373">
               <a:lnSpc>
-                <a:spcPts val="5230"/>
+                <a:spcPct val="150000"/>
               </a:lnSpc>
               <a:buFont typeface="Arial"/>
               <a:buChar char="•"/>
             </a:pPr>
             <a:r>
-              <a:rPr lang="en-US" sz="3208" dirty="0">
+              <a:rPr lang="en-US" sz="2400" dirty="0">
                 <a:solidFill>
                   <a:srgbClr val="2B2C30"/>
                 </a:solidFill>
@@ -8574,11 +9089,11 @@
           <a:p>
             <a:pPr>
               <a:lnSpc>
-                <a:spcPts val="5230"/>
-              </a:lnSpc>
-            </a:pPr>
-            <a:r>
-              <a:rPr lang="en-US" sz="3208" dirty="0">
+                <a:spcPct val="150000"/>
+              </a:lnSpc>
+            </a:pPr>
+            <a:r>
+              <a:rPr lang="en-US" sz="2400" dirty="0">
                 <a:solidFill>
                   <a:srgbClr val="2B2C30"/>
                 </a:solidFill>
@@ -8587,7 +9102,7 @@
               <a:t>       </a:t>
             </a:r>
             <a:r>
-              <a:rPr lang="en-US" sz="3208" dirty="0" err="1">
+              <a:rPr lang="en-US" sz="2400" dirty="0" err="1">
                 <a:solidFill>
                   <a:srgbClr val="2B2C30"/>
                 </a:solidFill>
@@ -8596,7 +9111,7 @@
               <a:t>Natwest</a:t>
             </a:r>
             <a:r>
-              <a:rPr lang="en-US" sz="3208" dirty="0">
+              <a:rPr lang="en-US" sz="2400" dirty="0">
                 <a:solidFill>
                   <a:srgbClr val="2B2C30"/>
                 </a:solidFill>
@@ -8608,11 +9123,11 @@
           <a:p>
             <a:pPr>
               <a:lnSpc>
-                <a:spcPts val="4973"/>
-              </a:lnSpc>
-            </a:pPr>
-            <a:r>
-              <a:rPr lang="en-US" sz="3208" dirty="0">
+                <a:spcPct val="150000"/>
+              </a:lnSpc>
+            </a:pPr>
+            <a:r>
+              <a:rPr lang="en-US" sz="2400" dirty="0">
                 <a:solidFill>
                   <a:srgbClr val="2B2C30"/>
                 </a:solidFill>
@@ -8624,11 +9139,11 @@
           <a:p>
             <a:pPr>
               <a:lnSpc>
-                <a:spcPts val="5230"/>
-              </a:lnSpc>
-            </a:pPr>
-            <a:r>
-              <a:rPr lang="en-US" sz="3208" dirty="0">
+                <a:spcPct val="150000"/>
+              </a:lnSpc>
+            </a:pPr>
+            <a:r>
+              <a:rPr lang="en-US" sz="2400" dirty="0">
                 <a:solidFill>
                   <a:srgbClr val="2B2C30"/>
                 </a:solidFill>
@@ -8637,7 +9152,7 @@
               <a:t>       </a:t>
             </a:r>
             <a:r>
-              <a:rPr lang="en-US" sz="3208" dirty="0" err="1">
+              <a:rPr lang="en-US" sz="2400" dirty="0" err="1">
                 <a:solidFill>
                   <a:srgbClr val="2B2C30"/>
                 </a:solidFill>
@@ -8646,7 +9161,7 @@
               <a:t>Raremile</a:t>
             </a:r>
             <a:r>
-              <a:rPr lang="en-US" sz="3208" dirty="0">
+              <a:rPr lang="en-US" sz="2400" dirty="0">
                 <a:solidFill>
                   <a:srgbClr val="2B2C30"/>
                 </a:solidFill>
@@ -8658,11 +9173,11 @@
           <a:p>
             <a:pPr>
               <a:lnSpc>
-                <a:spcPts val="5230"/>
-              </a:lnSpc>
-            </a:pPr>
-            <a:r>
-              <a:rPr lang="en-US" sz="3208" dirty="0">
+                <a:spcPct val="150000"/>
+              </a:lnSpc>
+            </a:pPr>
+            <a:r>
+              <a:rPr lang="en-US" sz="2400" dirty="0">
                 <a:solidFill>
                   <a:srgbClr val="2B2C30"/>
                 </a:solidFill>
@@ -8672,12 +9187,107 @@
             </a:r>
           </a:p>
           <a:p>
+            <a:pPr marL="692746" lvl="1" indent="-346373">
+              <a:lnSpc>
+                <a:spcPct val="150000"/>
+              </a:lnSpc>
+              <a:buFont typeface="Arial"/>
+              <a:buChar char="•"/>
+            </a:pPr>
+            <a:r>
+              <a:rPr lang="en-US" sz="2400" dirty="0">
+                <a:solidFill>
+                  <a:srgbClr val="2B2C30"/>
+                </a:solidFill>
+                <a:latin typeface="Canva Sans"/>
+              </a:rPr>
+              <a:t>Personal Info:</a:t>
+            </a:r>
+          </a:p>
+          <a:p>
+            <a:pPr marL="346373" lvl="1">
+              <a:lnSpc>
+                <a:spcPct val="150000"/>
+              </a:lnSpc>
+            </a:pPr>
+            <a:r>
+              <a:rPr lang="en-US" sz="2400" dirty="0">
+                <a:solidFill>
+                  <a:srgbClr val="2B2C30"/>
+                </a:solidFill>
+                <a:latin typeface="Canva Sans"/>
+              </a:rPr>
+              <a:t>    Staying in Gurgaon from past 7 years with family, basically from Rohtak, Haryana.</a:t>
+            </a:r>
+          </a:p>
+          <a:p>
+            <a:pPr marL="346373" lvl="1">
+              <a:lnSpc>
+                <a:spcPct val="150000"/>
+              </a:lnSpc>
+            </a:pPr>
+            <a:r>
+              <a:rPr lang="en-US" sz="2400" dirty="0">
+                <a:solidFill>
+                  <a:srgbClr val="2B2C30"/>
+                </a:solidFill>
+                <a:latin typeface="Canva Sans"/>
+              </a:rPr>
+              <a:t>    Worked previously in Bangalore for 4 years at start of career.</a:t>
+            </a:r>
+          </a:p>
+          <a:p>
+            <a:pPr marL="346373" lvl="1">
+              <a:lnSpc>
+                <a:spcPct val="150000"/>
+              </a:lnSpc>
+            </a:pPr>
+            <a:r>
+              <a:rPr lang="en-US" sz="2400" dirty="0">
+                <a:solidFill>
+                  <a:srgbClr val="2B2C30"/>
+                </a:solidFill>
+                <a:latin typeface="Canva Sans"/>
+              </a:rPr>
+              <a:t>    Hobbies: Playing cricket on weekends.</a:t>
+            </a:r>
+          </a:p>
+          <a:p>
+            <a:pPr marL="346373" lvl="1">
+              <a:lnSpc>
+                <a:spcPct val="150000"/>
+              </a:lnSpc>
+            </a:pPr>
+            <a:endParaRPr lang="en-US" sz="2400" dirty="0">
+              <a:solidFill>
+                <a:srgbClr val="2B2C30"/>
+              </a:solidFill>
+              <a:latin typeface="Canva Sans"/>
+            </a:endParaRPr>
+          </a:p>
+          <a:p>
             <a:pPr>
               <a:lnSpc>
-                <a:spcPts val="5230"/>
-              </a:lnSpc>
-            </a:pPr>
-            <a:endParaRPr lang="en-US" sz="3208" dirty="0">
+                <a:spcPct val="150000"/>
+              </a:lnSpc>
+            </a:pPr>
+            <a:r>
+              <a:rPr lang="en-US" sz="2400" dirty="0">
+                <a:solidFill>
+                  <a:srgbClr val="2B2C30"/>
+                </a:solidFill>
+                <a:latin typeface="Canva Sans"/>
+              </a:rPr>
+              <a:t>               </a:t>
+            </a:r>
+          </a:p>
+          <a:p>
+            <a:pPr>
+              <a:lnSpc>
+                <a:spcPct val="150000"/>
+              </a:lnSpc>
+            </a:pPr>
+            <a:endParaRPr lang="en-US" sz="2400" dirty="0">
               <a:solidFill>
                 <a:srgbClr val="2B2C30"/>
               </a:solidFill>
@@ -8695,6 +9305,307 @@
 </file>
 
 <file path=ppt/slides/slide4.xml><?xml version="1.0" encoding="utf-8"?>
+<p:sld xmlns:a="http://schemas.openxmlformats.org/drawingml/2006/main" xmlns:r="http://schemas.openxmlformats.org/officeDocument/2006/relationships" xmlns:p="http://schemas.openxmlformats.org/presentationml/2006/main">
+  <p:cSld>
+    <p:bg>
+      <p:bgPr>
+        <a:solidFill>
+          <a:srgbClr val="EFEEE7"/>
+        </a:solidFill>
+        <a:effectLst/>
+      </p:bgPr>
+    </p:bg>
+    <p:spTree>
+      <p:nvGrpSpPr>
+        <p:cNvPr id="1" name=""/>
+        <p:cNvGrpSpPr/>
+        <p:nvPr/>
+      </p:nvGrpSpPr>
+      <p:grpSpPr>
+        <a:xfrm>
+          <a:off x="0" y="0"/>
+          <a:ext cx="0" cy="0"/>
+          <a:chOff x="0" y="0"/>
+          <a:chExt cx="0" cy="0"/>
+        </a:xfrm>
+      </p:grpSpPr>
+      <p:sp>
+        <p:nvSpPr>
+          <p:cNvPr id="2" name="TextBox 2"/>
+          <p:cNvSpPr txBox="1"/>
+          <p:nvPr/>
+        </p:nvSpPr>
+        <p:spPr>
+          <a:xfrm>
+            <a:off x="1028700" y="387126"/>
+            <a:ext cx="16230600" cy="640368"/>
+          </a:xfrm>
+          <a:prstGeom prst="rect">
+            <a:avLst/>
+          </a:prstGeom>
+        </p:spPr>
+        <p:txBody>
+          <a:bodyPr lIns="0" tIns="0" rIns="0" bIns="0" rtlCol="0" anchor="t">
+            <a:spAutoFit/>
+          </a:bodyPr>
+          <a:lstStyle/>
+          <a:p>
+            <a:pPr>
+              <a:lnSpc>
+                <a:spcPts val="5760"/>
+              </a:lnSpc>
+              <a:spcBef>
+                <a:spcPct val="0"/>
+              </a:spcBef>
+            </a:pPr>
+            <a:r>
+              <a:rPr lang="en-US" sz="2800" spc="933" dirty="0">
+                <a:solidFill>
+                  <a:srgbClr val="2B2C30"/>
+                </a:solidFill>
+                <a:latin typeface="Public Sans Bold"/>
+              </a:rPr>
+              <a:t>Work Portfolio </a:t>
+            </a:r>
+          </a:p>
+        </p:txBody>
+      </p:sp>
+      <p:sp>
+        <p:nvSpPr>
+          <p:cNvPr id="3" name="AutoShape 3"/>
+          <p:cNvSpPr/>
+          <p:nvPr/>
+        </p:nvSpPr>
+        <p:spPr>
+          <a:xfrm flipV="1">
+            <a:off x="1028711" y="1033462"/>
+            <a:ext cx="16230594" cy="38509"/>
+          </a:xfrm>
+          <a:prstGeom prst="line">
+            <a:avLst/>
+          </a:prstGeom>
+          <a:ln w="9525" cap="flat">
+            <a:solidFill>
+              <a:srgbClr val="2B2C30"/>
+            </a:solidFill>
+            <a:prstDash val="solid"/>
+            <a:headEnd type="none" w="sm" len="sm"/>
+            <a:tailEnd type="none" w="sm" len="sm"/>
+          </a:ln>
+        </p:spPr>
+      </p:sp>
+      <p:sp>
+        <p:nvSpPr>
+          <p:cNvPr id="4" name="TextBox 4"/>
+          <p:cNvSpPr txBox="1"/>
+          <p:nvPr/>
+        </p:nvSpPr>
+        <p:spPr>
+          <a:xfrm>
+            <a:off x="1015345" y="1300316"/>
+            <a:ext cx="15291240" cy="9275360"/>
+          </a:xfrm>
+          <a:prstGeom prst="rect">
+            <a:avLst/>
+          </a:prstGeom>
+        </p:spPr>
+        <p:txBody>
+          <a:bodyPr lIns="0" tIns="0" rIns="0" bIns="0" rtlCol="0" anchor="t">
+            <a:spAutoFit/>
+          </a:bodyPr>
+          <a:lstStyle/>
+          <a:p>
+            <a:pPr marL="346373" lvl="1">
+              <a:lnSpc>
+                <a:spcPts val="5230"/>
+              </a:lnSpc>
+            </a:pPr>
+            <a:r>
+              <a:rPr lang="en-US" sz="3208" dirty="0">
+                <a:solidFill>
+                  <a:srgbClr val="2B2C30"/>
+                </a:solidFill>
+                <a:latin typeface="Canva Sans"/>
+              </a:rPr>
+              <a:t>Last Project:</a:t>
+            </a:r>
+          </a:p>
+          <a:p>
+            <a:pPr marL="346373" lvl="1">
+              <a:lnSpc>
+                <a:spcPts val="5230"/>
+              </a:lnSpc>
+            </a:pPr>
+            <a:r>
+              <a:rPr lang="en-US" sz="3208" dirty="0">
+                <a:solidFill>
+                  <a:srgbClr val="2B2C30"/>
+                </a:solidFill>
+                <a:latin typeface="Canva Sans"/>
+              </a:rPr>
+              <a:t>Designed an internal trading platform which is being used by internal traders of </a:t>
+            </a:r>
+            <a:r>
+              <a:rPr lang="en-US" sz="3208" dirty="0" err="1">
+                <a:solidFill>
+                  <a:srgbClr val="2B2C30"/>
+                </a:solidFill>
+                <a:latin typeface="Canva Sans"/>
+              </a:rPr>
+              <a:t>Natwest</a:t>
+            </a:r>
+            <a:r>
+              <a:rPr lang="en-US" sz="3208" dirty="0">
+                <a:solidFill>
+                  <a:srgbClr val="2B2C30"/>
+                </a:solidFill>
+                <a:latin typeface="Canva Sans"/>
+              </a:rPr>
+              <a:t>. It sits between upstream and downstream services.</a:t>
+            </a:r>
+            <a:br>
+              <a:rPr lang="en-US" sz="3208" dirty="0">
+                <a:solidFill>
+                  <a:srgbClr val="2B2C30"/>
+                </a:solidFill>
+                <a:latin typeface="Canva Sans"/>
+              </a:rPr>
+            </a:br>
+            <a:r>
+              <a:rPr lang="en-US" sz="3208" dirty="0">
+                <a:solidFill>
+                  <a:srgbClr val="2B2C30"/>
+                </a:solidFill>
+                <a:latin typeface="Canva Sans"/>
+              </a:rPr>
+              <a:t>Implemented new microservices to cater to consumers requirements. Built features for regulatory reporting etc.</a:t>
+            </a:r>
+          </a:p>
+          <a:p>
+            <a:pPr marL="346373" lvl="1">
+              <a:lnSpc>
+                <a:spcPts val="5230"/>
+              </a:lnSpc>
+            </a:pPr>
+            <a:r>
+              <a:rPr lang="en-US" sz="3208" dirty="0">
+                <a:solidFill>
+                  <a:srgbClr val="2B2C30"/>
+                </a:solidFill>
+                <a:latin typeface="Canva Sans"/>
+              </a:rPr>
+              <a:t>Handled migration of legacy monolith application features/data on to new trading platform.</a:t>
+            </a:r>
+          </a:p>
+          <a:p>
+            <a:pPr marL="346373" lvl="1">
+              <a:lnSpc>
+                <a:spcPts val="5230"/>
+              </a:lnSpc>
+            </a:pPr>
+            <a:endParaRPr lang="en-US" sz="3208" dirty="0">
+              <a:solidFill>
+                <a:srgbClr val="2B2C30"/>
+              </a:solidFill>
+              <a:latin typeface="Canva Sans"/>
+            </a:endParaRPr>
+          </a:p>
+          <a:p>
+            <a:pPr marL="346373" lvl="1">
+              <a:lnSpc>
+                <a:spcPts val="5230"/>
+              </a:lnSpc>
+            </a:pPr>
+            <a:r>
+              <a:rPr lang="en-US" sz="3208" dirty="0" err="1">
+                <a:solidFill>
+                  <a:srgbClr val="2B2C30"/>
+                </a:solidFill>
+                <a:latin typeface="Canva Sans"/>
+              </a:rPr>
+              <a:t>Architedtured</a:t>
+            </a:r>
+            <a:r>
+              <a:rPr lang="en-US" sz="3208" dirty="0">
+                <a:solidFill>
+                  <a:srgbClr val="2B2C30"/>
+                </a:solidFill>
+                <a:latin typeface="Canva Sans"/>
+              </a:rPr>
+              <a:t> Deployment pipelines for multiple archetypes.</a:t>
+            </a:r>
+          </a:p>
+          <a:p>
+            <a:pPr marL="346373" lvl="1">
+              <a:lnSpc>
+                <a:spcPts val="5230"/>
+              </a:lnSpc>
+            </a:pPr>
+            <a:r>
+              <a:rPr lang="en-US" sz="3208" dirty="0">
+                <a:solidFill>
+                  <a:srgbClr val="2B2C30"/>
+                </a:solidFill>
+                <a:latin typeface="Canva Sans"/>
+              </a:rPr>
+              <a:t>15+ teams are using the same pipeline code supporting different branching strategy.</a:t>
+            </a:r>
+          </a:p>
+          <a:p>
+            <a:pPr marL="346373" lvl="1">
+              <a:lnSpc>
+                <a:spcPts val="5230"/>
+              </a:lnSpc>
+            </a:pPr>
+            <a:endParaRPr lang="en-US" sz="3208" dirty="0">
+              <a:solidFill>
+                <a:srgbClr val="2B2C30"/>
+              </a:solidFill>
+              <a:latin typeface="Canva Sans"/>
+            </a:endParaRPr>
+          </a:p>
+          <a:p>
+            <a:pPr marL="346373" lvl="1">
+              <a:lnSpc>
+                <a:spcPts val="5230"/>
+              </a:lnSpc>
+            </a:pPr>
+            <a:endParaRPr lang="en-US" sz="3208" dirty="0">
+              <a:solidFill>
+                <a:srgbClr val="2B2C30"/>
+              </a:solidFill>
+              <a:latin typeface="Canva Sans"/>
+            </a:endParaRPr>
+          </a:p>
+          <a:p>
+            <a:pPr>
+              <a:lnSpc>
+                <a:spcPts val="5230"/>
+              </a:lnSpc>
+            </a:pPr>
+            <a:endParaRPr lang="en-US" sz="3208" dirty="0">
+              <a:solidFill>
+                <a:srgbClr val="2B2C30"/>
+              </a:solidFill>
+              <a:latin typeface="Canva Sans"/>
+            </a:endParaRPr>
+          </a:p>
+        </p:txBody>
+      </p:sp>
+    </p:spTree>
+    <p:extLst>
+      <p:ext uri="{BB962C8B-B14F-4D97-AF65-F5344CB8AC3E}">
+        <p14:creationId xmlns:p14="http://schemas.microsoft.com/office/powerpoint/2010/main" val="2891574334"/>
+      </p:ext>
+    </p:extLst>
+  </p:cSld>
+  <p:clrMapOvr>
+    <a:masterClrMapping/>
+  </p:clrMapOvr>
+</p:sld>
+</file>
+
+<file path=ppt/slides/slide5.xml><?xml version="1.0" encoding="utf-8"?>
 <p:sld xmlns:a="http://schemas.openxmlformats.org/drawingml/2006/main" xmlns:r="http://schemas.openxmlformats.org/officeDocument/2006/relationships" xmlns:p="http://schemas.openxmlformats.org/presentationml/2006/main">
   <p:cSld>
     <p:bg>
@@ -8749,7 +9660,7 @@
               </a:spcBef>
             </a:pPr>
             <a:r>
-              <a:rPr lang="en-US" sz="4214" spc="956">
+              <a:rPr lang="en-US" sz="4214" spc="956" dirty="0">
                 <a:solidFill>
                   <a:srgbClr val="2B2C30"/>
                 </a:solidFill>
@@ -8957,7 +9868,7 @@
 </p:sld>
 </file>
 
-<file path=ppt/slides/slide5.xml><?xml version="1.0" encoding="utf-8"?>
+<file path=ppt/slides/slide6.xml><?xml version="1.0" encoding="utf-8"?>
 <p:sld xmlns:a="http://schemas.openxmlformats.org/drawingml/2006/main" xmlns:r="http://schemas.openxmlformats.org/officeDocument/2006/relationships" xmlns:p="http://schemas.openxmlformats.org/presentationml/2006/main">
   <p:cSld>
     <p:bg>
@@ -9275,7 +10186,7 @@
 </p:sld>
 </file>
 
-<file path=ppt/slides/slide6.xml><?xml version="1.0" encoding="utf-8"?>
+<file path=ppt/slides/slide7.xml><?xml version="1.0" encoding="utf-8"?>
 <p:sld xmlns:a="http://schemas.openxmlformats.org/drawingml/2006/main" xmlns:r="http://schemas.openxmlformats.org/officeDocument/2006/relationships" xmlns:p="http://schemas.openxmlformats.org/presentationml/2006/main">
   <p:cSld>
     <p:bg>
@@ -9409,7 +10320,7 @@
 </p:sld>
 </file>
 
-<file path=ppt/slides/slide7.xml><?xml version="1.0" encoding="utf-8"?>
+<file path=ppt/slides/slide8.xml><?xml version="1.0" encoding="utf-8"?>
 <p:sld xmlns:a="http://schemas.openxmlformats.org/drawingml/2006/main" xmlns:r="http://schemas.openxmlformats.org/officeDocument/2006/relationships" xmlns:p="http://schemas.openxmlformats.org/presentationml/2006/main">
   <p:cSld>
     <p:bg>
@@ -9637,7 +10548,7 @@
 </p:sld>
 </file>
 
-<file path=ppt/slides/slide8.xml><?xml version="1.0" encoding="utf-8"?>
+<file path=ppt/slides/slide9.xml><?xml version="1.0" encoding="utf-8"?>
 <p:sld xmlns:a="http://schemas.openxmlformats.org/drawingml/2006/main" xmlns:r="http://schemas.openxmlformats.org/officeDocument/2006/relationships" xmlns:p="http://schemas.openxmlformats.org/presentationml/2006/main">
   <p:cSld>
     <p:bg>
@@ -9802,520 +10713,6 @@
           </a:extLst>
         </p:spPr>
       </p:pic>
-    </p:spTree>
-  </p:cSld>
-  <p:clrMapOvr>
-    <a:masterClrMapping/>
-  </p:clrMapOvr>
-</p:sld>
-</file>
-
-<file path=ppt/slides/slide9.xml><?xml version="1.0" encoding="utf-8"?>
-<p:sld xmlns:a="http://schemas.openxmlformats.org/drawingml/2006/main" xmlns:r="http://schemas.openxmlformats.org/officeDocument/2006/relationships" xmlns:p="http://schemas.openxmlformats.org/presentationml/2006/main">
-  <p:cSld>
-    <p:bg>
-      <p:bgPr>
-        <a:solidFill>
-          <a:srgbClr val="EFEEE7"/>
-        </a:solidFill>
-        <a:effectLst/>
-      </p:bgPr>
-    </p:bg>
-    <p:spTree>
-      <p:nvGrpSpPr>
-        <p:cNvPr id="1" name=""/>
-        <p:cNvGrpSpPr/>
-        <p:nvPr/>
-      </p:nvGrpSpPr>
-      <p:grpSpPr>
-        <a:xfrm>
-          <a:off x="0" y="0"/>
-          <a:ext cx="0" cy="0"/>
-          <a:chOff x="0" y="0"/>
-          <a:chExt cx="0" cy="0"/>
-        </a:xfrm>
-      </p:grpSpPr>
-      <p:sp>
-        <p:nvSpPr>
-          <p:cNvPr id="2" name="TextBox 2"/>
-          <p:cNvSpPr txBox="1"/>
-          <p:nvPr/>
-        </p:nvSpPr>
-        <p:spPr>
-          <a:xfrm>
-            <a:off x="1006871" y="307074"/>
-            <a:ext cx="16230600" cy="721626"/>
-          </a:xfrm>
-          <a:prstGeom prst="rect">
-            <a:avLst/>
-          </a:prstGeom>
-        </p:spPr>
-        <p:txBody>
-          <a:bodyPr lIns="0" tIns="0" rIns="0" bIns="0" rtlCol="0" anchor="t">
-            <a:spAutoFit/>
-          </a:bodyPr>
-          <a:lstStyle/>
-          <a:p>
-            <a:pPr>
-              <a:lnSpc>
-                <a:spcPts val="5900"/>
-              </a:lnSpc>
-              <a:spcBef>
-                <a:spcPct val="0"/>
-              </a:spcBef>
-            </a:pPr>
-            <a:r>
-              <a:rPr lang="en-US" sz="4214" spc="956">
-                <a:solidFill>
-                  <a:srgbClr val="2B2C30"/>
-                </a:solidFill>
-                <a:latin typeface="Public Sans Bold"/>
-              </a:rPr>
-              <a:t>ENTITY</a:t>
-            </a:r>
-          </a:p>
-        </p:txBody>
-      </p:sp>
-      <p:sp>
-        <p:nvSpPr>
-          <p:cNvPr id="3" name="AutoShape 3"/>
-          <p:cNvSpPr/>
-          <p:nvPr/>
-        </p:nvSpPr>
-        <p:spPr>
-          <a:xfrm flipV="1">
-            <a:off x="1006877" y="1033462"/>
-            <a:ext cx="16230594" cy="38509"/>
-          </a:xfrm>
-          <a:prstGeom prst="line">
-            <a:avLst/>
-          </a:prstGeom>
-          <a:ln w="9525" cap="flat">
-            <a:solidFill>
-              <a:srgbClr val="2B2C30"/>
-            </a:solidFill>
-            <a:prstDash val="solid"/>
-            <a:headEnd type="none" w="sm" len="sm"/>
-            <a:tailEnd type="none" w="sm" len="sm"/>
-          </a:ln>
-        </p:spPr>
-      </p:sp>
-      <p:sp>
-        <p:nvSpPr>
-          <p:cNvPr id="4" name="TextBox 4"/>
-          <p:cNvSpPr txBox="1"/>
-          <p:nvPr/>
-        </p:nvSpPr>
-        <p:spPr>
-          <a:xfrm>
-            <a:off x="1186658" y="1166032"/>
-            <a:ext cx="16186942" cy="8804911"/>
-          </a:xfrm>
-          <a:prstGeom prst="rect">
-            <a:avLst/>
-          </a:prstGeom>
-        </p:spPr>
-        <p:txBody>
-          <a:bodyPr lIns="0" tIns="0" rIns="0" bIns="0" rtlCol="0" anchor="t">
-            <a:spAutoFit/>
-          </a:bodyPr>
-          <a:lstStyle/>
-          <a:p>
-            <a:pPr>
-              <a:lnSpc>
-                <a:spcPct val="150000"/>
-              </a:lnSpc>
-            </a:pPr>
-            <a:r>
-              <a:rPr lang="en-US" sz="2400" dirty="0">
-                <a:solidFill>
-                  <a:srgbClr val="2B2C30"/>
-                </a:solidFill>
-                <a:latin typeface="Canva Sans"/>
-              </a:rPr>
-              <a:t>public class </a:t>
-            </a:r>
-            <a:r>
-              <a:rPr lang="en-US" sz="2400" dirty="0" err="1">
-                <a:solidFill>
-                  <a:srgbClr val="2B2C30"/>
-                </a:solidFill>
-                <a:latin typeface="Canva Sans"/>
-              </a:rPr>
-              <a:t>RateLimiterProperties</a:t>
-            </a:r>
-            <a:r>
-              <a:rPr lang="en-US" sz="2400" dirty="0">
-                <a:solidFill>
-                  <a:srgbClr val="2B2C30"/>
-                </a:solidFill>
-                <a:latin typeface="Canva Sans"/>
-              </a:rPr>
-              <a:t> {</a:t>
-            </a:r>
-          </a:p>
-          <a:p>
-            <a:pPr>
-              <a:lnSpc>
-                <a:spcPct val="150000"/>
-              </a:lnSpc>
-            </a:pPr>
-            <a:r>
-              <a:rPr lang="en-US" sz="2400" dirty="0">
-                <a:solidFill>
-                  <a:srgbClr val="2B2C30"/>
-                </a:solidFill>
-                <a:latin typeface="Canva Sans"/>
-              </a:rPr>
-              <a:t>    private </a:t>
-            </a:r>
-            <a:r>
-              <a:rPr lang="en-US" sz="2400" dirty="0" err="1">
-                <a:solidFill>
-                  <a:srgbClr val="2B2C30"/>
-                </a:solidFill>
-                <a:latin typeface="Canva Sans"/>
-              </a:rPr>
-              <a:t>boolean</a:t>
-            </a:r>
-            <a:r>
-              <a:rPr lang="en-US" sz="2400" dirty="0">
-                <a:solidFill>
-                  <a:srgbClr val="2B2C30"/>
-                </a:solidFill>
-                <a:latin typeface="Canva Sans"/>
-              </a:rPr>
-              <a:t> enabled;</a:t>
-            </a:r>
-          </a:p>
-          <a:p>
-            <a:pPr>
-              <a:lnSpc>
-                <a:spcPct val="150000"/>
-              </a:lnSpc>
-            </a:pPr>
-            <a:r>
-              <a:rPr lang="en-US" sz="2400" dirty="0">
-                <a:solidFill>
-                  <a:srgbClr val="2B2C30"/>
-                </a:solidFill>
-                <a:latin typeface="Canva Sans"/>
-              </a:rPr>
-              <a:t>    private </a:t>
-            </a:r>
-            <a:r>
-              <a:rPr lang="en-US" sz="2400" dirty="0" err="1">
-                <a:solidFill>
-                  <a:srgbClr val="2B2C30"/>
-                </a:solidFill>
-                <a:latin typeface="Canva Sans"/>
-              </a:rPr>
-              <a:t>RateLimiterType</a:t>
-            </a:r>
-            <a:r>
-              <a:rPr lang="en-US" sz="2400" dirty="0">
-                <a:solidFill>
-                  <a:srgbClr val="2B2C30"/>
-                </a:solidFill>
-                <a:latin typeface="Canva Sans"/>
-              </a:rPr>
-              <a:t> algorithm;</a:t>
-            </a:r>
-          </a:p>
-          <a:p>
-            <a:pPr>
-              <a:lnSpc>
-                <a:spcPct val="150000"/>
-              </a:lnSpc>
-            </a:pPr>
-            <a:r>
-              <a:rPr lang="en-US" sz="2400" dirty="0">
-                <a:solidFill>
-                  <a:srgbClr val="2B2C30"/>
-                </a:solidFill>
-                <a:latin typeface="Canva Sans"/>
-              </a:rPr>
-              <a:t>    private Map&lt;String, Policy&gt; service = new HashMap&lt;&gt;();</a:t>
-            </a:r>
-          </a:p>
-          <a:p>
-            <a:pPr>
-              <a:lnSpc>
-                <a:spcPct val="150000"/>
-              </a:lnSpc>
-            </a:pPr>
-            <a:endParaRPr lang="en-US" sz="2400" dirty="0">
-              <a:solidFill>
-                <a:srgbClr val="2B2C30"/>
-              </a:solidFill>
-              <a:latin typeface="Canva Sans"/>
-            </a:endParaRPr>
-          </a:p>
-          <a:p>
-            <a:pPr>
-              <a:lnSpc>
-                <a:spcPct val="150000"/>
-              </a:lnSpc>
-            </a:pPr>
-            <a:r>
-              <a:rPr lang="en-US" sz="2400" dirty="0">
-                <a:solidFill>
-                  <a:srgbClr val="2B2C30"/>
-                </a:solidFill>
-                <a:latin typeface="Canva Sans"/>
-              </a:rPr>
-              <a:t>    public static class Policy{</a:t>
-            </a:r>
-          </a:p>
-          <a:p>
-            <a:pPr>
-              <a:lnSpc>
-                <a:spcPct val="150000"/>
-              </a:lnSpc>
-            </a:pPr>
-            <a:r>
-              <a:rPr lang="en-US" sz="2400" dirty="0">
-                <a:solidFill>
-                  <a:srgbClr val="2B2C30"/>
-                </a:solidFill>
-                <a:latin typeface="Canva Sans"/>
-              </a:rPr>
-              <a:t>        private int limit;        </a:t>
-            </a:r>
-          </a:p>
-          <a:p>
-            <a:pPr>
-              <a:lnSpc>
-                <a:spcPct val="150000"/>
-              </a:lnSpc>
-            </a:pPr>
-            <a:r>
-              <a:rPr lang="en-US" sz="2400" dirty="0">
-                <a:solidFill>
-                  <a:srgbClr val="2B2C30"/>
-                </a:solidFill>
-                <a:latin typeface="Canva Sans"/>
-              </a:rPr>
-              <a:t>        private int </a:t>
-            </a:r>
-            <a:r>
-              <a:rPr lang="en-US" sz="2400" dirty="0" err="1">
-                <a:solidFill>
-                  <a:srgbClr val="2B2C30"/>
-                </a:solidFill>
-                <a:latin typeface="Canva Sans"/>
-              </a:rPr>
-              <a:t>refreshInterval</a:t>
-            </a:r>
-            <a:r>
-              <a:rPr lang="en-US" sz="2400" dirty="0">
-                <a:solidFill>
-                  <a:srgbClr val="2B2C30"/>
-                </a:solidFill>
-                <a:latin typeface="Canva Sans"/>
-              </a:rPr>
-              <a:t>;</a:t>
-            </a:r>
-          </a:p>
-          <a:p>
-            <a:pPr>
-              <a:lnSpc>
-                <a:spcPct val="150000"/>
-              </a:lnSpc>
-            </a:pPr>
-            <a:r>
-              <a:rPr lang="en-US" sz="2400" dirty="0">
-                <a:solidFill>
-                  <a:srgbClr val="2B2C30"/>
-                </a:solidFill>
-                <a:latin typeface="Canva Sans"/>
-              </a:rPr>
-              <a:t>        private Map&lt;String, </a:t>
-            </a:r>
-            <a:r>
-              <a:rPr lang="en-US" sz="2400" dirty="0" err="1">
-                <a:solidFill>
-                  <a:srgbClr val="2B2C30"/>
-                </a:solidFill>
-                <a:latin typeface="Canva Sans"/>
-              </a:rPr>
-              <a:t>ClientPolicy</a:t>
-            </a:r>
-            <a:r>
-              <a:rPr lang="en-US" sz="2400" dirty="0">
-                <a:solidFill>
-                  <a:srgbClr val="2B2C30"/>
-                </a:solidFill>
-                <a:latin typeface="Canva Sans"/>
-              </a:rPr>
-              <a:t>&gt; client = new HashMap&lt;&gt;();</a:t>
-            </a:r>
-          </a:p>
-          <a:p>
-            <a:pPr>
-              <a:lnSpc>
-                <a:spcPct val="150000"/>
-              </a:lnSpc>
-            </a:pPr>
-            <a:r>
-              <a:rPr lang="en-US" sz="2400" dirty="0">
-                <a:solidFill>
-                  <a:srgbClr val="2B2C30"/>
-                </a:solidFill>
-                <a:latin typeface="Canva Sans"/>
-              </a:rPr>
-              <a:t>    }</a:t>
-            </a:r>
-          </a:p>
-          <a:p>
-            <a:pPr>
-              <a:lnSpc>
-                <a:spcPct val="150000"/>
-              </a:lnSpc>
-            </a:pPr>
-            <a:r>
-              <a:rPr lang="en-US" sz="2400" dirty="0">
-                <a:solidFill>
-                  <a:srgbClr val="2B2C30"/>
-                </a:solidFill>
-                <a:latin typeface="Canva Sans"/>
-              </a:rPr>
-              <a:t>    public static class </a:t>
-            </a:r>
-            <a:r>
-              <a:rPr lang="en-US" sz="2400" dirty="0" err="1">
-                <a:solidFill>
-                  <a:srgbClr val="2B2C30"/>
-                </a:solidFill>
-                <a:latin typeface="Canva Sans"/>
-              </a:rPr>
-              <a:t>ClientPolicy</a:t>
-            </a:r>
-            <a:r>
-              <a:rPr lang="en-US" sz="2400" dirty="0">
-                <a:solidFill>
-                  <a:srgbClr val="2B2C30"/>
-                </a:solidFill>
-                <a:latin typeface="Canva Sans"/>
-              </a:rPr>
-              <a:t>{</a:t>
-            </a:r>
-          </a:p>
-          <a:p>
-            <a:pPr>
-              <a:lnSpc>
-                <a:spcPct val="150000"/>
-              </a:lnSpc>
-            </a:pPr>
-            <a:r>
-              <a:rPr lang="en-US" sz="2400" dirty="0">
-                <a:solidFill>
-                  <a:srgbClr val="2B2C30"/>
-                </a:solidFill>
-                <a:latin typeface="Canva Sans"/>
-              </a:rPr>
-              <a:t>        private int </a:t>
-            </a:r>
-            <a:r>
-              <a:rPr lang="en-US" sz="2400" dirty="0" err="1">
-                <a:solidFill>
-                  <a:srgbClr val="2B2C30"/>
-                </a:solidFill>
-                <a:latin typeface="Canva Sans"/>
-              </a:rPr>
-              <a:t>clientLimit</a:t>
-            </a:r>
-            <a:r>
-              <a:rPr lang="en-US" sz="2400" dirty="0">
-                <a:solidFill>
-                  <a:srgbClr val="2B2C30"/>
-                </a:solidFill>
-                <a:latin typeface="Canva Sans"/>
-              </a:rPr>
-              <a:t>;        </a:t>
-            </a:r>
-          </a:p>
-          <a:p>
-            <a:pPr>
-              <a:lnSpc>
-                <a:spcPct val="150000"/>
-              </a:lnSpc>
-            </a:pPr>
-            <a:r>
-              <a:rPr lang="en-US" sz="2400" dirty="0">
-                <a:solidFill>
-                  <a:srgbClr val="2B2C30"/>
-                </a:solidFill>
-                <a:latin typeface="Canva Sans"/>
-              </a:rPr>
-              <a:t>        private int </a:t>
-            </a:r>
-            <a:r>
-              <a:rPr lang="en-US" sz="2400" dirty="0" err="1">
-                <a:solidFill>
-                  <a:srgbClr val="2B2C30"/>
-                </a:solidFill>
-                <a:latin typeface="Canva Sans"/>
-              </a:rPr>
-              <a:t>clientRefreshInterval</a:t>
-            </a:r>
-            <a:r>
-              <a:rPr lang="en-US" sz="2400" dirty="0">
-                <a:solidFill>
-                  <a:srgbClr val="2B2C30"/>
-                </a:solidFill>
-                <a:latin typeface="Canva Sans"/>
-              </a:rPr>
-              <a:t>;</a:t>
-            </a:r>
-          </a:p>
-          <a:p>
-            <a:pPr>
-              <a:lnSpc>
-                <a:spcPct val="150000"/>
-              </a:lnSpc>
-            </a:pPr>
-            <a:r>
-              <a:rPr lang="en-US" sz="2400" dirty="0">
-                <a:solidFill>
-                  <a:srgbClr val="2B2C30"/>
-                </a:solidFill>
-                <a:latin typeface="Canva Sans"/>
-              </a:rPr>
-              <a:t>    }</a:t>
-            </a:r>
-          </a:p>
-          <a:p>
-            <a:pPr>
-              <a:lnSpc>
-                <a:spcPct val="150000"/>
-              </a:lnSpc>
-            </a:pPr>
-            <a:r>
-              <a:rPr lang="en-US" sz="2400" dirty="0">
-                <a:solidFill>
-                  <a:srgbClr val="2B2C30"/>
-                </a:solidFill>
-                <a:latin typeface="Canva Sans"/>
-              </a:rPr>
-              <a:t>}</a:t>
-            </a:r>
-          </a:p>
-          <a:p>
-            <a:pPr>
-              <a:lnSpc>
-                <a:spcPct val="150000"/>
-              </a:lnSpc>
-            </a:pPr>
-            <a:endParaRPr lang="en-US" sz="2400" dirty="0">
-              <a:solidFill>
-                <a:srgbClr val="2B2C30"/>
-              </a:solidFill>
-              <a:latin typeface="Canva Sans"/>
-            </a:endParaRPr>
-          </a:p>
-        </p:txBody>
-      </p:sp>
     </p:spTree>
   </p:cSld>
   <p:clrMapOvr>
